--- a/Material/JP-Project-Presentation-Template.pptx
+++ b/Material/JP-Project-Presentation-Template.pptx
@@ -6,17 +6,16 @@
   </p:sldMasterIdLst>
   <p:sldIdLst>
     <p:sldId id="258" r:id="rId2"/>
-    <p:sldId id="269" r:id="rId3"/>
-    <p:sldId id="257" r:id="rId4"/>
-    <p:sldId id="259" r:id="rId5"/>
-    <p:sldId id="261" r:id="rId6"/>
-    <p:sldId id="263" r:id="rId7"/>
-    <p:sldId id="260" r:id="rId8"/>
-    <p:sldId id="264" r:id="rId9"/>
-    <p:sldId id="265" r:id="rId10"/>
-    <p:sldId id="267" r:id="rId11"/>
-    <p:sldId id="266" r:id="rId12"/>
-    <p:sldId id="268" r:id="rId13"/>
+    <p:sldId id="257" r:id="rId3"/>
+    <p:sldId id="259" r:id="rId4"/>
+    <p:sldId id="261" r:id="rId5"/>
+    <p:sldId id="263" r:id="rId6"/>
+    <p:sldId id="260" r:id="rId7"/>
+    <p:sldId id="264" r:id="rId8"/>
+    <p:sldId id="265" r:id="rId9"/>
+    <p:sldId id="267" r:id="rId10"/>
+    <p:sldId id="266" r:id="rId11"/>
+    <p:sldId id="268" r:id="rId12"/>
   </p:sldIdLst>
   <p:sldSz cx="12192000" cy="6858000"/>
   <p:notesSz cx="6858000" cy="9144000"/>
@@ -1014,8 +1013,14 @@
         <a:lstStyle/>
         <a:p>
           <a:r>
-            <a:rPr lang="en-US"/>
-            <a:t>Feature 1</a:t>
+            <a:rPr lang="en-US" dirty="0" smtClean="0"/>
+            <a:t>Buy New</a:t>
+          </a:r>
+        </a:p>
+        <a:p>
+          <a:r>
+            <a:rPr lang="en-US" dirty="0" smtClean="0"/>
+            <a:t>Policy</a:t>
           </a:r>
           <a:endParaRPr lang="en-US" dirty="0"/>
         </a:p>
@@ -1051,8 +1056,8 @@
         <a:lstStyle/>
         <a:p>
           <a:r>
-            <a:rPr lang="en-US"/>
-            <a:t>Feature </a:t>
+            <a:rPr lang="en-US" dirty="0" smtClean="0"/>
+            <a:t>View policy </a:t>
           </a:r>
           <a:endParaRPr lang="en-US" dirty="0"/>
         </a:p>
@@ -1080,43 +1085,6 @@
         </a:p>
       </dgm:t>
     </dgm:pt>
-    <dgm:pt modelId="{E74D1812-5660-4F93-97AD-35A104ED8F5C}">
-      <dgm:prSet/>
-      <dgm:spPr/>
-      <dgm:t>
-        <a:bodyPr/>
-        <a:lstStyle/>
-        <a:p>
-          <a:r>
-            <a:rPr lang="en-US"/>
-            <a:t>Feature </a:t>
-          </a:r>
-          <a:endParaRPr lang="en-US" dirty="0"/>
-        </a:p>
-      </dgm:t>
-    </dgm:pt>
-    <dgm:pt modelId="{09CF62A9-4587-42CC-9DFC-E38532C55D1B}" type="parTrans" cxnId="{FF5C2F0C-24C6-48D4-9878-B1A55812749B}">
-      <dgm:prSet/>
-      <dgm:spPr/>
-      <dgm:t>
-        <a:bodyPr/>
-        <a:lstStyle/>
-        <a:p>
-          <a:endParaRPr lang="en-US"/>
-        </a:p>
-      </dgm:t>
-    </dgm:pt>
-    <dgm:pt modelId="{60D463AC-5031-4A2F-9999-AEC8B3AA1A01}" type="sibTrans" cxnId="{FF5C2F0C-24C6-48D4-9878-B1A55812749B}">
-      <dgm:prSet/>
-      <dgm:spPr/>
-      <dgm:t>
-        <a:bodyPr/>
-        <a:lstStyle/>
-        <a:p>
-          <a:endParaRPr lang="en-US"/>
-        </a:p>
-      </dgm:t>
-    </dgm:pt>
     <dgm:pt modelId="{779B84F6-4D08-4CD4-B405-3CBEC0B76463}">
       <dgm:prSet/>
       <dgm:spPr/>
@@ -1125,8 +1093,8 @@
         <a:lstStyle/>
         <a:p>
           <a:r>
-            <a:rPr lang="en-US"/>
-            <a:t>Feature </a:t>
+            <a:rPr lang="en-US" dirty="0" smtClean="0"/>
+            <a:t>Raise Query</a:t>
           </a:r>
           <a:endParaRPr lang="en-US" dirty="0"/>
         </a:p>
@@ -1162,8 +1130,8 @@
         <a:lstStyle/>
         <a:p>
           <a:r>
-            <a:rPr lang="en-US"/>
-            <a:t>5Feature </a:t>
+            <a:rPr lang="en-US" dirty="0" smtClean="0"/>
+            <a:t>View Query</a:t>
           </a:r>
           <a:endParaRPr lang="en-US" dirty="0"/>
         </a:p>
@@ -1199,8 +1167,8 @@
         <a:lstStyle/>
         <a:p>
           <a:r>
-            <a:rPr lang="en-US"/>
-            <a:t>6Feature </a:t>
+            <a:rPr lang="en-US" dirty="0" smtClean="0"/>
+            <a:t>Respond to Query</a:t>
           </a:r>
           <a:endParaRPr lang="en-US" dirty="0"/>
         </a:p>
@@ -1236,8 +1204,8 @@
         <a:lstStyle/>
         <a:p>
           <a:r>
-            <a:rPr lang="en-US"/>
-            <a:t>features</a:t>
+            <a:rPr lang="en-US" dirty="0" smtClean="0"/>
+            <a:t>View Quote	</a:t>
           </a:r>
           <a:endParaRPr lang="en-US" dirty="0"/>
         </a:p>
@@ -1273,8 +1241,8 @@
         <a:lstStyle/>
         <a:p>
           <a:r>
-            <a:rPr lang="en-US"/>
-            <a:t>text</a:t>
+            <a:rPr lang="en-US" dirty="0" smtClean="0"/>
+            <a:t>Role based feature</a:t>
           </a:r>
           <a:endParaRPr lang="en-US" dirty="0"/>
         </a:p>
@@ -1310,9 +1278,10 @@
         <a:lstStyle/>
         <a:p>
           <a:r>
-            <a:rPr lang="en-US" dirty="0"/>
-            <a:t>text</a:t>
+            <a:rPr lang="en-US" dirty="0" smtClean="0"/>
+            <a:t>Claim</a:t>
           </a:r>
+          <a:endParaRPr lang="en-US" dirty="0"/>
         </a:p>
       </dgm:t>
     </dgm:pt>
@@ -1338,6 +1307,43 @@
         </a:p>
       </dgm:t>
     </dgm:pt>
+    <dgm:pt modelId="{E74D1812-5660-4F93-97AD-35A104ED8F5C}">
+      <dgm:prSet/>
+      <dgm:spPr/>
+      <dgm:t>
+        <a:bodyPr/>
+        <a:lstStyle/>
+        <a:p>
+          <a:r>
+            <a:rPr lang="en-US" dirty="0" smtClean="0"/>
+            <a:t>Renew Policy</a:t>
+          </a:r>
+          <a:endParaRPr lang="en-US" dirty="0"/>
+        </a:p>
+      </dgm:t>
+    </dgm:pt>
+    <dgm:pt modelId="{60D463AC-5031-4A2F-9999-AEC8B3AA1A01}" type="sibTrans" cxnId="{FF5C2F0C-24C6-48D4-9878-B1A55812749B}">
+      <dgm:prSet/>
+      <dgm:spPr/>
+      <dgm:t>
+        <a:bodyPr/>
+        <a:lstStyle/>
+        <a:p>
+          <a:endParaRPr lang="en-US"/>
+        </a:p>
+      </dgm:t>
+    </dgm:pt>
+    <dgm:pt modelId="{09CF62A9-4587-42CC-9DFC-E38532C55D1B}" type="parTrans" cxnId="{FF5C2F0C-24C6-48D4-9878-B1A55812749B}">
+      <dgm:prSet/>
+      <dgm:spPr/>
+      <dgm:t>
+        <a:bodyPr/>
+        <a:lstStyle/>
+        <a:p>
+          <a:endParaRPr lang="en-US"/>
+        </a:p>
+      </dgm:t>
+    </dgm:pt>
     <dgm:pt modelId="{1905D24B-D380-4979-986A-4CC763A3ABBA}" type="pres">
       <dgm:prSet presAssocID="{DA7D0D47-941A-4E90-A8C9-1BC23F98B0E9}" presName="diagram" presStyleCnt="0">
         <dgm:presLayoutVars>
@@ -1346,6 +1352,13 @@
         </dgm:presLayoutVars>
       </dgm:prSet>
       <dgm:spPr/>
+      <dgm:t>
+        <a:bodyPr/>
+        <a:lstStyle/>
+        <a:p>
+          <a:endParaRPr lang="en-US"/>
+        </a:p>
+      </dgm:t>
     </dgm:pt>
     <dgm:pt modelId="{C37E75A9-0717-4F97-B20A-B6B672615744}" type="pres">
       <dgm:prSet presAssocID="{0FC1267D-774B-4178-91D0-53287F02507D}" presName="node" presStyleLbl="node1" presStyleIdx="0" presStyleCnt="9">
@@ -1354,6 +1367,13 @@
         </dgm:presLayoutVars>
       </dgm:prSet>
       <dgm:spPr/>
+      <dgm:t>
+        <a:bodyPr/>
+        <a:lstStyle/>
+        <a:p>
+          <a:endParaRPr lang="en-US"/>
+        </a:p>
+      </dgm:t>
     </dgm:pt>
     <dgm:pt modelId="{8352C673-ED4A-449F-90F9-F24FD8C0ABDC}" type="pres">
       <dgm:prSet presAssocID="{9296892A-5C46-4167-B5DE-6B34F30DE6DF}" presName="sibTrans" presStyleCnt="0"/>
@@ -1366,6 +1386,13 @@
         </dgm:presLayoutVars>
       </dgm:prSet>
       <dgm:spPr/>
+      <dgm:t>
+        <a:bodyPr/>
+        <a:lstStyle/>
+        <a:p>
+          <a:endParaRPr lang="en-US"/>
+        </a:p>
+      </dgm:t>
     </dgm:pt>
     <dgm:pt modelId="{EE602C76-0FB4-480D-BB07-7F7772DB9BC4}" type="pres">
       <dgm:prSet presAssocID="{C54FE8BE-2C70-4D85-9DDE-FCBBBCDBC5A3}" presName="sibTrans" presStyleCnt="0"/>
@@ -1378,6 +1405,13 @@
         </dgm:presLayoutVars>
       </dgm:prSet>
       <dgm:spPr/>
+      <dgm:t>
+        <a:bodyPr/>
+        <a:lstStyle/>
+        <a:p>
+          <a:endParaRPr lang="en-US"/>
+        </a:p>
+      </dgm:t>
     </dgm:pt>
     <dgm:pt modelId="{B0FC6150-7871-48BD-8379-776058563598}" type="pres">
       <dgm:prSet presAssocID="{60D463AC-5031-4A2F-9999-AEC8B3AA1A01}" presName="sibTrans" presStyleCnt="0"/>
@@ -1390,6 +1424,13 @@
         </dgm:presLayoutVars>
       </dgm:prSet>
       <dgm:spPr/>
+      <dgm:t>
+        <a:bodyPr/>
+        <a:lstStyle/>
+        <a:p>
+          <a:endParaRPr lang="en-US"/>
+        </a:p>
+      </dgm:t>
     </dgm:pt>
     <dgm:pt modelId="{48F0288F-568A-478A-953B-B2CD8E367952}" type="pres">
       <dgm:prSet presAssocID="{23AAF287-7DB5-4543-B322-1118B1FA6B8B}" presName="sibTrans" presStyleCnt="0"/>
@@ -1402,6 +1443,13 @@
         </dgm:presLayoutVars>
       </dgm:prSet>
       <dgm:spPr/>
+      <dgm:t>
+        <a:bodyPr/>
+        <a:lstStyle/>
+        <a:p>
+          <a:endParaRPr lang="en-US"/>
+        </a:p>
+      </dgm:t>
     </dgm:pt>
     <dgm:pt modelId="{862E3471-0FE7-49B9-AA4E-55C70D4D5C34}" type="pres">
       <dgm:prSet presAssocID="{DEA2219B-A436-4D5F-87CE-C26D3B3FCD7A}" presName="sibTrans" presStyleCnt="0"/>
@@ -1414,6 +1462,13 @@
         </dgm:presLayoutVars>
       </dgm:prSet>
       <dgm:spPr/>
+      <dgm:t>
+        <a:bodyPr/>
+        <a:lstStyle/>
+        <a:p>
+          <a:endParaRPr lang="en-US"/>
+        </a:p>
+      </dgm:t>
     </dgm:pt>
     <dgm:pt modelId="{55C78CCE-1119-4DCA-A332-4C69EFE995F6}" type="pres">
       <dgm:prSet presAssocID="{1F75260A-6106-4F94-9F12-8611EF55389F}" presName="sibTrans" presStyleCnt="0"/>
@@ -1426,6 +1481,13 @@
         </dgm:presLayoutVars>
       </dgm:prSet>
       <dgm:spPr/>
+      <dgm:t>
+        <a:bodyPr/>
+        <a:lstStyle/>
+        <a:p>
+          <a:endParaRPr lang="en-US"/>
+        </a:p>
+      </dgm:t>
     </dgm:pt>
     <dgm:pt modelId="{74AAAEF3-ECA8-42FF-B263-A626BFD517C0}" type="pres">
       <dgm:prSet presAssocID="{6D559A66-CECD-4E3B-ABB9-E739F0E85395}" presName="sibTrans" presStyleCnt="0"/>
@@ -1438,6 +1500,13 @@
         </dgm:presLayoutVars>
       </dgm:prSet>
       <dgm:spPr/>
+      <dgm:t>
+        <a:bodyPr/>
+        <a:lstStyle/>
+        <a:p>
+          <a:endParaRPr lang="en-US"/>
+        </a:p>
+      </dgm:t>
     </dgm:pt>
     <dgm:pt modelId="{4DA554F3-6B5F-42AD-8B24-0E04E3CA08F8}" type="pres">
       <dgm:prSet presAssocID="{4D0BE685-6BD1-4D53-9C4B-E9A2CA16ED31}" presName="sibTrans" presStyleCnt="0"/>
@@ -1450,28 +1519,35 @@
         </dgm:presLayoutVars>
       </dgm:prSet>
       <dgm:spPr/>
+      <dgm:t>
+        <a:bodyPr/>
+        <a:lstStyle/>
+        <a:p>
+          <a:endParaRPr lang="en-US"/>
+        </a:p>
+      </dgm:t>
     </dgm:pt>
   </dgm:ptLst>
   <dgm:cxnLst>
+    <dgm:cxn modelId="{82ECDEF1-1700-4CA2-B2F8-ADE186F097C4}" type="presOf" srcId="{BD4F5DE4-1CB7-4AE6-9F54-C8E00A659DFE}" destId="{DEA41B82-6E90-4349-AD1B-B9B98F11E069}" srcOrd="0" destOrd="0" presId="urn:microsoft.com/office/officeart/2005/8/layout/default"/>
+    <dgm:cxn modelId="{2FC287AE-37CA-4EB7-97B8-ECC49E794A92}" srcId="{DA7D0D47-941A-4E90-A8C9-1BC23F98B0E9}" destId="{779B84F6-4D08-4CD4-B405-3CBEC0B76463}" srcOrd="3" destOrd="0" parTransId="{B8C7C023-6B19-48FA-8D65-A11D157E152F}" sibTransId="{23AAF287-7DB5-4543-B322-1118B1FA6B8B}"/>
+    <dgm:cxn modelId="{C2A799F9-0F93-49DD-9204-07AD1013C847}" type="presOf" srcId="{65D476E5-9F40-4D58-8999-B602D1EC245E}" destId="{04506B76-3E30-4CD8-8F67-F8597089510D}" srcOrd="0" destOrd="0" presId="urn:microsoft.com/office/officeart/2005/8/layout/default"/>
+    <dgm:cxn modelId="{3CDEA188-1D21-4720-9EC9-E6E5DEA491E2}" type="presOf" srcId="{E74D1812-5660-4F93-97AD-35A104ED8F5C}" destId="{C2DAFC14-2F54-4DF2-ADD9-B89D5EFF836B}" srcOrd="0" destOrd="0" presId="urn:microsoft.com/office/officeart/2005/8/layout/default"/>
+    <dgm:cxn modelId="{34CFF7DB-4555-44FC-A17A-55485E055DA1}" type="presOf" srcId="{779B84F6-4D08-4CD4-B405-3CBEC0B76463}" destId="{520DD30E-9F5B-4C4A-A5DC-0DF78E4FBA26}" srcOrd="0" destOrd="0" presId="urn:microsoft.com/office/officeart/2005/8/layout/default"/>
+    <dgm:cxn modelId="{44D4DA36-C897-4957-9374-27460A6A7401}" type="presOf" srcId="{46DC3184-006E-48A5-931B-1A6D11BCFD22}" destId="{07FBD5E6-530E-4CB0-A1D6-755E1DF372B8}" srcOrd="0" destOrd="0" presId="urn:microsoft.com/office/officeart/2005/8/layout/default"/>
+    <dgm:cxn modelId="{5DBF5A53-DEF5-4776-9774-5595AB746EE0}" srcId="{DA7D0D47-941A-4E90-A8C9-1BC23F98B0E9}" destId="{9EAD06F8-FABE-43D5-919E-A10C347A0BB3}" srcOrd="4" destOrd="0" parTransId="{11B47052-1EE3-40F8-A745-F978F529D30A}" sibTransId="{DEA2219B-A436-4D5F-87CE-C26D3B3FCD7A}"/>
+    <dgm:cxn modelId="{FF5C2F0C-24C6-48D4-9878-B1A55812749B}" srcId="{DA7D0D47-941A-4E90-A8C9-1BC23F98B0E9}" destId="{E74D1812-5660-4F93-97AD-35A104ED8F5C}" srcOrd="2" destOrd="0" parTransId="{09CF62A9-4587-42CC-9DFC-E38532C55D1B}" sibTransId="{60D463AC-5031-4A2F-9999-AEC8B3AA1A01}"/>
+    <dgm:cxn modelId="{72A2290D-34F4-4EE1-8F2A-97C6BDE56382}" type="presOf" srcId="{DA7D0D47-941A-4E90-A8C9-1BC23F98B0E9}" destId="{1905D24B-D380-4979-986A-4CC763A3ABBA}" srcOrd="0" destOrd="0" presId="urn:microsoft.com/office/officeart/2005/8/layout/default"/>
     <dgm:cxn modelId="{3B53D00B-7A41-4E41-89A3-CE90BEF64EEC}" srcId="{DA7D0D47-941A-4E90-A8C9-1BC23F98B0E9}" destId="{65D476E5-9F40-4D58-8999-B602D1EC245E}" srcOrd="6" destOrd="0" parTransId="{9319B468-6782-45A8-9D6B-2194444F47B2}" sibTransId="{6D559A66-CECD-4E3B-ABB9-E739F0E85395}"/>
-    <dgm:cxn modelId="{FF5C2F0C-24C6-48D4-9878-B1A55812749B}" srcId="{DA7D0D47-941A-4E90-A8C9-1BC23F98B0E9}" destId="{E74D1812-5660-4F93-97AD-35A104ED8F5C}" srcOrd="2" destOrd="0" parTransId="{09CF62A9-4587-42CC-9DFC-E38532C55D1B}" sibTransId="{60D463AC-5031-4A2F-9999-AEC8B3AA1A01}"/>
+    <dgm:cxn modelId="{D8FBF167-0BE6-46B1-B1AC-B89EF22040F0}" type="presOf" srcId="{9EAD06F8-FABE-43D5-919E-A10C347A0BB3}" destId="{1C4681E6-90A5-43A5-AF1D-054F12F18D4F}" srcOrd="0" destOrd="0" presId="urn:microsoft.com/office/officeart/2005/8/layout/default"/>
+    <dgm:cxn modelId="{783DEDDE-6C64-41C9-B049-2E5EBFAB05FE}" type="presOf" srcId="{6C9D3587-1DD3-4CC3-9F6C-75EAF8711D10}" destId="{4104FE28-4C24-4F96-9F09-CF22C7929C2E}" srcOrd="0" destOrd="0" presId="urn:microsoft.com/office/officeart/2005/8/layout/default"/>
     <dgm:cxn modelId="{28B5B00C-93BF-4CDE-BB2B-3156F485DAA3}" srcId="{DA7D0D47-941A-4E90-A8C9-1BC23F98B0E9}" destId="{6C9D3587-1DD3-4CC3-9F6C-75EAF8711D10}" srcOrd="1" destOrd="0" parTransId="{306DA544-AE38-424C-B452-E75542B6930A}" sibTransId="{C54FE8BE-2C70-4D85-9DDE-FCBBBCDBC5A3}"/>
-    <dgm:cxn modelId="{72A2290D-34F4-4EE1-8F2A-97C6BDE56382}" type="presOf" srcId="{DA7D0D47-941A-4E90-A8C9-1BC23F98B0E9}" destId="{1905D24B-D380-4979-986A-4CC763A3ABBA}" srcOrd="0" destOrd="0" presId="urn:microsoft.com/office/officeart/2005/8/layout/default"/>
+    <dgm:cxn modelId="{FED695FB-F8DE-4520-9C2B-8EECF8651598}" type="presOf" srcId="{0FC1267D-774B-4178-91D0-53287F02507D}" destId="{C37E75A9-0717-4F97-B20A-B6B672615744}" srcOrd="0" destOrd="0" presId="urn:microsoft.com/office/officeart/2005/8/layout/default"/>
+    <dgm:cxn modelId="{99E565EA-907E-4C33-ACAF-89EE466F63C0}" srcId="{DA7D0D47-941A-4E90-A8C9-1BC23F98B0E9}" destId="{BD4F5DE4-1CB7-4AE6-9F54-C8E00A659DFE}" srcOrd="5" destOrd="0" parTransId="{2D4B59F1-2499-4514-AF91-E94D60EF9B21}" sibTransId="{1F75260A-6106-4F94-9F12-8611EF55389F}"/>
     <dgm:cxn modelId="{835FBE2C-B697-4F57-86A2-E3CC14651C1A}" type="presOf" srcId="{36FE9671-A017-4AF2-97BD-13559F0DD70F}" destId="{F2CA87C4-7BF9-425D-90B0-5D45FDABD5BF}" srcOrd="0" destOrd="0" presId="urn:microsoft.com/office/officeart/2005/8/layout/default"/>
-    <dgm:cxn modelId="{44D4DA36-C897-4957-9374-27460A6A7401}" type="presOf" srcId="{46DC3184-006E-48A5-931B-1A6D11BCFD22}" destId="{07FBD5E6-530E-4CB0-A1D6-755E1DF372B8}" srcOrd="0" destOrd="0" presId="urn:microsoft.com/office/officeart/2005/8/layout/default"/>
+    <dgm:cxn modelId="{545173DF-3F81-40B1-9D9D-55A5C269E023}" srcId="{DA7D0D47-941A-4E90-A8C9-1BC23F98B0E9}" destId="{0FC1267D-774B-4178-91D0-53287F02507D}" srcOrd="0" destOrd="0" parTransId="{D86E059E-3AB6-428A-9B79-1722D1B6EF62}" sibTransId="{9296892A-5C46-4167-B5DE-6B34F30DE6DF}"/>
     <dgm:cxn modelId="{C23A6662-D41A-42D1-940D-1AC5C1868C19}" srcId="{DA7D0D47-941A-4E90-A8C9-1BC23F98B0E9}" destId="{46DC3184-006E-48A5-931B-1A6D11BCFD22}" srcOrd="8" destOrd="0" parTransId="{800B1DA6-E99C-47EA-A2DA-F8915A07042B}" sibTransId="{A371802C-393B-4811-BCEF-EE1AFDFF244B}"/>
-    <dgm:cxn modelId="{D8FBF167-0BE6-46B1-B1AC-B89EF22040F0}" type="presOf" srcId="{9EAD06F8-FABE-43D5-919E-A10C347A0BB3}" destId="{1C4681E6-90A5-43A5-AF1D-054F12F18D4F}" srcOrd="0" destOrd="0" presId="urn:microsoft.com/office/officeart/2005/8/layout/default"/>
-    <dgm:cxn modelId="{5DBF5A53-DEF5-4776-9774-5595AB746EE0}" srcId="{DA7D0D47-941A-4E90-A8C9-1BC23F98B0E9}" destId="{9EAD06F8-FABE-43D5-919E-A10C347A0BB3}" srcOrd="4" destOrd="0" parTransId="{11B47052-1EE3-40F8-A745-F978F529D30A}" sibTransId="{DEA2219B-A436-4D5F-87CE-C26D3B3FCD7A}"/>
-    <dgm:cxn modelId="{3CDEA188-1D21-4720-9EC9-E6E5DEA491E2}" type="presOf" srcId="{E74D1812-5660-4F93-97AD-35A104ED8F5C}" destId="{C2DAFC14-2F54-4DF2-ADD9-B89D5EFF836B}" srcOrd="0" destOrd="0" presId="urn:microsoft.com/office/officeart/2005/8/layout/default"/>
-    <dgm:cxn modelId="{2FC287AE-37CA-4EB7-97B8-ECC49E794A92}" srcId="{DA7D0D47-941A-4E90-A8C9-1BC23F98B0E9}" destId="{779B84F6-4D08-4CD4-B405-3CBEC0B76463}" srcOrd="3" destOrd="0" parTransId="{B8C7C023-6B19-48FA-8D65-A11D157E152F}" sibTransId="{23AAF287-7DB5-4543-B322-1118B1FA6B8B}"/>
-    <dgm:cxn modelId="{34CFF7DB-4555-44FC-A17A-55485E055DA1}" type="presOf" srcId="{779B84F6-4D08-4CD4-B405-3CBEC0B76463}" destId="{520DD30E-9F5B-4C4A-A5DC-0DF78E4FBA26}" srcOrd="0" destOrd="0" presId="urn:microsoft.com/office/officeart/2005/8/layout/default"/>
-    <dgm:cxn modelId="{783DEDDE-6C64-41C9-B049-2E5EBFAB05FE}" type="presOf" srcId="{6C9D3587-1DD3-4CC3-9F6C-75EAF8711D10}" destId="{4104FE28-4C24-4F96-9F09-CF22C7929C2E}" srcOrd="0" destOrd="0" presId="urn:microsoft.com/office/officeart/2005/8/layout/default"/>
-    <dgm:cxn modelId="{545173DF-3F81-40B1-9D9D-55A5C269E023}" srcId="{DA7D0D47-941A-4E90-A8C9-1BC23F98B0E9}" destId="{0FC1267D-774B-4178-91D0-53287F02507D}" srcOrd="0" destOrd="0" parTransId="{D86E059E-3AB6-428A-9B79-1722D1B6EF62}" sibTransId="{9296892A-5C46-4167-B5DE-6B34F30DE6DF}"/>
     <dgm:cxn modelId="{A08379DF-5948-4332-AFEE-638314E65472}" srcId="{DA7D0D47-941A-4E90-A8C9-1BC23F98B0E9}" destId="{36FE9671-A017-4AF2-97BD-13559F0DD70F}" srcOrd="7" destOrd="0" parTransId="{868B9A7B-4C5E-455A-8A25-CF770D50E5B3}" sibTransId="{4D0BE685-6BD1-4D53-9C4B-E9A2CA16ED31}"/>
-    <dgm:cxn modelId="{99E565EA-907E-4C33-ACAF-89EE466F63C0}" srcId="{DA7D0D47-941A-4E90-A8C9-1BC23F98B0E9}" destId="{BD4F5DE4-1CB7-4AE6-9F54-C8E00A659DFE}" srcOrd="5" destOrd="0" parTransId="{2D4B59F1-2499-4514-AF91-E94D60EF9B21}" sibTransId="{1F75260A-6106-4F94-9F12-8611EF55389F}"/>
-    <dgm:cxn modelId="{82ECDEF1-1700-4CA2-B2F8-ADE186F097C4}" type="presOf" srcId="{BD4F5DE4-1CB7-4AE6-9F54-C8E00A659DFE}" destId="{DEA41B82-6E90-4349-AD1B-B9B98F11E069}" srcOrd="0" destOrd="0" presId="urn:microsoft.com/office/officeart/2005/8/layout/default"/>
-    <dgm:cxn modelId="{C2A799F9-0F93-49DD-9204-07AD1013C847}" type="presOf" srcId="{65D476E5-9F40-4D58-8999-B602D1EC245E}" destId="{04506B76-3E30-4CD8-8F67-F8597089510D}" srcOrd="0" destOrd="0" presId="urn:microsoft.com/office/officeart/2005/8/layout/default"/>
-    <dgm:cxn modelId="{FED695FB-F8DE-4520-9C2B-8EECF8651598}" type="presOf" srcId="{0FC1267D-774B-4178-91D0-53287F02507D}" destId="{C37E75A9-0717-4F97-B20A-B6B672615744}" srcOrd="0" destOrd="0" presId="urn:microsoft.com/office/officeart/2005/8/layout/default"/>
     <dgm:cxn modelId="{0979B354-14CA-4FCC-9046-1F7399A57060}" type="presParOf" srcId="{1905D24B-D380-4979-986A-4CC763A3ABBA}" destId="{C37E75A9-0717-4F97-B20A-B6B672615744}" srcOrd="0" destOrd="0" presId="urn:microsoft.com/office/officeart/2005/8/layout/default"/>
     <dgm:cxn modelId="{93C36435-5953-4F0F-A09F-978B1AFD538A}" type="presParOf" srcId="{1905D24B-D380-4979-986A-4CC763A3ABBA}" destId="{8352C673-ED4A-449F-90F9-F24FD8C0ABDC}" srcOrd="1" destOrd="0" presId="urn:microsoft.com/office/officeart/2005/8/layout/default"/>
     <dgm:cxn modelId="{DDB4372C-8BB4-4294-A5EA-E65E8732BB2C}" type="presParOf" srcId="{1905D24B-D380-4979-986A-4CC763A3ABBA}" destId="{4104FE28-4C24-4F96-9F09-CF22C7929C2E}" srcOrd="2" destOrd="0" presId="urn:microsoft.com/office/officeart/2005/8/layout/default"/>
@@ -1559,12 +1635,12 @@
         </a:fontRef>
       </dsp:style>
       <dsp:txBody>
-        <a:bodyPr spcFirstLastPara="0" vert="horz" wrap="square" lIns="152400" tIns="152400" rIns="152400" bIns="152400" numCol="1" spcCol="1270" anchor="ctr" anchorCtr="0">
+        <a:bodyPr spcFirstLastPara="0" vert="horz" wrap="square" lIns="125730" tIns="125730" rIns="125730" bIns="125730" numCol="1" spcCol="1270" anchor="ctr" anchorCtr="0">
           <a:noAutofit/>
         </a:bodyPr>
         <a:lstStyle/>
         <a:p>
-          <a:pPr marL="0" lvl="0" indent="0" algn="ctr" defTabSz="1778000">
+          <a:pPr lvl="0" algn="ctr" defTabSz="1466850">
             <a:lnSpc>
               <a:spcPct val="90000"/>
             </a:lnSpc>
@@ -1574,13 +1650,29 @@
             <a:spcAft>
               <a:spcPct val="35000"/>
             </a:spcAft>
-            <a:buNone/>
           </a:pPr>
           <a:r>
-            <a:rPr lang="en-US" sz="4000" kern="1200"/>
-            <a:t>Feature 1</a:t>
+            <a:rPr lang="en-US" sz="3300" kern="1200" dirty="0" smtClean="0"/>
+            <a:t>Buy New</a:t>
           </a:r>
-          <a:endParaRPr lang="en-US" sz="4000" kern="1200" dirty="0"/>
+        </a:p>
+        <a:p>
+          <a:pPr lvl="0" algn="ctr" defTabSz="1466850">
+            <a:lnSpc>
+              <a:spcPct val="90000"/>
+            </a:lnSpc>
+            <a:spcBef>
+              <a:spcPct val="0"/>
+            </a:spcBef>
+            <a:spcAft>
+              <a:spcPct val="35000"/>
+            </a:spcAft>
+          </a:pPr>
+          <a:r>
+            <a:rPr lang="en-US" sz="3300" kern="1200" dirty="0" smtClean="0"/>
+            <a:t>Policy</a:t>
+          </a:r>
+          <a:endParaRPr lang="en-US" sz="3300" kern="1200" dirty="0"/>
         </a:p>
       </dsp:txBody>
       <dsp:txXfrm>
@@ -1639,12 +1731,12 @@
         </a:fontRef>
       </dsp:style>
       <dsp:txBody>
-        <a:bodyPr spcFirstLastPara="0" vert="horz" wrap="square" lIns="152400" tIns="152400" rIns="152400" bIns="152400" numCol="1" spcCol="1270" anchor="ctr" anchorCtr="0">
+        <a:bodyPr spcFirstLastPara="0" vert="horz" wrap="square" lIns="125730" tIns="125730" rIns="125730" bIns="125730" numCol="1" spcCol="1270" anchor="ctr" anchorCtr="0">
           <a:noAutofit/>
         </a:bodyPr>
         <a:lstStyle/>
         <a:p>
-          <a:pPr marL="0" lvl="0" indent="0" algn="ctr" defTabSz="1778000">
+          <a:pPr lvl="0" algn="ctr" defTabSz="1466850">
             <a:lnSpc>
               <a:spcPct val="90000"/>
             </a:lnSpc>
@@ -1654,13 +1746,12 @@
             <a:spcAft>
               <a:spcPct val="35000"/>
             </a:spcAft>
-            <a:buNone/>
           </a:pPr>
           <a:r>
-            <a:rPr lang="en-US" sz="4000" kern="1200"/>
-            <a:t>Feature </a:t>
+            <a:rPr lang="en-US" sz="3300" kern="1200" dirty="0" smtClean="0"/>
+            <a:t>View policy </a:t>
           </a:r>
-          <a:endParaRPr lang="en-US" sz="4000" kern="1200" dirty="0"/>
+          <a:endParaRPr lang="en-US" sz="3300" kern="1200" dirty="0"/>
         </a:p>
       </dsp:txBody>
       <dsp:txXfrm>
@@ -1719,12 +1810,12 @@
         </a:fontRef>
       </dsp:style>
       <dsp:txBody>
-        <a:bodyPr spcFirstLastPara="0" vert="horz" wrap="square" lIns="152400" tIns="152400" rIns="152400" bIns="152400" numCol="1" spcCol="1270" anchor="ctr" anchorCtr="0">
+        <a:bodyPr spcFirstLastPara="0" vert="horz" wrap="square" lIns="125730" tIns="125730" rIns="125730" bIns="125730" numCol="1" spcCol="1270" anchor="ctr" anchorCtr="0">
           <a:noAutofit/>
         </a:bodyPr>
         <a:lstStyle/>
         <a:p>
-          <a:pPr marL="0" lvl="0" indent="0" algn="ctr" defTabSz="1778000">
+          <a:pPr lvl="0" algn="ctr" defTabSz="1466850">
             <a:lnSpc>
               <a:spcPct val="90000"/>
             </a:lnSpc>
@@ -1734,13 +1825,12 @@
             <a:spcAft>
               <a:spcPct val="35000"/>
             </a:spcAft>
-            <a:buNone/>
           </a:pPr>
           <a:r>
-            <a:rPr lang="en-US" sz="4000" kern="1200"/>
-            <a:t>Feature </a:t>
+            <a:rPr lang="en-US" sz="3300" kern="1200" dirty="0" smtClean="0"/>
+            <a:t>Renew Policy</a:t>
           </a:r>
-          <a:endParaRPr lang="en-US" sz="4000" kern="1200" dirty="0"/>
+          <a:endParaRPr lang="en-US" sz="3300" kern="1200" dirty="0"/>
         </a:p>
       </dsp:txBody>
       <dsp:txXfrm>
@@ -1799,12 +1889,12 @@
         </a:fontRef>
       </dsp:style>
       <dsp:txBody>
-        <a:bodyPr spcFirstLastPara="0" vert="horz" wrap="square" lIns="152400" tIns="152400" rIns="152400" bIns="152400" numCol="1" spcCol="1270" anchor="ctr" anchorCtr="0">
+        <a:bodyPr spcFirstLastPara="0" vert="horz" wrap="square" lIns="125730" tIns="125730" rIns="125730" bIns="125730" numCol="1" spcCol="1270" anchor="ctr" anchorCtr="0">
           <a:noAutofit/>
         </a:bodyPr>
         <a:lstStyle/>
         <a:p>
-          <a:pPr marL="0" lvl="0" indent="0" algn="ctr" defTabSz="1778000">
+          <a:pPr lvl="0" algn="ctr" defTabSz="1466850">
             <a:lnSpc>
               <a:spcPct val="90000"/>
             </a:lnSpc>
@@ -1814,13 +1904,12 @@
             <a:spcAft>
               <a:spcPct val="35000"/>
             </a:spcAft>
-            <a:buNone/>
           </a:pPr>
           <a:r>
-            <a:rPr lang="en-US" sz="4000" kern="1200"/>
-            <a:t>Feature </a:t>
+            <a:rPr lang="en-US" sz="3300" kern="1200" dirty="0" smtClean="0"/>
+            <a:t>Raise Query</a:t>
           </a:r>
-          <a:endParaRPr lang="en-US" sz="4000" kern="1200" dirty="0"/>
+          <a:endParaRPr lang="en-US" sz="3300" kern="1200" dirty="0"/>
         </a:p>
       </dsp:txBody>
       <dsp:txXfrm>
@@ -1879,12 +1968,12 @@
         </a:fontRef>
       </dsp:style>
       <dsp:txBody>
-        <a:bodyPr spcFirstLastPara="0" vert="horz" wrap="square" lIns="152400" tIns="152400" rIns="152400" bIns="152400" numCol="1" spcCol="1270" anchor="ctr" anchorCtr="0">
+        <a:bodyPr spcFirstLastPara="0" vert="horz" wrap="square" lIns="125730" tIns="125730" rIns="125730" bIns="125730" numCol="1" spcCol="1270" anchor="ctr" anchorCtr="0">
           <a:noAutofit/>
         </a:bodyPr>
         <a:lstStyle/>
         <a:p>
-          <a:pPr marL="0" lvl="0" indent="0" algn="ctr" defTabSz="1778000">
+          <a:pPr lvl="0" algn="ctr" defTabSz="1466850">
             <a:lnSpc>
               <a:spcPct val="90000"/>
             </a:lnSpc>
@@ -1894,13 +1983,12 @@
             <a:spcAft>
               <a:spcPct val="35000"/>
             </a:spcAft>
-            <a:buNone/>
           </a:pPr>
           <a:r>
-            <a:rPr lang="en-US" sz="4000" kern="1200"/>
-            <a:t>5Feature </a:t>
+            <a:rPr lang="en-US" sz="3300" kern="1200" dirty="0" smtClean="0"/>
+            <a:t>View Query</a:t>
           </a:r>
-          <a:endParaRPr lang="en-US" sz="4000" kern="1200" dirty="0"/>
+          <a:endParaRPr lang="en-US" sz="3300" kern="1200" dirty="0"/>
         </a:p>
       </dsp:txBody>
       <dsp:txXfrm>
@@ -1959,12 +2047,12 @@
         </a:fontRef>
       </dsp:style>
       <dsp:txBody>
-        <a:bodyPr spcFirstLastPara="0" vert="horz" wrap="square" lIns="152400" tIns="152400" rIns="152400" bIns="152400" numCol="1" spcCol="1270" anchor="ctr" anchorCtr="0">
+        <a:bodyPr spcFirstLastPara="0" vert="horz" wrap="square" lIns="125730" tIns="125730" rIns="125730" bIns="125730" numCol="1" spcCol="1270" anchor="ctr" anchorCtr="0">
           <a:noAutofit/>
         </a:bodyPr>
         <a:lstStyle/>
         <a:p>
-          <a:pPr marL="0" lvl="0" indent="0" algn="ctr" defTabSz="1778000">
+          <a:pPr lvl="0" algn="ctr" defTabSz="1466850">
             <a:lnSpc>
               <a:spcPct val="90000"/>
             </a:lnSpc>
@@ -1974,13 +2062,12 @@
             <a:spcAft>
               <a:spcPct val="35000"/>
             </a:spcAft>
-            <a:buNone/>
           </a:pPr>
           <a:r>
-            <a:rPr lang="en-US" sz="4000" kern="1200"/>
-            <a:t>6Feature </a:t>
+            <a:rPr lang="en-US" sz="3300" kern="1200" dirty="0" smtClean="0"/>
+            <a:t>Respond to Query</a:t>
           </a:r>
-          <a:endParaRPr lang="en-US" sz="4000" kern="1200" dirty="0"/>
+          <a:endParaRPr lang="en-US" sz="3300" kern="1200" dirty="0"/>
         </a:p>
       </dsp:txBody>
       <dsp:txXfrm>
@@ -2039,12 +2126,12 @@
         </a:fontRef>
       </dsp:style>
       <dsp:txBody>
-        <a:bodyPr spcFirstLastPara="0" vert="horz" wrap="square" lIns="152400" tIns="152400" rIns="152400" bIns="152400" numCol="1" spcCol="1270" anchor="ctr" anchorCtr="0">
+        <a:bodyPr spcFirstLastPara="0" vert="horz" wrap="square" lIns="125730" tIns="125730" rIns="125730" bIns="125730" numCol="1" spcCol="1270" anchor="ctr" anchorCtr="0">
           <a:noAutofit/>
         </a:bodyPr>
         <a:lstStyle/>
         <a:p>
-          <a:pPr marL="0" lvl="0" indent="0" algn="ctr" defTabSz="1778000">
+          <a:pPr lvl="0" algn="ctr" defTabSz="1466850">
             <a:lnSpc>
               <a:spcPct val="90000"/>
             </a:lnSpc>
@@ -2054,13 +2141,12 @@
             <a:spcAft>
               <a:spcPct val="35000"/>
             </a:spcAft>
-            <a:buNone/>
           </a:pPr>
           <a:r>
-            <a:rPr lang="en-US" sz="4000" kern="1200"/>
-            <a:t>features</a:t>
+            <a:rPr lang="en-US" sz="3300" kern="1200" dirty="0" smtClean="0"/>
+            <a:t>View Quote	</a:t>
           </a:r>
-          <a:endParaRPr lang="en-US" sz="4000" kern="1200" dirty="0"/>
+          <a:endParaRPr lang="en-US" sz="3300" kern="1200" dirty="0"/>
         </a:p>
       </dsp:txBody>
       <dsp:txXfrm>
@@ -2119,12 +2205,12 @@
         </a:fontRef>
       </dsp:style>
       <dsp:txBody>
-        <a:bodyPr spcFirstLastPara="0" vert="horz" wrap="square" lIns="152400" tIns="152400" rIns="152400" bIns="152400" numCol="1" spcCol="1270" anchor="ctr" anchorCtr="0">
+        <a:bodyPr spcFirstLastPara="0" vert="horz" wrap="square" lIns="125730" tIns="125730" rIns="125730" bIns="125730" numCol="1" spcCol="1270" anchor="ctr" anchorCtr="0">
           <a:noAutofit/>
         </a:bodyPr>
         <a:lstStyle/>
         <a:p>
-          <a:pPr marL="0" lvl="0" indent="0" algn="ctr" defTabSz="1778000">
+          <a:pPr lvl="0" algn="ctr" defTabSz="1466850">
             <a:lnSpc>
               <a:spcPct val="90000"/>
             </a:lnSpc>
@@ -2134,13 +2220,12 @@
             <a:spcAft>
               <a:spcPct val="35000"/>
             </a:spcAft>
-            <a:buNone/>
           </a:pPr>
           <a:r>
-            <a:rPr lang="en-US" sz="4000" kern="1200"/>
-            <a:t>text</a:t>
+            <a:rPr lang="en-US" sz="3300" kern="1200" dirty="0" smtClean="0"/>
+            <a:t>Role based feature</a:t>
           </a:r>
-          <a:endParaRPr lang="en-US" sz="4000" kern="1200" dirty="0"/>
+          <a:endParaRPr lang="en-US" sz="3300" kern="1200" dirty="0"/>
         </a:p>
       </dsp:txBody>
       <dsp:txXfrm>
@@ -2199,12 +2284,12 @@
         </a:fontRef>
       </dsp:style>
       <dsp:txBody>
-        <a:bodyPr spcFirstLastPara="0" vert="horz" wrap="square" lIns="152400" tIns="152400" rIns="152400" bIns="152400" numCol="1" spcCol="1270" anchor="ctr" anchorCtr="0">
+        <a:bodyPr spcFirstLastPara="0" vert="horz" wrap="square" lIns="125730" tIns="125730" rIns="125730" bIns="125730" numCol="1" spcCol="1270" anchor="ctr" anchorCtr="0">
           <a:noAutofit/>
         </a:bodyPr>
         <a:lstStyle/>
         <a:p>
-          <a:pPr marL="0" lvl="0" indent="0" algn="ctr" defTabSz="1778000">
+          <a:pPr lvl="0" algn="ctr" defTabSz="1466850">
             <a:lnSpc>
               <a:spcPct val="90000"/>
             </a:lnSpc>
@@ -2214,12 +2299,12 @@
             <a:spcAft>
               <a:spcPct val="35000"/>
             </a:spcAft>
-            <a:buNone/>
           </a:pPr>
           <a:r>
-            <a:rPr lang="en-US" sz="4000" kern="1200" dirty="0"/>
-            <a:t>text</a:t>
+            <a:rPr lang="en-US" sz="3300" kern="1200" dirty="0" smtClean="0"/>
+            <a:t>Claim</a:t>
           </a:r>
+          <a:endParaRPr lang="en-US" sz="3300" kern="1200" dirty="0"/>
         </a:p>
       </dsp:txBody>
       <dsp:txXfrm>
@@ -3434,7 +3519,7 @@
           <p:cNvPr id="2" name="Title 1">
             <a:extLst>
               <a:ext uri="{FF2B5EF4-FFF2-40B4-BE49-F238E27FC236}">
-                <a16:creationId xmlns:a16="http://schemas.microsoft.com/office/drawing/2014/main" id="{8644F563-5448-4EAF-8B6F-F9B570758BE0}"/>
+                <a16:creationId xmlns:a16="http://schemas.microsoft.com/office/drawing/2014/main" xmlns="" id="{8644F563-5448-4EAF-8B6F-F9B570758BE0}"/>
               </a:ext>
             </a:extLst>
           </p:cNvPr>
@@ -3471,7 +3556,7 @@
           <p:cNvPr id="3" name="Subtitle 2">
             <a:extLst>
               <a:ext uri="{FF2B5EF4-FFF2-40B4-BE49-F238E27FC236}">
-                <a16:creationId xmlns:a16="http://schemas.microsoft.com/office/drawing/2014/main" id="{17E12E8B-7789-400F-9794-7CF27A2AA136}"/>
+                <a16:creationId xmlns:a16="http://schemas.microsoft.com/office/drawing/2014/main" xmlns="" id="{17E12E8B-7789-400F-9794-7CF27A2AA136}"/>
               </a:ext>
             </a:extLst>
           </p:cNvPr>
@@ -3541,7 +3626,7 @@
           <p:cNvPr id="4" name="Date Placeholder 3">
             <a:extLst>
               <a:ext uri="{FF2B5EF4-FFF2-40B4-BE49-F238E27FC236}">
-                <a16:creationId xmlns:a16="http://schemas.microsoft.com/office/drawing/2014/main" id="{F7D26E30-F0AE-47FF-A275-42A978481391}"/>
+                <a16:creationId xmlns:a16="http://schemas.microsoft.com/office/drawing/2014/main" xmlns="" id="{F7D26E30-F0AE-47FF-A275-42A978481391}"/>
               </a:ext>
             </a:extLst>
           </p:cNvPr>
@@ -3559,7 +3644,7 @@
           <a:p>
             <a:fld id="{5350A35F-9558-483A-A635-992D7AE24C3F}" type="datetimeFigureOut">
               <a:rPr lang="en-US" smtClean="0"/>
-              <a:t>1/9/2019</a:t>
+              <a:t>1/10/2019</a:t>
             </a:fld>
             <a:endParaRPr lang="en-US"/>
           </a:p>
@@ -3570,7 +3655,7 @@
           <p:cNvPr id="5" name="Footer Placeholder 4">
             <a:extLst>
               <a:ext uri="{FF2B5EF4-FFF2-40B4-BE49-F238E27FC236}">
-                <a16:creationId xmlns:a16="http://schemas.microsoft.com/office/drawing/2014/main" id="{14509DCC-A43C-473D-BD5D-7406B17AB708}"/>
+                <a16:creationId xmlns:a16="http://schemas.microsoft.com/office/drawing/2014/main" xmlns="" id="{14509DCC-A43C-473D-BD5D-7406B17AB708}"/>
               </a:ext>
             </a:extLst>
           </p:cNvPr>
@@ -3595,7 +3680,7 @@
           <p:cNvPr id="6" name="Slide Number Placeholder 5">
             <a:extLst>
               <a:ext uri="{FF2B5EF4-FFF2-40B4-BE49-F238E27FC236}">
-                <a16:creationId xmlns:a16="http://schemas.microsoft.com/office/drawing/2014/main" id="{F40797F9-B52C-4F40-9C91-51A5DFF05935}"/>
+                <a16:creationId xmlns:a16="http://schemas.microsoft.com/office/drawing/2014/main" xmlns="" id="{F40797F9-B52C-4F40-9C91-51A5DFF05935}"/>
               </a:ext>
             </a:extLst>
           </p:cNvPr>
@@ -3654,7 +3739,7 @@
           <p:cNvPr id="2" name="Title 1">
             <a:extLst>
               <a:ext uri="{FF2B5EF4-FFF2-40B4-BE49-F238E27FC236}">
-                <a16:creationId xmlns:a16="http://schemas.microsoft.com/office/drawing/2014/main" id="{53857DE8-1BD3-42CF-81A9-0711B9CBBE13}"/>
+                <a16:creationId xmlns:a16="http://schemas.microsoft.com/office/drawing/2014/main" xmlns="" id="{53857DE8-1BD3-42CF-81A9-0711B9CBBE13}"/>
               </a:ext>
             </a:extLst>
           </p:cNvPr>
@@ -3682,7 +3767,7 @@
           <p:cNvPr id="3" name="Vertical Text Placeholder 2">
             <a:extLst>
               <a:ext uri="{FF2B5EF4-FFF2-40B4-BE49-F238E27FC236}">
-                <a16:creationId xmlns:a16="http://schemas.microsoft.com/office/drawing/2014/main" id="{A42E2F5B-28A3-495B-94AE-843A6D8A30D0}"/>
+                <a16:creationId xmlns:a16="http://schemas.microsoft.com/office/drawing/2014/main" xmlns="" id="{A42E2F5B-28A3-495B-94AE-843A6D8A30D0}"/>
               </a:ext>
             </a:extLst>
           </p:cNvPr>
@@ -3739,7 +3824,7 @@
           <p:cNvPr id="4" name="Date Placeholder 3">
             <a:extLst>
               <a:ext uri="{FF2B5EF4-FFF2-40B4-BE49-F238E27FC236}">
-                <a16:creationId xmlns:a16="http://schemas.microsoft.com/office/drawing/2014/main" id="{7511E3DC-1DD5-4713-8E4B-27B491A13B72}"/>
+                <a16:creationId xmlns:a16="http://schemas.microsoft.com/office/drawing/2014/main" xmlns="" id="{7511E3DC-1DD5-4713-8E4B-27B491A13B72}"/>
               </a:ext>
             </a:extLst>
           </p:cNvPr>
@@ -3757,7 +3842,7 @@
           <a:p>
             <a:fld id="{5350A35F-9558-483A-A635-992D7AE24C3F}" type="datetimeFigureOut">
               <a:rPr lang="en-US" smtClean="0"/>
-              <a:t>1/9/2019</a:t>
+              <a:t>1/10/2019</a:t>
             </a:fld>
             <a:endParaRPr lang="en-US"/>
           </a:p>
@@ -3768,7 +3853,7 @@
           <p:cNvPr id="5" name="Footer Placeholder 4">
             <a:extLst>
               <a:ext uri="{FF2B5EF4-FFF2-40B4-BE49-F238E27FC236}">
-                <a16:creationId xmlns:a16="http://schemas.microsoft.com/office/drawing/2014/main" id="{048B2C3D-596A-4FCE-ADA1-345245362531}"/>
+                <a16:creationId xmlns:a16="http://schemas.microsoft.com/office/drawing/2014/main" xmlns="" id="{048B2C3D-596A-4FCE-ADA1-345245362531}"/>
               </a:ext>
             </a:extLst>
           </p:cNvPr>
@@ -3793,7 +3878,7 @@
           <p:cNvPr id="6" name="Slide Number Placeholder 5">
             <a:extLst>
               <a:ext uri="{FF2B5EF4-FFF2-40B4-BE49-F238E27FC236}">
-                <a16:creationId xmlns:a16="http://schemas.microsoft.com/office/drawing/2014/main" id="{AA6D4FB6-FFC5-42C0-9736-CFDE228E3E6D}"/>
+                <a16:creationId xmlns:a16="http://schemas.microsoft.com/office/drawing/2014/main" xmlns="" id="{AA6D4FB6-FFC5-42C0-9736-CFDE228E3E6D}"/>
               </a:ext>
             </a:extLst>
           </p:cNvPr>
@@ -3852,7 +3937,7 @@
           <p:cNvPr id="2" name="Vertical Title 1">
             <a:extLst>
               <a:ext uri="{FF2B5EF4-FFF2-40B4-BE49-F238E27FC236}">
-                <a16:creationId xmlns:a16="http://schemas.microsoft.com/office/drawing/2014/main" id="{0218D389-DEF8-4742-81AD-66F291EE2608}"/>
+                <a16:creationId xmlns:a16="http://schemas.microsoft.com/office/drawing/2014/main" xmlns="" id="{0218D389-DEF8-4742-81AD-66F291EE2608}"/>
               </a:ext>
             </a:extLst>
           </p:cNvPr>
@@ -3885,7 +3970,7 @@
           <p:cNvPr id="3" name="Vertical Text Placeholder 2">
             <a:extLst>
               <a:ext uri="{FF2B5EF4-FFF2-40B4-BE49-F238E27FC236}">
-                <a16:creationId xmlns:a16="http://schemas.microsoft.com/office/drawing/2014/main" id="{0C6AB7D0-AA87-4D80-85B5-0E9D2CE64AB0}"/>
+                <a16:creationId xmlns:a16="http://schemas.microsoft.com/office/drawing/2014/main" xmlns="" id="{0C6AB7D0-AA87-4D80-85B5-0E9D2CE64AB0}"/>
               </a:ext>
             </a:extLst>
           </p:cNvPr>
@@ -3947,7 +4032,7 @@
           <p:cNvPr id="4" name="Date Placeholder 3">
             <a:extLst>
               <a:ext uri="{FF2B5EF4-FFF2-40B4-BE49-F238E27FC236}">
-                <a16:creationId xmlns:a16="http://schemas.microsoft.com/office/drawing/2014/main" id="{02742176-7B18-45DA-A582-2E0B93A27FC6}"/>
+                <a16:creationId xmlns:a16="http://schemas.microsoft.com/office/drawing/2014/main" xmlns="" id="{02742176-7B18-45DA-A582-2E0B93A27FC6}"/>
               </a:ext>
             </a:extLst>
           </p:cNvPr>
@@ -3965,7 +4050,7 @@
           <a:p>
             <a:fld id="{5350A35F-9558-483A-A635-992D7AE24C3F}" type="datetimeFigureOut">
               <a:rPr lang="en-US" smtClean="0"/>
-              <a:t>1/9/2019</a:t>
+              <a:t>1/10/2019</a:t>
             </a:fld>
             <a:endParaRPr lang="en-US"/>
           </a:p>
@@ -3976,7 +4061,7 @@
           <p:cNvPr id="5" name="Footer Placeholder 4">
             <a:extLst>
               <a:ext uri="{FF2B5EF4-FFF2-40B4-BE49-F238E27FC236}">
-                <a16:creationId xmlns:a16="http://schemas.microsoft.com/office/drawing/2014/main" id="{88A9A0D3-490A-4A9C-899F-FA34BE21C1F3}"/>
+                <a16:creationId xmlns:a16="http://schemas.microsoft.com/office/drawing/2014/main" xmlns="" id="{88A9A0D3-490A-4A9C-899F-FA34BE21C1F3}"/>
               </a:ext>
             </a:extLst>
           </p:cNvPr>
@@ -4001,7 +4086,7 @@
           <p:cNvPr id="6" name="Slide Number Placeholder 5">
             <a:extLst>
               <a:ext uri="{FF2B5EF4-FFF2-40B4-BE49-F238E27FC236}">
-                <a16:creationId xmlns:a16="http://schemas.microsoft.com/office/drawing/2014/main" id="{385123BB-9E7F-4D41-AE39-61C5436F4268}"/>
+                <a16:creationId xmlns:a16="http://schemas.microsoft.com/office/drawing/2014/main" xmlns="" id="{385123BB-9E7F-4D41-AE39-61C5436F4268}"/>
               </a:ext>
             </a:extLst>
           </p:cNvPr>
@@ -4060,7 +4145,7 @@
           <p:cNvPr id="2" name="Title 1">
             <a:extLst>
               <a:ext uri="{FF2B5EF4-FFF2-40B4-BE49-F238E27FC236}">
-                <a16:creationId xmlns:a16="http://schemas.microsoft.com/office/drawing/2014/main" id="{615BEA8E-C18A-4B51-B954-2506E80A5A5B}"/>
+                <a16:creationId xmlns:a16="http://schemas.microsoft.com/office/drawing/2014/main" xmlns="" id="{615BEA8E-C18A-4B51-B954-2506E80A5A5B}"/>
               </a:ext>
             </a:extLst>
           </p:cNvPr>
@@ -4088,7 +4173,7 @@
           <p:cNvPr id="3" name="Content Placeholder 2">
             <a:extLst>
               <a:ext uri="{FF2B5EF4-FFF2-40B4-BE49-F238E27FC236}">
-                <a16:creationId xmlns:a16="http://schemas.microsoft.com/office/drawing/2014/main" id="{2B0CD9A7-0600-424F-9140-9DE80DD38006}"/>
+                <a16:creationId xmlns:a16="http://schemas.microsoft.com/office/drawing/2014/main" xmlns="" id="{2B0CD9A7-0600-424F-9140-9DE80DD38006}"/>
               </a:ext>
             </a:extLst>
           </p:cNvPr>
@@ -4145,7 +4230,7 @@
           <p:cNvPr id="4" name="Date Placeholder 3">
             <a:extLst>
               <a:ext uri="{FF2B5EF4-FFF2-40B4-BE49-F238E27FC236}">
-                <a16:creationId xmlns:a16="http://schemas.microsoft.com/office/drawing/2014/main" id="{594B4FD3-55C6-4233-82EC-643EE7C4D423}"/>
+                <a16:creationId xmlns:a16="http://schemas.microsoft.com/office/drawing/2014/main" xmlns="" id="{594B4FD3-55C6-4233-82EC-643EE7C4D423}"/>
               </a:ext>
             </a:extLst>
           </p:cNvPr>
@@ -4163,7 +4248,7 @@
           <a:p>
             <a:fld id="{5350A35F-9558-483A-A635-992D7AE24C3F}" type="datetimeFigureOut">
               <a:rPr lang="en-US" smtClean="0"/>
-              <a:t>1/9/2019</a:t>
+              <a:t>1/10/2019</a:t>
             </a:fld>
             <a:endParaRPr lang="en-US"/>
           </a:p>
@@ -4174,7 +4259,7 @@
           <p:cNvPr id="5" name="Footer Placeholder 4">
             <a:extLst>
               <a:ext uri="{FF2B5EF4-FFF2-40B4-BE49-F238E27FC236}">
-                <a16:creationId xmlns:a16="http://schemas.microsoft.com/office/drawing/2014/main" id="{3FAE2A83-6391-48EF-8111-14D78515A689}"/>
+                <a16:creationId xmlns:a16="http://schemas.microsoft.com/office/drawing/2014/main" xmlns="" id="{3FAE2A83-6391-48EF-8111-14D78515A689}"/>
               </a:ext>
             </a:extLst>
           </p:cNvPr>
@@ -4199,7 +4284,7 @@
           <p:cNvPr id="6" name="Slide Number Placeholder 5">
             <a:extLst>
               <a:ext uri="{FF2B5EF4-FFF2-40B4-BE49-F238E27FC236}">
-                <a16:creationId xmlns:a16="http://schemas.microsoft.com/office/drawing/2014/main" id="{D115D32F-22EB-4E1E-8EA4-024C392233FF}"/>
+                <a16:creationId xmlns:a16="http://schemas.microsoft.com/office/drawing/2014/main" xmlns="" id="{D115D32F-22EB-4E1E-8EA4-024C392233FF}"/>
               </a:ext>
             </a:extLst>
           </p:cNvPr>
@@ -4258,7 +4343,7 @@
           <p:cNvPr id="2" name="Title 1">
             <a:extLst>
               <a:ext uri="{FF2B5EF4-FFF2-40B4-BE49-F238E27FC236}">
-                <a16:creationId xmlns:a16="http://schemas.microsoft.com/office/drawing/2014/main" id="{7E46BAA7-B7B1-4D2C-AEFA-7115C75BFDE7}"/>
+                <a16:creationId xmlns:a16="http://schemas.microsoft.com/office/drawing/2014/main" xmlns="" id="{7E46BAA7-B7B1-4D2C-AEFA-7115C75BFDE7}"/>
               </a:ext>
             </a:extLst>
           </p:cNvPr>
@@ -4295,7 +4380,7 @@
           <p:cNvPr id="3" name="Text Placeholder 2">
             <a:extLst>
               <a:ext uri="{FF2B5EF4-FFF2-40B4-BE49-F238E27FC236}">
-                <a16:creationId xmlns:a16="http://schemas.microsoft.com/office/drawing/2014/main" id="{FA974AF7-0457-44D4-8F48-1A145B5B29D3}"/>
+                <a16:creationId xmlns:a16="http://schemas.microsoft.com/office/drawing/2014/main" xmlns="" id="{FA974AF7-0457-44D4-8F48-1A145B5B29D3}"/>
               </a:ext>
             </a:extLst>
           </p:cNvPr>
@@ -4420,7 +4505,7 @@
           <p:cNvPr id="4" name="Date Placeholder 3">
             <a:extLst>
               <a:ext uri="{FF2B5EF4-FFF2-40B4-BE49-F238E27FC236}">
-                <a16:creationId xmlns:a16="http://schemas.microsoft.com/office/drawing/2014/main" id="{5776E5E1-2EE8-4A7F-BD1C-1E4A830CD5A3}"/>
+                <a16:creationId xmlns:a16="http://schemas.microsoft.com/office/drawing/2014/main" xmlns="" id="{5776E5E1-2EE8-4A7F-BD1C-1E4A830CD5A3}"/>
               </a:ext>
             </a:extLst>
           </p:cNvPr>
@@ -4438,7 +4523,7 @@
           <a:p>
             <a:fld id="{5350A35F-9558-483A-A635-992D7AE24C3F}" type="datetimeFigureOut">
               <a:rPr lang="en-US" smtClean="0"/>
-              <a:t>1/9/2019</a:t>
+              <a:t>1/10/2019</a:t>
             </a:fld>
             <a:endParaRPr lang="en-US"/>
           </a:p>
@@ -4449,7 +4534,7 @@
           <p:cNvPr id="5" name="Footer Placeholder 4">
             <a:extLst>
               <a:ext uri="{FF2B5EF4-FFF2-40B4-BE49-F238E27FC236}">
-                <a16:creationId xmlns:a16="http://schemas.microsoft.com/office/drawing/2014/main" id="{8633053A-5A49-4A71-99DF-7A934D3EB44F}"/>
+                <a16:creationId xmlns:a16="http://schemas.microsoft.com/office/drawing/2014/main" xmlns="" id="{8633053A-5A49-4A71-99DF-7A934D3EB44F}"/>
               </a:ext>
             </a:extLst>
           </p:cNvPr>
@@ -4474,7 +4559,7 @@
           <p:cNvPr id="6" name="Slide Number Placeholder 5">
             <a:extLst>
               <a:ext uri="{FF2B5EF4-FFF2-40B4-BE49-F238E27FC236}">
-                <a16:creationId xmlns:a16="http://schemas.microsoft.com/office/drawing/2014/main" id="{1722784E-203B-438F-B2E7-8C78F749F88A}"/>
+                <a16:creationId xmlns:a16="http://schemas.microsoft.com/office/drawing/2014/main" xmlns="" id="{1722784E-203B-438F-B2E7-8C78F749F88A}"/>
               </a:ext>
             </a:extLst>
           </p:cNvPr>
@@ -4533,7 +4618,7 @@
           <p:cNvPr id="2" name="Title 1">
             <a:extLst>
               <a:ext uri="{FF2B5EF4-FFF2-40B4-BE49-F238E27FC236}">
-                <a16:creationId xmlns:a16="http://schemas.microsoft.com/office/drawing/2014/main" id="{ACFF0B98-C86F-4E33-BD52-7D2746ADBF8A}"/>
+                <a16:creationId xmlns:a16="http://schemas.microsoft.com/office/drawing/2014/main" xmlns="" id="{ACFF0B98-C86F-4E33-BD52-7D2746ADBF8A}"/>
               </a:ext>
             </a:extLst>
           </p:cNvPr>
@@ -4561,7 +4646,7 @@
           <p:cNvPr id="3" name="Content Placeholder 2">
             <a:extLst>
               <a:ext uri="{FF2B5EF4-FFF2-40B4-BE49-F238E27FC236}">
-                <a16:creationId xmlns:a16="http://schemas.microsoft.com/office/drawing/2014/main" id="{767BB0FC-7A6C-41A0-B600-E03D6F840CD2}"/>
+                <a16:creationId xmlns:a16="http://schemas.microsoft.com/office/drawing/2014/main" xmlns="" id="{767BB0FC-7A6C-41A0-B600-E03D6F840CD2}"/>
               </a:ext>
             </a:extLst>
           </p:cNvPr>
@@ -4623,7 +4708,7 @@
           <p:cNvPr id="4" name="Content Placeholder 3">
             <a:extLst>
               <a:ext uri="{FF2B5EF4-FFF2-40B4-BE49-F238E27FC236}">
-                <a16:creationId xmlns:a16="http://schemas.microsoft.com/office/drawing/2014/main" id="{4522A99C-31D2-4612-9303-7A584F0E6838}"/>
+                <a16:creationId xmlns:a16="http://schemas.microsoft.com/office/drawing/2014/main" xmlns="" id="{4522A99C-31D2-4612-9303-7A584F0E6838}"/>
               </a:ext>
             </a:extLst>
           </p:cNvPr>
@@ -4685,7 +4770,7 @@
           <p:cNvPr id="5" name="Date Placeholder 4">
             <a:extLst>
               <a:ext uri="{FF2B5EF4-FFF2-40B4-BE49-F238E27FC236}">
-                <a16:creationId xmlns:a16="http://schemas.microsoft.com/office/drawing/2014/main" id="{0D894365-66B7-4D17-BEA7-76B435D8A89C}"/>
+                <a16:creationId xmlns:a16="http://schemas.microsoft.com/office/drawing/2014/main" xmlns="" id="{0D894365-66B7-4D17-BEA7-76B435D8A89C}"/>
               </a:ext>
             </a:extLst>
           </p:cNvPr>
@@ -4703,7 +4788,7 @@
           <a:p>
             <a:fld id="{5350A35F-9558-483A-A635-992D7AE24C3F}" type="datetimeFigureOut">
               <a:rPr lang="en-US" smtClean="0"/>
-              <a:t>1/9/2019</a:t>
+              <a:t>1/10/2019</a:t>
             </a:fld>
             <a:endParaRPr lang="en-US"/>
           </a:p>
@@ -4714,7 +4799,7 @@
           <p:cNvPr id="6" name="Footer Placeholder 5">
             <a:extLst>
               <a:ext uri="{FF2B5EF4-FFF2-40B4-BE49-F238E27FC236}">
-                <a16:creationId xmlns:a16="http://schemas.microsoft.com/office/drawing/2014/main" id="{1C859067-E34A-4A43-A50F-0128A4EC970D}"/>
+                <a16:creationId xmlns:a16="http://schemas.microsoft.com/office/drawing/2014/main" xmlns="" id="{1C859067-E34A-4A43-A50F-0128A4EC970D}"/>
               </a:ext>
             </a:extLst>
           </p:cNvPr>
@@ -4739,7 +4824,7 @@
           <p:cNvPr id="7" name="Slide Number Placeholder 6">
             <a:extLst>
               <a:ext uri="{FF2B5EF4-FFF2-40B4-BE49-F238E27FC236}">
-                <a16:creationId xmlns:a16="http://schemas.microsoft.com/office/drawing/2014/main" id="{D6007750-081C-48B8-ACC6-8AA860610D27}"/>
+                <a16:creationId xmlns:a16="http://schemas.microsoft.com/office/drawing/2014/main" xmlns="" id="{D6007750-081C-48B8-ACC6-8AA860610D27}"/>
               </a:ext>
             </a:extLst>
           </p:cNvPr>
@@ -4798,7 +4883,7 @@
           <p:cNvPr id="2" name="Title 1">
             <a:extLst>
               <a:ext uri="{FF2B5EF4-FFF2-40B4-BE49-F238E27FC236}">
-                <a16:creationId xmlns:a16="http://schemas.microsoft.com/office/drawing/2014/main" id="{26818377-3B8B-4E05-93B2-8201883756A0}"/>
+                <a16:creationId xmlns:a16="http://schemas.microsoft.com/office/drawing/2014/main" xmlns="" id="{26818377-3B8B-4E05-93B2-8201883756A0}"/>
               </a:ext>
             </a:extLst>
           </p:cNvPr>
@@ -4831,7 +4916,7 @@
           <p:cNvPr id="3" name="Text Placeholder 2">
             <a:extLst>
               <a:ext uri="{FF2B5EF4-FFF2-40B4-BE49-F238E27FC236}">
-                <a16:creationId xmlns:a16="http://schemas.microsoft.com/office/drawing/2014/main" id="{FB240A1D-26F3-406B-84B4-9A54EC9DFB9A}"/>
+                <a16:creationId xmlns:a16="http://schemas.microsoft.com/office/drawing/2014/main" xmlns="" id="{FB240A1D-26F3-406B-84B4-9A54EC9DFB9A}"/>
               </a:ext>
             </a:extLst>
           </p:cNvPr>
@@ -4902,7 +4987,7 @@
           <p:cNvPr id="4" name="Content Placeholder 3">
             <a:extLst>
               <a:ext uri="{FF2B5EF4-FFF2-40B4-BE49-F238E27FC236}">
-                <a16:creationId xmlns:a16="http://schemas.microsoft.com/office/drawing/2014/main" id="{B25849A7-DB99-4271-9E5E-21EC4B196BF5}"/>
+                <a16:creationId xmlns:a16="http://schemas.microsoft.com/office/drawing/2014/main" xmlns="" id="{B25849A7-DB99-4271-9E5E-21EC4B196BF5}"/>
               </a:ext>
             </a:extLst>
           </p:cNvPr>
@@ -4964,7 +5049,7 @@
           <p:cNvPr id="5" name="Text Placeholder 4">
             <a:extLst>
               <a:ext uri="{FF2B5EF4-FFF2-40B4-BE49-F238E27FC236}">
-                <a16:creationId xmlns:a16="http://schemas.microsoft.com/office/drawing/2014/main" id="{84E364E0-0981-4174-AC8C-7B8AFC62E477}"/>
+                <a16:creationId xmlns:a16="http://schemas.microsoft.com/office/drawing/2014/main" xmlns="" id="{84E364E0-0981-4174-AC8C-7B8AFC62E477}"/>
               </a:ext>
             </a:extLst>
           </p:cNvPr>
@@ -5035,7 +5120,7 @@
           <p:cNvPr id="6" name="Content Placeholder 5">
             <a:extLst>
               <a:ext uri="{FF2B5EF4-FFF2-40B4-BE49-F238E27FC236}">
-                <a16:creationId xmlns:a16="http://schemas.microsoft.com/office/drawing/2014/main" id="{58EA8E32-50E2-46E5-A16A-22A64FDAAE71}"/>
+                <a16:creationId xmlns:a16="http://schemas.microsoft.com/office/drawing/2014/main" xmlns="" id="{58EA8E32-50E2-46E5-A16A-22A64FDAAE71}"/>
               </a:ext>
             </a:extLst>
           </p:cNvPr>
@@ -5097,7 +5182,7 @@
           <p:cNvPr id="7" name="Date Placeholder 6">
             <a:extLst>
               <a:ext uri="{FF2B5EF4-FFF2-40B4-BE49-F238E27FC236}">
-                <a16:creationId xmlns:a16="http://schemas.microsoft.com/office/drawing/2014/main" id="{D0E340B1-FB27-46EB-AA7B-3BC20D9BB7B4}"/>
+                <a16:creationId xmlns:a16="http://schemas.microsoft.com/office/drawing/2014/main" xmlns="" id="{D0E340B1-FB27-46EB-AA7B-3BC20D9BB7B4}"/>
               </a:ext>
             </a:extLst>
           </p:cNvPr>
@@ -5115,7 +5200,7 @@
           <a:p>
             <a:fld id="{5350A35F-9558-483A-A635-992D7AE24C3F}" type="datetimeFigureOut">
               <a:rPr lang="en-US" smtClean="0"/>
-              <a:t>1/9/2019</a:t>
+              <a:t>1/10/2019</a:t>
             </a:fld>
             <a:endParaRPr lang="en-US"/>
           </a:p>
@@ -5126,7 +5211,7 @@
           <p:cNvPr id="8" name="Footer Placeholder 7">
             <a:extLst>
               <a:ext uri="{FF2B5EF4-FFF2-40B4-BE49-F238E27FC236}">
-                <a16:creationId xmlns:a16="http://schemas.microsoft.com/office/drawing/2014/main" id="{46F24CC1-C65F-438B-989F-5A5C772A0A2C}"/>
+                <a16:creationId xmlns:a16="http://schemas.microsoft.com/office/drawing/2014/main" xmlns="" id="{46F24CC1-C65F-438B-989F-5A5C772A0A2C}"/>
               </a:ext>
             </a:extLst>
           </p:cNvPr>
@@ -5151,7 +5236,7 @@
           <p:cNvPr id="9" name="Slide Number Placeholder 8">
             <a:extLst>
               <a:ext uri="{FF2B5EF4-FFF2-40B4-BE49-F238E27FC236}">
-                <a16:creationId xmlns:a16="http://schemas.microsoft.com/office/drawing/2014/main" id="{35A43C97-0878-443E-8A4A-8784569E98CA}"/>
+                <a16:creationId xmlns:a16="http://schemas.microsoft.com/office/drawing/2014/main" xmlns="" id="{35A43C97-0878-443E-8A4A-8784569E98CA}"/>
               </a:ext>
             </a:extLst>
           </p:cNvPr>
@@ -5210,7 +5295,7 @@
           <p:cNvPr id="2" name="Title 1">
             <a:extLst>
               <a:ext uri="{FF2B5EF4-FFF2-40B4-BE49-F238E27FC236}">
-                <a16:creationId xmlns:a16="http://schemas.microsoft.com/office/drawing/2014/main" id="{EB2168A2-739C-4634-AB65-CA0330512692}"/>
+                <a16:creationId xmlns:a16="http://schemas.microsoft.com/office/drawing/2014/main" xmlns="" id="{EB2168A2-739C-4634-AB65-CA0330512692}"/>
               </a:ext>
             </a:extLst>
           </p:cNvPr>
@@ -5238,7 +5323,7 @@
           <p:cNvPr id="3" name="Date Placeholder 2">
             <a:extLst>
               <a:ext uri="{FF2B5EF4-FFF2-40B4-BE49-F238E27FC236}">
-                <a16:creationId xmlns:a16="http://schemas.microsoft.com/office/drawing/2014/main" id="{539BE235-0A77-4007-8E51-B7533A470979}"/>
+                <a16:creationId xmlns:a16="http://schemas.microsoft.com/office/drawing/2014/main" xmlns="" id="{539BE235-0A77-4007-8E51-B7533A470979}"/>
               </a:ext>
             </a:extLst>
           </p:cNvPr>
@@ -5256,7 +5341,7 @@
           <a:p>
             <a:fld id="{5350A35F-9558-483A-A635-992D7AE24C3F}" type="datetimeFigureOut">
               <a:rPr lang="en-US" smtClean="0"/>
-              <a:t>1/9/2019</a:t>
+              <a:t>1/10/2019</a:t>
             </a:fld>
             <a:endParaRPr lang="en-US"/>
           </a:p>
@@ -5267,7 +5352,7 @@
           <p:cNvPr id="4" name="Footer Placeholder 3">
             <a:extLst>
               <a:ext uri="{FF2B5EF4-FFF2-40B4-BE49-F238E27FC236}">
-                <a16:creationId xmlns:a16="http://schemas.microsoft.com/office/drawing/2014/main" id="{9EDB3B65-5A4F-485C-AD6F-22F538895B97}"/>
+                <a16:creationId xmlns:a16="http://schemas.microsoft.com/office/drawing/2014/main" xmlns="" id="{9EDB3B65-5A4F-485C-AD6F-22F538895B97}"/>
               </a:ext>
             </a:extLst>
           </p:cNvPr>
@@ -5292,7 +5377,7 @@
           <p:cNvPr id="5" name="Slide Number Placeholder 4">
             <a:extLst>
               <a:ext uri="{FF2B5EF4-FFF2-40B4-BE49-F238E27FC236}">
-                <a16:creationId xmlns:a16="http://schemas.microsoft.com/office/drawing/2014/main" id="{A3CB8EDC-7C1E-4067-A419-C5E74435A391}"/>
+                <a16:creationId xmlns:a16="http://schemas.microsoft.com/office/drawing/2014/main" xmlns="" id="{A3CB8EDC-7C1E-4067-A419-C5E74435A391}"/>
               </a:ext>
             </a:extLst>
           </p:cNvPr>
@@ -5351,7 +5436,7 @@
           <p:cNvPr id="2" name="Date Placeholder 1">
             <a:extLst>
               <a:ext uri="{FF2B5EF4-FFF2-40B4-BE49-F238E27FC236}">
-                <a16:creationId xmlns:a16="http://schemas.microsoft.com/office/drawing/2014/main" id="{480415F0-37C0-4850-AEDE-601A7B0E07F3}"/>
+                <a16:creationId xmlns:a16="http://schemas.microsoft.com/office/drawing/2014/main" xmlns="" id="{480415F0-37C0-4850-AEDE-601A7B0E07F3}"/>
               </a:ext>
             </a:extLst>
           </p:cNvPr>
@@ -5369,7 +5454,7 @@
           <a:p>
             <a:fld id="{5350A35F-9558-483A-A635-992D7AE24C3F}" type="datetimeFigureOut">
               <a:rPr lang="en-US" smtClean="0"/>
-              <a:t>1/9/2019</a:t>
+              <a:t>1/10/2019</a:t>
             </a:fld>
             <a:endParaRPr lang="en-US"/>
           </a:p>
@@ -5380,7 +5465,7 @@
           <p:cNvPr id="3" name="Footer Placeholder 2">
             <a:extLst>
               <a:ext uri="{FF2B5EF4-FFF2-40B4-BE49-F238E27FC236}">
-                <a16:creationId xmlns:a16="http://schemas.microsoft.com/office/drawing/2014/main" id="{5104897F-BA1F-48DA-80F2-5045C65EA82D}"/>
+                <a16:creationId xmlns:a16="http://schemas.microsoft.com/office/drawing/2014/main" xmlns="" id="{5104897F-BA1F-48DA-80F2-5045C65EA82D}"/>
               </a:ext>
             </a:extLst>
           </p:cNvPr>
@@ -5405,7 +5490,7 @@
           <p:cNvPr id="4" name="Slide Number Placeholder 3">
             <a:extLst>
               <a:ext uri="{FF2B5EF4-FFF2-40B4-BE49-F238E27FC236}">
-                <a16:creationId xmlns:a16="http://schemas.microsoft.com/office/drawing/2014/main" id="{7175411A-CF7F-4589-A565-3C176BC2FCFB}"/>
+                <a16:creationId xmlns:a16="http://schemas.microsoft.com/office/drawing/2014/main" xmlns="" id="{7175411A-CF7F-4589-A565-3C176BC2FCFB}"/>
               </a:ext>
             </a:extLst>
           </p:cNvPr>
@@ -5464,7 +5549,7 @@
           <p:cNvPr id="2" name="Title 1">
             <a:extLst>
               <a:ext uri="{FF2B5EF4-FFF2-40B4-BE49-F238E27FC236}">
-                <a16:creationId xmlns:a16="http://schemas.microsoft.com/office/drawing/2014/main" id="{F8235511-3DF4-4020-95C4-18FB4783973C}"/>
+                <a16:creationId xmlns:a16="http://schemas.microsoft.com/office/drawing/2014/main" xmlns="" id="{F8235511-3DF4-4020-95C4-18FB4783973C}"/>
               </a:ext>
             </a:extLst>
           </p:cNvPr>
@@ -5501,7 +5586,7 @@
           <p:cNvPr id="3" name="Content Placeholder 2">
             <a:extLst>
               <a:ext uri="{FF2B5EF4-FFF2-40B4-BE49-F238E27FC236}">
-                <a16:creationId xmlns:a16="http://schemas.microsoft.com/office/drawing/2014/main" id="{2A4D04AB-B5D8-4B82-9D73-3EF126AF8C7F}"/>
+                <a16:creationId xmlns:a16="http://schemas.microsoft.com/office/drawing/2014/main" xmlns="" id="{2A4D04AB-B5D8-4B82-9D73-3EF126AF8C7F}"/>
               </a:ext>
             </a:extLst>
           </p:cNvPr>
@@ -5591,7 +5676,7 @@
           <p:cNvPr id="4" name="Text Placeholder 3">
             <a:extLst>
               <a:ext uri="{FF2B5EF4-FFF2-40B4-BE49-F238E27FC236}">
-                <a16:creationId xmlns:a16="http://schemas.microsoft.com/office/drawing/2014/main" id="{2FEE2382-862A-4E2C-9FE8-F0E71D0FFDC9}"/>
+                <a16:creationId xmlns:a16="http://schemas.microsoft.com/office/drawing/2014/main" xmlns="" id="{2FEE2382-862A-4E2C-9FE8-F0E71D0FFDC9}"/>
               </a:ext>
             </a:extLst>
           </p:cNvPr>
@@ -5662,7 +5747,7 @@
           <p:cNvPr id="5" name="Date Placeholder 4">
             <a:extLst>
               <a:ext uri="{FF2B5EF4-FFF2-40B4-BE49-F238E27FC236}">
-                <a16:creationId xmlns:a16="http://schemas.microsoft.com/office/drawing/2014/main" id="{B46910F6-A697-4C21-A616-704346753F9C}"/>
+                <a16:creationId xmlns:a16="http://schemas.microsoft.com/office/drawing/2014/main" xmlns="" id="{B46910F6-A697-4C21-A616-704346753F9C}"/>
               </a:ext>
             </a:extLst>
           </p:cNvPr>
@@ -5680,7 +5765,7 @@
           <a:p>
             <a:fld id="{5350A35F-9558-483A-A635-992D7AE24C3F}" type="datetimeFigureOut">
               <a:rPr lang="en-US" smtClean="0"/>
-              <a:t>1/9/2019</a:t>
+              <a:t>1/10/2019</a:t>
             </a:fld>
             <a:endParaRPr lang="en-US"/>
           </a:p>
@@ -5691,7 +5776,7 @@
           <p:cNvPr id="6" name="Footer Placeholder 5">
             <a:extLst>
               <a:ext uri="{FF2B5EF4-FFF2-40B4-BE49-F238E27FC236}">
-                <a16:creationId xmlns:a16="http://schemas.microsoft.com/office/drawing/2014/main" id="{B4B8ADB9-7AD5-48F9-9120-21624D66E19F}"/>
+                <a16:creationId xmlns:a16="http://schemas.microsoft.com/office/drawing/2014/main" xmlns="" id="{B4B8ADB9-7AD5-48F9-9120-21624D66E19F}"/>
               </a:ext>
             </a:extLst>
           </p:cNvPr>
@@ -5716,7 +5801,7 @@
           <p:cNvPr id="7" name="Slide Number Placeholder 6">
             <a:extLst>
               <a:ext uri="{FF2B5EF4-FFF2-40B4-BE49-F238E27FC236}">
-                <a16:creationId xmlns:a16="http://schemas.microsoft.com/office/drawing/2014/main" id="{090C602F-DECC-4B30-A311-A15B0C46EF88}"/>
+                <a16:creationId xmlns:a16="http://schemas.microsoft.com/office/drawing/2014/main" xmlns="" id="{090C602F-DECC-4B30-A311-A15B0C46EF88}"/>
               </a:ext>
             </a:extLst>
           </p:cNvPr>
@@ -5775,7 +5860,7 @@
           <p:cNvPr id="2" name="Title 1">
             <a:extLst>
               <a:ext uri="{FF2B5EF4-FFF2-40B4-BE49-F238E27FC236}">
-                <a16:creationId xmlns:a16="http://schemas.microsoft.com/office/drawing/2014/main" id="{2A81427F-7317-4BE5-8DFC-10DFBFA5E30C}"/>
+                <a16:creationId xmlns:a16="http://schemas.microsoft.com/office/drawing/2014/main" xmlns="" id="{2A81427F-7317-4BE5-8DFC-10DFBFA5E30C}"/>
               </a:ext>
             </a:extLst>
           </p:cNvPr>
@@ -5812,7 +5897,7 @@
           <p:cNvPr id="3" name="Picture Placeholder 2">
             <a:extLst>
               <a:ext uri="{FF2B5EF4-FFF2-40B4-BE49-F238E27FC236}">
-                <a16:creationId xmlns:a16="http://schemas.microsoft.com/office/drawing/2014/main" id="{6892DDD3-12E2-4156-B6FB-0BA20E00A49E}"/>
+                <a16:creationId xmlns:a16="http://schemas.microsoft.com/office/drawing/2014/main" xmlns="" id="{6892DDD3-12E2-4156-B6FB-0BA20E00A49E}"/>
               </a:ext>
             </a:extLst>
           </p:cNvPr>
@@ -5879,7 +5964,7 @@
           <p:cNvPr id="4" name="Text Placeholder 3">
             <a:extLst>
               <a:ext uri="{FF2B5EF4-FFF2-40B4-BE49-F238E27FC236}">
-                <a16:creationId xmlns:a16="http://schemas.microsoft.com/office/drawing/2014/main" id="{22D4344B-1395-45DF-8273-DCFA24501AFE}"/>
+                <a16:creationId xmlns:a16="http://schemas.microsoft.com/office/drawing/2014/main" xmlns="" id="{22D4344B-1395-45DF-8273-DCFA24501AFE}"/>
               </a:ext>
             </a:extLst>
           </p:cNvPr>
@@ -5950,7 +6035,7 @@
           <p:cNvPr id="5" name="Date Placeholder 4">
             <a:extLst>
               <a:ext uri="{FF2B5EF4-FFF2-40B4-BE49-F238E27FC236}">
-                <a16:creationId xmlns:a16="http://schemas.microsoft.com/office/drawing/2014/main" id="{81A8F40F-77BA-4BE7-A1CA-531F21DBB954}"/>
+                <a16:creationId xmlns:a16="http://schemas.microsoft.com/office/drawing/2014/main" xmlns="" id="{81A8F40F-77BA-4BE7-A1CA-531F21DBB954}"/>
               </a:ext>
             </a:extLst>
           </p:cNvPr>
@@ -5968,7 +6053,7 @@
           <a:p>
             <a:fld id="{5350A35F-9558-483A-A635-992D7AE24C3F}" type="datetimeFigureOut">
               <a:rPr lang="en-US" smtClean="0"/>
-              <a:t>1/9/2019</a:t>
+              <a:t>1/10/2019</a:t>
             </a:fld>
             <a:endParaRPr lang="en-US"/>
           </a:p>
@@ -5979,7 +6064,7 @@
           <p:cNvPr id="6" name="Footer Placeholder 5">
             <a:extLst>
               <a:ext uri="{FF2B5EF4-FFF2-40B4-BE49-F238E27FC236}">
-                <a16:creationId xmlns:a16="http://schemas.microsoft.com/office/drawing/2014/main" id="{FC0474DE-98DF-43B9-9D71-67662A2B95CC}"/>
+                <a16:creationId xmlns:a16="http://schemas.microsoft.com/office/drawing/2014/main" xmlns="" id="{FC0474DE-98DF-43B9-9D71-67662A2B95CC}"/>
               </a:ext>
             </a:extLst>
           </p:cNvPr>
@@ -6004,7 +6089,7 @@
           <p:cNvPr id="7" name="Slide Number Placeholder 6">
             <a:extLst>
               <a:ext uri="{FF2B5EF4-FFF2-40B4-BE49-F238E27FC236}">
-                <a16:creationId xmlns:a16="http://schemas.microsoft.com/office/drawing/2014/main" id="{9DD7CBB2-B021-4387-B661-E944EBB2EA21}"/>
+                <a16:creationId xmlns:a16="http://schemas.microsoft.com/office/drawing/2014/main" xmlns="" id="{9DD7CBB2-B021-4387-B661-E944EBB2EA21}"/>
               </a:ext>
             </a:extLst>
           </p:cNvPr>
@@ -6068,7 +6153,7 @@
           <p:cNvPr id="2" name="Title Placeholder 1">
             <a:extLst>
               <a:ext uri="{FF2B5EF4-FFF2-40B4-BE49-F238E27FC236}">
-                <a16:creationId xmlns:a16="http://schemas.microsoft.com/office/drawing/2014/main" id="{5C33EF8F-4111-44EE-B1B1-51EDB7D49D01}"/>
+                <a16:creationId xmlns:a16="http://schemas.microsoft.com/office/drawing/2014/main" xmlns="" id="{5C33EF8F-4111-44EE-B1B1-51EDB7D49D01}"/>
               </a:ext>
             </a:extLst>
           </p:cNvPr>
@@ -6106,7 +6191,7 @@
           <p:cNvPr id="3" name="Text Placeholder 2">
             <a:extLst>
               <a:ext uri="{FF2B5EF4-FFF2-40B4-BE49-F238E27FC236}">
-                <a16:creationId xmlns:a16="http://schemas.microsoft.com/office/drawing/2014/main" id="{B022F8FA-F705-444C-B437-AEE644D54C39}"/>
+                <a16:creationId xmlns:a16="http://schemas.microsoft.com/office/drawing/2014/main" xmlns="" id="{B022F8FA-F705-444C-B437-AEE644D54C39}"/>
               </a:ext>
             </a:extLst>
           </p:cNvPr>
@@ -6173,7 +6258,7 @@
           <p:cNvPr id="4" name="Date Placeholder 3">
             <a:extLst>
               <a:ext uri="{FF2B5EF4-FFF2-40B4-BE49-F238E27FC236}">
-                <a16:creationId xmlns:a16="http://schemas.microsoft.com/office/drawing/2014/main" id="{23AEC2B4-1320-4034-BE3C-1E2D3E5C9C28}"/>
+                <a16:creationId xmlns:a16="http://schemas.microsoft.com/office/drawing/2014/main" xmlns="" id="{23AEC2B4-1320-4034-BE3C-1E2D3E5C9C28}"/>
               </a:ext>
             </a:extLst>
           </p:cNvPr>
@@ -6209,7 +6294,7 @@
           <a:p>
             <a:fld id="{5350A35F-9558-483A-A635-992D7AE24C3F}" type="datetimeFigureOut">
               <a:rPr lang="en-US" smtClean="0"/>
-              <a:t>1/9/2019</a:t>
+              <a:t>1/10/2019</a:t>
             </a:fld>
             <a:endParaRPr lang="en-US"/>
           </a:p>
@@ -6220,7 +6305,7 @@
           <p:cNvPr id="5" name="Footer Placeholder 4">
             <a:extLst>
               <a:ext uri="{FF2B5EF4-FFF2-40B4-BE49-F238E27FC236}">
-                <a16:creationId xmlns:a16="http://schemas.microsoft.com/office/drawing/2014/main" id="{0423CE32-0466-494D-9A5B-22ED39119093}"/>
+                <a16:creationId xmlns:a16="http://schemas.microsoft.com/office/drawing/2014/main" xmlns="" id="{0423CE32-0466-494D-9A5B-22ED39119093}"/>
               </a:ext>
             </a:extLst>
           </p:cNvPr>
@@ -6263,7 +6348,7 @@
           <p:cNvPr id="6" name="Slide Number Placeholder 5">
             <a:extLst>
               <a:ext uri="{FF2B5EF4-FFF2-40B4-BE49-F238E27FC236}">
-                <a16:creationId xmlns:a16="http://schemas.microsoft.com/office/drawing/2014/main" id="{703A22C7-1BE4-4CB3-BA50-A599414354FE}"/>
+                <a16:creationId xmlns:a16="http://schemas.microsoft.com/office/drawing/2014/main" xmlns="" id="{703A22C7-1BE4-4CB3-BA50-A599414354FE}"/>
               </a:ext>
             </a:extLst>
           </p:cNvPr>
@@ -6639,10 +6724,10 @@
           <p:cNvPr id="14" name="Rectangle 9">
             <a:extLst>
               <a:ext uri="{FF2B5EF4-FFF2-40B4-BE49-F238E27FC236}">
-                <a16:creationId xmlns:a16="http://schemas.microsoft.com/office/drawing/2014/main" id="{86197D16-FE75-4A0E-A0C9-28C0F04A43DF}"/>
+                <a16:creationId xmlns:a16="http://schemas.microsoft.com/office/drawing/2014/main" xmlns="" id="{86197D16-FE75-4A0E-A0C9-28C0F04A43DF}"/>
               </a:ext>
               <a:ext uri="{C183D7F6-B498-43B3-948B-1728B52AA6E4}">
-                <adec:decorative xmlns:adec="http://schemas.microsoft.com/office/drawing/2017/decorative" val="1"/>
+                <adec:decorative xmlns:adec="http://schemas.microsoft.com/office/drawing/2017/decorative" xmlns="" val="1"/>
               </a:ext>
             </a:extLst>
           </p:cNvPr>
@@ -6652,7 +6737,7 @@
           <p:nvPr>
             <p:extLst>
               <p:ext uri="{386F3935-93C4-4BCD-93E2-E3B085C9AB24}">
-                <p16:designElem xmlns:p16="http://schemas.microsoft.com/office/powerpoint/2015/main" val="1"/>
+                <p16:designElem xmlns:p16="http://schemas.microsoft.com/office/powerpoint/2015/main" xmlns="" val="1"/>
               </p:ext>
             </p:extLst>
           </p:nvPr>
@@ -6724,10 +6809,10 @@
           <p:cNvPr id="15" name="Picture 11">
             <a:extLst>
               <a:ext uri="{FF2B5EF4-FFF2-40B4-BE49-F238E27FC236}">
-                <a16:creationId xmlns:a16="http://schemas.microsoft.com/office/drawing/2014/main" id="{FA8FCEC6-4B30-4FF2-8B32-504BEAEA3A16}"/>
+                <a16:creationId xmlns:a16="http://schemas.microsoft.com/office/drawing/2014/main" xmlns="" id="{FA8FCEC6-4B30-4FF2-8B32-504BEAEA3A16}"/>
               </a:ext>
               <a:ext uri="{C183D7F6-B498-43B3-948B-1728B52AA6E4}">
-                <adec:decorative xmlns:adec="http://schemas.microsoft.com/office/drawing/2017/decorative" val="1"/>
+                <adec:decorative xmlns:adec="http://schemas.microsoft.com/office/drawing/2017/decorative" xmlns="" val="1"/>
               </a:ext>
             </a:extLst>
           </p:cNvPr>
@@ -6737,7 +6822,7 @@
           <p:nvPr>
             <p:extLst>
               <p:ext uri="{386F3935-93C4-4BCD-93E2-E3B085C9AB24}">
-                <p16:designElem xmlns:p16="http://schemas.microsoft.com/office/powerpoint/2015/main" val="1"/>
+                <p16:designElem xmlns:p16="http://schemas.microsoft.com/office/powerpoint/2015/main" xmlns="" val="1"/>
               </p:ext>
             </p:extLst>
           </p:nvPr>
@@ -6813,7 +6898,7 @@
           <p:cNvPr id="4" name="Title 3">
             <a:extLst>
               <a:ext uri="{FF2B5EF4-FFF2-40B4-BE49-F238E27FC236}">
-                <a16:creationId xmlns:a16="http://schemas.microsoft.com/office/drawing/2014/main" id="{122EE555-3ACA-4199-99BB-87FE54C092EB}"/>
+                <a16:creationId xmlns:a16="http://schemas.microsoft.com/office/drawing/2014/main" xmlns="" id="{122EE555-3ACA-4199-99BB-87FE54C092EB}"/>
               </a:ext>
             </a:extLst>
           </p:cNvPr>
@@ -6850,7 +6935,7 @@
           <p:cNvPr id="5" name="Subtitle 4">
             <a:extLst>
               <a:ext uri="{FF2B5EF4-FFF2-40B4-BE49-F238E27FC236}">
-                <a16:creationId xmlns:a16="http://schemas.microsoft.com/office/drawing/2014/main" id="{54BFB4BF-83E9-459B-AA66-C3CE98F003D7}"/>
+                <a16:creationId xmlns:a16="http://schemas.microsoft.com/office/drawing/2014/main" xmlns="" id="{54BFB4BF-83E9-459B-AA66-C3CE98F003D7}"/>
               </a:ext>
             </a:extLst>
           </p:cNvPr>
@@ -6883,212 +6968,10 @@
       </p:sp>
       <p:sp>
         <p:nvSpPr>
-          <p:cNvPr id="6" name="Rectangle 5">
+          <p:cNvPr id="7" name="Rectangle 6">
             <a:extLst>
               <a:ext uri="{FF2B5EF4-FFF2-40B4-BE49-F238E27FC236}">
-                <a16:creationId xmlns:a16="http://schemas.microsoft.com/office/drawing/2014/main" id="{A326953E-E6B9-4473-A8CE-26AF591A3DD8}"/>
-              </a:ext>
-            </a:extLst>
-          </p:cNvPr>
-          <p:cNvSpPr/>
-          <p:nvPr/>
-        </p:nvSpPr>
-        <p:spPr>
-          <a:xfrm>
-            <a:off x="853111" y="3908131"/>
-            <a:ext cx="1379839" cy="1379839"/>
-          </a:xfrm>
-          <a:prstGeom prst="rect">
-            <a:avLst/>
-          </a:prstGeom>
-          <a:blipFill dpi="0" rotWithShape="1">
-            <a:blip r:embed="rId3">
-              <a:extLst>
-                <a:ext uri="{28A0092B-C50C-407E-A947-70E740481C1C}">
-                  <a14:useLocalDpi xmlns:a14="http://schemas.microsoft.com/office/drawing/2010/main" val="0"/>
-                </a:ext>
-              </a:extLst>
-            </a:blip>
-            <a:srcRect/>
-            <a:stretch>
-              <a:fillRect/>
-            </a:stretch>
-          </a:blipFill>
-          <a:ln>
-            <a:solidFill>
-              <a:schemeClr val="bg1"/>
-            </a:solidFill>
-          </a:ln>
-        </p:spPr>
-        <p:style>
-          <a:lnRef idx="2">
-            <a:schemeClr val="accent1">
-              <a:shade val="50000"/>
-            </a:schemeClr>
-          </a:lnRef>
-          <a:fillRef idx="1">
-            <a:schemeClr val="accent1"/>
-          </a:fillRef>
-          <a:effectRef idx="0">
-            <a:schemeClr val="accent1"/>
-          </a:effectRef>
-          <a:fontRef idx="minor">
-            <a:schemeClr val="lt1"/>
-          </a:fontRef>
-        </p:style>
-        <p:txBody>
-          <a:bodyPr rtlCol="0" anchor="ctr"/>
-          <a:lstStyle/>
-          <a:p>
-            <a:pPr algn="ctr"/>
-            <a:endParaRPr lang="en-US" dirty="0"/>
-          </a:p>
-        </p:txBody>
-      </p:sp>
-      <p:sp>
-        <p:nvSpPr>
-          <p:cNvPr id="11" name="Rectangle 10">
-            <a:extLst>
-              <a:ext uri="{FF2B5EF4-FFF2-40B4-BE49-F238E27FC236}">
-                <a16:creationId xmlns:a16="http://schemas.microsoft.com/office/drawing/2014/main" id="{880D5448-52B7-401F-ABED-8B85269E5637}"/>
-              </a:ext>
-            </a:extLst>
-          </p:cNvPr>
-          <p:cNvSpPr/>
-          <p:nvPr/>
-        </p:nvSpPr>
-        <p:spPr>
-          <a:xfrm>
-            <a:off x="3692100" y="3926218"/>
-            <a:ext cx="1379839" cy="1379839"/>
-          </a:xfrm>
-          <a:prstGeom prst="rect">
-            <a:avLst/>
-          </a:prstGeom>
-          <a:blipFill dpi="0" rotWithShape="1">
-            <a:blip r:embed="rId3">
-              <a:extLst>
-                <a:ext uri="{28A0092B-C50C-407E-A947-70E740481C1C}">
-                  <a14:useLocalDpi xmlns:a14="http://schemas.microsoft.com/office/drawing/2010/main" val="0"/>
-                </a:ext>
-              </a:extLst>
-            </a:blip>
-            <a:srcRect/>
-            <a:stretch>
-              <a:fillRect/>
-            </a:stretch>
-          </a:blipFill>
-          <a:ln>
-            <a:solidFill>
-              <a:schemeClr val="bg1"/>
-            </a:solidFill>
-          </a:ln>
-        </p:spPr>
-        <p:style>
-          <a:lnRef idx="2">
-            <a:schemeClr val="accent1">
-              <a:shade val="50000"/>
-            </a:schemeClr>
-          </a:lnRef>
-          <a:fillRef idx="1">
-            <a:schemeClr val="accent1"/>
-          </a:fillRef>
-          <a:effectRef idx="0">
-            <a:schemeClr val="accent1"/>
-          </a:effectRef>
-          <a:fontRef idx="minor">
-            <a:schemeClr val="lt1"/>
-          </a:fontRef>
-        </p:style>
-        <p:txBody>
-          <a:bodyPr rot="0" spcFirstLastPara="0" vertOverflow="overflow" horzOverflow="overflow" vert="horz" wrap="square" lIns="91440" tIns="45720" rIns="91440" bIns="45720" numCol="1" spcCol="0" rtlCol="0" fromWordArt="0" anchor="ctr" anchorCtr="0" forceAA="0" compatLnSpc="1">
-            <a:prstTxWarp prst="textNoShape">
-              <a:avLst/>
-            </a:prstTxWarp>
-            <a:noAutofit/>
-          </a:bodyPr>
-          <a:lstStyle/>
-          <a:p>
-            <a:pPr algn="ctr"/>
-            <a:endParaRPr lang="en-US"/>
-          </a:p>
-        </p:txBody>
-      </p:sp>
-      <p:sp>
-        <p:nvSpPr>
-          <p:cNvPr id="13" name="Rectangle 12">
-            <a:extLst>
-              <a:ext uri="{FF2B5EF4-FFF2-40B4-BE49-F238E27FC236}">
-                <a16:creationId xmlns:a16="http://schemas.microsoft.com/office/drawing/2014/main" id="{0AE13C66-89DC-4FE0-86FD-65E9C6BE04E2}"/>
-              </a:ext>
-            </a:extLst>
-          </p:cNvPr>
-          <p:cNvSpPr/>
-          <p:nvPr/>
-        </p:nvSpPr>
-        <p:spPr>
-          <a:xfrm>
-            <a:off x="6579716" y="3914161"/>
-            <a:ext cx="1379839" cy="1379839"/>
-          </a:xfrm>
-          <a:prstGeom prst="rect">
-            <a:avLst/>
-          </a:prstGeom>
-          <a:blipFill dpi="0" rotWithShape="1">
-            <a:blip r:embed="rId3">
-              <a:extLst>
-                <a:ext uri="{28A0092B-C50C-407E-A947-70E740481C1C}">
-                  <a14:useLocalDpi xmlns:a14="http://schemas.microsoft.com/office/drawing/2010/main" val="0"/>
-                </a:ext>
-              </a:extLst>
-            </a:blip>
-            <a:srcRect/>
-            <a:stretch>
-              <a:fillRect/>
-            </a:stretch>
-          </a:blipFill>
-          <a:ln>
-            <a:solidFill>
-              <a:schemeClr val="bg1"/>
-            </a:solidFill>
-          </a:ln>
-        </p:spPr>
-        <p:style>
-          <a:lnRef idx="2">
-            <a:schemeClr val="accent1">
-              <a:shade val="50000"/>
-            </a:schemeClr>
-          </a:lnRef>
-          <a:fillRef idx="1">
-            <a:schemeClr val="accent1"/>
-          </a:fillRef>
-          <a:effectRef idx="0">
-            <a:schemeClr val="accent1"/>
-          </a:effectRef>
-          <a:fontRef idx="minor">
-            <a:schemeClr val="lt1"/>
-          </a:fontRef>
-        </p:style>
-        <p:txBody>
-          <a:bodyPr rot="0" spcFirstLastPara="0" vertOverflow="overflow" horzOverflow="overflow" vert="horz" wrap="square" lIns="91440" tIns="45720" rIns="91440" bIns="45720" numCol="1" spcCol="0" rtlCol="0" fromWordArt="0" anchor="ctr" anchorCtr="0" forceAA="0" compatLnSpc="1">
-            <a:prstTxWarp prst="textNoShape">
-              <a:avLst/>
-            </a:prstTxWarp>
-            <a:noAutofit/>
-          </a:bodyPr>
-          <a:lstStyle/>
-          <a:p>
-            <a:pPr algn="ctr"/>
-            <a:endParaRPr lang="en-US"/>
-          </a:p>
-        </p:txBody>
-      </p:sp>
-      <p:sp>
-        <p:nvSpPr>
-          <p:cNvPr id="7" name="Rectangle 6">
-            <a:extLst>
-              <a:ext uri="{FF2B5EF4-FFF2-40B4-BE49-F238E27FC236}">
-                <a16:creationId xmlns:a16="http://schemas.microsoft.com/office/drawing/2014/main" id="{3960A389-03AB-4B30-9F27-F0DF0A70DE8A}"/>
+                <a16:creationId xmlns:a16="http://schemas.microsoft.com/office/drawing/2014/main" xmlns="" id="{3960A389-03AB-4B30-9F27-F0DF0A70DE8A}"/>
               </a:ext>
             </a:extLst>
           </p:cNvPr>
@@ -7142,7 +7025,7 @@
           <p:cNvPr id="17" name="Rectangle 16">
             <a:extLst>
               <a:ext uri="{FF2B5EF4-FFF2-40B4-BE49-F238E27FC236}">
-                <a16:creationId xmlns:a16="http://schemas.microsoft.com/office/drawing/2014/main" id="{2451D676-3FC8-4DBC-9CB5-7C2EFDC790F6}"/>
+                <a16:creationId xmlns:a16="http://schemas.microsoft.com/office/drawing/2014/main" xmlns="" id="{2451D676-3FC8-4DBC-9CB5-7C2EFDC790F6}"/>
               </a:ext>
             </a:extLst>
           </p:cNvPr>
@@ -7196,7 +7079,7 @@
           <p:cNvPr id="18" name="Rectangle 17">
             <a:extLst>
               <a:ext uri="{FF2B5EF4-FFF2-40B4-BE49-F238E27FC236}">
-                <a16:creationId xmlns:a16="http://schemas.microsoft.com/office/drawing/2014/main" id="{2AEF7A21-610F-487A-A600-078E317B26CF}"/>
+                <a16:creationId xmlns:a16="http://schemas.microsoft.com/office/drawing/2014/main" xmlns="" id="{2AEF7A21-610F-487A-A600-078E317B26CF}"/>
               </a:ext>
             </a:extLst>
           </p:cNvPr>
@@ -7250,7 +7133,7 @@
           <p:cNvPr id="3076" name="Picture 4" descr="Image result for java transparent">
             <a:extLst>
               <a:ext uri="{FF2B5EF4-FFF2-40B4-BE49-F238E27FC236}">
-                <a16:creationId xmlns:a16="http://schemas.microsoft.com/office/drawing/2014/main" id="{5302CC2A-27EB-4AA2-BF40-8CA2324F61A3}"/>
+                <a16:creationId xmlns:a16="http://schemas.microsoft.com/office/drawing/2014/main" xmlns="" id="{5302CC2A-27EB-4AA2-BF40-8CA2324F61A3}"/>
               </a:ext>
             </a:extLst>
           </p:cNvPr>
@@ -7260,11 +7143,11 @@
           <p:nvPr/>
         </p:nvPicPr>
         <p:blipFill>
-          <a:blip r:embed="rId4">
+          <a:blip r:embed="rId3">
             <a:extLst>
               <a:ext uri="{BEBA8EAE-BF5A-486C-A8C5-ECC9F3942E4B}">
                 <a14:imgProps xmlns:a14="http://schemas.microsoft.com/office/drawing/2010/main">
-                  <a14:imgLayer r:embed="rId5">
+                  <a14:imgLayer r:embed="rId4">
                     <a14:imgEffect>
                       <a14:brightnessContrast bright="20000" contrast="40000"/>
                     </a14:imgEffect>
@@ -7313,7 +7196,7 @@
           <p:cNvPr id="3078" name="Picture 6" descr="Image result for jp morgan logo">
             <a:extLst>
               <a:ext uri="{FF2B5EF4-FFF2-40B4-BE49-F238E27FC236}">
-                <a16:creationId xmlns:a16="http://schemas.microsoft.com/office/drawing/2014/main" id="{5B537254-EC8D-4A8E-A8AF-00A12521CFA0}"/>
+                <a16:creationId xmlns:a16="http://schemas.microsoft.com/office/drawing/2014/main" xmlns="" id="{5B537254-EC8D-4A8E-A8AF-00A12521CFA0}"/>
               </a:ext>
             </a:extLst>
           </p:cNvPr>
@@ -7323,7 +7206,7 @@
           <p:nvPr/>
         </p:nvPicPr>
         <p:blipFill>
-          <a:blip r:embed="rId6">
+          <a:blip r:embed="rId5" cstate="print">
             <a:extLst>
               <a:ext uri="{28A0092B-C50C-407E-A947-70E740481C1C}">
                 <a14:useLocalDpi xmlns:a14="http://schemas.microsoft.com/office/drawing/2010/main" val="0"/>
@@ -7360,7 +7243,7 @@
           <p:cNvPr id="9" name="Picture 8">
             <a:extLst>
               <a:ext uri="{FF2B5EF4-FFF2-40B4-BE49-F238E27FC236}">
-                <a16:creationId xmlns:a16="http://schemas.microsoft.com/office/drawing/2014/main" id="{E01CCD4B-C97E-4B2D-88DA-C2B9DC50D1CB}"/>
+                <a16:creationId xmlns:a16="http://schemas.microsoft.com/office/drawing/2014/main" xmlns="" id="{E01CCD4B-C97E-4B2D-88DA-C2B9DC50D1CB}"/>
               </a:ext>
             </a:extLst>
           </p:cNvPr>
@@ -7370,7 +7253,7 @@
           <p:nvPr/>
         </p:nvPicPr>
         <p:blipFill>
-          <a:blip r:embed="rId7">
+          <a:blip r:embed="rId6" cstate="print">
             <a:extLst>
               <a:ext uri="{28A0092B-C50C-407E-A947-70E740481C1C}">
                 <a14:useLocalDpi xmlns:a14="http://schemas.microsoft.com/office/drawing/2010/main" val="0"/>
@@ -7396,7 +7279,7 @@
           <p:cNvPr id="22" name="Straight Connector 21">
             <a:extLst>
               <a:ext uri="{FF2B5EF4-FFF2-40B4-BE49-F238E27FC236}">
-                <a16:creationId xmlns:a16="http://schemas.microsoft.com/office/drawing/2014/main" id="{0987F9F2-E377-41DE-86F1-743D1271034C}"/>
+                <a16:creationId xmlns:a16="http://schemas.microsoft.com/office/drawing/2014/main" xmlns="" id="{0987F9F2-E377-41DE-86F1-743D1271034C}"/>
               </a:ext>
             </a:extLst>
           </p:cNvPr>
@@ -7432,6 +7315,134 @@
           </a:fontRef>
         </p:style>
       </p:cxnSp>
+      <p:sp>
+        <p:nvSpPr>
+          <p:cNvPr id="16" name="Rectangle 15">
+            <a:extLst>
+              <a:ext uri="{FF2B5EF4-FFF2-40B4-BE49-F238E27FC236}">
+                <a16:creationId xmlns:a16="http://schemas.microsoft.com/office/drawing/2014/main" xmlns="" id="{15CC405D-9E93-479A-A34D-E0840ED42DAC}"/>
+              </a:ext>
+            </a:extLst>
+          </p:cNvPr>
+          <p:cNvSpPr/>
+          <p:nvPr/>
+        </p:nvSpPr>
+        <p:spPr>
+          <a:xfrm>
+            <a:off x="804484" y="3980097"/>
+            <a:ext cx="1379839" cy="1379839"/>
+          </a:xfrm>
+          <a:prstGeom prst="rect">
+            <a:avLst/>
+          </a:prstGeom>
+          <a:blipFill dpi="0" rotWithShape="1">
+            <a:blip r:embed="rId7">
+              <a:extLst>
+                <a:ext uri="{28A0092B-C50C-407E-A947-70E740481C1C}">
+                  <a14:useLocalDpi xmlns:a14="http://schemas.microsoft.com/office/drawing/2010/main" val="0"/>
+                </a:ext>
+              </a:extLst>
+            </a:blip>
+            <a:srcRect/>
+            <a:stretch>
+              <a:fillRect/>
+            </a:stretch>
+          </a:blipFill>
+          <a:ln>
+            <a:solidFill>
+              <a:schemeClr val="bg1"/>
+            </a:solidFill>
+          </a:ln>
+        </p:spPr>
+        <p:style>
+          <a:lnRef idx="2">
+            <a:schemeClr val="accent1">
+              <a:shade val="50000"/>
+            </a:schemeClr>
+          </a:lnRef>
+          <a:fillRef idx="1">
+            <a:schemeClr val="accent1"/>
+          </a:fillRef>
+          <a:effectRef idx="0">
+            <a:schemeClr val="accent1"/>
+          </a:effectRef>
+          <a:fontRef idx="minor">
+            <a:schemeClr val="lt1"/>
+          </a:fontRef>
+        </p:style>
+        <p:txBody>
+          <a:bodyPr rtlCol="0" anchor="ctr"/>
+          <a:lstStyle/>
+          <a:p>
+            <a:pPr algn="ctr"/>
+            <a:endParaRPr lang="en-US" dirty="0"/>
+          </a:p>
+        </p:txBody>
+      </p:sp>
+      <p:sp>
+        <p:nvSpPr>
+          <p:cNvPr id="19" name="Rectangle 18">
+            <a:extLst>
+              <a:ext uri="{FF2B5EF4-FFF2-40B4-BE49-F238E27FC236}">
+                <a16:creationId xmlns:a16="http://schemas.microsoft.com/office/drawing/2014/main" xmlns="" id="{3DAA1F23-D93E-4FD5-BA41-4F3886F66506}"/>
+              </a:ext>
+            </a:extLst>
+          </p:cNvPr>
+          <p:cNvSpPr/>
+          <p:nvPr/>
+        </p:nvSpPr>
+        <p:spPr>
+          <a:xfrm>
+            <a:off x="3002180" y="3953499"/>
+            <a:ext cx="1379839" cy="1379839"/>
+          </a:xfrm>
+          <a:prstGeom prst="rect">
+            <a:avLst/>
+          </a:prstGeom>
+          <a:blipFill dpi="0" rotWithShape="1">
+            <a:blip r:embed="rId8">
+              <a:extLst>
+                <a:ext uri="{28A0092B-C50C-407E-A947-70E740481C1C}">
+                  <a14:useLocalDpi xmlns:a14="http://schemas.microsoft.com/office/drawing/2010/main" val="0"/>
+                </a:ext>
+              </a:extLst>
+            </a:blip>
+            <a:srcRect/>
+            <a:stretch>
+              <a:fillRect/>
+            </a:stretch>
+          </a:blipFill>
+          <a:ln>
+            <a:solidFill>
+              <a:schemeClr val="bg1"/>
+            </a:solidFill>
+          </a:ln>
+        </p:spPr>
+        <p:style>
+          <a:lnRef idx="2">
+            <a:schemeClr val="accent1">
+              <a:shade val="50000"/>
+            </a:schemeClr>
+          </a:lnRef>
+          <a:fillRef idx="1">
+            <a:schemeClr val="accent1"/>
+          </a:fillRef>
+          <a:effectRef idx="0">
+            <a:schemeClr val="accent1"/>
+          </a:effectRef>
+          <a:fontRef idx="minor">
+            <a:schemeClr val="lt1"/>
+          </a:fontRef>
+        </p:style>
+        <p:txBody>
+          <a:bodyPr rtlCol="0" anchor="ctr"/>
+          <a:lstStyle/>
+          <a:p>
+            <a:pPr algn="ctr"/>
+            <a:endParaRPr lang="en-US" dirty="0"/>
+          </a:p>
+        </p:txBody>
+      </p:sp>
     </p:spTree>
     <p:extLst>
       <p:ext uri="{BB962C8B-B14F-4D97-AF65-F5344CB8AC3E}">
@@ -7472,13 +7483,13 @@
       </p:grpSpPr>
       <p:sp>
         <p:nvSpPr>
-          <p:cNvPr id="10" name="Rectangle 9">
+          <p:cNvPr id="73" name="Rectangle 72">
             <a:extLst>
               <a:ext uri="{FF2B5EF4-FFF2-40B4-BE49-F238E27FC236}">
-                <a16:creationId xmlns:a16="http://schemas.microsoft.com/office/drawing/2014/main" id="{81AEB8A9-B768-4E30-BA55-D919E6687343}"/>
+                <a16:creationId xmlns:a16="http://schemas.microsoft.com/office/drawing/2014/main" xmlns="" id="{F56F5174-31D9-4DBB-AAB7-A1FD7BDB1352}"/>
               </a:ext>
               <a:ext uri="{C183D7F6-B498-43B3-948B-1728B52AA6E4}">
-                <adec:decorative xmlns:adec="http://schemas.microsoft.com/office/drawing/2017/decorative" val="1"/>
+                <adec:decorative xmlns:adec="http://schemas.microsoft.com/office/drawing/2017/decorative" xmlns="" val="1"/>
               </a:ext>
             </a:extLst>
           </p:cNvPr>
@@ -7488,217 +7499,7 @@
           <p:nvPr>
             <p:extLst>
               <p:ext uri="{386F3935-93C4-4BCD-93E2-E3B085C9AB24}">
-                <p16:designElem xmlns:p16="http://schemas.microsoft.com/office/powerpoint/2015/main" val="1"/>
-              </p:ext>
-            </p:extLst>
-          </p:nvPr>
-        </p:nvSpPr>
-        <p:spPr>
-          <a:xfrm>
-            <a:off x="-10001" y="-2"/>
-            <a:ext cx="4069936" cy="6858002"/>
-          </a:xfrm>
-          <a:prstGeom prst="rect">
-            <a:avLst/>
-          </a:prstGeom>
-          <a:solidFill>
-            <a:schemeClr val="accent1"/>
-          </a:solidFill>
-          <a:ln>
-            <a:noFill/>
-          </a:ln>
-        </p:spPr>
-        <p:style>
-          <a:lnRef idx="2">
-            <a:schemeClr val="accent1">
-              <a:shade val="50000"/>
-            </a:schemeClr>
-          </a:lnRef>
-          <a:fillRef idx="1">
-            <a:schemeClr val="accent1"/>
-          </a:fillRef>
-          <a:effectRef idx="0">
-            <a:schemeClr val="accent1"/>
-          </a:effectRef>
-          <a:fontRef idx="minor">
-            <a:schemeClr val="lt1"/>
-          </a:fontRef>
-        </p:style>
-        <p:txBody>
-          <a:bodyPr rtlCol="0" anchor="ctr"/>
-          <a:lstStyle/>
-          <a:p>
-            <a:pPr marL="0" marR="0" lvl="0" indent="0" algn="ctr" defTabSz="914400" rtl="0" eaLnBrk="1" fontAlgn="auto" latinLnBrk="0" hangingPunct="1">
-              <a:lnSpc>
-                <a:spcPct val="100000"/>
-              </a:lnSpc>
-              <a:spcBef>
-                <a:spcPts val="0"/>
-              </a:spcBef>
-              <a:spcAft>
-                <a:spcPts val="0"/>
-              </a:spcAft>
-              <a:buClrTx/>
-              <a:buSzTx/>
-              <a:buFontTx/>
-              <a:buNone/>
-              <a:tabLst/>
-              <a:defRPr/>
-            </a:pPr>
-            <a:endParaRPr kumimoji="0" lang="en-US" sz="1800" b="0" i="0" u="none" strike="noStrike" kern="1200" cap="none" spc="0" normalizeH="0" baseline="0" noProof="0">
-              <a:ln>
-                <a:noFill/>
-              </a:ln>
-              <a:solidFill>
-                <a:prstClr val="white"/>
-              </a:solidFill>
-              <a:effectLst/>
-              <a:uLnTx/>
-              <a:uFillTx/>
-              <a:latin typeface="Calibri" panose="020F0502020204030204"/>
-              <a:ea typeface="+mn-ea"/>
-              <a:cs typeface="+mn-cs"/>
-            </a:endParaRPr>
-          </a:p>
-        </p:txBody>
-      </p:sp>
-      <p:sp>
-        <p:nvSpPr>
-          <p:cNvPr id="2" name="Title 1">
-            <a:extLst>
-              <a:ext uri="{FF2B5EF4-FFF2-40B4-BE49-F238E27FC236}">
-                <a16:creationId xmlns:a16="http://schemas.microsoft.com/office/drawing/2014/main" id="{EB4AA099-DFCF-40F0-9DF9-51DCDD3D2329}"/>
-              </a:ext>
-            </a:extLst>
-          </p:cNvPr>
-          <p:cNvSpPr>
-            <a:spLocks noGrp="1"/>
-          </p:cNvSpPr>
-          <p:nvPr>
-            <p:ph type="title"/>
-          </p:nvPr>
-        </p:nvSpPr>
-        <p:spPr>
-          <a:xfrm>
-            <a:off x="643467" y="640080"/>
-            <a:ext cx="3096427" cy="5613236"/>
-          </a:xfrm>
-        </p:spPr>
-        <p:txBody>
-          <a:bodyPr vert="horz" lIns="91440" tIns="45720" rIns="91440" bIns="45720" rtlCol="0" anchor="ctr">
-            <a:normAutofit/>
-          </a:bodyPr>
-          <a:lstStyle/>
-          <a:p>
-            <a:r>
-              <a:rPr lang="en-US" kern="1200" dirty="0">
-                <a:solidFill>
-                  <a:srgbClr val="FFFFFF"/>
-                </a:solidFill>
-                <a:latin typeface="+mj-lt"/>
-                <a:ea typeface="+mj-ea"/>
-                <a:cs typeface="+mj-cs"/>
-              </a:rPr>
-              <a:t>Class Diagram</a:t>
-            </a:r>
-          </a:p>
-        </p:txBody>
-      </p:sp>
-      <p:pic>
-        <p:nvPicPr>
-          <p:cNvPr id="5" name="Content Placeholder 4" descr="A close up of an object&#10;&#10;Description generated with high confidence">
-            <a:extLst>
-              <a:ext uri="{FF2B5EF4-FFF2-40B4-BE49-F238E27FC236}">
-                <a16:creationId xmlns:a16="http://schemas.microsoft.com/office/drawing/2014/main" id="{0B43767B-3861-4880-9DCE-DB2297AAE746}"/>
-              </a:ext>
-            </a:extLst>
-          </p:cNvPr>
-          <p:cNvPicPr>
-            <a:picLocks noGrp="1" noChangeAspect="1"/>
-          </p:cNvPicPr>
-          <p:nvPr>
-            <p:ph idx="4294967295"/>
-          </p:nvPr>
-        </p:nvPicPr>
-        <p:blipFill>
-          <a:blip r:embed="rId2">
-            <a:extLst>
-              <a:ext uri="{28A0092B-C50C-407E-A947-70E740481C1C}">
-                <a14:useLocalDpi xmlns:a14="http://schemas.microsoft.com/office/drawing/2010/main" val="0"/>
-              </a:ext>
-            </a:extLst>
-          </a:blip>
-          <a:stretch>
-            <a:fillRect/>
-          </a:stretch>
-        </p:blipFill>
-        <p:spPr>
-          <a:xfrm>
-            <a:off x="4583695" y="1393371"/>
-            <a:ext cx="6760498" cy="4512633"/>
-          </a:xfrm>
-          <a:prstGeom prst="rect">
-            <a:avLst/>
-          </a:prstGeom>
-        </p:spPr>
-      </p:pic>
-    </p:spTree>
-    <p:extLst>
-      <p:ext uri="{BB962C8B-B14F-4D97-AF65-F5344CB8AC3E}">
-        <p14:creationId xmlns:p14="http://schemas.microsoft.com/office/powerpoint/2010/main" val="1745453311"/>
-      </p:ext>
-    </p:extLst>
-  </p:cSld>
-  <p:clrMapOvr>
-    <a:masterClrMapping/>
-  </p:clrMapOvr>
-</p:sld>
-</file>
-
-<file path=ppt/slides/slide11.xml><?xml version="1.0" encoding="utf-8"?>
-<p:sld xmlns:a="http://schemas.openxmlformats.org/drawingml/2006/main" xmlns:r="http://schemas.openxmlformats.org/officeDocument/2006/relationships" xmlns:p="http://schemas.openxmlformats.org/presentationml/2006/main">
-  <p:cSld>
-    <p:bg>
-      <p:bgPr>
-        <a:solidFill>
-          <a:schemeClr val="bg1"/>
-        </a:solidFill>
-        <a:effectLst/>
-      </p:bgPr>
-    </p:bg>
-    <p:spTree>
-      <p:nvGrpSpPr>
-        <p:cNvPr id="1" name=""/>
-        <p:cNvGrpSpPr/>
-        <p:nvPr/>
-      </p:nvGrpSpPr>
-      <p:grpSpPr>
-        <a:xfrm>
-          <a:off x="0" y="0"/>
-          <a:ext cx="0" cy="0"/>
-          <a:chOff x="0" y="0"/>
-          <a:chExt cx="0" cy="0"/>
-        </a:xfrm>
-      </p:grpSpPr>
-      <p:sp>
-        <p:nvSpPr>
-          <p:cNvPr id="73" name="Rectangle 72">
-            <a:extLst>
-              <a:ext uri="{FF2B5EF4-FFF2-40B4-BE49-F238E27FC236}">
-                <a16:creationId xmlns:a16="http://schemas.microsoft.com/office/drawing/2014/main" id="{F56F5174-31D9-4DBB-AAB7-A1FD7BDB1352}"/>
-              </a:ext>
-              <a:ext uri="{C183D7F6-B498-43B3-948B-1728B52AA6E4}">
-                <adec:decorative xmlns:adec="http://schemas.microsoft.com/office/drawing/2017/decorative" val="1"/>
-              </a:ext>
-            </a:extLst>
-          </p:cNvPr>
-          <p:cNvSpPr>
-            <a:spLocks noGrp="1" noRot="1" noChangeAspect="1" noMove="1" noResize="1" noEditPoints="1" noAdjustHandles="1" noChangeArrowheads="1" noChangeShapeType="1" noTextEdit="1"/>
-          </p:cNvSpPr>
-          <p:nvPr>
-            <p:extLst>
-              <p:ext uri="{386F3935-93C4-4BCD-93E2-E3B085C9AB24}">
-                <p16:designElem xmlns:p16="http://schemas.microsoft.com/office/powerpoint/2015/main" val="1"/>
+                <p16:designElem xmlns:p16="http://schemas.microsoft.com/office/powerpoint/2015/main" xmlns="" val="1"/>
               </p:ext>
             </p:extLst>
           </p:nvPr>
@@ -7771,10 +7572,10 @@
           <p:cNvPr id="75" name="Picture 74">
             <a:extLst>
               <a:ext uri="{FF2B5EF4-FFF2-40B4-BE49-F238E27FC236}">
-                <a16:creationId xmlns:a16="http://schemas.microsoft.com/office/drawing/2014/main" id="{AE113210-7872-481A-ADE6-3A05CCAF5EB2}"/>
+                <a16:creationId xmlns:a16="http://schemas.microsoft.com/office/drawing/2014/main" xmlns="" id="{AE113210-7872-481A-ADE6-3A05CCAF5EB2}"/>
               </a:ext>
               <a:ext uri="{C183D7F6-B498-43B3-948B-1728B52AA6E4}">
-                <adec:decorative xmlns:adec="http://schemas.microsoft.com/office/drawing/2017/decorative" val="1"/>
+                <adec:decorative xmlns:adec="http://schemas.microsoft.com/office/drawing/2017/decorative" xmlns="" val="1"/>
               </a:ext>
             </a:extLst>
           </p:cNvPr>
@@ -7784,7 +7585,7 @@
           <p:nvPr>
             <p:extLst>
               <p:ext uri="{386F3935-93C4-4BCD-93E2-E3B085C9AB24}">
-                <p16:designElem xmlns:p16="http://schemas.microsoft.com/office/powerpoint/2015/main" val="1"/>
+                <p16:designElem xmlns:p16="http://schemas.microsoft.com/office/powerpoint/2015/main" xmlns="" val="1"/>
               </p:ext>
             </p:extLst>
           </p:nvPr>
@@ -7816,7 +7617,7 @@
           <p:cNvPr id="2" name="Title 1">
             <a:extLst>
               <a:ext uri="{FF2B5EF4-FFF2-40B4-BE49-F238E27FC236}">
-                <a16:creationId xmlns:a16="http://schemas.microsoft.com/office/drawing/2014/main" id="{00FE4BDB-FA27-4988-842A-013233981027}"/>
+                <a16:creationId xmlns:a16="http://schemas.microsoft.com/office/drawing/2014/main" xmlns="" id="{00FE4BDB-FA27-4988-842A-013233981027}"/>
               </a:ext>
             </a:extLst>
           </p:cNvPr>
@@ -7855,10 +7656,10 @@
           <p:cNvPr id="77" name="Freeform 62">
             <a:extLst>
               <a:ext uri="{FF2B5EF4-FFF2-40B4-BE49-F238E27FC236}">
-                <a16:creationId xmlns:a16="http://schemas.microsoft.com/office/drawing/2014/main" id="{F9A95BEE-6BB1-4A28-A8E6-A34B2E42EF87}"/>
+                <a16:creationId xmlns:a16="http://schemas.microsoft.com/office/drawing/2014/main" xmlns="" id="{F9A95BEE-6BB1-4A28-A8E6-A34B2E42EF87}"/>
               </a:ext>
               <a:ext uri="{C183D7F6-B498-43B3-948B-1728B52AA6E4}">
-                <adec:decorative xmlns:adec="http://schemas.microsoft.com/office/drawing/2017/decorative" val="1"/>
+                <adec:decorative xmlns:adec="http://schemas.microsoft.com/office/drawing/2017/decorative" xmlns="" val="1"/>
               </a:ext>
             </a:extLst>
           </p:cNvPr>
@@ -7868,7 +7669,7 @@
           <p:nvPr>
             <p:extLst>
               <p:ext uri="{386F3935-93C4-4BCD-93E2-E3B085C9AB24}">
-                <p16:designElem xmlns:p16="http://schemas.microsoft.com/office/powerpoint/2015/main" val="1"/>
+                <p16:designElem xmlns:p16="http://schemas.microsoft.com/office/powerpoint/2015/main" xmlns="" val="1"/>
               </p:ext>
             </p:extLst>
           </p:nvPr>
@@ -8003,7 +7804,7 @@
           <p:cNvPr id="1028" name="Picture 4" descr="Related image">
             <a:extLst>
               <a:ext uri="{FF2B5EF4-FFF2-40B4-BE49-F238E27FC236}">
-                <a16:creationId xmlns:a16="http://schemas.microsoft.com/office/drawing/2014/main" id="{345FD299-6018-48DC-881A-D6C7DBFD512B}"/>
+                <a16:creationId xmlns:a16="http://schemas.microsoft.com/office/drawing/2014/main" xmlns="" id="{345FD299-6018-48DC-881A-D6C7DBFD512B}"/>
               </a:ext>
             </a:extLst>
           </p:cNvPr>
@@ -8135,7 +7936,7 @@
           <p:cNvPr id="3" name="Content Placeholder 2">
             <a:extLst>
               <a:ext uri="{FF2B5EF4-FFF2-40B4-BE49-F238E27FC236}">
-                <a16:creationId xmlns:a16="http://schemas.microsoft.com/office/drawing/2014/main" id="{B6499A7D-CDC7-43C6-8B31-0179BC810139}"/>
+                <a16:creationId xmlns:a16="http://schemas.microsoft.com/office/drawing/2014/main" xmlns="" id="{B6499A7D-CDC7-43C6-8B31-0179BC810139}"/>
               </a:ext>
             </a:extLst>
           </p:cNvPr>
@@ -8159,23 +7960,49 @@
           <a:lstStyle/>
           <a:p>
             <a:r>
-              <a:rPr lang="en-US" sz="2000">
+              <a:rPr lang="en-US" sz="2000" dirty="0">
                 <a:solidFill>
                   <a:srgbClr val="000000"/>
                 </a:solidFill>
               </a:rPr>
-              <a:t>Plan 1</a:t>
+              <a:t>Plan </a:t>
             </a:r>
-          </a:p>
-          <a:p>
             <a:r>
-              <a:rPr lang="en-US" sz="2000">
+              <a:rPr lang="en-US" sz="2000" dirty="0" smtClean="0">
                 <a:solidFill>
                   <a:srgbClr val="000000"/>
                 </a:solidFill>
               </a:rPr>
-              <a:t>Plan 2</a:t>
+              <a:t>1 – Save Quote	</a:t>
             </a:r>
+            <a:endParaRPr lang="en-US" sz="2000" dirty="0">
+              <a:solidFill>
+                <a:srgbClr val="000000"/>
+              </a:solidFill>
+            </a:endParaRPr>
+          </a:p>
+          <a:p>
+            <a:r>
+              <a:rPr lang="en-US" sz="2000" dirty="0">
+                <a:solidFill>
+                  <a:srgbClr val="000000"/>
+                </a:solidFill>
+              </a:rPr>
+              <a:t>Plan </a:t>
+            </a:r>
+            <a:r>
+              <a:rPr lang="en-US" sz="2000" dirty="0" smtClean="0">
+                <a:solidFill>
+                  <a:srgbClr val="000000"/>
+                </a:solidFill>
+              </a:rPr>
+              <a:t>2 – Claim functionality</a:t>
+            </a:r>
+            <a:endParaRPr lang="en-US" sz="2000" dirty="0">
+              <a:solidFill>
+                <a:srgbClr val="000000"/>
+              </a:solidFill>
+            </a:endParaRPr>
           </a:p>
         </p:txBody>
       </p:sp>
@@ -8192,7 +8019,7 @@
 </p:sld>
 </file>
 
-<file path=ppt/slides/slide12.xml><?xml version="1.0" encoding="utf-8"?>
+<file path=ppt/slides/slide11.xml><?xml version="1.0" encoding="utf-8"?>
 <p:sld xmlns:a="http://schemas.openxmlformats.org/drawingml/2006/main" xmlns:r="http://schemas.openxmlformats.org/officeDocument/2006/relationships" xmlns:p="http://schemas.openxmlformats.org/presentationml/2006/main">
   <p:cSld>
     <p:bg>
@@ -8222,7 +8049,7 @@
           <p:cNvPr id="4" name="Title 3">
             <a:extLst>
               <a:ext uri="{FF2B5EF4-FFF2-40B4-BE49-F238E27FC236}">
-                <a16:creationId xmlns:a16="http://schemas.microsoft.com/office/drawing/2014/main" id="{8DE5C918-E452-41B9-A5F2-EFA4F9294C74}"/>
+                <a16:creationId xmlns:a16="http://schemas.microsoft.com/office/drawing/2014/main" xmlns="" id="{8DE5C918-E452-41B9-A5F2-EFA4F9294C74}"/>
               </a:ext>
             </a:extLst>
           </p:cNvPr>
@@ -8262,7 +8089,7 @@
           <p:cNvPr id="5" name="Text Placeholder 4">
             <a:extLst>
               <a:ext uri="{FF2B5EF4-FFF2-40B4-BE49-F238E27FC236}">
-                <a16:creationId xmlns:a16="http://schemas.microsoft.com/office/drawing/2014/main" id="{7910FB3A-C533-4698-B23B-C4973933FC66}"/>
+                <a16:creationId xmlns:a16="http://schemas.microsoft.com/office/drawing/2014/main" xmlns="" id="{7910FB3A-C533-4698-B23B-C4973933FC66}"/>
               </a:ext>
             </a:extLst>
           </p:cNvPr>
@@ -8299,10 +8126,10 @@
           <p:cNvPr id="135" name="Oval 134">
             <a:extLst>
               <a:ext uri="{FF2B5EF4-FFF2-40B4-BE49-F238E27FC236}">
-                <a16:creationId xmlns:a16="http://schemas.microsoft.com/office/drawing/2014/main" id="{FBC3EAFD-A275-4F9B-8F62-72B6678F35A8}"/>
+                <a16:creationId xmlns:a16="http://schemas.microsoft.com/office/drawing/2014/main" xmlns="" id="{FBC3EAFD-A275-4F9B-8F62-72B6678F35A8}"/>
               </a:ext>
               <a:ext uri="{C183D7F6-B498-43B3-948B-1728B52AA6E4}">
-                <adec:decorative xmlns:adec="http://schemas.microsoft.com/office/drawing/2017/decorative" val="1"/>
+                <adec:decorative xmlns:adec="http://schemas.microsoft.com/office/drawing/2017/decorative" xmlns="" val="1"/>
               </a:ext>
             </a:extLst>
           </p:cNvPr>
@@ -8312,7 +8139,7 @@
           <p:nvPr>
             <p:extLst>
               <p:ext uri="{386F3935-93C4-4BCD-93E2-E3B085C9AB24}">
-                <p16:designElem xmlns:p16="http://schemas.microsoft.com/office/powerpoint/2015/main" val="1"/>
+                <p16:designElem xmlns:p16="http://schemas.microsoft.com/office/powerpoint/2015/main" xmlns="" val="1"/>
               </p:ext>
             </p:extLst>
           </p:nvPr>
@@ -8362,10 +8189,10 @@
           <p:cNvPr id="137" name="Oval 136">
             <a:extLst>
               <a:ext uri="{FF2B5EF4-FFF2-40B4-BE49-F238E27FC236}">
-                <a16:creationId xmlns:a16="http://schemas.microsoft.com/office/drawing/2014/main" id="{06E64A6D-2B9F-4AAD-AB42-A61BAF01AC12}"/>
+                <a16:creationId xmlns:a16="http://schemas.microsoft.com/office/drawing/2014/main" xmlns="" id="{06E64A6D-2B9F-4AAD-AB42-A61BAF01AC12}"/>
               </a:ext>
               <a:ext uri="{C183D7F6-B498-43B3-948B-1728B52AA6E4}">
-                <adec:decorative xmlns:adec="http://schemas.microsoft.com/office/drawing/2017/decorative" val="1"/>
+                <adec:decorative xmlns:adec="http://schemas.microsoft.com/office/drawing/2017/decorative" xmlns="" val="1"/>
               </a:ext>
             </a:extLst>
           </p:cNvPr>
@@ -8375,7 +8202,7 @@
           <p:nvPr>
             <p:extLst>
               <p:ext uri="{386F3935-93C4-4BCD-93E2-E3B085C9AB24}">
-                <p16:designElem xmlns:p16="http://schemas.microsoft.com/office/powerpoint/2015/main" val="1"/>
+                <p16:designElem xmlns:p16="http://schemas.microsoft.com/office/powerpoint/2015/main" xmlns="" val="1"/>
               </p:ext>
             </p:extLst>
           </p:nvPr>
@@ -8427,7 +8254,7 @@
           <p:cNvPr id="2050" name="Picture 2" descr="Image result for Vote of thanks">
             <a:extLst>
               <a:ext uri="{FF2B5EF4-FFF2-40B4-BE49-F238E27FC236}">
-                <a16:creationId xmlns:a16="http://schemas.microsoft.com/office/drawing/2014/main" id="{C34D6FB8-9F9B-4CE6-8C11-FD184C218FBD}"/>
+                <a16:creationId xmlns:a16="http://schemas.microsoft.com/office/drawing/2014/main" xmlns="" id="{C34D6FB8-9F9B-4CE6-8C11-FD184C218FBD}"/>
               </a:ext>
             </a:extLst>
           </p:cNvPr>
@@ -8535,10 +8362,10 @@
           <p:cNvPr id="139" name="Picture 138">
             <a:extLst>
               <a:ext uri="{FF2B5EF4-FFF2-40B4-BE49-F238E27FC236}">
-                <a16:creationId xmlns:a16="http://schemas.microsoft.com/office/drawing/2014/main" id="{C51881DD-AD85-41BE-8A49-C2FB45800E10}"/>
+                <a16:creationId xmlns:a16="http://schemas.microsoft.com/office/drawing/2014/main" xmlns="" id="{C51881DD-AD85-41BE-8A49-C2FB45800E10}"/>
               </a:ext>
               <a:ext uri="{C183D7F6-B498-43B3-948B-1728B52AA6E4}">
-                <adec:decorative xmlns:adec="http://schemas.microsoft.com/office/drawing/2017/decorative" val="1"/>
+                <adec:decorative xmlns:adec="http://schemas.microsoft.com/office/drawing/2017/decorative" xmlns="" val="1"/>
               </a:ext>
             </a:extLst>
           </p:cNvPr>
@@ -8548,7 +8375,7 @@
           <p:nvPr>
             <p:extLst>
               <p:ext uri="{386F3935-93C4-4BCD-93E2-E3B085C9AB24}">
-                <p16:designElem xmlns:p16="http://schemas.microsoft.com/office/powerpoint/2015/main" val="1"/>
+                <p16:designElem xmlns:p16="http://schemas.microsoft.com/office/powerpoint/2015/main" xmlns="" val="1"/>
               </p:ext>
             </p:extLst>
           </p:nvPr>
@@ -8640,10 +8467,10 @@
           <p:cNvPr id="141" name="Straight Connector 140">
             <a:extLst>
               <a:ext uri="{FF2B5EF4-FFF2-40B4-BE49-F238E27FC236}">
-                <a16:creationId xmlns:a16="http://schemas.microsoft.com/office/drawing/2014/main" id="{9AD20FE8-ED02-4CDE-83B1-A1436305C3DC}"/>
+                <a16:creationId xmlns:a16="http://schemas.microsoft.com/office/drawing/2014/main" xmlns="" id="{9AD20FE8-ED02-4CDE-83B1-A1436305C3DC}"/>
               </a:ext>
               <a:ext uri="{C183D7F6-B498-43B3-948B-1728B52AA6E4}">
-                <adec:decorative xmlns:adec="http://schemas.microsoft.com/office/drawing/2017/decorative" val="1"/>
+                <adec:decorative xmlns:adec="http://schemas.microsoft.com/office/drawing/2017/decorative" xmlns="" val="1"/>
               </a:ext>
             </a:extLst>
           </p:cNvPr>
@@ -8653,7 +8480,7 @@
           <p:nvPr>
             <p:extLst>
               <p:ext uri="{386F3935-93C4-4BCD-93E2-E3B085C9AB24}">
-                <p16:designElem xmlns:p16="http://schemas.microsoft.com/office/powerpoint/2015/main" val="1"/>
+                <p16:designElem xmlns:p16="http://schemas.microsoft.com/office/powerpoint/2015/main" xmlns="" val="1"/>
               </p:ext>
             </p:extLst>
           </p:nvPr>
@@ -8692,7 +8519,7 @@
           <p:cNvPr id="17" name="Picture 6" descr="Image result for jp morgan logo">
             <a:extLst>
               <a:ext uri="{FF2B5EF4-FFF2-40B4-BE49-F238E27FC236}">
-                <a16:creationId xmlns:a16="http://schemas.microsoft.com/office/drawing/2014/main" id="{C98A6394-6E49-41D6-B142-3B6C32F3492C}"/>
+                <a16:creationId xmlns:a16="http://schemas.microsoft.com/office/drawing/2014/main" xmlns="" id="{C98A6394-6E49-41D6-B142-3B6C32F3492C}"/>
               </a:ext>
             </a:extLst>
           </p:cNvPr>
@@ -8702,7 +8529,7 @@
           <p:nvPr/>
         </p:nvPicPr>
         <p:blipFill>
-          <a:blip r:embed="rId4">
+          <a:blip r:embed="rId4" cstate="print">
             <a:extLst>
               <a:ext uri="{28A0092B-C50C-407E-A947-70E740481C1C}">
                 <a14:useLocalDpi xmlns:a14="http://schemas.microsoft.com/office/drawing/2010/main" val="0"/>
@@ -8739,7 +8566,7 @@
           <p:cNvPr id="18" name="Picture 17">
             <a:extLst>
               <a:ext uri="{FF2B5EF4-FFF2-40B4-BE49-F238E27FC236}">
-                <a16:creationId xmlns:a16="http://schemas.microsoft.com/office/drawing/2014/main" id="{7E771955-898D-4E7A-8F45-8EA79F1647DC}"/>
+                <a16:creationId xmlns:a16="http://schemas.microsoft.com/office/drawing/2014/main" xmlns="" id="{7E771955-898D-4E7A-8F45-8EA79F1647DC}"/>
               </a:ext>
             </a:extLst>
           </p:cNvPr>
@@ -8749,7 +8576,7 @@
           <p:nvPr/>
         </p:nvPicPr>
         <p:blipFill>
-          <a:blip r:embed="rId5">
+          <a:blip r:embed="rId5" cstate="print">
             <a:extLst>
               <a:ext uri="{28A0092B-C50C-407E-A947-70E740481C1C}">
                 <a14:useLocalDpi xmlns:a14="http://schemas.microsoft.com/office/drawing/2010/main" val="0"/>
@@ -8775,7 +8602,7 @@
           <p:cNvPr id="19" name="Straight Connector 18">
             <a:extLst>
               <a:ext uri="{FF2B5EF4-FFF2-40B4-BE49-F238E27FC236}">
-                <a16:creationId xmlns:a16="http://schemas.microsoft.com/office/drawing/2014/main" id="{70B1E49D-0FB5-4423-893A-767B43E3FD54}"/>
+                <a16:creationId xmlns:a16="http://schemas.microsoft.com/office/drawing/2014/main" xmlns="" id="{70B1E49D-0FB5-4423-893A-767B43E3FD54}"/>
               </a:ext>
             </a:extLst>
           </p:cNvPr>
@@ -8825,996 +8652,6 @@
 </file>
 
 <file path=ppt/slides/slide2.xml><?xml version="1.0" encoding="utf-8"?>
-<p:sld xmlns:a="http://schemas.openxmlformats.org/drawingml/2006/main" xmlns:r="http://schemas.openxmlformats.org/officeDocument/2006/relationships" xmlns:p="http://schemas.openxmlformats.org/presentationml/2006/main" show="0">
-  <p:cSld>
-    <p:spTree>
-      <p:nvGrpSpPr>
-        <p:cNvPr id="1" name=""/>
-        <p:cNvGrpSpPr/>
-        <p:nvPr/>
-      </p:nvGrpSpPr>
-      <p:grpSpPr>
-        <a:xfrm>
-          <a:off x="0" y="0"/>
-          <a:ext cx="0" cy="0"/>
-          <a:chOff x="0" y="0"/>
-          <a:chExt cx="0" cy="0"/>
-        </a:xfrm>
-      </p:grpSpPr>
-      <p:sp>
-        <p:nvSpPr>
-          <p:cNvPr id="4" name="Rectangle 3">
-            <a:extLst>
-              <a:ext uri="{FF2B5EF4-FFF2-40B4-BE49-F238E27FC236}">
-                <a16:creationId xmlns:a16="http://schemas.microsoft.com/office/drawing/2014/main" id="{3DAA1F23-D93E-4FD5-BA41-4F3886F66506}"/>
-              </a:ext>
-            </a:extLst>
-          </p:cNvPr>
-          <p:cNvSpPr/>
-          <p:nvPr/>
-        </p:nvSpPr>
-        <p:spPr>
-          <a:xfrm>
-            <a:off x="783838" y="2739080"/>
-            <a:ext cx="1379839" cy="1379839"/>
-          </a:xfrm>
-          <a:prstGeom prst="rect">
-            <a:avLst/>
-          </a:prstGeom>
-          <a:blipFill dpi="0" rotWithShape="1">
-            <a:blip r:embed="rId2">
-              <a:extLst>
-                <a:ext uri="{28A0092B-C50C-407E-A947-70E740481C1C}">
-                  <a14:useLocalDpi xmlns:a14="http://schemas.microsoft.com/office/drawing/2010/main" val="0"/>
-                </a:ext>
-              </a:extLst>
-            </a:blip>
-            <a:srcRect/>
-            <a:stretch>
-              <a:fillRect/>
-            </a:stretch>
-          </a:blipFill>
-          <a:ln>
-            <a:solidFill>
-              <a:schemeClr val="bg1"/>
-            </a:solidFill>
-          </a:ln>
-        </p:spPr>
-        <p:style>
-          <a:lnRef idx="2">
-            <a:schemeClr val="accent1">
-              <a:shade val="50000"/>
-            </a:schemeClr>
-          </a:lnRef>
-          <a:fillRef idx="1">
-            <a:schemeClr val="accent1"/>
-          </a:fillRef>
-          <a:effectRef idx="0">
-            <a:schemeClr val="accent1"/>
-          </a:effectRef>
-          <a:fontRef idx="minor">
-            <a:schemeClr val="lt1"/>
-          </a:fontRef>
-        </p:style>
-        <p:txBody>
-          <a:bodyPr rtlCol="0" anchor="ctr"/>
-          <a:lstStyle/>
-          <a:p>
-            <a:pPr algn="ctr"/>
-            <a:endParaRPr lang="en-US" dirty="0"/>
-          </a:p>
-        </p:txBody>
-      </p:sp>
-      <p:sp>
-        <p:nvSpPr>
-          <p:cNvPr id="5" name="Rectangle 4">
-            <a:extLst>
-              <a:ext uri="{FF2B5EF4-FFF2-40B4-BE49-F238E27FC236}">
-                <a16:creationId xmlns:a16="http://schemas.microsoft.com/office/drawing/2014/main" id="{705ABC84-F58D-4185-B0BE-7C1096691004}"/>
-              </a:ext>
-            </a:extLst>
-          </p:cNvPr>
-          <p:cNvSpPr/>
-          <p:nvPr/>
-        </p:nvSpPr>
-        <p:spPr>
-          <a:xfrm>
-            <a:off x="2349401" y="2739080"/>
-            <a:ext cx="1379839" cy="1379839"/>
-          </a:xfrm>
-          <a:prstGeom prst="rect">
-            <a:avLst/>
-          </a:prstGeom>
-          <a:blipFill dpi="0" rotWithShape="1">
-            <a:blip r:embed="rId3">
-              <a:extLst>
-                <a:ext uri="{28A0092B-C50C-407E-A947-70E740481C1C}">
-                  <a14:useLocalDpi xmlns:a14="http://schemas.microsoft.com/office/drawing/2010/main" val="0"/>
-                </a:ext>
-              </a:extLst>
-            </a:blip>
-            <a:srcRect/>
-            <a:stretch>
-              <a:fillRect/>
-            </a:stretch>
-          </a:blipFill>
-          <a:ln>
-            <a:solidFill>
-              <a:schemeClr val="bg1"/>
-            </a:solidFill>
-          </a:ln>
-        </p:spPr>
-        <p:style>
-          <a:lnRef idx="2">
-            <a:schemeClr val="accent1">
-              <a:shade val="50000"/>
-            </a:schemeClr>
-          </a:lnRef>
-          <a:fillRef idx="1">
-            <a:schemeClr val="accent1"/>
-          </a:fillRef>
-          <a:effectRef idx="0">
-            <a:schemeClr val="accent1"/>
-          </a:effectRef>
-          <a:fontRef idx="minor">
-            <a:schemeClr val="lt1"/>
-          </a:fontRef>
-        </p:style>
-        <p:txBody>
-          <a:bodyPr rtlCol="0" anchor="ctr"/>
-          <a:lstStyle/>
-          <a:p>
-            <a:pPr algn="ctr"/>
-            <a:endParaRPr lang="en-US" dirty="0"/>
-          </a:p>
-        </p:txBody>
-      </p:sp>
-      <p:sp>
-        <p:nvSpPr>
-          <p:cNvPr id="6" name="Rectangle 5">
-            <a:extLst>
-              <a:ext uri="{FF2B5EF4-FFF2-40B4-BE49-F238E27FC236}">
-                <a16:creationId xmlns:a16="http://schemas.microsoft.com/office/drawing/2014/main" id="{471F7CF0-A2D7-4EA0-ADF4-912A096FDC85}"/>
-              </a:ext>
-            </a:extLst>
-          </p:cNvPr>
-          <p:cNvSpPr/>
-          <p:nvPr/>
-        </p:nvSpPr>
-        <p:spPr>
-          <a:xfrm>
-            <a:off x="3933993" y="2739080"/>
-            <a:ext cx="1379839" cy="1379839"/>
-          </a:xfrm>
-          <a:prstGeom prst="rect">
-            <a:avLst/>
-          </a:prstGeom>
-          <a:blipFill dpi="0" rotWithShape="1">
-            <a:blip r:embed="rId4">
-              <a:extLst>
-                <a:ext uri="{28A0092B-C50C-407E-A947-70E740481C1C}">
-                  <a14:useLocalDpi xmlns:a14="http://schemas.microsoft.com/office/drawing/2010/main" val="0"/>
-                </a:ext>
-              </a:extLst>
-            </a:blip>
-            <a:srcRect/>
-            <a:stretch>
-              <a:fillRect/>
-            </a:stretch>
-          </a:blipFill>
-          <a:ln>
-            <a:solidFill>
-              <a:schemeClr val="bg1"/>
-            </a:solidFill>
-          </a:ln>
-        </p:spPr>
-        <p:style>
-          <a:lnRef idx="2">
-            <a:schemeClr val="accent1">
-              <a:shade val="50000"/>
-            </a:schemeClr>
-          </a:lnRef>
-          <a:fillRef idx="1">
-            <a:schemeClr val="accent1"/>
-          </a:fillRef>
-          <a:effectRef idx="0">
-            <a:schemeClr val="accent1"/>
-          </a:effectRef>
-          <a:fontRef idx="minor">
-            <a:schemeClr val="lt1"/>
-          </a:fontRef>
-        </p:style>
-        <p:txBody>
-          <a:bodyPr rtlCol="0" anchor="ctr"/>
-          <a:lstStyle/>
-          <a:p>
-            <a:pPr algn="ctr"/>
-            <a:endParaRPr lang="en-US" dirty="0"/>
-          </a:p>
-        </p:txBody>
-      </p:sp>
-      <p:sp>
-        <p:nvSpPr>
-          <p:cNvPr id="7" name="Rectangle 6">
-            <a:extLst>
-              <a:ext uri="{FF2B5EF4-FFF2-40B4-BE49-F238E27FC236}">
-                <a16:creationId xmlns:a16="http://schemas.microsoft.com/office/drawing/2014/main" id="{09807426-59BD-40CF-9B1E-DBD71CFB9DD7}"/>
-              </a:ext>
-            </a:extLst>
-          </p:cNvPr>
-          <p:cNvSpPr/>
-          <p:nvPr/>
-        </p:nvSpPr>
-        <p:spPr>
-          <a:xfrm>
-            <a:off x="5498331" y="2739080"/>
-            <a:ext cx="1379839" cy="1379839"/>
-          </a:xfrm>
-          <a:prstGeom prst="rect">
-            <a:avLst/>
-          </a:prstGeom>
-          <a:blipFill dpi="0" rotWithShape="1">
-            <a:blip r:embed="rId5">
-              <a:extLst>
-                <a:ext uri="{28A0092B-C50C-407E-A947-70E740481C1C}">
-                  <a14:useLocalDpi xmlns:a14="http://schemas.microsoft.com/office/drawing/2010/main" val="0"/>
-                </a:ext>
-              </a:extLst>
-            </a:blip>
-            <a:srcRect/>
-            <a:stretch>
-              <a:fillRect/>
-            </a:stretch>
-          </a:blipFill>
-          <a:ln>
-            <a:solidFill>
-              <a:schemeClr val="bg1"/>
-            </a:solidFill>
-          </a:ln>
-        </p:spPr>
-        <p:style>
-          <a:lnRef idx="2">
-            <a:schemeClr val="accent1">
-              <a:shade val="50000"/>
-            </a:schemeClr>
-          </a:lnRef>
-          <a:fillRef idx="1">
-            <a:schemeClr val="accent1"/>
-          </a:fillRef>
-          <a:effectRef idx="0">
-            <a:schemeClr val="accent1"/>
-          </a:effectRef>
-          <a:fontRef idx="minor">
-            <a:schemeClr val="lt1"/>
-          </a:fontRef>
-        </p:style>
-        <p:txBody>
-          <a:bodyPr rtlCol="0" anchor="ctr"/>
-          <a:lstStyle/>
-          <a:p>
-            <a:pPr algn="ctr"/>
-            <a:endParaRPr lang="en-US" dirty="0"/>
-          </a:p>
-        </p:txBody>
-      </p:sp>
-      <p:sp>
-        <p:nvSpPr>
-          <p:cNvPr id="8" name="Rectangle 7">
-            <a:extLst>
-              <a:ext uri="{FF2B5EF4-FFF2-40B4-BE49-F238E27FC236}">
-                <a16:creationId xmlns:a16="http://schemas.microsoft.com/office/drawing/2014/main" id="{FFA960AE-B914-4E63-843C-726E25D849E0}"/>
-              </a:ext>
-            </a:extLst>
-          </p:cNvPr>
-          <p:cNvSpPr/>
-          <p:nvPr/>
-        </p:nvSpPr>
-        <p:spPr>
-          <a:xfrm>
-            <a:off x="7062669" y="2739080"/>
-            <a:ext cx="1379839" cy="1379839"/>
-          </a:xfrm>
-          <a:prstGeom prst="rect">
-            <a:avLst/>
-          </a:prstGeom>
-          <a:blipFill dpi="0" rotWithShape="1">
-            <a:blip r:embed="rId6">
-              <a:extLst>
-                <a:ext uri="{28A0092B-C50C-407E-A947-70E740481C1C}">
-                  <a14:useLocalDpi xmlns:a14="http://schemas.microsoft.com/office/drawing/2010/main" val="0"/>
-                </a:ext>
-              </a:extLst>
-            </a:blip>
-            <a:srcRect/>
-            <a:stretch>
-              <a:fillRect/>
-            </a:stretch>
-          </a:blipFill>
-          <a:ln>
-            <a:solidFill>
-              <a:schemeClr val="bg1"/>
-            </a:solidFill>
-          </a:ln>
-        </p:spPr>
-        <p:style>
-          <a:lnRef idx="2">
-            <a:schemeClr val="accent1">
-              <a:shade val="50000"/>
-            </a:schemeClr>
-          </a:lnRef>
-          <a:fillRef idx="1">
-            <a:schemeClr val="accent1"/>
-          </a:fillRef>
-          <a:effectRef idx="0">
-            <a:schemeClr val="accent1"/>
-          </a:effectRef>
-          <a:fontRef idx="minor">
-            <a:schemeClr val="lt1"/>
-          </a:fontRef>
-        </p:style>
-        <p:txBody>
-          <a:bodyPr rtlCol="0" anchor="ctr"/>
-          <a:lstStyle/>
-          <a:p>
-            <a:pPr algn="ctr"/>
-            <a:endParaRPr lang="en-US" dirty="0"/>
-          </a:p>
-        </p:txBody>
-      </p:sp>
-      <p:sp>
-        <p:nvSpPr>
-          <p:cNvPr id="9" name="Rectangle 8">
-            <a:extLst>
-              <a:ext uri="{FF2B5EF4-FFF2-40B4-BE49-F238E27FC236}">
-                <a16:creationId xmlns:a16="http://schemas.microsoft.com/office/drawing/2014/main" id="{85CFB1AE-B46D-45E0-94F3-AECAA7263D7B}"/>
-              </a:ext>
-            </a:extLst>
-          </p:cNvPr>
-          <p:cNvSpPr/>
-          <p:nvPr/>
-        </p:nvSpPr>
-        <p:spPr>
-          <a:xfrm>
-            <a:off x="797692" y="1145807"/>
-            <a:ext cx="1379839" cy="1379839"/>
-          </a:xfrm>
-          <a:prstGeom prst="rect">
-            <a:avLst/>
-          </a:prstGeom>
-          <a:blipFill dpi="0" rotWithShape="1">
-            <a:blip r:embed="rId7">
-              <a:extLst>
-                <a:ext uri="{28A0092B-C50C-407E-A947-70E740481C1C}">
-                  <a14:useLocalDpi xmlns:a14="http://schemas.microsoft.com/office/drawing/2010/main" val="0"/>
-                </a:ext>
-              </a:extLst>
-            </a:blip>
-            <a:srcRect/>
-            <a:stretch>
-              <a:fillRect/>
-            </a:stretch>
-          </a:blipFill>
-          <a:ln>
-            <a:solidFill>
-              <a:schemeClr val="bg1"/>
-            </a:solidFill>
-          </a:ln>
-        </p:spPr>
-        <p:style>
-          <a:lnRef idx="2">
-            <a:schemeClr val="accent1">
-              <a:shade val="50000"/>
-            </a:schemeClr>
-          </a:lnRef>
-          <a:fillRef idx="1">
-            <a:schemeClr val="accent1"/>
-          </a:fillRef>
-          <a:effectRef idx="0">
-            <a:schemeClr val="accent1"/>
-          </a:effectRef>
-          <a:fontRef idx="minor">
-            <a:schemeClr val="lt1"/>
-          </a:fontRef>
-        </p:style>
-        <p:txBody>
-          <a:bodyPr rtlCol="0" anchor="ctr"/>
-          <a:lstStyle/>
-          <a:p>
-            <a:pPr algn="ctr"/>
-            <a:endParaRPr lang="en-US" dirty="0"/>
-          </a:p>
-        </p:txBody>
-      </p:sp>
-      <p:sp>
-        <p:nvSpPr>
-          <p:cNvPr id="10" name="Rectangle 9">
-            <a:extLst>
-              <a:ext uri="{FF2B5EF4-FFF2-40B4-BE49-F238E27FC236}">
-                <a16:creationId xmlns:a16="http://schemas.microsoft.com/office/drawing/2014/main" id="{1B391BDD-F07B-4C67-9224-9651E39ECBE6}"/>
-              </a:ext>
-            </a:extLst>
-          </p:cNvPr>
-          <p:cNvSpPr/>
-          <p:nvPr/>
-        </p:nvSpPr>
-        <p:spPr>
-          <a:xfrm>
-            <a:off x="2363255" y="1145807"/>
-            <a:ext cx="1379839" cy="1379839"/>
-          </a:xfrm>
-          <a:prstGeom prst="rect">
-            <a:avLst/>
-          </a:prstGeom>
-          <a:blipFill dpi="0" rotWithShape="1">
-            <a:blip r:embed="rId8">
-              <a:extLst>
-                <a:ext uri="{28A0092B-C50C-407E-A947-70E740481C1C}">
-                  <a14:useLocalDpi xmlns:a14="http://schemas.microsoft.com/office/drawing/2010/main" val="0"/>
-                </a:ext>
-              </a:extLst>
-            </a:blip>
-            <a:srcRect/>
-            <a:stretch>
-              <a:fillRect/>
-            </a:stretch>
-          </a:blipFill>
-          <a:ln>
-            <a:solidFill>
-              <a:schemeClr val="bg1"/>
-            </a:solidFill>
-          </a:ln>
-        </p:spPr>
-        <p:style>
-          <a:lnRef idx="2">
-            <a:schemeClr val="accent1">
-              <a:shade val="50000"/>
-            </a:schemeClr>
-          </a:lnRef>
-          <a:fillRef idx="1">
-            <a:schemeClr val="accent1"/>
-          </a:fillRef>
-          <a:effectRef idx="0">
-            <a:schemeClr val="accent1"/>
-          </a:effectRef>
-          <a:fontRef idx="minor">
-            <a:schemeClr val="lt1"/>
-          </a:fontRef>
-        </p:style>
-        <p:txBody>
-          <a:bodyPr rtlCol="0" anchor="ctr"/>
-          <a:lstStyle/>
-          <a:p>
-            <a:pPr algn="ctr"/>
-            <a:endParaRPr lang="en-US" dirty="0"/>
-          </a:p>
-        </p:txBody>
-      </p:sp>
-      <p:sp>
-        <p:nvSpPr>
-          <p:cNvPr id="11" name="Rectangle 10">
-            <a:extLst>
-              <a:ext uri="{FF2B5EF4-FFF2-40B4-BE49-F238E27FC236}">
-                <a16:creationId xmlns:a16="http://schemas.microsoft.com/office/drawing/2014/main" id="{15CC405D-9E93-479A-A34D-E0840ED42DAC}"/>
-              </a:ext>
-            </a:extLst>
-          </p:cNvPr>
-          <p:cNvSpPr/>
-          <p:nvPr/>
-        </p:nvSpPr>
-        <p:spPr>
-          <a:xfrm>
-            <a:off x="3947847" y="1145807"/>
-            <a:ext cx="1379839" cy="1379839"/>
-          </a:xfrm>
-          <a:prstGeom prst="rect">
-            <a:avLst/>
-          </a:prstGeom>
-          <a:blipFill dpi="0" rotWithShape="1">
-            <a:blip r:embed="rId9">
-              <a:extLst>
-                <a:ext uri="{28A0092B-C50C-407E-A947-70E740481C1C}">
-                  <a14:useLocalDpi xmlns:a14="http://schemas.microsoft.com/office/drawing/2010/main" val="0"/>
-                </a:ext>
-              </a:extLst>
-            </a:blip>
-            <a:srcRect/>
-            <a:stretch>
-              <a:fillRect/>
-            </a:stretch>
-          </a:blipFill>
-          <a:ln>
-            <a:solidFill>
-              <a:schemeClr val="bg1"/>
-            </a:solidFill>
-          </a:ln>
-        </p:spPr>
-        <p:style>
-          <a:lnRef idx="2">
-            <a:schemeClr val="accent1">
-              <a:shade val="50000"/>
-            </a:schemeClr>
-          </a:lnRef>
-          <a:fillRef idx="1">
-            <a:schemeClr val="accent1"/>
-          </a:fillRef>
-          <a:effectRef idx="0">
-            <a:schemeClr val="accent1"/>
-          </a:effectRef>
-          <a:fontRef idx="minor">
-            <a:schemeClr val="lt1"/>
-          </a:fontRef>
-        </p:style>
-        <p:txBody>
-          <a:bodyPr rtlCol="0" anchor="ctr"/>
-          <a:lstStyle/>
-          <a:p>
-            <a:pPr algn="ctr"/>
-            <a:endParaRPr lang="en-US" dirty="0"/>
-          </a:p>
-        </p:txBody>
-      </p:sp>
-      <p:sp>
-        <p:nvSpPr>
-          <p:cNvPr id="12" name="Rectangle 11">
-            <a:extLst>
-              <a:ext uri="{FF2B5EF4-FFF2-40B4-BE49-F238E27FC236}">
-                <a16:creationId xmlns:a16="http://schemas.microsoft.com/office/drawing/2014/main" id="{B709607D-1C76-4A19-B710-14FE5FDA7988}"/>
-              </a:ext>
-            </a:extLst>
-          </p:cNvPr>
-          <p:cNvSpPr/>
-          <p:nvPr/>
-        </p:nvSpPr>
-        <p:spPr>
-          <a:xfrm>
-            <a:off x="5512185" y="1145807"/>
-            <a:ext cx="1379839" cy="1379839"/>
-          </a:xfrm>
-          <a:prstGeom prst="rect">
-            <a:avLst/>
-          </a:prstGeom>
-          <a:blipFill dpi="0" rotWithShape="1">
-            <a:blip r:embed="rId10">
-              <a:extLst>
-                <a:ext uri="{28A0092B-C50C-407E-A947-70E740481C1C}">
-                  <a14:useLocalDpi xmlns:a14="http://schemas.microsoft.com/office/drawing/2010/main" val="0"/>
-                </a:ext>
-              </a:extLst>
-            </a:blip>
-            <a:srcRect/>
-            <a:stretch>
-              <a:fillRect/>
-            </a:stretch>
-          </a:blipFill>
-          <a:ln>
-            <a:solidFill>
-              <a:schemeClr val="bg1"/>
-            </a:solidFill>
-          </a:ln>
-        </p:spPr>
-        <p:style>
-          <a:lnRef idx="2">
-            <a:schemeClr val="accent1">
-              <a:shade val="50000"/>
-            </a:schemeClr>
-          </a:lnRef>
-          <a:fillRef idx="1">
-            <a:schemeClr val="accent1"/>
-          </a:fillRef>
-          <a:effectRef idx="0">
-            <a:schemeClr val="accent1"/>
-          </a:effectRef>
-          <a:fontRef idx="minor">
-            <a:schemeClr val="lt1"/>
-          </a:fontRef>
-        </p:style>
-        <p:txBody>
-          <a:bodyPr rtlCol="0" anchor="ctr"/>
-          <a:lstStyle/>
-          <a:p>
-            <a:pPr algn="ctr"/>
-            <a:endParaRPr lang="en-US" dirty="0"/>
-          </a:p>
-        </p:txBody>
-      </p:sp>
-      <p:sp>
-        <p:nvSpPr>
-          <p:cNvPr id="13" name="Rectangle 12">
-            <a:extLst>
-              <a:ext uri="{FF2B5EF4-FFF2-40B4-BE49-F238E27FC236}">
-                <a16:creationId xmlns:a16="http://schemas.microsoft.com/office/drawing/2014/main" id="{EB43DC7D-D671-4514-9C81-8BFE5BD7E529}"/>
-              </a:ext>
-            </a:extLst>
-          </p:cNvPr>
-          <p:cNvSpPr/>
-          <p:nvPr/>
-        </p:nvSpPr>
-        <p:spPr>
-          <a:xfrm>
-            <a:off x="7076523" y="1145807"/>
-            <a:ext cx="1379839" cy="1379839"/>
-          </a:xfrm>
-          <a:prstGeom prst="rect">
-            <a:avLst/>
-          </a:prstGeom>
-          <a:blipFill dpi="0" rotWithShape="1">
-            <a:blip r:embed="rId11">
-              <a:extLst>
-                <a:ext uri="{28A0092B-C50C-407E-A947-70E740481C1C}">
-                  <a14:useLocalDpi xmlns:a14="http://schemas.microsoft.com/office/drawing/2010/main" val="0"/>
-                </a:ext>
-              </a:extLst>
-            </a:blip>
-            <a:srcRect/>
-            <a:stretch>
-              <a:fillRect/>
-            </a:stretch>
-          </a:blipFill>
-          <a:ln>
-            <a:solidFill>
-              <a:schemeClr val="bg1"/>
-            </a:solidFill>
-          </a:ln>
-        </p:spPr>
-        <p:style>
-          <a:lnRef idx="2">
-            <a:schemeClr val="accent1">
-              <a:shade val="50000"/>
-            </a:schemeClr>
-          </a:lnRef>
-          <a:fillRef idx="1">
-            <a:schemeClr val="accent1"/>
-          </a:fillRef>
-          <a:effectRef idx="0">
-            <a:schemeClr val="accent1"/>
-          </a:effectRef>
-          <a:fontRef idx="minor">
-            <a:schemeClr val="lt1"/>
-          </a:fontRef>
-        </p:style>
-        <p:txBody>
-          <a:bodyPr rtlCol="0" anchor="ctr"/>
-          <a:lstStyle/>
-          <a:p>
-            <a:pPr algn="ctr"/>
-            <a:endParaRPr lang="en-US" dirty="0"/>
-          </a:p>
-        </p:txBody>
-      </p:sp>
-      <p:sp>
-        <p:nvSpPr>
-          <p:cNvPr id="14" name="Rectangle 13">
-            <a:extLst>
-              <a:ext uri="{FF2B5EF4-FFF2-40B4-BE49-F238E27FC236}">
-                <a16:creationId xmlns:a16="http://schemas.microsoft.com/office/drawing/2014/main" id="{D110BA39-73DD-4B1E-BAFA-4A2874238410}"/>
-              </a:ext>
-            </a:extLst>
-          </p:cNvPr>
-          <p:cNvSpPr/>
-          <p:nvPr/>
-        </p:nvSpPr>
-        <p:spPr>
-          <a:xfrm>
-            <a:off x="783838" y="4332354"/>
-            <a:ext cx="1379839" cy="1379839"/>
-          </a:xfrm>
-          <a:prstGeom prst="rect">
-            <a:avLst/>
-          </a:prstGeom>
-          <a:blipFill dpi="0" rotWithShape="1">
-            <a:blip r:embed="rId12">
-              <a:extLst>
-                <a:ext uri="{28A0092B-C50C-407E-A947-70E740481C1C}">
-                  <a14:useLocalDpi xmlns:a14="http://schemas.microsoft.com/office/drawing/2010/main" val="0"/>
-                </a:ext>
-              </a:extLst>
-            </a:blip>
-            <a:srcRect/>
-            <a:stretch>
-              <a:fillRect/>
-            </a:stretch>
-          </a:blipFill>
-          <a:ln>
-            <a:solidFill>
-              <a:schemeClr val="bg1"/>
-            </a:solidFill>
-          </a:ln>
-        </p:spPr>
-        <p:style>
-          <a:lnRef idx="2">
-            <a:schemeClr val="accent1">
-              <a:shade val="50000"/>
-            </a:schemeClr>
-          </a:lnRef>
-          <a:fillRef idx="1">
-            <a:schemeClr val="accent1"/>
-          </a:fillRef>
-          <a:effectRef idx="0">
-            <a:schemeClr val="accent1"/>
-          </a:effectRef>
-          <a:fontRef idx="minor">
-            <a:schemeClr val="lt1"/>
-          </a:fontRef>
-        </p:style>
-        <p:txBody>
-          <a:bodyPr rtlCol="0" anchor="ctr"/>
-          <a:lstStyle/>
-          <a:p>
-            <a:pPr algn="ctr"/>
-            <a:endParaRPr lang="en-US" dirty="0"/>
-          </a:p>
-        </p:txBody>
-      </p:sp>
-      <p:sp>
-        <p:nvSpPr>
-          <p:cNvPr id="15" name="Rectangle 14">
-            <a:extLst>
-              <a:ext uri="{FF2B5EF4-FFF2-40B4-BE49-F238E27FC236}">
-                <a16:creationId xmlns:a16="http://schemas.microsoft.com/office/drawing/2014/main" id="{C0EFE60D-70DC-4A1F-B1B2-CF4701557B76}"/>
-              </a:ext>
-            </a:extLst>
-          </p:cNvPr>
-          <p:cNvSpPr/>
-          <p:nvPr/>
-        </p:nvSpPr>
-        <p:spPr>
-          <a:xfrm>
-            <a:off x="2349401" y="4332354"/>
-            <a:ext cx="1379839" cy="1379839"/>
-          </a:xfrm>
-          <a:prstGeom prst="rect">
-            <a:avLst/>
-          </a:prstGeom>
-          <a:blipFill dpi="0" rotWithShape="1">
-            <a:blip r:embed="rId13">
-              <a:extLst>
-                <a:ext uri="{28A0092B-C50C-407E-A947-70E740481C1C}">
-                  <a14:useLocalDpi xmlns:a14="http://schemas.microsoft.com/office/drawing/2010/main" val="0"/>
-                </a:ext>
-              </a:extLst>
-            </a:blip>
-            <a:srcRect/>
-            <a:stretch>
-              <a:fillRect/>
-            </a:stretch>
-          </a:blipFill>
-          <a:ln>
-            <a:solidFill>
-              <a:schemeClr val="bg1"/>
-            </a:solidFill>
-          </a:ln>
-        </p:spPr>
-        <p:style>
-          <a:lnRef idx="2">
-            <a:schemeClr val="accent1">
-              <a:shade val="50000"/>
-            </a:schemeClr>
-          </a:lnRef>
-          <a:fillRef idx="1">
-            <a:schemeClr val="accent1"/>
-          </a:fillRef>
-          <a:effectRef idx="0">
-            <a:schemeClr val="accent1"/>
-          </a:effectRef>
-          <a:fontRef idx="minor">
-            <a:schemeClr val="lt1"/>
-          </a:fontRef>
-        </p:style>
-        <p:txBody>
-          <a:bodyPr rtlCol="0" anchor="ctr"/>
-          <a:lstStyle/>
-          <a:p>
-            <a:pPr algn="ctr"/>
-            <a:endParaRPr lang="en-US" dirty="0"/>
-          </a:p>
-        </p:txBody>
-      </p:sp>
-      <p:sp>
-        <p:nvSpPr>
-          <p:cNvPr id="16" name="Rectangle 15">
-            <a:extLst>
-              <a:ext uri="{FF2B5EF4-FFF2-40B4-BE49-F238E27FC236}">
-                <a16:creationId xmlns:a16="http://schemas.microsoft.com/office/drawing/2014/main" id="{969F751B-50F2-4F3D-8906-7399F93F5988}"/>
-              </a:ext>
-            </a:extLst>
-          </p:cNvPr>
-          <p:cNvSpPr/>
-          <p:nvPr/>
-        </p:nvSpPr>
-        <p:spPr>
-          <a:xfrm>
-            <a:off x="3933993" y="4332354"/>
-            <a:ext cx="1379839" cy="1379839"/>
-          </a:xfrm>
-          <a:prstGeom prst="rect">
-            <a:avLst/>
-          </a:prstGeom>
-          <a:blipFill dpi="0" rotWithShape="1">
-            <a:blip r:embed="rId14">
-              <a:extLst>
-                <a:ext uri="{28A0092B-C50C-407E-A947-70E740481C1C}">
-                  <a14:useLocalDpi xmlns:a14="http://schemas.microsoft.com/office/drawing/2010/main" val="0"/>
-                </a:ext>
-              </a:extLst>
-            </a:blip>
-            <a:srcRect/>
-            <a:stretch>
-              <a:fillRect/>
-            </a:stretch>
-          </a:blipFill>
-          <a:ln>
-            <a:solidFill>
-              <a:schemeClr val="bg1"/>
-            </a:solidFill>
-          </a:ln>
-        </p:spPr>
-        <p:style>
-          <a:lnRef idx="2">
-            <a:schemeClr val="accent1">
-              <a:shade val="50000"/>
-            </a:schemeClr>
-          </a:lnRef>
-          <a:fillRef idx="1">
-            <a:schemeClr val="accent1"/>
-          </a:fillRef>
-          <a:effectRef idx="0">
-            <a:schemeClr val="accent1"/>
-          </a:effectRef>
-          <a:fontRef idx="minor">
-            <a:schemeClr val="lt1"/>
-          </a:fontRef>
-        </p:style>
-        <p:txBody>
-          <a:bodyPr rtlCol="0" anchor="ctr"/>
-          <a:lstStyle/>
-          <a:p>
-            <a:pPr algn="ctr"/>
-            <a:endParaRPr lang="en-US" dirty="0"/>
-          </a:p>
-        </p:txBody>
-      </p:sp>
-      <p:sp>
-        <p:nvSpPr>
-          <p:cNvPr id="17" name="Rectangle 16">
-            <a:extLst>
-              <a:ext uri="{FF2B5EF4-FFF2-40B4-BE49-F238E27FC236}">
-                <a16:creationId xmlns:a16="http://schemas.microsoft.com/office/drawing/2014/main" id="{E1EE4A63-195E-4F13-8952-73A7C7A166F6}"/>
-              </a:ext>
-            </a:extLst>
-          </p:cNvPr>
-          <p:cNvSpPr/>
-          <p:nvPr/>
-        </p:nvSpPr>
-        <p:spPr>
-          <a:xfrm>
-            <a:off x="5498331" y="4332354"/>
-            <a:ext cx="1379839" cy="1379839"/>
-          </a:xfrm>
-          <a:prstGeom prst="rect">
-            <a:avLst/>
-          </a:prstGeom>
-          <a:blipFill dpi="0" rotWithShape="1">
-            <a:blip r:embed="rId15">
-              <a:extLst>
-                <a:ext uri="{28A0092B-C50C-407E-A947-70E740481C1C}">
-                  <a14:useLocalDpi xmlns:a14="http://schemas.microsoft.com/office/drawing/2010/main" val="0"/>
-                </a:ext>
-              </a:extLst>
-            </a:blip>
-            <a:srcRect/>
-            <a:stretch>
-              <a:fillRect/>
-            </a:stretch>
-          </a:blipFill>
-          <a:ln>
-            <a:solidFill>
-              <a:schemeClr val="bg1"/>
-            </a:solidFill>
-          </a:ln>
-        </p:spPr>
-        <p:style>
-          <a:lnRef idx="2">
-            <a:schemeClr val="accent1">
-              <a:shade val="50000"/>
-            </a:schemeClr>
-          </a:lnRef>
-          <a:fillRef idx="1">
-            <a:schemeClr val="accent1"/>
-          </a:fillRef>
-          <a:effectRef idx="0">
-            <a:schemeClr val="accent1"/>
-          </a:effectRef>
-          <a:fontRef idx="minor">
-            <a:schemeClr val="lt1"/>
-          </a:fontRef>
-        </p:style>
-        <p:txBody>
-          <a:bodyPr rtlCol="0" anchor="ctr"/>
-          <a:lstStyle/>
-          <a:p>
-            <a:pPr algn="ctr"/>
-            <a:endParaRPr lang="en-US" dirty="0"/>
-          </a:p>
-        </p:txBody>
-      </p:sp>
-      <p:sp>
-        <p:nvSpPr>
-          <p:cNvPr id="18" name="Rectangle 17">
-            <a:extLst>
-              <a:ext uri="{FF2B5EF4-FFF2-40B4-BE49-F238E27FC236}">
-                <a16:creationId xmlns:a16="http://schemas.microsoft.com/office/drawing/2014/main" id="{D3CE994F-D446-480C-830E-2B479874648A}"/>
-              </a:ext>
-            </a:extLst>
-          </p:cNvPr>
-          <p:cNvSpPr/>
-          <p:nvPr/>
-        </p:nvSpPr>
-        <p:spPr>
-          <a:xfrm>
-            <a:off x="7062669" y="4332354"/>
-            <a:ext cx="1379839" cy="1379839"/>
-          </a:xfrm>
-          <a:prstGeom prst="rect">
-            <a:avLst/>
-          </a:prstGeom>
-          <a:blipFill dpi="0" rotWithShape="1">
-            <a:blip r:embed="rId16">
-              <a:extLst>
-                <a:ext uri="{28A0092B-C50C-407E-A947-70E740481C1C}">
-                  <a14:useLocalDpi xmlns:a14="http://schemas.microsoft.com/office/drawing/2010/main" val="0"/>
-                </a:ext>
-              </a:extLst>
-            </a:blip>
-            <a:srcRect/>
-            <a:stretch>
-              <a:fillRect/>
-            </a:stretch>
-          </a:blipFill>
-          <a:ln>
-            <a:solidFill>
-              <a:schemeClr val="bg1"/>
-            </a:solidFill>
-          </a:ln>
-        </p:spPr>
-        <p:style>
-          <a:lnRef idx="2">
-            <a:schemeClr val="accent1">
-              <a:shade val="50000"/>
-            </a:schemeClr>
-          </a:lnRef>
-          <a:fillRef idx="1">
-            <a:schemeClr val="accent1"/>
-          </a:fillRef>
-          <a:effectRef idx="0">
-            <a:schemeClr val="accent1"/>
-          </a:effectRef>
-          <a:fontRef idx="minor">
-            <a:schemeClr val="lt1"/>
-          </a:fontRef>
-        </p:style>
-        <p:txBody>
-          <a:bodyPr rtlCol="0" anchor="ctr"/>
-          <a:lstStyle/>
-          <a:p>
-            <a:pPr algn="ctr"/>
-            <a:endParaRPr lang="en-US" dirty="0"/>
-          </a:p>
-        </p:txBody>
-      </p:sp>
-    </p:spTree>
-    <p:extLst>
-      <p:ext uri="{BB962C8B-B14F-4D97-AF65-F5344CB8AC3E}">
-        <p14:creationId xmlns:p14="http://schemas.microsoft.com/office/powerpoint/2010/main" val="514995830"/>
-      </p:ext>
-    </p:extLst>
-  </p:cSld>
-  <p:clrMapOvr>
-    <a:masterClrMapping/>
-  </p:clrMapOvr>
-</p:sld>
-</file>
-
-<file path=ppt/slides/slide3.xml><?xml version="1.0" encoding="utf-8"?>
 <p:sld xmlns:a="http://schemas.openxmlformats.org/drawingml/2006/main" xmlns:r="http://schemas.openxmlformats.org/officeDocument/2006/relationships" xmlns:p="http://schemas.openxmlformats.org/presentationml/2006/main">
   <p:cSld>
     <p:bg>
@@ -9844,10 +8681,10 @@
           <p:cNvPr id="8" name="Rectangle 7">
             <a:extLst>
               <a:ext uri="{FF2B5EF4-FFF2-40B4-BE49-F238E27FC236}">
-                <a16:creationId xmlns:a16="http://schemas.microsoft.com/office/drawing/2014/main" id="{3B854194-185D-494D-905C-7C7CB2E30F6E}"/>
+                <a16:creationId xmlns:a16="http://schemas.microsoft.com/office/drawing/2014/main" xmlns="" id="{3B854194-185D-494D-905C-7C7CB2E30F6E}"/>
               </a:ext>
               <a:ext uri="{C183D7F6-B498-43B3-948B-1728B52AA6E4}">
-                <adec:decorative xmlns:adec="http://schemas.microsoft.com/office/drawing/2017/decorative" val="1"/>
+                <adec:decorative xmlns:adec="http://schemas.microsoft.com/office/drawing/2017/decorative" xmlns="" val="1"/>
               </a:ext>
             </a:extLst>
           </p:cNvPr>
@@ -9857,7 +8694,7 @@
           <p:nvPr>
             <p:extLst>
               <p:ext uri="{386F3935-93C4-4BCD-93E2-E3B085C9AB24}">
-                <p16:designElem xmlns:p16="http://schemas.microsoft.com/office/powerpoint/2015/main" val="1"/>
+                <p16:designElem xmlns:p16="http://schemas.microsoft.com/office/powerpoint/2015/main" xmlns="" val="1"/>
               </p:ext>
             </p:extLst>
           </p:nvPr>
@@ -9904,10 +8741,10 @@
           <p:cNvPr id="10" name="Rectangle 9">
             <a:extLst>
               <a:ext uri="{FF2B5EF4-FFF2-40B4-BE49-F238E27FC236}">
-                <a16:creationId xmlns:a16="http://schemas.microsoft.com/office/drawing/2014/main" id="{B4F5FA0D-0104-4987-8241-EFF7C85B88DE}"/>
+                <a16:creationId xmlns:a16="http://schemas.microsoft.com/office/drawing/2014/main" xmlns="" id="{B4F5FA0D-0104-4987-8241-EFF7C85B88DE}"/>
               </a:ext>
               <a:ext uri="{C183D7F6-B498-43B3-948B-1728B52AA6E4}">
-                <adec:decorative xmlns:adec="http://schemas.microsoft.com/office/drawing/2017/decorative" val="1"/>
+                <adec:decorative xmlns:adec="http://schemas.microsoft.com/office/drawing/2017/decorative" xmlns="" val="1"/>
               </a:ext>
             </a:extLst>
           </p:cNvPr>
@@ -9917,7 +8754,7 @@
           <p:nvPr>
             <p:extLst>
               <p:ext uri="{386F3935-93C4-4BCD-93E2-E3B085C9AB24}">
-                <p16:designElem xmlns:p16="http://schemas.microsoft.com/office/powerpoint/2015/main" val="1"/>
+                <p16:designElem xmlns:p16="http://schemas.microsoft.com/office/powerpoint/2015/main" xmlns="" val="1"/>
               </p:ext>
             </p:extLst>
           </p:nvPr>
@@ -9989,10 +8826,10 @@
           <p:cNvPr id="12" name="Picture 11">
             <a:extLst>
               <a:ext uri="{FF2B5EF4-FFF2-40B4-BE49-F238E27FC236}">
-                <a16:creationId xmlns:a16="http://schemas.microsoft.com/office/drawing/2014/main" id="{2897127E-6CEF-446C-BE87-93B7C46E49D1}"/>
+                <a16:creationId xmlns:a16="http://schemas.microsoft.com/office/drawing/2014/main" xmlns="" id="{2897127E-6CEF-446C-BE87-93B7C46E49D1}"/>
               </a:ext>
               <a:ext uri="{C183D7F6-B498-43B3-948B-1728B52AA6E4}">
-                <adec:decorative xmlns:adec="http://schemas.microsoft.com/office/drawing/2017/decorative" val="1"/>
+                <adec:decorative xmlns:adec="http://schemas.microsoft.com/office/drawing/2017/decorative" xmlns="" val="1"/>
               </a:ext>
             </a:extLst>
           </p:cNvPr>
@@ -10002,7 +8839,7 @@
           <p:nvPr>
             <p:extLst>
               <p:ext uri="{386F3935-93C4-4BCD-93E2-E3B085C9AB24}">
-                <p16:designElem xmlns:p16="http://schemas.microsoft.com/office/powerpoint/2015/main" val="1"/>
+                <p16:designElem xmlns:p16="http://schemas.microsoft.com/office/powerpoint/2015/main" xmlns="" val="1"/>
               </p:ext>
             </p:extLst>
           </p:nvPr>
@@ -10034,7 +8871,7 @@
           <p:cNvPr id="2" name="Title 1">
             <a:extLst>
               <a:ext uri="{FF2B5EF4-FFF2-40B4-BE49-F238E27FC236}">
-                <a16:creationId xmlns:a16="http://schemas.microsoft.com/office/drawing/2014/main" id="{11571D7C-99F9-4A30-B5A2-A2988F091A34}"/>
+                <a16:creationId xmlns:a16="http://schemas.microsoft.com/office/drawing/2014/main" xmlns="" id="{11571D7C-99F9-4A30-B5A2-A2988F091A34}"/>
               </a:ext>
             </a:extLst>
           </p:cNvPr>
@@ -10073,7 +8910,7 @@
           <p:cNvPr id="3" name="Content Placeholder 2">
             <a:extLst>
               <a:ext uri="{FF2B5EF4-FFF2-40B4-BE49-F238E27FC236}">
-                <a16:creationId xmlns:a16="http://schemas.microsoft.com/office/drawing/2014/main" id="{114BDB89-D0C0-4AD8-941E-BFC9D031585F}"/>
+                <a16:creationId xmlns:a16="http://schemas.microsoft.com/office/drawing/2014/main" xmlns="" id="{114BDB89-D0C0-4AD8-941E-BFC9D031585F}"/>
               </a:ext>
             </a:extLst>
           </p:cNvPr>
@@ -10096,7 +8933,61 @@
           </a:bodyPr>
           <a:lstStyle/>
           <a:p>
-            <a:endParaRPr lang="en-US" sz="2400">
+            <a:r>
+              <a:rPr lang="en-IN" sz="1100" dirty="0"/>
+              <a:t>The Vehicle Insurance Management System has been developed to override the problems prevailing in the existing manual system. So, the idea is to automate the existing manual system by developing full-fledged, error free, secure, reliable online solution that can store non-redundant and valuable data for a longer period and provide good performance and better services to the customer.</a:t>
+            </a:r>
+            <a:endParaRPr lang="en-US" sz="1100" dirty="0"/>
+          </a:p>
+          <a:p>
+            <a:r>
+              <a:rPr lang="en-IN" sz="1100" dirty="0"/>
+              <a:t>According to existing system, the agent would act as a mediator between the insurer (service provider) and the insured(Customer). It leads to excess charges of payment in terms of brokerage and token money to the Customer. Also, there are no means for tracking status of the insurance application issued for the Customer. </a:t>
+            </a:r>
+            <a:r>
+              <a:rPr lang="en-IN" sz="1100" dirty="0"/>
+              <a:t>The Customer validation is done only via staff of the service provider. </a:t>
+            </a:r>
+            <a:endParaRPr lang="en-IN" sz="1100" dirty="0" smtClean="0"/>
+          </a:p>
+          <a:p>
+            <a:r>
+              <a:rPr lang="en-IN" sz="1100" dirty="0"/>
+              <a:t>The proposed vehicle insurance policy system is a web-based application that aims to develop a complete and fully functional independent system to manage records of vehicle insurance companies. It is developed with the intent of providing such insurance companies and online platform for accurate processing, organized data handling and efficient retrieval and storage of </a:t>
+            </a:r>
+            <a:r>
+              <a:rPr lang="en-IN" sz="1100" dirty="0" smtClean="0"/>
+              <a:t>records</a:t>
+            </a:r>
+          </a:p>
+          <a:p>
+            <a:r>
+              <a:rPr lang="en-IN" sz="1100" dirty="0"/>
+              <a:t>The Key Features of the Proposed System are:</a:t>
+            </a:r>
+            <a:endParaRPr lang="en-US" sz="1100" dirty="0"/>
+          </a:p>
+          <a:p>
+            <a:pPr lvl="1"/>
+            <a:r>
+              <a:rPr lang="en-IN" sz="800" dirty="0"/>
+              <a:t>Proper management of vehicle insurance details like add new vehicle details, modify existing records, delete existing records etc</a:t>
+            </a:r>
+            <a:r>
+              <a:rPr lang="en-IN" sz="800" dirty="0" smtClean="0"/>
+              <a:t>.</a:t>
+            </a:r>
+          </a:p>
+          <a:p>
+            <a:pPr lvl="1"/>
+            <a:r>
+              <a:rPr lang="en-IN" sz="800" dirty="0" smtClean="0"/>
+              <a:t>The system provide facilities such as Buy a policy, renew policy, view policy, raise a Query, view Query.</a:t>
+            </a:r>
+            <a:endParaRPr lang="en-US" sz="700" dirty="0"/>
+          </a:p>
+          <a:p>
+            <a:endParaRPr lang="en-US" sz="2400" dirty="0">
               <a:solidFill>
                 <a:srgbClr val="000000"/>
               </a:solidFill>
@@ -10117,7 +9008,7 @@
 </p:sld>
 </file>
 
-<file path=ppt/slides/slide4.xml><?xml version="1.0" encoding="utf-8"?>
+<file path=ppt/slides/slide3.xml><?xml version="1.0" encoding="utf-8"?>
 <p:sld xmlns:a="http://schemas.openxmlformats.org/drawingml/2006/main" xmlns:r="http://schemas.openxmlformats.org/officeDocument/2006/relationships" xmlns:p="http://schemas.openxmlformats.org/presentationml/2006/main">
   <p:cSld>
     <p:bg>
@@ -10147,10 +9038,10 @@
           <p:cNvPr id="18" name="Rectangle 14">
             <a:extLst>
               <a:ext uri="{FF2B5EF4-FFF2-40B4-BE49-F238E27FC236}">
-                <a16:creationId xmlns:a16="http://schemas.microsoft.com/office/drawing/2014/main" id="{30992ED3-FA99-4FAD-A3CA-2B9B3BB8B48E}"/>
+                <a16:creationId xmlns:a16="http://schemas.microsoft.com/office/drawing/2014/main" xmlns="" id="{30992ED3-FA99-4FAD-A3CA-2B9B3BB8B48E}"/>
               </a:ext>
               <a:ext uri="{C183D7F6-B498-43B3-948B-1728B52AA6E4}">
-                <adec:decorative xmlns:adec="http://schemas.microsoft.com/office/drawing/2017/decorative" val="1"/>
+                <adec:decorative xmlns:adec="http://schemas.microsoft.com/office/drawing/2017/decorative" xmlns="" val="1"/>
               </a:ext>
             </a:extLst>
           </p:cNvPr>
@@ -10160,7 +9051,7 @@
           <p:nvPr>
             <p:extLst>
               <p:ext uri="{386F3935-93C4-4BCD-93E2-E3B085C9AB24}">
-                <p16:designElem xmlns:p16="http://schemas.microsoft.com/office/powerpoint/2015/main" val="1"/>
+                <p16:designElem xmlns:p16="http://schemas.microsoft.com/office/powerpoint/2015/main" xmlns="" val="1"/>
               </p:ext>
             </p:extLst>
           </p:nvPr>
@@ -10201,7 +9092,7 @@
           <p:cNvPr id="2" name="Title 1">
             <a:extLst>
               <a:ext uri="{FF2B5EF4-FFF2-40B4-BE49-F238E27FC236}">
-                <a16:creationId xmlns:a16="http://schemas.microsoft.com/office/drawing/2014/main" id="{30951DFF-88F9-40A2-A6C3-5114BA10C6B3}"/>
+                <a16:creationId xmlns:a16="http://schemas.microsoft.com/office/drawing/2014/main" xmlns="" id="{30951DFF-88F9-40A2-A6C3-5114BA10C6B3}"/>
               </a:ext>
             </a:extLst>
           </p:cNvPr>
@@ -10240,7 +9131,7 @@
           <p:cNvPr id="12" name="Content Placeholder 11">
             <a:extLst>
               <a:ext uri="{FF2B5EF4-FFF2-40B4-BE49-F238E27FC236}">
-                <a16:creationId xmlns:a16="http://schemas.microsoft.com/office/drawing/2014/main" id="{7EBD4ECD-2EE9-420E-9D44-D45149D5A314}"/>
+                <a16:creationId xmlns:a16="http://schemas.microsoft.com/office/drawing/2014/main" xmlns="" id="{7EBD4ECD-2EE9-420E-9D44-D45149D5A314}"/>
               </a:ext>
             </a:extLst>
           </p:cNvPr>
@@ -10259,10 +9150,26 @@
         </p:spPr>
         <p:txBody>
           <a:bodyPr>
-            <a:normAutofit/>
+            <a:normAutofit fontScale="85000" lnSpcReduction="20000"/>
           </a:bodyPr>
           <a:lstStyle/>
           <a:p>
+            <a:r>
+              <a:rPr lang="en-US" sz="2400" dirty="0" smtClean="0"/>
+              <a:t>Query</a:t>
+            </a:r>
+          </a:p>
+          <a:p>
+            <a:r>
+              <a:rPr lang="en-US" sz="2400" dirty="0" smtClean="0"/>
+              <a:t>Policy</a:t>
+            </a:r>
+          </a:p>
+          <a:p>
+            <a:r>
+              <a:rPr lang="en-US" sz="2400" dirty="0" smtClean="0"/>
+              <a:t>Claim</a:t>
+            </a:r>
             <a:endParaRPr lang="en-US" sz="2400" dirty="0"/>
           </a:p>
         </p:txBody>
@@ -10280,7 +9187,7 @@
 </p:sld>
 </file>
 
-<file path=ppt/slides/slide5.xml><?xml version="1.0" encoding="utf-8"?>
+<file path=ppt/slides/slide4.xml><?xml version="1.0" encoding="utf-8"?>
 <p:sld xmlns:a="http://schemas.openxmlformats.org/drawingml/2006/main" xmlns:r="http://schemas.openxmlformats.org/officeDocument/2006/relationships" xmlns:p="http://schemas.openxmlformats.org/presentationml/2006/main">
   <p:cSld>
     <p:bg>
@@ -10310,10 +9217,10 @@
           <p:cNvPr id="18" name="Rectangle 14">
             <a:extLst>
               <a:ext uri="{FF2B5EF4-FFF2-40B4-BE49-F238E27FC236}">
-                <a16:creationId xmlns:a16="http://schemas.microsoft.com/office/drawing/2014/main" id="{30992ED3-FA99-4FAD-A3CA-2B9B3BB8B48E}"/>
+                <a16:creationId xmlns:a16="http://schemas.microsoft.com/office/drawing/2014/main" xmlns="" id="{30992ED3-FA99-4FAD-A3CA-2B9B3BB8B48E}"/>
               </a:ext>
               <a:ext uri="{C183D7F6-B498-43B3-948B-1728B52AA6E4}">
-                <adec:decorative xmlns:adec="http://schemas.microsoft.com/office/drawing/2017/decorative" val="1"/>
+                <adec:decorative xmlns:adec="http://schemas.microsoft.com/office/drawing/2017/decorative" xmlns="" val="1"/>
               </a:ext>
             </a:extLst>
           </p:cNvPr>
@@ -10323,7 +9230,7 @@
           <p:nvPr>
             <p:extLst>
               <p:ext uri="{386F3935-93C4-4BCD-93E2-E3B085C9AB24}">
-                <p16:designElem xmlns:p16="http://schemas.microsoft.com/office/powerpoint/2015/main" val="1"/>
+                <p16:designElem xmlns:p16="http://schemas.microsoft.com/office/powerpoint/2015/main" xmlns="" val="1"/>
               </p:ext>
             </p:extLst>
           </p:nvPr>
@@ -10364,7 +9271,7 @@
           <p:cNvPr id="2" name="Title 1">
             <a:extLst>
               <a:ext uri="{FF2B5EF4-FFF2-40B4-BE49-F238E27FC236}">
-                <a16:creationId xmlns:a16="http://schemas.microsoft.com/office/drawing/2014/main" id="{30951DFF-88F9-40A2-A6C3-5114BA10C6B3}"/>
+                <a16:creationId xmlns:a16="http://schemas.microsoft.com/office/drawing/2014/main" xmlns="" id="{30951DFF-88F9-40A2-A6C3-5114BA10C6B3}"/>
               </a:ext>
             </a:extLst>
           </p:cNvPr>
@@ -10403,7 +9310,7 @@
           <p:cNvPr id="12" name="Content Placeholder 11">
             <a:extLst>
               <a:ext uri="{FF2B5EF4-FFF2-40B4-BE49-F238E27FC236}">
-                <a16:creationId xmlns:a16="http://schemas.microsoft.com/office/drawing/2014/main" id="{7EBD4ECD-2EE9-420E-9D44-D45149D5A314}"/>
+                <a16:creationId xmlns:a16="http://schemas.microsoft.com/office/drawing/2014/main" xmlns="" id="{7EBD4ECD-2EE9-420E-9D44-D45149D5A314}"/>
               </a:ext>
             </a:extLst>
           </p:cNvPr>
@@ -10443,7 +9350,7 @@
 </p:sld>
 </file>
 
-<file path=ppt/slides/slide6.xml><?xml version="1.0" encoding="utf-8"?>
+<file path=ppt/slides/slide5.xml><?xml version="1.0" encoding="utf-8"?>
 <p:sld xmlns:a="http://schemas.openxmlformats.org/drawingml/2006/main" xmlns:r="http://schemas.openxmlformats.org/officeDocument/2006/relationships" xmlns:p="http://schemas.openxmlformats.org/presentationml/2006/main">
   <p:cSld>
     <p:bg>
@@ -10473,10 +9380,10 @@
           <p:cNvPr id="8" name="Rectangle 7">
             <a:extLst>
               <a:ext uri="{FF2B5EF4-FFF2-40B4-BE49-F238E27FC236}">
-                <a16:creationId xmlns:a16="http://schemas.microsoft.com/office/drawing/2014/main" id="{15911E3A-C35B-4EF7-A355-B84E9A14AF4D}"/>
+                <a16:creationId xmlns:a16="http://schemas.microsoft.com/office/drawing/2014/main" xmlns="" id="{15911E3A-C35B-4EF7-A355-B84E9A14AF4D}"/>
               </a:ext>
               <a:ext uri="{C183D7F6-B498-43B3-948B-1728B52AA6E4}">
-                <adec:decorative xmlns:adec="http://schemas.microsoft.com/office/drawing/2017/decorative" val="1"/>
+                <adec:decorative xmlns:adec="http://schemas.microsoft.com/office/drawing/2017/decorative" xmlns="" val="1"/>
               </a:ext>
             </a:extLst>
           </p:cNvPr>
@@ -10486,7 +9393,7 @@
           <p:nvPr>
             <p:extLst>
               <p:ext uri="{386F3935-93C4-4BCD-93E2-E3B085C9AB24}">
-                <p16:designElem xmlns:p16="http://schemas.microsoft.com/office/powerpoint/2015/main" val="1"/>
+                <p16:designElem xmlns:p16="http://schemas.microsoft.com/office/powerpoint/2015/main" xmlns="" val="1"/>
               </p:ext>
             </p:extLst>
           </p:nvPr>
@@ -10562,10 +9469,10 @@
           <p:cNvPr id="10" name="Group 9">
             <a:extLst>
               <a:ext uri="{FF2B5EF4-FFF2-40B4-BE49-F238E27FC236}">
-                <a16:creationId xmlns:a16="http://schemas.microsoft.com/office/drawing/2014/main" id="{E21ADB3D-AD65-44B4-847D-5E90E90A5D16}"/>
+                <a16:creationId xmlns:a16="http://schemas.microsoft.com/office/drawing/2014/main" xmlns="" id="{E21ADB3D-AD65-44B4-847D-5E90E90A5D16}"/>
               </a:ext>
               <a:ext uri="{C183D7F6-B498-43B3-948B-1728B52AA6E4}">
-                <adec:decorative xmlns:adec="http://schemas.microsoft.com/office/drawing/2017/decorative" val="1"/>
+                <adec:decorative xmlns:adec="http://schemas.microsoft.com/office/drawing/2017/decorative" xmlns="" val="1"/>
               </a:ext>
             </a:extLst>
           </p:cNvPr>
@@ -10575,7 +9482,7 @@
           <p:nvPr>
             <p:extLst>
               <p:ext uri="{386F3935-93C4-4BCD-93E2-E3B085C9AB24}">
-                <p16:designElem xmlns:p16="http://schemas.microsoft.com/office/powerpoint/2015/main" val="1"/>
+                <p16:designElem xmlns:p16="http://schemas.microsoft.com/office/powerpoint/2015/main" xmlns="" val="1"/>
               </p:ext>
             </p:extLst>
           </p:nvPr>
@@ -10593,10 +9500,10 @@
             <p:cNvPr id="11" name="Freeform 5">
               <a:extLst>
                 <a:ext uri="{FF2B5EF4-FFF2-40B4-BE49-F238E27FC236}">
-                  <a16:creationId xmlns:a16="http://schemas.microsoft.com/office/drawing/2014/main" id="{CF580C70-814C-4845-B645-919BFFBD16BA}"/>
+                  <a16:creationId xmlns:a16="http://schemas.microsoft.com/office/drawing/2014/main" xmlns="" id="{CF580C70-814C-4845-B645-919BFFBD16BA}"/>
                 </a:ext>
                 <a:ext uri="{C183D7F6-B498-43B3-948B-1728B52AA6E4}">
-                  <adec:decorative xmlns:adec="http://schemas.microsoft.com/office/drawing/2017/decorative" val="1"/>
+                  <adec:decorative xmlns:adec="http://schemas.microsoft.com/office/drawing/2017/decorative" xmlns="" val="1"/>
                 </a:ext>
               </a:extLst>
             </p:cNvPr>
@@ -10604,7 +9511,7 @@
             <p:nvPr>
               <p:extLst>
                 <p:ext uri="{386F3935-93C4-4BCD-93E2-E3B085C9AB24}">
-                  <p16:designElem xmlns:p16="http://schemas.microsoft.com/office/powerpoint/2015/main" val="1"/>
+                  <p16:designElem xmlns:p16="http://schemas.microsoft.com/office/powerpoint/2015/main" xmlns="" val="1"/>
                 </p:ext>
               </p:extLst>
             </p:nvPr>
@@ -10661,10 +9568,10 @@
             <p:cNvPr id="12" name="Freeform 6">
               <a:extLst>
                 <a:ext uri="{FF2B5EF4-FFF2-40B4-BE49-F238E27FC236}">
-                  <a16:creationId xmlns:a16="http://schemas.microsoft.com/office/drawing/2014/main" id="{34D7BF57-4CAA-45B2-9EF0-0AA1FCF70B16}"/>
+                  <a16:creationId xmlns:a16="http://schemas.microsoft.com/office/drawing/2014/main" xmlns="" id="{34D7BF57-4CAA-45B2-9EF0-0AA1FCF70B16}"/>
                 </a:ext>
                 <a:ext uri="{C183D7F6-B498-43B3-948B-1728B52AA6E4}">
-                  <adec:decorative xmlns:adec="http://schemas.microsoft.com/office/drawing/2017/decorative" val="1"/>
+                  <adec:decorative xmlns:adec="http://schemas.microsoft.com/office/drawing/2017/decorative" xmlns="" val="1"/>
                 </a:ext>
               </a:extLst>
             </p:cNvPr>
@@ -10672,7 +9579,7 @@
             <p:nvPr>
               <p:extLst>
                 <p:ext uri="{386F3935-93C4-4BCD-93E2-E3B085C9AB24}">
-                  <p16:designElem xmlns:p16="http://schemas.microsoft.com/office/powerpoint/2015/main" val="1"/>
+                  <p16:designElem xmlns:p16="http://schemas.microsoft.com/office/powerpoint/2015/main" xmlns="" val="1"/>
                 </p:ext>
               </p:extLst>
             </p:nvPr>
@@ -10729,10 +9636,10 @@
             <p:cNvPr id="13" name="Freeform 7">
               <a:extLst>
                 <a:ext uri="{FF2B5EF4-FFF2-40B4-BE49-F238E27FC236}">
-                  <a16:creationId xmlns:a16="http://schemas.microsoft.com/office/drawing/2014/main" id="{7886F306-C03A-40C6-8FD5-DCE3D4595D6D}"/>
+                  <a16:creationId xmlns:a16="http://schemas.microsoft.com/office/drawing/2014/main" xmlns="" id="{7886F306-C03A-40C6-8FD5-DCE3D4595D6D}"/>
                 </a:ext>
                 <a:ext uri="{C183D7F6-B498-43B3-948B-1728B52AA6E4}">
-                  <adec:decorative xmlns:adec="http://schemas.microsoft.com/office/drawing/2017/decorative" val="1"/>
+                  <adec:decorative xmlns:adec="http://schemas.microsoft.com/office/drawing/2017/decorative" xmlns="" val="1"/>
                 </a:ext>
               </a:extLst>
             </p:cNvPr>
@@ -10740,7 +9647,7 @@
             <p:nvPr>
               <p:extLst>
                 <p:ext uri="{386F3935-93C4-4BCD-93E2-E3B085C9AB24}">
-                  <p16:designElem xmlns:p16="http://schemas.microsoft.com/office/powerpoint/2015/main" val="1"/>
+                  <p16:designElem xmlns:p16="http://schemas.microsoft.com/office/powerpoint/2015/main" xmlns="" val="1"/>
                 </p:ext>
               </p:extLst>
             </p:nvPr>
@@ -10797,10 +9704,10 @@
             <p:cNvPr id="14" name="Freeform 8">
               <a:extLst>
                 <a:ext uri="{FF2B5EF4-FFF2-40B4-BE49-F238E27FC236}">
-                  <a16:creationId xmlns:a16="http://schemas.microsoft.com/office/drawing/2014/main" id="{2FDC9A36-C7C3-47D7-A64E-ED25C47EC704}"/>
+                  <a16:creationId xmlns:a16="http://schemas.microsoft.com/office/drawing/2014/main" xmlns="" id="{2FDC9A36-C7C3-47D7-A64E-ED25C47EC704}"/>
                 </a:ext>
                 <a:ext uri="{C183D7F6-B498-43B3-948B-1728B52AA6E4}">
-                  <adec:decorative xmlns:adec="http://schemas.microsoft.com/office/drawing/2017/decorative" val="1"/>
+                  <adec:decorative xmlns:adec="http://schemas.microsoft.com/office/drawing/2017/decorative" xmlns="" val="1"/>
                 </a:ext>
               </a:extLst>
             </p:cNvPr>
@@ -10808,7 +9715,7 @@
             <p:nvPr>
               <p:extLst>
                 <p:ext uri="{386F3935-93C4-4BCD-93E2-E3B085C9AB24}">
-                  <p16:designElem xmlns:p16="http://schemas.microsoft.com/office/powerpoint/2015/main" val="1"/>
+                  <p16:designElem xmlns:p16="http://schemas.microsoft.com/office/powerpoint/2015/main" xmlns="" val="1"/>
                 </p:ext>
               </p:extLst>
             </p:nvPr>
@@ -10865,10 +9772,10 @@
             <p:cNvPr id="15" name="Freeform 9">
               <a:extLst>
                 <a:ext uri="{FF2B5EF4-FFF2-40B4-BE49-F238E27FC236}">
-                  <a16:creationId xmlns:a16="http://schemas.microsoft.com/office/drawing/2014/main" id="{BB19BC37-158A-43DC-9A9E-E45CC71954DC}"/>
+                  <a16:creationId xmlns:a16="http://schemas.microsoft.com/office/drawing/2014/main" xmlns="" id="{BB19BC37-158A-43DC-9A9E-E45CC71954DC}"/>
                 </a:ext>
                 <a:ext uri="{C183D7F6-B498-43B3-948B-1728B52AA6E4}">
-                  <adec:decorative xmlns:adec="http://schemas.microsoft.com/office/drawing/2017/decorative" val="1"/>
+                  <adec:decorative xmlns:adec="http://schemas.microsoft.com/office/drawing/2017/decorative" xmlns="" val="1"/>
                 </a:ext>
               </a:extLst>
             </p:cNvPr>
@@ -10876,7 +9783,7 @@
             <p:nvPr>
               <p:extLst>
                 <p:ext uri="{386F3935-93C4-4BCD-93E2-E3B085C9AB24}">
-                  <p16:designElem xmlns:p16="http://schemas.microsoft.com/office/powerpoint/2015/main" val="1"/>
+                  <p16:designElem xmlns:p16="http://schemas.microsoft.com/office/powerpoint/2015/main" xmlns="" val="1"/>
                 </p:ext>
               </p:extLst>
             </p:nvPr>
@@ -10933,10 +9840,10 @@
             <p:cNvPr id="16" name="Freeform 10">
               <a:extLst>
                 <a:ext uri="{FF2B5EF4-FFF2-40B4-BE49-F238E27FC236}">
-                  <a16:creationId xmlns:a16="http://schemas.microsoft.com/office/drawing/2014/main" id="{077654CC-108F-48D5-B5E9-437F164F52A5}"/>
+                  <a16:creationId xmlns:a16="http://schemas.microsoft.com/office/drawing/2014/main" xmlns="" id="{077654CC-108F-48D5-B5E9-437F164F52A5}"/>
                 </a:ext>
                 <a:ext uri="{C183D7F6-B498-43B3-948B-1728B52AA6E4}">
-                  <adec:decorative xmlns:adec="http://schemas.microsoft.com/office/drawing/2017/decorative" val="1"/>
+                  <adec:decorative xmlns:adec="http://schemas.microsoft.com/office/drawing/2017/decorative" xmlns="" val="1"/>
                 </a:ext>
               </a:extLst>
             </p:cNvPr>
@@ -10944,7 +9851,7 @@
             <p:nvPr>
               <p:extLst>
                 <p:ext uri="{386F3935-93C4-4BCD-93E2-E3B085C9AB24}">
-                  <p16:designElem xmlns:p16="http://schemas.microsoft.com/office/powerpoint/2015/main" val="1"/>
+                  <p16:designElem xmlns:p16="http://schemas.microsoft.com/office/powerpoint/2015/main" xmlns="" val="1"/>
                 </p:ext>
               </p:extLst>
             </p:nvPr>
@@ -11001,10 +9908,10 @@
             <p:cNvPr id="17" name="Freeform 11">
               <a:extLst>
                 <a:ext uri="{FF2B5EF4-FFF2-40B4-BE49-F238E27FC236}">
-                  <a16:creationId xmlns:a16="http://schemas.microsoft.com/office/drawing/2014/main" id="{A3CF3A63-1C1E-4E85-A78A-FDC16431E3A0}"/>
+                  <a16:creationId xmlns:a16="http://schemas.microsoft.com/office/drawing/2014/main" xmlns="" id="{A3CF3A63-1C1E-4E85-A78A-FDC16431E3A0}"/>
                 </a:ext>
                 <a:ext uri="{C183D7F6-B498-43B3-948B-1728B52AA6E4}">
-                  <adec:decorative xmlns:adec="http://schemas.microsoft.com/office/drawing/2017/decorative" val="1"/>
+                  <adec:decorative xmlns:adec="http://schemas.microsoft.com/office/drawing/2017/decorative" xmlns="" val="1"/>
                 </a:ext>
               </a:extLst>
             </p:cNvPr>
@@ -11012,7 +9919,7 @@
             <p:nvPr>
               <p:extLst>
                 <p:ext uri="{386F3935-93C4-4BCD-93E2-E3B085C9AB24}">
-                  <p16:designElem xmlns:p16="http://schemas.microsoft.com/office/powerpoint/2015/main" val="1"/>
+                  <p16:designElem xmlns:p16="http://schemas.microsoft.com/office/powerpoint/2015/main" xmlns="" val="1"/>
                 </p:ext>
               </p:extLst>
             </p:nvPr>
@@ -11069,10 +9976,10 @@
             <p:cNvPr id="18" name="Freeform 12">
               <a:extLst>
                 <a:ext uri="{FF2B5EF4-FFF2-40B4-BE49-F238E27FC236}">
-                  <a16:creationId xmlns:a16="http://schemas.microsoft.com/office/drawing/2014/main" id="{8740FC9A-72DD-4D9B-BA25-1CCED1352408}"/>
+                  <a16:creationId xmlns:a16="http://schemas.microsoft.com/office/drawing/2014/main" xmlns="" id="{8740FC9A-72DD-4D9B-BA25-1CCED1352408}"/>
                 </a:ext>
                 <a:ext uri="{C183D7F6-B498-43B3-948B-1728B52AA6E4}">
-                  <adec:decorative xmlns:adec="http://schemas.microsoft.com/office/drawing/2017/decorative" val="1"/>
+                  <adec:decorative xmlns:adec="http://schemas.microsoft.com/office/drawing/2017/decorative" xmlns="" val="1"/>
                 </a:ext>
               </a:extLst>
             </p:cNvPr>
@@ -11080,7 +9987,7 @@
             <p:nvPr>
               <p:extLst>
                 <p:ext uri="{386F3935-93C4-4BCD-93E2-E3B085C9AB24}">
-                  <p16:designElem xmlns:p16="http://schemas.microsoft.com/office/powerpoint/2015/main" val="1"/>
+                  <p16:designElem xmlns:p16="http://schemas.microsoft.com/office/powerpoint/2015/main" xmlns="" val="1"/>
                 </p:ext>
               </p:extLst>
             </p:nvPr>
@@ -11137,10 +10044,10 @@
             <p:cNvPr id="19" name="Freeform 13">
               <a:extLst>
                 <a:ext uri="{FF2B5EF4-FFF2-40B4-BE49-F238E27FC236}">
-                  <a16:creationId xmlns:a16="http://schemas.microsoft.com/office/drawing/2014/main" id="{7FBF5743-F2AE-4D0D-BCD1-01F7686D012A}"/>
+                  <a16:creationId xmlns:a16="http://schemas.microsoft.com/office/drawing/2014/main" xmlns="" id="{7FBF5743-F2AE-4D0D-BCD1-01F7686D012A}"/>
                 </a:ext>
                 <a:ext uri="{C183D7F6-B498-43B3-948B-1728B52AA6E4}">
-                  <adec:decorative xmlns:adec="http://schemas.microsoft.com/office/drawing/2017/decorative" val="1"/>
+                  <adec:decorative xmlns:adec="http://schemas.microsoft.com/office/drawing/2017/decorative" xmlns="" val="1"/>
                 </a:ext>
               </a:extLst>
             </p:cNvPr>
@@ -11148,7 +10055,7 @@
             <p:nvPr>
               <p:extLst>
                 <p:ext uri="{386F3935-93C4-4BCD-93E2-E3B085C9AB24}">
-                  <p16:designElem xmlns:p16="http://schemas.microsoft.com/office/powerpoint/2015/main" val="1"/>
+                  <p16:designElem xmlns:p16="http://schemas.microsoft.com/office/powerpoint/2015/main" xmlns="" val="1"/>
                 </p:ext>
               </p:extLst>
             </p:nvPr>
@@ -11205,10 +10112,10 @@
             <p:cNvPr id="20" name="Freeform 14">
               <a:extLst>
                 <a:ext uri="{FF2B5EF4-FFF2-40B4-BE49-F238E27FC236}">
-                  <a16:creationId xmlns:a16="http://schemas.microsoft.com/office/drawing/2014/main" id="{CED32316-D4F7-4795-BBE0-DEBB60E27CE3}"/>
+                  <a16:creationId xmlns:a16="http://schemas.microsoft.com/office/drawing/2014/main" xmlns="" id="{CED32316-D4F7-4795-BBE0-DEBB60E27CE3}"/>
                 </a:ext>
                 <a:ext uri="{C183D7F6-B498-43B3-948B-1728B52AA6E4}">
-                  <adec:decorative xmlns:adec="http://schemas.microsoft.com/office/drawing/2017/decorative" val="1"/>
+                  <adec:decorative xmlns:adec="http://schemas.microsoft.com/office/drawing/2017/decorative" xmlns="" val="1"/>
                 </a:ext>
               </a:extLst>
             </p:cNvPr>
@@ -11216,7 +10123,7 @@
             <p:nvPr>
               <p:extLst>
                 <p:ext uri="{386F3935-93C4-4BCD-93E2-E3B085C9AB24}">
-                  <p16:designElem xmlns:p16="http://schemas.microsoft.com/office/powerpoint/2015/main" val="1"/>
+                  <p16:designElem xmlns:p16="http://schemas.microsoft.com/office/powerpoint/2015/main" xmlns="" val="1"/>
                 </p:ext>
               </p:extLst>
             </p:nvPr>
@@ -11273,10 +10180,10 @@
             <p:cNvPr id="21" name="Freeform 15">
               <a:extLst>
                 <a:ext uri="{FF2B5EF4-FFF2-40B4-BE49-F238E27FC236}">
-                  <a16:creationId xmlns:a16="http://schemas.microsoft.com/office/drawing/2014/main" id="{583B23C9-B9B7-4E93-9538-CBE316F83FDD}"/>
+                  <a16:creationId xmlns:a16="http://schemas.microsoft.com/office/drawing/2014/main" xmlns="" id="{583B23C9-B9B7-4E93-9538-CBE316F83FDD}"/>
                 </a:ext>
                 <a:ext uri="{C183D7F6-B498-43B3-948B-1728B52AA6E4}">
-                  <adec:decorative xmlns:adec="http://schemas.microsoft.com/office/drawing/2017/decorative" val="1"/>
+                  <adec:decorative xmlns:adec="http://schemas.microsoft.com/office/drawing/2017/decorative" xmlns="" val="1"/>
                 </a:ext>
               </a:extLst>
             </p:cNvPr>
@@ -11284,7 +10191,7 @@
             <p:nvPr>
               <p:extLst>
                 <p:ext uri="{386F3935-93C4-4BCD-93E2-E3B085C9AB24}">
-                  <p16:designElem xmlns:p16="http://schemas.microsoft.com/office/powerpoint/2015/main" val="1"/>
+                  <p16:designElem xmlns:p16="http://schemas.microsoft.com/office/powerpoint/2015/main" xmlns="" val="1"/>
                 </p:ext>
               </p:extLst>
             </p:nvPr>
@@ -11341,10 +10248,10 @@
             <p:cNvPr id="22" name="Freeform 16">
               <a:extLst>
                 <a:ext uri="{FF2B5EF4-FFF2-40B4-BE49-F238E27FC236}">
-                  <a16:creationId xmlns:a16="http://schemas.microsoft.com/office/drawing/2014/main" id="{5B144260-9F2C-4ADB-A37C-1CFB4B428B1B}"/>
+                  <a16:creationId xmlns:a16="http://schemas.microsoft.com/office/drawing/2014/main" xmlns="" id="{5B144260-9F2C-4ADB-A37C-1CFB4B428B1B}"/>
                 </a:ext>
                 <a:ext uri="{C183D7F6-B498-43B3-948B-1728B52AA6E4}">
-                  <adec:decorative xmlns:adec="http://schemas.microsoft.com/office/drawing/2017/decorative" val="1"/>
+                  <adec:decorative xmlns:adec="http://schemas.microsoft.com/office/drawing/2017/decorative" xmlns="" val="1"/>
                 </a:ext>
               </a:extLst>
             </p:cNvPr>
@@ -11352,7 +10259,7 @@
             <p:nvPr>
               <p:extLst>
                 <p:ext uri="{386F3935-93C4-4BCD-93E2-E3B085C9AB24}">
-                  <p16:designElem xmlns:p16="http://schemas.microsoft.com/office/powerpoint/2015/main" val="1"/>
+                  <p16:designElem xmlns:p16="http://schemas.microsoft.com/office/powerpoint/2015/main" xmlns="" val="1"/>
                 </p:ext>
               </p:extLst>
             </p:nvPr>
@@ -11409,10 +10316,10 @@
             <p:cNvPr id="23" name="Freeform 17">
               <a:extLst>
                 <a:ext uri="{FF2B5EF4-FFF2-40B4-BE49-F238E27FC236}">
-                  <a16:creationId xmlns:a16="http://schemas.microsoft.com/office/drawing/2014/main" id="{53FF918D-79D3-4F55-A68C-0DD5880DABDF}"/>
+                  <a16:creationId xmlns:a16="http://schemas.microsoft.com/office/drawing/2014/main" xmlns="" id="{53FF918D-79D3-4F55-A68C-0DD5880DABDF}"/>
                 </a:ext>
                 <a:ext uri="{C183D7F6-B498-43B3-948B-1728B52AA6E4}">
-                  <adec:decorative xmlns:adec="http://schemas.microsoft.com/office/drawing/2017/decorative" val="1"/>
+                  <adec:decorative xmlns:adec="http://schemas.microsoft.com/office/drawing/2017/decorative" xmlns="" val="1"/>
                 </a:ext>
               </a:extLst>
             </p:cNvPr>
@@ -11420,7 +10327,7 @@
             <p:nvPr>
               <p:extLst>
                 <p:ext uri="{386F3935-93C4-4BCD-93E2-E3B085C9AB24}">
-                  <p16:designElem xmlns:p16="http://schemas.microsoft.com/office/powerpoint/2015/main" val="1"/>
+                  <p16:designElem xmlns:p16="http://schemas.microsoft.com/office/powerpoint/2015/main" xmlns="" val="1"/>
                 </p:ext>
               </p:extLst>
             </p:nvPr>
@@ -11477,10 +10384,10 @@
             <p:cNvPr id="24" name="Freeform 18">
               <a:extLst>
                 <a:ext uri="{FF2B5EF4-FFF2-40B4-BE49-F238E27FC236}">
-                  <a16:creationId xmlns:a16="http://schemas.microsoft.com/office/drawing/2014/main" id="{B9FC1440-933F-44FE-8D77-4827DD0F99A5}"/>
+                  <a16:creationId xmlns:a16="http://schemas.microsoft.com/office/drawing/2014/main" xmlns="" id="{B9FC1440-933F-44FE-8D77-4827DD0F99A5}"/>
                 </a:ext>
                 <a:ext uri="{C183D7F6-B498-43B3-948B-1728B52AA6E4}">
-                  <adec:decorative xmlns:adec="http://schemas.microsoft.com/office/drawing/2017/decorative" val="1"/>
+                  <adec:decorative xmlns:adec="http://schemas.microsoft.com/office/drawing/2017/decorative" xmlns="" val="1"/>
                 </a:ext>
               </a:extLst>
             </p:cNvPr>
@@ -11488,7 +10395,7 @@
             <p:nvPr>
               <p:extLst>
                 <p:ext uri="{386F3935-93C4-4BCD-93E2-E3B085C9AB24}">
-                  <p16:designElem xmlns:p16="http://schemas.microsoft.com/office/powerpoint/2015/main" val="1"/>
+                  <p16:designElem xmlns:p16="http://schemas.microsoft.com/office/powerpoint/2015/main" xmlns="" val="1"/>
                 </p:ext>
               </p:extLst>
             </p:nvPr>
@@ -11545,10 +10452,10 @@
             <p:cNvPr id="25" name="Freeform 19">
               <a:extLst>
                 <a:ext uri="{FF2B5EF4-FFF2-40B4-BE49-F238E27FC236}">
-                  <a16:creationId xmlns:a16="http://schemas.microsoft.com/office/drawing/2014/main" id="{0F67F308-A67C-4D2E-B081-59BB31D8EC50}"/>
+                  <a16:creationId xmlns:a16="http://schemas.microsoft.com/office/drawing/2014/main" xmlns="" id="{0F67F308-A67C-4D2E-B081-59BB31D8EC50}"/>
                 </a:ext>
                 <a:ext uri="{C183D7F6-B498-43B3-948B-1728B52AA6E4}">
-                  <adec:decorative xmlns:adec="http://schemas.microsoft.com/office/drawing/2017/decorative" val="1"/>
+                  <adec:decorative xmlns:adec="http://schemas.microsoft.com/office/drawing/2017/decorative" xmlns="" val="1"/>
                 </a:ext>
               </a:extLst>
             </p:cNvPr>
@@ -11556,7 +10463,7 @@
             <p:nvPr>
               <p:extLst>
                 <p:ext uri="{386F3935-93C4-4BCD-93E2-E3B085C9AB24}">
-                  <p16:designElem xmlns:p16="http://schemas.microsoft.com/office/powerpoint/2015/main" val="1"/>
+                  <p16:designElem xmlns:p16="http://schemas.microsoft.com/office/powerpoint/2015/main" xmlns="" val="1"/>
                 </p:ext>
               </p:extLst>
             </p:nvPr>
@@ -11613,10 +10520,10 @@
             <p:cNvPr id="26" name="Freeform 20">
               <a:extLst>
                 <a:ext uri="{FF2B5EF4-FFF2-40B4-BE49-F238E27FC236}">
-                  <a16:creationId xmlns:a16="http://schemas.microsoft.com/office/drawing/2014/main" id="{80112F01-90EB-4AEC-A39C-5C6875FFB99B}"/>
+                  <a16:creationId xmlns:a16="http://schemas.microsoft.com/office/drawing/2014/main" xmlns="" id="{80112F01-90EB-4AEC-A39C-5C6875FFB99B}"/>
                 </a:ext>
                 <a:ext uri="{C183D7F6-B498-43B3-948B-1728B52AA6E4}">
-                  <adec:decorative xmlns:adec="http://schemas.microsoft.com/office/drawing/2017/decorative" val="1"/>
+                  <adec:decorative xmlns:adec="http://schemas.microsoft.com/office/drawing/2017/decorative" xmlns="" val="1"/>
                 </a:ext>
               </a:extLst>
             </p:cNvPr>
@@ -11624,7 +10531,7 @@
             <p:nvPr>
               <p:extLst>
                 <p:ext uri="{386F3935-93C4-4BCD-93E2-E3B085C9AB24}">
-                  <p16:designElem xmlns:p16="http://schemas.microsoft.com/office/powerpoint/2015/main" val="1"/>
+                  <p16:designElem xmlns:p16="http://schemas.microsoft.com/office/powerpoint/2015/main" xmlns="" val="1"/>
                 </p:ext>
               </p:extLst>
             </p:nvPr>
@@ -11681,10 +10588,10 @@
             <p:cNvPr id="27" name="Freeform 21">
               <a:extLst>
                 <a:ext uri="{FF2B5EF4-FFF2-40B4-BE49-F238E27FC236}">
-                  <a16:creationId xmlns:a16="http://schemas.microsoft.com/office/drawing/2014/main" id="{893F6B05-90EB-4C75-A0F0-C7247553BD81}"/>
+                  <a16:creationId xmlns:a16="http://schemas.microsoft.com/office/drawing/2014/main" xmlns="" id="{893F6B05-90EB-4C75-A0F0-C7247553BD81}"/>
                 </a:ext>
                 <a:ext uri="{C183D7F6-B498-43B3-948B-1728B52AA6E4}">
-                  <adec:decorative xmlns:adec="http://schemas.microsoft.com/office/drawing/2017/decorative" val="1"/>
+                  <adec:decorative xmlns:adec="http://schemas.microsoft.com/office/drawing/2017/decorative" xmlns="" val="1"/>
                 </a:ext>
               </a:extLst>
             </p:cNvPr>
@@ -11692,7 +10599,7 @@
             <p:nvPr>
               <p:extLst>
                 <p:ext uri="{386F3935-93C4-4BCD-93E2-E3B085C9AB24}">
-                  <p16:designElem xmlns:p16="http://schemas.microsoft.com/office/powerpoint/2015/main" val="1"/>
+                  <p16:designElem xmlns:p16="http://schemas.microsoft.com/office/powerpoint/2015/main" xmlns="" val="1"/>
                 </p:ext>
               </p:extLst>
             </p:nvPr>
@@ -11749,10 +10656,10 @@
             <p:cNvPr id="28" name="Freeform 22">
               <a:extLst>
                 <a:ext uri="{FF2B5EF4-FFF2-40B4-BE49-F238E27FC236}">
-                  <a16:creationId xmlns:a16="http://schemas.microsoft.com/office/drawing/2014/main" id="{227B563B-E0C0-4D81-966D-B5E2DBAAE8B5}"/>
+                  <a16:creationId xmlns:a16="http://schemas.microsoft.com/office/drawing/2014/main" xmlns="" id="{227B563B-E0C0-4D81-966D-B5E2DBAAE8B5}"/>
                 </a:ext>
                 <a:ext uri="{C183D7F6-B498-43B3-948B-1728B52AA6E4}">
-                  <adec:decorative xmlns:adec="http://schemas.microsoft.com/office/drawing/2017/decorative" val="1"/>
+                  <adec:decorative xmlns:adec="http://schemas.microsoft.com/office/drawing/2017/decorative" xmlns="" val="1"/>
                 </a:ext>
               </a:extLst>
             </p:cNvPr>
@@ -11760,7 +10667,7 @@
             <p:nvPr>
               <p:extLst>
                 <p:ext uri="{386F3935-93C4-4BCD-93E2-E3B085C9AB24}">
-                  <p16:designElem xmlns:p16="http://schemas.microsoft.com/office/powerpoint/2015/main" val="1"/>
+                  <p16:designElem xmlns:p16="http://schemas.microsoft.com/office/powerpoint/2015/main" xmlns="" val="1"/>
                 </p:ext>
               </p:extLst>
             </p:nvPr>
@@ -11817,10 +10724,10 @@
             <p:cNvPr id="29" name="Freeform 23">
               <a:extLst>
                 <a:ext uri="{FF2B5EF4-FFF2-40B4-BE49-F238E27FC236}">
-                  <a16:creationId xmlns:a16="http://schemas.microsoft.com/office/drawing/2014/main" id="{130DF93D-D1FF-477A-BDCE-C8B01C3B476C}"/>
+                  <a16:creationId xmlns:a16="http://schemas.microsoft.com/office/drawing/2014/main" xmlns="" id="{130DF93D-D1FF-477A-BDCE-C8B01C3B476C}"/>
                 </a:ext>
                 <a:ext uri="{C183D7F6-B498-43B3-948B-1728B52AA6E4}">
-                  <adec:decorative xmlns:adec="http://schemas.microsoft.com/office/drawing/2017/decorative" val="1"/>
+                  <adec:decorative xmlns:adec="http://schemas.microsoft.com/office/drawing/2017/decorative" xmlns="" val="1"/>
                 </a:ext>
               </a:extLst>
             </p:cNvPr>
@@ -11828,7 +10735,7 @@
             <p:nvPr>
               <p:extLst>
                 <p:ext uri="{386F3935-93C4-4BCD-93E2-E3B085C9AB24}">
-                  <p16:designElem xmlns:p16="http://schemas.microsoft.com/office/powerpoint/2015/main" val="1"/>
+                  <p16:designElem xmlns:p16="http://schemas.microsoft.com/office/powerpoint/2015/main" xmlns="" val="1"/>
                 </p:ext>
               </p:extLst>
             </p:nvPr>
@@ -11885,10 +10792,10 @@
             <p:cNvPr id="30" name="Freeform 24">
               <a:extLst>
                 <a:ext uri="{FF2B5EF4-FFF2-40B4-BE49-F238E27FC236}">
-                  <a16:creationId xmlns:a16="http://schemas.microsoft.com/office/drawing/2014/main" id="{44ED67A1-C6FE-4AC8-8473-11DAC03DCD33}"/>
+                  <a16:creationId xmlns:a16="http://schemas.microsoft.com/office/drawing/2014/main" xmlns="" id="{44ED67A1-C6FE-4AC8-8473-11DAC03DCD33}"/>
                 </a:ext>
                 <a:ext uri="{C183D7F6-B498-43B3-948B-1728B52AA6E4}">
-                  <adec:decorative xmlns:adec="http://schemas.microsoft.com/office/drawing/2017/decorative" val="1"/>
+                  <adec:decorative xmlns:adec="http://schemas.microsoft.com/office/drawing/2017/decorative" xmlns="" val="1"/>
                 </a:ext>
               </a:extLst>
             </p:cNvPr>
@@ -11896,7 +10803,7 @@
             <p:nvPr>
               <p:extLst>
                 <p:ext uri="{386F3935-93C4-4BCD-93E2-E3B085C9AB24}">
-                  <p16:designElem xmlns:p16="http://schemas.microsoft.com/office/powerpoint/2015/main" val="1"/>
+                  <p16:designElem xmlns:p16="http://schemas.microsoft.com/office/powerpoint/2015/main" xmlns="" val="1"/>
                 </p:ext>
               </p:extLst>
             </p:nvPr>
@@ -11953,10 +10860,10 @@
             <p:cNvPr id="31" name="Freeform 25">
               <a:extLst>
                 <a:ext uri="{FF2B5EF4-FFF2-40B4-BE49-F238E27FC236}">
-                  <a16:creationId xmlns:a16="http://schemas.microsoft.com/office/drawing/2014/main" id="{213A54F3-15FA-4C8F-8ABF-CE77E7219658}"/>
+                  <a16:creationId xmlns:a16="http://schemas.microsoft.com/office/drawing/2014/main" xmlns="" id="{213A54F3-15FA-4C8F-8ABF-CE77E7219658}"/>
                 </a:ext>
                 <a:ext uri="{C183D7F6-B498-43B3-948B-1728B52AA6E4}">
-                  <adec:decorative xmlns:adec="http://schemas.microsoft.com/office/drawing/2017/decorative" val="1"/>
+                  <adec:decorative xmlns:adec="http://schemas.microsoft.com/office/drawing/2017/decorative" xmlns="" val="1"/>
                 </a:ext>
               </a:extLst>
             </p:cNvPr>
@@ -11964,7 +10871,7 @@
             <p:nvPr>
               <p:extLst>
                 <p:ext uri="{386F3935-93C4-4BCD-93E2-E3B085C9AB24}">
-                  <p16:designElem xmlns:p16="http://schemas.microsoft.com/office/powerpoint/2015/main" val="1"/>
+                  <p16:designElem xmlns:p16="http://schemas.microsoft.com/office/powerpoint/2015/main" xmlns="" val="1"/>
                 </p:ext>
               </p:extLst>
             </p:nvPr>
@@ -12022,10 +10929,10 @@
           <p:cNvPr id="33" name="Group 32">
             <a:extLst>
               <a:ext uri="{FF2B5EF4-FFF2-40B4-BE49-F238E27FC236}">
-                <a16:creationId xmlns:a16="http://schemas.microsoft.com/office/drawing/2014/main" id="{5F8A7F7F-DD1A-4F41-98AC-B9CE2A620CDC}"/>
+                <a16:creationId xmlns:a16="http://schemas.microsoft.com/office/drawing/2014/main" xmlns="" id="{5F8A7F7F-DD1A-4F41-98AC-B9CE2A620CDC}"/>
               </a:ext>
               <a:ext uri="{C183D7F6-B498-43B3-948B-1728B52AA6E4}">
-                <adec:decorative xmlns:adec="http://schemas.microsoft.com/office/drawing/2017/decorative" val="1"/>
+                <adec:decorative xmlns:adec="http://schemas.microsoft.com/office/drawing/2017/decorative" xmlns="" val="1"/>
               </a:ext>
             </a:extLst>
           </p:cNvPr>
@@ -12035,7 +10942,7 @@
           <p:nvPr>
             <p:extLst>
               <p:ext uri="{386F3935-93C4-4BCD-93E2-E3B085C9AB24}">
-                <p16:designElem xmlns:p16="http://schemas.microsoft.com/office/powerpoint/2015/main" val="1"/>
+                <p16:designElem xmlns:p16="http://schemas.microsoft.com/office/powerpoint/2015/main" xmlns="" val="1"/>
               </p:ext>
             </p:extLst>
           </p:nvPr>
@@ -12053,10 +10960,10 @@
             <p:cNvPr id="34" name="Rectangle 33">
               <a:extLst>
                 <a:ext uri="{FF2B5EF4-FFF2-40B4-BE49-F238E27FC236}">
-                  <a16:creationId xmlns:a16="http://schemas.microsoft.com/office/drawing/2014/main" id="{CEF47228-EB7C-4EBA-BE01-DA6CB2410289}"/>
+                  <a16:creationId xmlns:a16="http://schemas.microsoft.com/office/drawing/2014/main" xmlns="" id="{CEF47228-EB7C-4EBA-BE01-DA6CB2410289}"/>
                 </a:ext>
                 <a:ext uri="{C183D7F6-B498-43B3-948B-1728B52AA6E4}">
-                  <adec:decorative xmlns:adec="http://schemas.microsoft.com/office/drawing/2017/decorative" val="1"/>
+                  <adec:decorative xmlns:adec="http://schemas.microsoft.com/office/drawing/2017/decorative" xmlns="" val="1"/>
                 </a:ext>
               </a:extLst>
             </p:cNvPr>
@@ -12064,7 +10971,7 @@
             <p:nvPr>
               <p:extLst>
                 <p:ext uri="{386F3935-93C4-4BCD-93E2-E3B085C9AB24}">
-                  <p16:designElem xmlns:p16="http://schemas.microsoft.com/office/powerpoint/2015/main" val="1"/>
+                  <p16:designElem xmlns:p16="http://schemas.microsoft.com/office/powerpoint/2015/main" xmlns="" val="1"/>
                 </p:ext>
               </p:extLst>
             </p:nvPr>
@@ -12106,10 +11013,10 @@
             <p:cNvPr id="35" name="Isosceles Triangle 22">
               <a:extLst>
                 <a:ext uri="{FF2B5EF4-FFF2-40B4-BE49-F238E27FC236}">
-                  <a16:creationId xmlns:a16="http://schemas.microsoft.com/office/drawing/2014/main" id="{3D2FD25A-EFFD-4F5C-9258-981F5907DE21}"/>
+                  <a16:creationId xmlns:a16="http://schemas.microsoft.com/office/drawing/2014/main" xmlns="" id="{3D2FD25A-EFFD-4F5C-9258-981F5907DE21}"/>
                 </a:ext>
                 <a:ext uri="{C183D7F6-B498-43B3-948B-1728B52AA6E4}">
-                  <adec:decorative xmlns:adec="http://schemas.microsoft.com/office/drawing/2017/decorative" val="1"/>
+                  <adec:decorative xmlns:adec="http://schemas.microsoft.com/office/drawing/2017/decorative" xmlns="" val="1"/>
                 </a:ext>
               </a:extLst>
             </p:cNvPr>
@@ -12117,7 +11024,7 @@
             <p:nvPr>
               <p:extLst>
                 <p:ext uri="{386F3935-93C4-4BCD-93E2-E3B085C9AB24}">
-                  <p16:designElem xmlns:p16="http://schemas.microsoft.com/office/powerpoint/2015/main" val="1"/>
+                  <p16:designElem xmlns:p16="http://schemas.microsoft.com/office/powerpoint/2015/main" xmlns="" val="1"/>
                 </p:ext>
               </p:extLst>
             </p:nvPr>
@@ -12159,10 +11066,10 @@
             <p:cNvPr id="36" name="Rectangle 35">
               <a:extLst>
                 <a:ext uri="{FF2B5EF4-FFF2-40B4-BE49-F238E27FC236}">
-                  <a16:creationId xmlns:a16="http://schemas.microsoft.com/office/drawing/2014/main" id="{DCF573BC-A06F-4036-A3A8-9D07DDE62253}"/>
+                  <a16:creationId xmlns:a16="http://schemas.microsoft.com/office/drawing/2014/main" xmlns="" id="{DCF573BC-A06F-4036-A3A8-9D07DDE62253}"/>
                 </a:ext>
                 <a:ext uri="{C183D7F6-B498-43B3-948B-1728B52AA6E4}">
-                  <adec:decorative xmlns:adec="http://schemas.microsoft.com/office/drawing/2017/decorative" val="1"/>
+                  <adec:decorative xmlns:adec="http://schemas.microsoft.com/office/drawing/2017/decorative" xmlns="" val="1"/>
                 </a:ext>
               </a:extLst>
             </p:cNvPr>
@@ -12170,7 +11077,7 @@
             <p:nvPr>
               <p:extLst>
                 <p:ext uri="{386F3935-93C4-4BCD-93E2-E3B085C9AB24}">
-                  <p16:designElem xmlns:p16="http://schemas.microsoft.com/office/powerpoint/2015/main" val="1"/>
+                  <p16:designElem xmlns:p16="http://schemas.microsoft.com/office/powerpoint/2015/main" xmlns="" val="1"/>
                 </p:ext>
               </p:extLst>
             </p:nvPr>
@@ -12213,7 +11120,7 @@
           <p:cNvPr id="2" name="Title 1">
             <a:extLst>
               <a:ext uri="{FF2B5EF4-FFF2-40B4-BE49-F238E27FC236}">
-                <a16:creationId xmlns:a16="http://schemas.microsoft.com/office/drawing/2014/main" id="{E86C33C2-EC09-4F45-A2C8-AC9A692B69C0}"/>
+                <a16:creationId xmlns:a16="http://schemas.microsoft.com/office/drawing/2014/main" xmlns="" id="{E86C33C2-EC09-4F45-A2C8-AC9A692B69C0}"/>
               </a:ext>
             </a:extLst>
           </p:cNvPr>
@@ -12253,7 +11160,7 @@
           <p:cNvPr id="3" name="Content Placeholder 2">
             <a:extLst>
               <a:ext uri="{FF2B5EF4-FFF2-40B4-BE49-F238E27FC236}">
-                <a16:creationId xmlns:a16="http://schemas.microsoft.com/office/drawing/2014/main" id="{27553A2F-B4A9-4593-AC58-5C5AD66E898A}"/>
+                <a16:creationId xmlns:a16="http://schemas.microsoft.com/office/drawing/2014/main" xmlns="" id="{27553A2F-B4A9-4593-AC58-5C5AD66E898A}"/>
               </a:ext>
             </a:extLst>
           </p:cNvPr>
@@ -12293,7 +11200,7 @@
 </p:sld>
 </file>
 
-<file path=ppt/slides/slide7.xml><?xml version="1.0" encoding="utf-8"?>
+<file path=ppt/slides/slide6.xml><?xml version="1.0" encoding="utf-8"?>
 <p:sld xmlns:a="http://schemas.openxmlformats.org/drawingml/2006/main" xmlns:r="http://schemas.openxmlformats.org/officeDocument/2006/relationships" xmlns:p="http://schemas.openxmlformats.org/presentationml/2006/main">
   <p:cSld>
     <p:bg>
@@ -12323,10 +11230,10 @@
           <p:cNvPr id="17" name="Rectangle 16">
             <a:extLst>
               <a:ext uri="{FF2B5EF4-FFF2-40B4-BE49-F238E27FC236}">
-                <a16:creationId xmlns:a16="http://schemas.microsoft.com/office/drawing/2014/main" id="{AFA67CD3-AB4E-4A7A-BEB8-53C445D8C44E}"/>
+                <a16:creationId xmlns:a16="http://schemas.microsoft.com/office/drawing/2014/main" xmlns="" id="{AFA67CD3-AB4E-4A7A-BEB8-53C445D8C44E}"/>
               </a:ext>
               <a:ext uri="{C183D7F6-B498-43B3-948B-1728B52AA6E4}">
-                <adec:decorative xmlns:adec="http://schemas.microsoft.com/office/drawing/2017/decorative" val="1"/>
+                <adec:decorative xmlns:adec="http://schemas.microsoft.com/office/drawing/2017/decorative" xmlns="" val="1"/>
               </a:ext>
             </a:extLst>
           </p:cNvPr>
@@ -12336,7 +11243,7 @@
           <p:nvPr>
             <p:extLst>
               <p:ext uri="{386F3935-93C4-4BCD-93E2-E3B085C9AB24}">
-                <p16:designElem xmlns:p16="http://schemas.microsoft.com/office/powerpoint/2015/main" val="1"/>
+                <p16:designElem xmlns:p16="http://schemas.microsoft.com/office/powerpoint/2015/main" xmlns="" val="1"/>
               </p:ext>
             </p:extLst>
           </p:nvPr>
@@ -12409,10 +11316,10 @@
           <p:cNvPr id="19" name="Picture 18" descr="A close up of a logo&#10;&#10;Description generated with very high confidence">
             <a:extLst>
               <a:ext uri="{FF2B5EF4-FFF2-40B4-BE49-F238E27FC236}">
-                <a16:creationId xmlns:a16="http://schemas.microsoft.com/office/drawing/2014/main" id="{07CF545F-9C2E-4446-97CD-AD92990C2B68}"/>
+                <a16:creationId xmlns:a16="http://schemas.microsoft.com/office/drawing/2014/main" xmlns="" id="{07CF545F-9C2E-4446-97CD-AD92990C2B68}"/>
               </a:ext>
               <a:ext uri="{C183D7F6-B498-43B3-948B-1728B52AA6E4}">
-                <adec:decorative xmlns:adec="http://schemas.microsoft.com/office/drawing/2017/decorative" val="1"/>
+                <adec:decorative xmlns:adec="http://schemas.microsoft.com/office/drawing/2017/decorative" xmlns="" val="1"/>
               </a:ext>
             </a:extLst>
           </p:cNvPr>
@@ -12422,7 +11329,7 @@
           <p:nvPr>
             <p:extLst>
               <p:ext uri="{386F3935-93C4-4BCD-93E2-E3B085C9AB24}">
-                <p16:designElem xmlns:p16="http://schemas.microsoft.com/office/powerpoint/2015/main" val="1"/>
+                <p16:designElem xmlns:p16="http://schemas.microsoft.com/office/powerpoint/2015/main" xmlns="" val="1"/>
               </p:ext>
             </p:extLst>
           </p:nvPr>
@@ -12454,7 +11361,7 @@
           <p:cNvPr id="2" name="Title 1">
             <a:extLst>
               <a:ext uri="{FF2B5EF4-FFF2-40B4-BE49-F238E27FC236}">
-                <a16:creationId xmlns:a16="http://schemas.microsoft.com/office/drawing/2014/main" id="{8EEBA7D0-9BCC-43DA-AA1B-7B887E464C26}"/>
+                <a16:creationId xmlns:a16="http://schemas.microsoft.com/office/drawing/2014/main" xmlns="" id="{8EEBA7D0-9BCC-43DA-AA1B-7B887E464C26}"/>
               </a:ext>
             </a:extLst>
           </p:cNvPr>
@@ -12493,10 +11400,10 @@
           <p:cNvPr id="21" name="Freeform 62">
             <a:extLst>
               <a:ext uri="{FF2B5EF4-FFF2-40B4-BE49-F238E27FC236}">
-                <a16:creationId xmlns:a16="http://schemas.microsoft.com/office/drawing/2014/main" id="{339C8D78-A644-462F-B674-F440635E5353}"/>
+                <a16:creationId xmlns:a16="http://schemas.microsoft.com/office/drawing/2014/main" xmlns="" id="{339C8D78-A644-462F-B674-F440635E5353}"/>
               </a:ext>
               <a:ext uri="{C183D7F6-B498-43B3-948B-1728B52AA6E4}">
-                <adec:decorative xmlns:adec="http://schemas.microsoft.com/office/drawing/2017/decorative" val="1"/>
+                <adec:decorative xmlns:adec="http://schemas.microsoft.com/office/drawing/2017/decorative" xmlns="" val="1"/>
               </a:ext>
             </a:extLst>
           </p:cNvPr>
@@ -12506,7 +11413,7 @@
           <p:nvPr>
             <p:extLst>
               <p:ext uri="{386F3935-93C4-4BCD-93E2-E3B085C9AB24}">
-                <p16:designElem xmlns:p16="http://schemas.microsoft.com/office/powerpoint/2015/main" val="1"/>
+                <p16:designElem xmlns:p16="http://schemas.microsoft.com/office/powerpoint/2015/main" xmlns="" val="1"/>
               </p:ext>
             </p:extLst>
           </p:nvPr>
@@ -12667,7 +11574,7 @@
           <p:cNvPr id="14" name="Graphic 13" descr="Gears">
             <a:extLst>
               <a:ext uri="{FF2B5EF4-FFF2-40B4-BE49-F238E27FC236}">
-                <a16:creationId xmlns:a16="http://schemas.microsoft.com/office/drawing/2014/main" id="{AB50267D-C728-4E8B-B0D3-A745AA06291F}"/>
+                <a16:creationId xmlns:a16="http://schemas.microsoft.com/office/drawing/2014/main" xmlns="" id="{AB50267D-C728-4E8B-B0D3-A745AA06291F}"/>
               </a:ext>
             </a:extLst>
           </p:cNvPr>
@@ -12683,7 +11590,7 @@
                 <a14:useLocalDpi xmlns:a14="http://schemas.microsoft.com/office/drawing/2010/main" val="0"/>
               </a:ext>
               <a:ext uri="{96DAC541-7B7A-43D3-8B79-37D633B846F1}">
-                <asvg:svgBlip xmlns:asvg="http://schemas.microsoft.com/office/drawing/2016/SVG/main" r:embed="rId4"/>
+                <asvg:svgBlip xmlns:asvg="http://schemas.microsoft.com/office/drawing/2016/SVG/main" xmlns="" r:embed="rId4"/>
               </a:ext>
             </a:extLst>
           </a:blip>
@@ -12706,7 +11613,7 @@
           <p:cNvPr id="3" name="Content Placeholder 2">
             <a:extLst>
               <a:ext uri="{FF2B5EF4-FFF2-40B4-BE49-F238E27FC236}">
-                <a16:creationId xmlns:a16="http://schemas.microsoft.com/office/drawing/2014/main" id="{F2EAA055-ED20-46A5-B19C-8C9ABE0D7A53}"/>
+                <a16:creationId xmlns:a16="http://schemas.microsoft.com/office/drawing/2014/main" xmlns="" id="{F2EAA055-ED20-46A5-B19C-8C9ABE0D7A53}"/>
               </a:ext>
             </a:extLst>
           </p:cNvPr>
@@ -12729,7 +11636,127 @@
           </a:bodyPr>
           <a:lstStyle/>
           <a:p>
-            <a:endParaRPr lang="en-US" sz="2000">
+            <a:pPr marL="0" indent="0">
+              <a:buNone/>
+            </a:pPr>
+            <a:r>
+              <a:rPr lang="en-US" sz="2000" dirty="0" smtClean="0">
+                <a:solidFill>
+                  <a:srgbClr val="000000"/>
+                </a:solidFill>
+              </a:rPr>
+              <a:t>Technologies :</a:t>
+            </a:r>
+          </a:p>
+          <a:p>
+            <a:pPr marL="457200" lvl="1" indent="0">
+              <a:buNone/>
+            </a:pPr>
+            <a:r>
+              <a:rPr lang="en-US" sz="1600" dirty="0" smtClean="0">
+                <a:solidFill>
+                  <a:srgbClr val="000000"/>
+                </a:solidFill>
+              </a:rPr>
+              <a:t>Spring - v4.0.9</a:t>
+            </a:r>
+          </a:p>
+          <a:p>
+            <a:pPr marL="457200" lvl="1" indent="0">
+              <a:buNone/>
+            </a:pPr>
+            <a:r>
+              <a:rPr lang="en-US" sz="1600" dirty="0" smtClean="0">
+                <a:solidFill>
+                  <a:srgbClr val="000000"/>
+                </a:solidFill>
+              </a:rPr>
+              <a:t>Oracle- SQL v11.9</a:t>
+            </a:r>
+          </a:p>
+          <a:p>
+            <a:pPr marL="457200" lvl="1" indent="0">
+              <a:buNone/>
+            </a:pPr>
+            <a:r>
+              <a:rPr lang="en-US" sz="1600" dirty="0" smtClean="0">
+                <a:solidFill>
+                  <a:srgbClr val="000000"/>
+                </a:solidFill>
+              </a:rPr>
+              <a:t>Angular - v7.0.0</a:t>
+            </a:r>
+          </a:p>
+          <a:p>
+            <a:pPr marL="457200" lvl="1" indent="0">
+              <a:buNone/>
+            </a:pPr>
+            <a:r>
+              <a:rPr lang="en-US" sz="1600" dirty="0" smtClean="0">
+                <a:solidFill>
+                  <a:srgbClr val="000000"/>
+                </a:solidFill>
+              </a:rPr>
+              <a:t>Bootstrap - v3.4.0</a:t>
+            </a:r>
+            <a:endParaRPr lang="en-US" sz="1600" dirty="0" smtClean="0">
+              <a:solidFill>
+                <a:srgbClr val="000000"/>
+              </a:solidFill>
+            </a:endParaRPr>
+          </a:p>
+          <a:p>
+            <a:pPr marL="0" indent="0">
+              <a:buNone/>
+            </a:pPr>
+            <a:r>
+              <a:rPr lang="en-US" sz="2000" dirty="0" smtClean="0">
+                <a:solidFill>
+                  <a:srgbClr val="000000"/>
+                </a:solidFill>
+              </a:rPr>
+              <a:t>Tools:</a:t>
+            </a:r>
+          </a:p>
+          <a:p>
+            <a:pPr marL="457200" lvl="1" indent="0">
+              <a:buNone/>
+            </a:pPr>
+            <a:r>
+              <a:rPr lang="en-US" sz="1600" dirty="0" smtClean="0">
+                <a:solidFill>
+                  <a:srgbClr val="000000"/>
+                </a:solidFill>
+              </a:rPr>
+              <a:t>Eclipse – vNeon2 Release (4.6.2)</a:t>
+            </a:r>
+          </a:p>
+          <a:p>
+            <a:pPr marL="457200" lvl="1" indent="0">
+              <a:buNone/>
+            </a:pPr>
+            <a:r>
+              <a:rPr lang="en-US" sz="1600" dirty="0" smtClean="0">
+                <a:solidFill>
+                  <a:srgbClr val="000000"/>
+                </a:solidFill>
+              </a:rPr>
+              <a:t>Visual Code- v1.30.2</a:t>
+            </a:r>
+          </a:p>
+          <a:p>
+            <a:pPr marL="0" indent="0">
+              <a:buNone/>
+            </a:pPr>
+            <a:r>
+              <a:rPr lang="en-US" sz="2000" dirty="0">
+                <a:solidFill>
+                  <a:srgbClr val="000000"/>
+                </a:solidFill>
+              </a:rPr>
+              <a:t>	</a:t>
+            </a:r>
+            <a:endParaRPr lang="en-US" sz="2000" dirty="0">
               <a:solidFill>
                 <a:srgbClr val="000000"/>
               </a:solidFill>
@@ -12750,7 +11777,7 @@
 </p:sld>
 </file>
 
-<file path=ppt/slides/slide8.xml><?xml version="1.0" encoding="utf-8"?>
+<file path=ppt/slides/slide7.xml><?xml version="1.0" encoding="utf-8"?>
 <p:sld xmlns:a="http://schemas.openxmlformats.org/drawingml/2006/main" xmlns:r="http://schemas.openxmlformats.org/officeDocument/2006/relationships" xmlns:p="http://schemas.openxmlformats.org/presentationml/2006/main">
   <p:cSld>
     <p:bg>
@@ -12780,10 +11807,10 @@
           <p:cNvPr id="19" name="Rectangle 16">
             <a:extLst>
               <a:ext uri="{FF2B5EF4-FFF2-40B4-BE49-F238E27FC236}">
-                <a16:creationId xmlns:a16="http://schemas.microsoft.com/office/drawing/2014/main" id="{42A5316D-ED2F-4F89-B4B4-8D9240B1A348}"/>
+                <a16:creationId xmlns:a16="http://schemas.microsoft.com/office/drawing/2014/main" xmlns="" id="{42A5316D-ED2F-4F89-B4B4-8D9240B1A348}"/>
               </a:ext>
               <a:ext uri="{C183D7F6-B498-43B3-948B-1728B52AA6E4}">
-                <adec:decorative xmlns:adec="http://schemas.microsoft.com/office/drawing/2017/decorative" val="1"/>
+                <adec:decorative xmlns:adec="http://schemas.microsoft.com/office/drawing/2017/decorative" xmlns="" val="1"/>
               </a:ext>
             </a:extLst>
           </p:cNvPr>
@@ -12793,7 +11820,7 @@
           <p:nvPr>
             <p:extLst>
               <p:ext uri="{386F3935-93C4-4BCD-93E2-E3B085C9AB24}">
-                <p16:designElem xmlns:p16="http://schemas.microsoft.com/office/powerpoint/2015/main" val="1"/>
+                <p16:designElem xmlns:p16="http://schemas.microsoft.com/office/powerpoint/2015/main" xmlns="" val="1"/>
               </p:ext>
             </p:extLst>
           </p:nvPr>
@@ -12872,7 +11899,7 @@
           <p:cNvPr id="2" name="Title 1">
             <a:extLst>
               <a:ext uri="{FF2B5EF4-FFF2-40B4-BE49-F238E27FC236}">
-                <a16:creationId xmlns:a16="http://schemas.microsoft.com/office/drawing/2014/main" id="{B10E8C48-75FF-4B7B-8956-0B000A5C0363}"/>
+                <a16:creationId xmlns:a16="http://schemas.microsoft.com/office/drawing/2014/main" xmlns="" id="{B10E8C48-75FF-4B7B-8956-0B000A5C0363}"/>
               </a:ext>
             </a:extLst>
           </p:cNvPr>
@@ -12923,7 +11950,7 @@
           <p:cNvPr id="20" name="Content Placeholder 2">
             <a:extLst>
               <a:ext uri="{FF2B5EF4-FFF2-40B4-BE49-F238E27FC236}">
-                <a16:creationId xmlns:a16="http://schemas.microsoft.com/office/drawing/2014/main" id="{C7FA9842-EEDC-4B43-ABE3-A18B3F95207D}"/>
+                <a16:creationId xmlns:a16="http://schemas.microsoft.com/office/drawing/2014/main" xmlns="" id="{C7FA9842-EEDC-4B43-ABE3-A18B3F95207D}"/>
               </a:ext>
             </a:extLst>
           </p:cNvPr>
@@ -12934,7 +11961,7 @@
             <p:ph idx="1"/>
             <p:extLst>
               <p:ext uri="{D42A27DB-BD31-4B8C-83A1-F6EECF244321}">
-                <p14:modId xmlns:p14="http://schemas.microsoft.com/office/powerpoint/2010/main" val="3414682396"/>
+                <p14:modId xmlns:p14="http://schemas.microsoft.com/office/powerpoint/2010/main" val="3644753189"/>
               </p:ext>
             </p:extLst>
           </p:nvPr>
@@ -12962,7 +11989,7 @@
 </p:sld>
 </file>
 
-<file path=ppt/slides/slide9.xml><?xml version="1.0" encoding="utf-8"?>
+<file path=ppt/slides/slide8.xml><?xml version="1.0" encoding="utf-8"?>
 <p:sld xmlns:a="http://schemas.openxmlformats.org/drawingml/2006/main" xmlns:r="http://schemas.openxmlformats.org/officeDocument/2006/relationships" xmlns:p="http://schemas.openxmlformats.org/presentationml/2006/main">
   <p:cSld>
     <p:bg>
@@ -12992,10 +12019,10 @@
           <p:cNvPr id="10" name="Rectangle 9">
             <a:extLst>
               <a:ext uri="{FF2B5EF4-FFF2-40B4-BE49-F238E27FC236}">
-                <a16:creationId xmlns:a16="http://schemas.microsoft.com/office/drawing/2014/main" id="{81AEB8A9-B768-4E30-BA55-D919E6687343}"/>
+                <a16:creationId xmlns:a16="http://schemas.microsoft.com/office/drawing/2014/main" xmlns="" id="{81AEB8A9-B768-4E30-BA55-D919E6687343}"/>
               </a:ext>
               <a:ext uri="{C183D7F6-B498-43B3-948B-1728B52AA6E4}">
-                <adec:decorative xmlns:adec="http://schemas.microsoft.com/office/drawing/2017/decorative" val="1"/>
+                <adec:decorative xmlns:adec="http://schemas.microsoft.com/office/drawing/2017/decorative" xmlns="" val="1"/>
               </a:ext>
             </a:extLst>
           </p:cNvPr>
@@ -13005,7 +12032,7 @@
           <p:nvPr>
             <p:extLst>
               <p:ext uri="{386F3935-93C4-4BCD-93E2-E3B085C9AB24}">
-                <p16:designElem xmlns:p16="http://schemas.microsoft.com/office/powerpoint/2015/main" val="1"/>
+                <p16:designElem xmlns:p16="http://schemas.microsoft.com/office/powerpoint/2015/main" xmlns="" val="1"/>
               </p:ext>
             </p:extLst>
           </p:nvPr>
@@ -13084,7 +12111,7 @@
           <p:cNvPr id="2" name="Title 1">
             <a:extLst>
               <a:ext uri="{FF2B5EF4-FFF2-40B4-BE49-F238E27FC236}">
-                <a16:creationId xmlns:a16="http://schemas.microsoft.com/office/drawing/2014/main" id="{EB4AA099-DFCF-40F0-9DF9-51DCDD3D2329}"/>
+                <a16:creationId xmlns:a16="http://schemas.microsoft.com/office/drawing/2014/main" xmlns="" id="{EB4AA099-DFCF-40F0-9DF9-51DCDD3D2329}"/>
               </a:ext>
             </a:extLst>
           </p:cNvPr>
@@ -13126,7 +12153,7 @@
           <p:cNvPr id="5" name="Content Placeholder 4" descr="A close up of an object&#10;&#10;Description generated with high confidence">
             <a:extLst>
               <a:ext uri="{FF2B5EF4-FFF2-40B4-BE49-F238E27FC236}">
-                <a16:creationId xmlns:a16="http://schemas.microsoft.com/office/drawing/2014/main" id="{0B43767B-3861-4880-9DCE-DB2297AAE746}"/>
+                <a16:creationId xmlns:a16="http://schemas.microsoft.com/office/drawing/2014/main" xmlns="" id="{0B43767B-3861-4880-9DCE-DB2297AAE746}"/>
               </a:ext>
             </a:extLst>
           </p:cNvPr>
@@ -13138,7 +12165,7 @@
           </p:nvPr>
         </p:nvPicPr>
         <p:blipFill>
-          <a:blip r:embed="rId2">
+          <a:blip r:embed="rId2" cstate="print">
             <a:extLst>
               <a:ext uri="{28A0092B-C50C-407E-A947-70E740481C1C}">
                 <a14:useLocalDpi xmlns:a14="http://schemas.microsoft.com/office/drawing/2010/main" val="0"/>
@@ -13163,6 +12190,216 @@
     <p:extLst>
       <p:ext uri="{BB962C8B-B14F-4D97-AF65-F5344CB8AC3E}">
         <p14:creationId xmlns:p14="http://schemas.microsoft.com/office/powerpoint/2010/main" val="1952518622"/>
+      </p:ext>
+    </p:extLst>
+  </p:cSld>
+  <p:clrMapOvr>
+    <a:masterClrMapping/>
+  </p:clrMapOvr>
+</p:sld>
+</file>
+
+<file path=ppt/slides/slide9.xml><?xml version="1.0" encoding="utf-8"?>
+<p:sld xmlns:a="http://schemas.openxmlformats.org/drawingml/2006/main" xmlns:r="http://schemas.openxmlformats.org/officeDocument/2006/relationships" xmlns:p="http://schemas.openxmlformats.org/presentationml/2006/main">
+  <p:cSld>
+    <p:bg>
+      <p:bgPr>
+        <a:solidFill>
+          <a:schemeClr val="bg1"/>
+        </a:solidFill>
+        <a:effectLst/>
+      </p:bgPr>
+    </p:bg>
+    <p:spTree>
+      <p:nvGrpSpPr>
+        <p:cNvPr id="1" name=""/>
+        <p:cNvGrpSpPr/>
+        <p:nvPr/>
+      </p:nvGrpSpPr>
+      <p:grpSpPr>
+        <a:xfrm>
+          <a:off x="0" y="0"/>
+          <a:ext cx="0" cy="0"/>
+          <a:chOff x="0" y="0"/>
+          <a:chExt cx="0" cy="0"/>
+        </a:xfrm>
+      </p:grpSpPr>
+      <p:sp>
+        <p:nvSpPr>
+          <p:cNvPr id="10" name="Rectangle 9">
+            <a:extLst>
+              <a:ext uri="{FF2B5EF4-FFF2-40B4-BE49-F238E27FC236}">
+                <a16:creationId xmlns:a16="http://schemas.microsoft.com/office/drawing/2014/main" xmlns="" id="{81AEB8A9-B768-4E30-BA55-D919E6687343}"/>
+              </a:ext>
+              <a:ext uri="{C183D7F6-B498-43B3-948B-1728B52AA6E4}">
+                <adec:decorative xmlns:adec="http://schemas.microsoft.com/office/drawing/2017/decorative" xmlns="" val="1"/>
+              </a:ext>
+            </a:extLst>
+          </p:cNvPr>
+          <p:cNvSpPr>
+            <a:spLocks noGrp="1" noRot="1" noChangeAspect="1" noMove="1" noResize="1" noEditPoints="1" noAdjustHandles="1" noChangeArrowheads="1" noChangeShapeType="1" noTextEdit="1"/>
+          </p:cNvSpPr>
+          <p:nvPr>
+            <p:extLst>
+              <p:ext uri="{386F3935-93C4-4BCD-93E2-E3B085C9AB24}">
+                <p16:designElem xmlns:p16="http://schemas.microsoft.com/office/powerpoint/2015/main" xmlns="" val="1"/>
+              </p:ext>
+            </p:extLst>
+          </p:nvPr>
+        </p:nvSpPr>
+        <p:spPr>
+          <a:xfrm>
+            <a:off x="-10001" y="-2"/>
+            <a:ext cx="4069936" cy="6858002"/>
+          </a:xfrm>
+          <a:prstGeom prst="rect">
+            <a:avLst/>
+          </a:prstGeom>
+          <a:solidFill>
+            <a:schemeClr val="accent1"/>
+          </a:solidFill>
+          <a:ln>
+            <a:noFill/>
+          </a:ln>
+        </p:spPr>
+        <p:style>
+          <a:lnRef idx="2">
+            <a:schemeClr val="accent1">
+              <a:shade val="50000"/>
+            </a:schemeClr>
+          </a:lnRef>
+          <a:fillRef idx="1">
+            <a:schemeClr val="accent1"/>
+          </a:fillRef>
+          <a:effectRef idx="0">
+            <a:schemeClr val="accent1"/>
+          </a:effectRef>
+          <a:fontRef idx="minor">
+            <a:schemeClr val="lt1"/>
+          </a:fontRef>
+        </p:style>
+        <p:txBody>
+          <a:bodyPr rtlCol="0" anchor="ctr"/>
+          <a:lstStyle/>
+          <a:p>
+            <a:pPr marL="0" marR="0" lvl="0" indent="0" algn="ctr" defTabSz="914400" rtl="0" eaLnBrk="1" fontAlgn="auto" latinLnBrk="0" hangingPunct="1">
+              <a:lnSpc>
+                <a:spcPct val="100000"/>
+              </a:lnSpc>
+              <a:spcBef>
+                <a:spcPts val="0"/>
+              </a:spcBef>
+              <a:spcAft>
+                <a:spcPts val="0"/>
+              </a:spcAft>
+              <a:buClrTx/>
+              <a:buSzTx/>
+              <a:buFontTx/>
+              <a:buNone/>
+              <a:tabLst/>
+              <a:defRPr/>
+            </a:pPr>
+            <a:endParaRPr kumimoji="0" lang="en-US" sz="1800" b="0" i="0" u="none" strike="noStrike" kern="1200" cap="none" spc="0" normalizeH="0" baseline="0" noProof="0">
+              <a:ln>
+                <a:noFill/>
+              </a:ln>
+              <a:solidFill>
+                <a:prstClr val="white"/>
+              </a:solidFill>
+              <a:effectLst/>
+              <a:uLnTx/>
+              <a:uFillTx/>
+              <a:latin typeface="Calibri" panose="020F0502020204030204"/>
+              <a:ea typeface="+mn-ea"/>
+              <a:cs typeface="+mn-cs"/>
+            </a:endParaRPr>
+          </a:p>
+        </p:txBody>
+      </p:sp>
+      <p:sp>
+        <p:nvSpPr>
+          <p:cNvPr id="2" name="Title 1">
+            <a:extLst>
+              <a:ext uri="{FF2B5EF4-FFF2-40B4-BE49-F238E27FC236}">
+                <a16:creationId xmlns:a16="http://schemas.microsoft.com/office/drawing/2014/main" xmlns="" id="{EB4AA099-DFCF-40F0-9DF9-51DCDD3D2329}"/>
+              </a:ext>
+            </a:extLst>
+          </p:cNvPr>
+          <p:cNvSpPr>
+            <a:spLocks noGrp="1"/>
+          </p:cNvSpPr>
+          <p:nvPr>
+            <p:ph type="title"/>
+          </p:nvPr>
+        </p:nvSpPr>
+        <p:spPr>
+          <a:xfrm>
+            <a:off x="643467" y="640080"/>
+            <a:ext cx="3096427" cy="5613236"/>
+          </a:xfrm>
+        </p:spPr>
+        <p:txBody>
+          <a:bodyPr vert="horz" lIns="91440" tIns="45720" rIns="91440" bIns="45720" rtlCol="0" anchor="ctr">
+            <a:normAutofit/>
+          </a:bodyPr>
+          <a:lstStyle/>
+          <a:p>
+            <a:r>
+              <a:rPr lang="en-US" kern="1200" dirty="0">
+                <a:solidFill>
+                  <a:srgbClr val="FFFFFF"/>
+                </a:solidFill>
+                <a:latin typeface="+mj-lt"/>
+                <a:ea typeface="+mj-ea"/>
+                <a:cs typeface="+mj-cs"/>
+              </a:rPr>
+              <a:t>Class Diagram</a:t>
+            </a:r>
+          </a:p>
+        </p:txBody>
+      </p:sp>
+      <p:pic>
+        <p:nvPicPr>
+          <p:cNvPr id="5" name="Content Placeholder 4" descr="A close up of an object&#10;&#10;Description generated with high confidence">
+            <a:extLst>
+              <a:ext uri="{FF2B5EF4-FFF2-40B4-BE49-F238E27FC236}">
+                <a16:creationId xmlns:a16="http://schemas.microsoft.com/office/drawing/2014/main" xmlns="" id="{0B43767B-3861-4880-9DCE-DB2297AAE746}"/>
+              </a:ext>
+            </a:extLst>
+          </p:cNvPr>
+          <p:cNvPicPr>
+            <a:picLocks noGrp="1" noChangeAspect="1"/>
+          </p:cNvPicPr>
+          <p:nvPr>
+            <p:ph idx="4294967295"/>
+          </p:nvPr>
+        </p:nvPicPr>
+        <p:blipFill>
+          <a:blip r:embed="rId2" cstate="print">
+            <a:extLst>
+              <a:ext uri="{28A0092B-C50C-407E-A947-70E740481C1C}">
+                <a14:useLocalDpi xmlns:a14="http://schemas.microsoft.com/office/drawing/2010/main" val="0"/>
+              </a:ext>
+            </a:extLst>
+          </a:blip>
+          <a:stretch>
+            <a:fillRect/>
+          </a:stretch>
+        </p:blipFill>
+        <p:spPr>
+          <a:xfrm>
+            <a:off x="4583695" y="1393371"/>
+            <a:ext cx="6760498" cy="4512633"/>
+          </a:xfrm>
+          <a:prstGeom prst="rect">
+            <a:avLst/>
+          </a:prstGeom>
+        </p:spPr>
+      </p:pic>
+    </p:spTree>
+    <p:extLst>
+      <p:ext uri="{BB962C8B-B14F-4D97-AF65-F5344CB8AC3E}">
+        <p14:creationId xmlns:p14="http://schemas.microsoft.com/office/powerpoint/2010/main" val="1745453311"/>
       </p:ext>
     </p:extLst>
   </p:cSld>

--- a/Material/JP-Project-Presentation-Template.pptx
+++ b/Material/JP-Project-Presentation-Template.pptx
@@ -8,7 +8,7 @@
     <p:sldId id="258" r:id="rId2"/>
     <p:sldId id="257" r:id="rId3"/>
     <p:sldId id="259" r:id="rId4"/>
-    <p:sldId id="261" r:id="rId5"/>
+    <p:sldId id="269" r:id="rId5"/>
     <p:sldId id="263" r:id="rId6"/>
     <p:sldId id="260" r:id="rId7"/>
     <p:sldId id="264" r:id="rId8"/>
@@ -1014,13 +1014,13 @@
         <a:p>
           <a:r>
             <a:rPr lang="en-US" dirty="0" smtClean="0"/>
-            <a:t>Buy New</a:t>
+            <a:t>Multi Role</a:t>
           </a:r>
         </a:p>
         <a:p>
           <a:r>
             <a:rPr lang="en-US" dirty="0" smtClean="0"/>
-            <a:t>Policy</a:t>
+            <a:t>Authentication</a:t>
           </a:r>
           <a:endParaRPr lang="en-US" dirty="0"/>
         </a:p>
@@ -1057,7 +1057,7 @@
         <a:p>
           <a:r>
             <a:rPr lang="en-US" dirty="0" smtClean="0"/>
-            <a:t>View policy </a:t>
+            <a:t>Real time User Name Validation	</a:t>
           </a:r>
           <a:endParaRPr lang="en-US" dirty="0"/>
         </a:p>
@@ -1085,43 +1085,6 @@
         </a:p>
       </dgm:t>
     </dgm:pt>
-    <dgm:pt modelId="{779B84F6-4D08-4CD4-B405-3CBEC0B76463}">
-      <dgm:prSet/>
-      <dgm:spPr/>
-      <dgm:t>
-        <a:bodyPr/>
-        <a:lstStyle/>
-        <a:p>
-          <a:r>
-            <a:rPr lang="en-US" dirty="0" smtClean="0"/>
-            <a:t>Raise Query</a:t>
-          </a:r>
-          <a:endParaRPr lang="en-US" dirty="0"/>
-        </a:p>
-      </dgm:t>
-    </dgm:pt>
-    <dgm:pt modelId="{B8C7C023-6B19-48FA-8D65-A11D157E152F}" type="parTrans" cxnId="{2FC287AE-37CA-4EB7-97B8-ECC49E794A92}">
-      <dgm:prSet/>
-      <dgm:spPr/>
-      <dgm:t>
-        <a:bodyPr/>
-        <a:lstStyle/>
-        <a:p>
-          <a:endParaRPr lang="en-US"/>
-        </a:p>
-      </dgm:t>
-    </dgm:pt>
-    <dgm:pt modelId="{23AAF287-7DB5-4543-B322-1118B1FA6B8B}" type="sibTrans" cxnId="{2FC287AE-37CA-4EB7-97B8-ECC49E794A92}">
-      <dgm:prSet/>
-      <dgm:spPr/>
-      <dgm:t>
-        <a:bodyPr/>
-        <a:lstStyle/>
-        <a:p>
-          <a:endParaRPr lang="en-US"/>
-        </a:p>
-      </dgm:t>
-    </dgm:pt>
     <dgm:pt modelId="{9EAD06F8-FABE-43D5-919E-A10C347A0BB3}">
       <dgm:prSet/>
       <dgm:spPr/>
@@ -1131,7 +1094,7 @@
         <a:p>
           <a:r>
             <a:rPr lang="en-US" dirty="0" smtClean="0"/>
-            <a:t>View Query</a:t>
+            <a:t>Multi-Page form Submission</a:t>
           </a:r>
           <a:endParaRPr lang="en-US" dirty="0"/>
         </a:p>
@@ -1168,7 +1131,7 @@
         <a:p>
           <a:r>
             <a:rPr lang="en-US" dirty="0" smtClean="0"/>
-            <a:t>Respond to Query</a:t>
+            <a:t>Multiple Menu Display</a:t>
           </a:r>
           <a:endParaRPr lang="en-US" dirty="0"/>
         </a:p>
@@ -1205,7 +1168,7 @@
         <a:p>
           <a:r>
             <a:rPr lang="en-US" dirty="0" smtClean="0"/>
-            <a:t>View Quote	</a:t>
+            <a:t>Client –Side Validation</a:t>
           </a:r>
           <a:endParaRPr lang="en-US" dirty="0"/>
         </a:p>
@@ -1242,7 +1205,11 @@
         <a:p>
           <a:r>
             <a:rPr lang="en-US" dirty="0" smtClean="0"/>
-            <a:t>Role based feature</a:t>
+            <a:t>Role based </a:t>
+          </a:r>
+          <a:r>
+            <a:rPr lang="en-US" dirty="0" smtClean="0"/>
+            <a:t>feature</a:t>
           </a:r>
           <a:endParaRPr lang="en-US" dirty="0"/>
         </a:p>
@@ -1270,7 +1237,7 @@
         </a:p>
       </dgm:t>
     </dgm:pt>
-    <dgm:pt modelId="{46DC3184-006E-48A5-931B-1A6D11BCFD22}">
+    <dgm:pt modelId="{FF72C88A-278C-4B02-B8C4-671CCB385E6D}">
       <dgm:prSet/>
       <dgm:spPr/>
       <dgm:t>
@@ -1278,14 +1245,14 @@
         <a:lstStyle/>
         <a:p>
           <a:r>
-            <a:rPr lang="en-US" dirty="0" smtClean="0"/>
-            <a:t>Claim</a:t>
+            <a:rPr lang="en-US" smtClean="0"/>
+            <a:t>Web Storage</a:t>
           </a:r>
           <a:endParaRPr lang="en-US" dirty="0"/>
         </a:p>
       </dgm:t>
     </dgm:pt>
-    <dgm:pt modelId="{800B1DA6-E99C-47EA-A2DA-F8915A07042B}" type="parTrans" cxnId="{C23A6662-D41A-42D1-940D-1AC5C1868C19}">
+    <dgm:pt modelId="{4D174A56-0E4C-4DCA-B58A-555092290D38}" type="parTrans" cxnId="{FA2D341D-3FBD-4444-A83C-82BB09121398}">
       <dgm:prSet/>
       <dgm:spPr/>
       <dgm:t>
@@ -1296,44 +1263,7 @@
         </a:p>
       </dgm:t>
     </dgm:pt>
-    <dgm:pt modelId="{A371802C-393B-4811-BCEF-EE1AFDFF244B}" type="sibTrans" cxnId="{C23A6662-D41A-42D1-940D-1AC5C1868C19}">
-      <dgm:prSet/>
-      <dgm:spPr/>
-      <dgm:t>
-        <a:bodyPr/>
-        <a:lstStyle/>
-        <a:p>
-          <a:endParaRPr lang="en-US"/>
-        </a:p>
-      </dgm:t>
-    </dgm:pt>
-    <dgm:pt modelId="{E74D1812-5660-4F93-97AD-35A104ED8F5C}">
-      <dgm:prSet/>
-      <dgm:spPr/>
-      <dgm:t>
-        <a:bodyPr/>
-        <a:lstStyle/>
-        <a:p>
-          <a:r>
-            <a:rPr lang="en-US" dirty="0" smtClean="0"/>
-            <a:t>Renew Policy</a:t>
-          </a:r>
-          <a:endParaRPr lang="en-US" dirty="0"/>
-        </a:p>
-      </dgm:t>
-    </dgm:pt>
-    <dgm:pt modelId="{60D463AC-5031-4A2F-9999-AEC8B3AA1A01}" type="sibTrans" cxnId="{FF5C2F0C-24C6-48D4-9878-B1A55812749B}">
-      <dgm:prSet/>
-      <dgm:spPr/>
-      <dgm:t>
-        <a:bodyPr/>
-        <a:lstStyle/>
-        <a:p>
-          <a:endParaRPr lang="en-US"/>
-        </a:p>
-      </dgm:t>
-    </dgm:pt>
-    <dgm:pt modelId="{09CF62A9-4587-42CC-9DFC-E38532C55D1B}" type="parTrans" cxnId="{FF5C2F0C-24C6-48D4-9878-B1A55812749B}">
+    <dgm:pt modelId="{E033CE26-BA6D-4176-B886-530EF8A74512}" type="sibTrans" cxnId="{FA2D341D-3FBD-4444-A83C-82BB09121398}">
       <dgm:prSet/>
       <dgm:spPr/>
       <dgm:t>
@@ -1361,7 +1291,7 @@
       </dgm:t>
     </dgm:pt>
     <dgm:pt modelId="{C37E75A9-0717-4F97-B20A-B6B672615744}" type="pres">
-      <dgm:prSet presAssocID="{0FC1267D-774B-4178-91D0-53287F02507D}" presName="node" presStyleLbl="node1" presStyleIdx="0" presStyleCnt="9">
+      <dgm:prSet presAssocID="{0FC1267D-774B-4178-91D0-53287F02507D}" presName="node" presStyleLbl="node1" presStyleIdx="0" presStyleCnt="7">
         <dgm:presLayoutVars>
           <dgm:bulletEnabled val="1"/>
         </dgm:presLayoutVars>
@@ -1380,7 +1310,7 @@
       <dgm:spPr/>
     </dgm:pt>
     <dgm:pt modelId="{4104FE28-4C24-4F96-9F09-CF22C7929C2E}" type="pres">
-      <dgm:prSet presAssocID="{6C9D3587-1DD3-4CC3-9F6C-75EAF8711D10}" presName="node" presStyleLbl="node1" presStyleIdx="1" presStyleCnt="9">
+      <dgm:prSet presAssocID="{6C9D3587-1DD3-4CC3-9F6C-75EAF8711D10}" presName="node" presStyleLbl="node1" presStyleIdx="1" presStyleCnt="7">
         <dgm:presLayoutVars>
           <dgm:bulletEnabled val="1"/>
         </dgm:presLayoutVars>
@@ -1398,46 +1328,8 @@
       <dgm:prSet presAssocID="{C54FE8BE-2C70-4D85-9DDE-FCBBBCDBC5A3}" presName="sibTrans" presStyleCnt="0"/>
       <dgm:spPr/>
     </dgm:pt>
-    <dgm:pt modelId="{C2DAFC14-2F54-4DF2-ADD9-B89D5EFF836B}" type="pres">
-      <dgm:prSet presAssocID="{E74D1812-5660-4F93-97AD-35A104ED8F5C}" presName="node" presStyleLbl="node1" presStyleIdx="2" presStyleCnt="9">
-        <dgm:presLayoutVars>
-          <dgm:bulletEnabled val="1"/>
-        </dgm:presLayoutVars>
-      </dgm:prSet>
-      <dgm:spPr/>
-      <dgm:t>
-        <a:bodyPr/>
-        <a:lstStyle/>
-        <a:p>
-          <a:endParaRPr lang="en-US"/>
-        </a:p>
-      </dgm:t>
-    </dgm:pt>
-    <dgm:pt modelId="{B0FC6150-7871-48BD-8379-776058563598}" type="pres">
-      <dgm:prSet presAssocID="{60D463AC-5031-4A2F-9999-AEC8B3AA1A01}" presName="sibTrans" presStyleCnt="0"/>
-      <dgm:spPr/>
-    </dgm:pt>
-    <dgm:pt modelId="{520DD30E-9F5B-4C4A-A5DC-0DF78E4FBA26}" type="pres">
-      <dgm:prSet presAssocID="{779B84F6-4D08-4CD4-B405-3CBEC0B76463}" presName="node" presStyleLbl="node1" presStyleIdx="3" presStyleCnt="9">
-        <dgm:presLayoutVars>
-          <dgm:bulletEnabled val="1"/>
-        </dgm:presLayoutVars>
-      </dgm:prSet>
-      <dgm:spPr/>
-      <dgm:t>
-        <a:bodyPr/>
-        <a:lstStyle/>
-        <a:p>
-          <a:endParaRPr lang="en-US"/>
-        </a:p>
-      </dgm:t>
-    </dgm:pt>
-    <dgm:pt modelId="{48F0288F-568A-478A-953B-B2CD8E367952}" type="pres">
-      <dgm:prSet presAssocID="{23AAF287-7DB5-4543-B322-1118B1FA6B8B}" presName="sibTrans" presStyleCnt="0"/>
-      <dgm:spPr/>
-    </dgm:pt>
     <dgm:pt modelId="{1C4681E6-90A5-43A5-AF1D-054F12F18D4F}" type="pres">
-      <dgm:prSet presAssocID="{9EAD06F8-FABE-43D5-919E-A10C347A0BB3}" presName="node" presStyleLbl="node1" presStyleIdx="4" presStyleCnt="9">
+      <dgm:prSet presAssocID="{9EAD06F8-FABE-43D5-919E-A10C347A0BB3}" presName="node" presStyleLbl="node1" presStyleIdx="2" presStyleCnt="7">
         <dgm:presLayoutVars>
           <dgm:bulletEnabled val="1"/>
         </dgm:presLayoutVars>
@@ -1456,7 +1348,7 @@
       <dgm:spPr/>
     </dgm:pt>
     <dgm:pt modelId="{DEA41B82-6E90-4349-AD1B-B9B98F11E069}" type="pres">
-      <dgm:prSet presAssocID="{BD4F5DE4-1CB7-4AE6-9F54-C8E00A659DFE}" presName="node" presStyleLbl="node1" presStyleIdx="5" presStyleCnt="9">
+      <dgm:prSet presAssocID="{BD4F5DE4-1CB7-4AE6-9F54-C8E00A659DFE}" presName="node" presStyleLbl="node1" presStyleIdx="3" presStyleCnt="7">
         <dgm:presLayoutVars>
           <dgm:bulletEnabled val="1"/>
         </dgm:presLayoutVars>
@@ -1475,7 +1367,7 @@
       <dgm:spPr/>
     </dgm:pt>
     <dgm:pt modelId="{04506B76-3E30-4CD8-8F67-F8597089510D}" type="pres">
-      <dgm:prSet presAssocID="{65D476E5-9F40-4D58-8999-B602D1EC245E}" presName="node" presStyleLbl="node1" presStyleIdx="6" presStyleCnt="9">
+      <dgm:prSet presAssocID="{65D476E5-9F40-4D58-8999-B602D1EC245E}" presName="node" presStyleLbl="node1" presStyleIdx="4" presStyleCnt="7">
         <dgm:presLayoutVars>
           <dgm:bulletEnabled val="1"/>
         </dgm:presLayoutVars>
@@ -1494,7 +1386,7 @@
       <dgm:spPr/>
     </dgm:pt>
     <dgm:pt modelId="{F2CA87C4-7BF9-425D-90B0-5D45FDABD5BF}" type="pres">
-      <dgm:prSet presAssocID="{36FE9671-A017-4AF2-97BD-13559F0DD70F}" presName="node" presStyleLbl="node1" presStyleIdx="7" presStyleCnt="9">
+      <dgm:prSet presAssocID="{36FE9671-A017-4AF2-97BD-13559F0DD70F}" presName="node" presStyleLbl="node1" presStyleIdx="5" presStyleCnt="7">
         <dgm:presLayoutVars>
           <dgm:bulletEnabled val="1"/>
         </dgm:presLayoutVars>
@@ -1512,8 +1404,8 @@
       <dgm:prSet presAssocID="{4D0BE685-6BD1-4D53-9C4B-E9A2CA16ED31}" presName="sibTrans" presStyleCnt="0"/>
       <dgm:spPr/>
     </dgm:pt>
-    <dgm:pt modelId="{07FBD5E6-530E-4CB0-A1D6-755E1DF372B8}" type="pres">
-      <dgm:prSet presAssocID="{46DC3184-006E-48A5-931B-1A6D11BCFD22}" presName="node" presStyleLbl="node1" presStyleIdx="8" presStyleCnt="9">
+    <dgm:pt modelId="{9097EFDA-6B41-4DB3-8DA3-85A51251F419}" type="pres">
+      <dgm:prSet presAssocID="{FF72C88A-278C-4B02-B8C4-671CCB385E6D}" presName="node" presStyleLbl="node1" presStyleIdx="6" presStyleCnt="7">
         <dgm:presLayoutVars>
           <dgm:bulletEnabled val="1"/>
         </dgm:presLayoutVars>
@@ -1530,41 +1422,33 @@
   </dgm:ptLst>
   <dgm:cxnLst>
     <dgm:cxn modelId="{82ECDEF1-1700-4CA2-B2F8-ADE186F097C4}" type="presOf" srcId="{BD4F5DE4-1CB7-4AE6-9F54-C8E00A659DFE}" destId="{DEA41B82-6E90-4349-AD1B-B9B98F11E069}" srcOrd="0" destOrd="0" presId="urn:microsoft.com/office/officeart/2005/8/layout/default"/>
-    <dgm:cxn modelId="{2FC287AE-37CA-4EB7-97B8-ECC49E794A92}" srcId="{DA7D0D47-941A-4E90-A8C9-1BC23F98B0E9}" destId="{779B84F6-4D08-4CD4-B405-3CBEC0B76463}" srcOrd="3" destOrd="0" parTransId="{B8C7C023-6B19-48FA-8D65-A11D157E152F}" sibTransId="{23AAF287-7DB5-4543-B322-1118B1FA6B8B}"/>
     <dgm:cxn modelId="{C2A799F9-0F93-49DD-9204-07AD1013C847}" type="presOf" srcId="{65D476E5-9F40-4D58-8999-B602D1EC245E}" destId="{04506B76-3E30-4CD8-8F67-F8597089510D}" srcOrd="0" destOrd="0" presId="urn:microsoft.com/office/officeart/2005/8/layout/default"/>
-    <dgm:cxn modelId="{3CDEA188-1D21-4720-9EC9-E6E5DEA491E2}" type="presOf" srcId="{E74D1812-5660-4F93-97AD-35A104ED8F5C}" destId="{C2DAFC14-2F54-4DF2-ADD9-B89D5EFF836B}" srcOrd="0" destOrd="0" presId="urn:microsoft.com/office/officeart/2005/8/layout/default"/>
-    <dgm:cxn modelId="{34CFF7DB-4555-44FC-A17A-55485E055DA1}" type="presOf" srcId="{779B84F6-4D08-4CD4-B405-3CBEC0B76463}" destId="{520DD30E-9F5B-4C4A-A5DC-0DF78E4FBA26}" srcOrd="0" destOrd="0" presId="urn:microsoft.com/office/officeart/2005/8/layout/default"/>
-    <dgm:cxn modelId="{44D4DA36-C897-4957-9374-27460A6A7401}" type="presOf" srcId="{46DC3184-006E-48A5-931B-1A6D11BCFD22}" destId="{07FBD5E6-530E-4CB0-A1D6-755E1DF372B8}" srcOrd="0" destOrd="0" presId="urn:microsoft.com/office/officeart/2005/8/layout/default"/>
-    <dgm:cxn modelId="{5DBF5A53-DEF5-4776-9774-5595AB746EE0}" srcId="{DA7D0D47-941A-4E90-A8C9-1BC23F98B0E9}" destId="{9EAD06F8-FABE-43D5-919E-A10C347A0BB3}" srcOrd="4" destOrd="0" parTransId="{11B47052-1EE3-40F8-A745-F978F529D30A}" sibTransId="{DEA2219B-A436-4D5F-87CE-C26D3B3FCD7A}"/>
-    <dgm:cxn modelId="{FF5C2F0C-24C6-48D4-9878-B1A55812749B}" srcId="{DA7D0D47-941A-4E90-A8C9-1BC23F98B0E9}" destId="{E74D1812-5660-4F93-97AD-35A104ED8F5C}" srcOrd="2" destOrd="0" parTransId="{09CF62A9-4587-42CC-9DFC-E38532C55D1B}" sibTransId="{60D463AC-5031-4A2F-9999-AEC8B3AA1A01}"/>
+    <dgm:cxn modelId="{5DBF5A53-DEF5-4776-9774-5595AB746EE0}" srcId="{DA7D0D47-941A-4E90-A8C9-1BC23F98B0E9}" destId="{9EAD06F8-FABE-43D5-919E-A10C347A0BB3}" srcOrd="2" destOrd="0" parTransId="{11B47052-1EE3-40F8-A745-F978F529D30A}" sibTransId="{DEA2219B-A436-4D5F-87CE-C26D3B3FCD7A}"/>
     <dgm:cxn modelId="{72A2290D-34F4-4EE1-8F2A-97C6BDE56382}" type="presOf" srcId="{DA7D0D47-941A-4E90-A8C9-1BC23F98B0E9}" destId="{1905D24B-D380-4979-986A-4CC763A3ABBA}" srcOrd="0" destOrd="0" presId="urn:microsoft.com/office/officeart/2005/8/layout/default"/>
-    <dgm:cxn modelId="{3B53D00B-7A41-4E41-89A3-CE90BEF64EEC}" srcId="{DA7D0D47-941A-4E90-A8C9-1BC23F98B0E9}" destId="{65D476E5-9F40-4D58-8999-B602D1EC245E}" srcOrd="6" destOrd="0" parTransId="{9319B468-6782-45A8-9D6B-2194444F47B2}" sibTransId="{6D559A66-CECD-4E3B-ABB9-E739F0E85395}"/>
+    <dgm:cxn modelId="{3B53D00B-7A41-4E41-89A3-CE90BEF64EEC}" srcId="{DA7D0D47-941A-4E90-A8C9-1BC23F98B0E9}" destId="{65D476E5-9F40-4D58-8999-B602D1EC245E}" srcOrd="4" destOrd="0" parTransId="{9319B468-6782-45A8-9D6B-2194444F47B2}" sibTransId="{6D559A66-CECD-4E3B-ABB9-E739F0E85395}"/>
+    <dgm:cxn modelId="{F6C34E44-E994-48D1-810D-8B52EF157C29}" type="presOf" srcId="{FF72C88A-278C-4B02-B8C4-671CCB385E6D}" destId="{9097EFDA-6B41-4DB3-8DA3-85A51251F419}" srcOrd="0" destOrd="0" presId="urn:microsoft.com/office/officeart/2005/8/layout/default"/>
     <dgm:cxn modelId="{D8FBF167-0BE6-46B1-B1AC-B89EF22040F0}" type="presOf" srcId="{9EAD06F8-FABE-43D5-919E-A10C347A0BB3}" destId="{1C4681E6-90A5-43A5-AF1D-054F12F18D4F}" srcOrd="0" destOrd="0" presId="urn:microsoft.com/office/officeart/2005/8/layout/default"/>
     <dgm:cxn modelId="{783DEDDE-6C64-41C9-B049-2E5EBFAB05FE}" type="presOf" srcId="{6C9D3587-1DD3-4CC3-9F6C-75EAF8711D10}" destId="{4104FE28-4C24-4F96-9F09-CF22C7929C2E}" srcOrd="0" destOrd="0" presId="urn:microsoft.com/office/officeart/2005/8/layout/default"/>
     <dgm:cxn modelId="{28B5B00C-93BF-4CDE-BB2B-3156F485DAA3}" srcId="{DA7D0D47-941A-4E90-A8C9-1BC23F98B0E9}" destId="{6C9D3587-1DD3-4CC3-9F6C-75EAF8711D10}" srcOrd="1" destOrd="0" parTransId="{306DA544-AE38-424C-B452-E75542B6930A}" sibTransId="{C54FE8BE-2C70-4D85-9DDE-FCBBBCDBC5A3}"/>
     <dgm:cxn modelId="{FED695FB-F8DE-4520-9C2B-8EECF8651598}" type="presOf" srcId="{0FC1267D-774B-4178-91D0-53287F02507D}" destId="{C37E75A9-0717-4F97-B20A-B6B672615744}" srcOrd="0" destOrd="0" presId="urn:microsoft.com/office/officeart/2005/8/layout/default"/>
-    <dgm:cxn modelId="{99E565EA-907E-4C33-ACAF-89EE466F63C0}" srcId="{DA7D0D47-941A-4E90-A8C9-1BC23F98B0E9}" destId="{BD4F5DE4-1CB7-4AE6-9F54-C8E00A659DFE}" srcOrd="5" destOrd="0" parTransId="{2D4B59F1-2499-4514-AF91-E94D60EF9B21}" sibTransId="{1F75260A-6106-4F94-9F12-8611EF55389F}"/>
+    <dgm:cxn modelId="{99E565EA-907E-4C33-ACAF-89EE466F63C0}" srcId="{DA7D0D47-941A-4E90-A8C9-1BC23F98B0E9}" destId="{BD4F5DE4-1CB7-4AE6-9F54-C8E00A659DFE}" srcOrd="3" destOrd="0" parTransId="{2D4B59F1-2499-4514-AF91-E94D60EF9B21}" sibTransId="{1F75260A-6106-4F94-9F12-8611EF55389F}"/>
     <dgm:cxn modelId="{835FBE2C-B697-4F57-86A2-E3CC14651C1A}" type="presOf" srcId="{36FE9671-A017-4AF2-97BD-13559F0DD70F}" destId="{F2CA87C4-7BF9-425D-90B0-5D45FDABD5BF}" srcOrd="0" destOrd="0" presId="urn:microsoft.com/office/officeart/2005/8/layout/default"/>
     <dgm:cxn modelId="{545173DF-3F81-40B1-9D9D-55A5C269E023}" srcId="{DA7D0D47-941A-4E90-A8C9-1BC23F98B0E9}" destId="{0FC1267D-774B-4178-91D0-53287F02507D}" srcOrd="0" destOrd="0" parTransId="{D86E059E-3AB6-428A-9B79-1722D1B6EF62}" sibTransId="{9296892A-5C46-4167-B5DE-6B34F30DE6DF}"/>
-    <dgm:cxn modelId="{C23A6662-D41A-42D1-940D-1AC5C1868C19}" srcId="{DA7D0D47-941A-4E90-A8C9-1BC23F98B0E9}" destId="{46DC3184-006E-48A5-931B-1A6D11BCFD22}" srcOrd="8" destOrd="0" parTransId="{800B1DA6-E99C-47EA-A2DA-F8915A07042B}" sibTransId="{A371802C-393B-4811-BCEF-EE1AFDFF244B}"/>
-    <dgm:cxn modelId="{A08379DF-5948-4332-AFEE-638314E65472}" srcId="{DA7D0D47-941A-4E90-A8C9-1BC23F98B0E9}" destId="{36FE9671-A017-4AF2-97BD-13559F0DD70F}" srcOrd="7" destOrd="0" parTransId="{868B9A7B-4C5E-455A-8A25-CF770D50E5B3}" sibTransId="{4D0BE685-6BD1-4D53-9C4B-E9A2CA16ED31}"/>
+    <dgm:cxn modelId="{FA2D341D-3FBD-4444-A83C-82BB09121398}" srcId="{DA7D0D47-941A-4E90-A8C9-1BC23F98B0E9}" destId="{FF72C88A-278C-4B02-B8C4-671CCB385E6D}" srcOrd="6" destOrd="0" parTransId="{4D174A56-0E4C-4DCA-B58A-555092290D38}" sibTransId="{E033CE26-BA6D-4176-B886-530EF8A74512}"/>
+    <dgm:cxn modelId="{A08379DF-5948-4332-AFEE-638314E65472}" srcId="{DA7D0D47-941A-4E90-A8C9-1BC23F98B0E9}" destId="{36FE9671-A017-4AF2-97BD-13559F0DD70F}" srcOrd="5" destOrd="0" parTransId="{868B9A7B-4C5E-455A-8A25-CF770D50E5B3}" sibTransId="{4D0BE685-6BD1-4D53-9C4B-E9A2CA16ED31}"/>
     <dgm:cxn modelId="{0979B354-14CA-4FCC-9046-1F7399A57060}" type="presParOf" srcId="{1905D24B-D380-4979-986A-4CC763A3ABBA}" destId="{C37E75A9-0717-4F97-B20A-B6B672615744}" srcOrd="0" destOrd="0" presId="urn:microsoft.com/office/officeart/2005/8/layout/default"/>
     <dgm:cxn modelId="{93C36435-5953-4F0F-A09F-978B1AFD538A}" type="presParOf" srcId="{1905D24B-D380-4979-986A-4CC763A3ABBA}" destId="{8352C673-ED4A-449F-90F9-F24FD8C0ABDC}" srcOrd="1" destOrd="0" presId="urn:microsoft.com/office/officeart/2005/8/layout/default"/>
     <dgm:cxn modelId="{DDB4372C-8BB4-4294-A5EA-E65E8732BB2C}" type="presParOf" srcId="{1905D24B-D380-4979-986A-4CC763A3ABBA}" destId="{4104FE28-4C24-4F96-9F09-CF22C7929C2E}" srcOrd="2" destOrd="0" presId="urn:microsoft.com/office/officeart/2005/8/layout/default"/>
     <dgm:cxn modelId="{964C5A11-9479-489E-836A-80656A30A815}" type="presParOf" srcId="{1905D24B-D380-4979-986A-4CC763A3ABBA}" destId="{EE602C76-0FB4-480D-BB07-7F7772DB9BC4}" srcOrd="3" destOrd="0" presId="urn:microsoft.com/office/officeart/2005/8/layout/default"/>
-    <dgm:cxn modelId="{EB633926-3FC8-4FF5-A429-01391A3CF5F6}" type="presParOf" srcId="{1905D24B-D380-4979-986A-4CC763A3ABBA}" destId="{C2DAFC14-2F54-4DF2-ADD9-B89D5EFF836B}" srcOrd="4" destOrd="0" presId="urn:microsoft.com/office/officeart/2005/8/layout/default"/>
-    <dgm:cxn modelId="{B1CFBCFF-3809-4F0B-AEC5-10DC7B84C5FC}" type="presParOf" srcId="{1905D24B-D380-4979-986A-4CC763A3ABBA}" destId="{B0FC6150-7871-48BD-8379-776058563598}" srcOrd="5" destOrd="0" presId="urn:microsoft.com/office/officeart/2005/8/layout/default"/>
-    <dgm:cxn modelId="{FE952AD2-EBA2-4830-BEF7-B682A382948F}" type="presParOf" srcId="{1905D24B-D380-4979-986A-4CC763A3ABBA}" destId="{520DD30E-9F5B-4C4A-A5DC-0DF78E4FBA26}" srcOrd="6" destOrd="0" presId="urn:microsoft.com/office/officeart/2005/8/layout/default"/>
-    <dgm:cxn modelId="{7A207D38-5A53-4BC7-A4BA-1938462D0D73}" type="presParOf" srcId="{1905D24B-D380-4979-986A-4CC763A3ABBA}" destId="{48F0288F-568A-478A-953B-B2CD8E367952}" srcOrd="7" destOrd="0" presId="urn:microsoft.com/office/officeart/2005/8/layout/default"/>
-    <dgm:cxn modelId="{5D010112-5FC8-4B7A-B071-F1E72A08DFCD}" type="presParOf" srcId="{1905D24B-D380-4979-986A-4CC763A3ABBA}" destId="{1C4681E6-90A5-43A5-AF1D-054F12F18D4F}" srcOrd="8" destOrd="0" presId="urn:microsoft.com/office/officeart/2005/8/layout/default"/>
-    <dgm:cxn modelId="{48AAEA3F-3147-4F00-AF6F-EB4A9E4FAF36}" type="presParOf" srcId="{1905D24B-D380-4979-986A-4CC763A3ABBA}" destId="{862E3471-0FE7-49B9-AA4E-55C70D4D5C34}" srcOrd="9" destOrd="0" presId="urn:microsoft.com/office/officeart/2005/8/layout/default"/>
-    <dgm:cxn modelId="{F039EF32-FEAD-482F-8111-9700C322E776}" type="presParOf" srcId="{1905D24B-D380-4979-986A-4CC763A3ABBA}" destId="{DEA41B82-6E90-4349-AD1B-B9B98F11E069}" srcOrd="10" destOrd="0" presId="urn:microsoft.com/office/officeart/2005/8/layout/default"/>
-    <dgm:cxn modelId="{8B4E7A00-9169-401E-9543-07B52186794B}" type="presParOf" srcId="{1905D24B-D380-4979-986A-4CC763A3ABBA}" destId="{55C78CCE-1119-4DCA-A332-4C69EFE995F6}" srcOrd="11" destOrd="0" presId="urn:microsoft.com/office/officeart/2005/8/layout/default"/>
-    <dgm:cxn modelId="{473BDC03-8464-4C93-B77C-402F756FC01D}" type="presParOf" srcId="{1905D24B-D380-4979-986A-4CC763A3ABBA}" destId="{04506B76-3E30-4CD8-8F67-F8597089510D}" srcOrd="12" destOrd="0" presId="urn:microsoft.com/office/officeart/2005/8/layout/default"/>
-    <dgm:cxn modelId="{0E122081-CD2C-4008-AD14-203E300F2C82}" type="presParOf" srcId="{1905D24B-D380-4979-986A-4CC763A3ABBA}" destId="{74AAAEF3-ECA8-42FF-B263-A626BFD517C0}" srcOrd="13" destOrd="0" presId="urn:microsoft.com/office/officeart/2005/8/layout/default"/>
-    <dgm:cxn modelId="{B32F7B8D-55C4-4FA8-B8B3-D6C7ABADEBBD}" type="presParOf" srcId="{1905D24B-D380-4979-986A-4CC763A3ABBA}" destId="{F2CA87C4-7BF9-425D-90B0-5D45FDABD5BF}" srcOrd="14" destOrd="0" presId="urn:microsoft.com/office/officeart/2005/8/layout/default"/>
-    <dgm:cxn modelId="{19364D16-9A24-4C27-8525-E507C0C0DFC0}" type="presParOf" srcId="{1905D24B-D380-4979-986A-4CC763A3ABBA}" destId="{4DA554F3-6B5F-42AD-8B24-0E04E3CA08F8}" srcOrd="15" destOrd="0" presId="urn:microsoft.com/office/officeart/2005/8/layout/default"/>
-    <dgm:cxn modelId="{26C0643E-5796-45A0-A523-D6750C6E0963}" type="presParOf" srcId="{1905D24B-D380-4979-986A-4CC763A3ABBA}" destId="{07FBD5E6-530E-4CB0-A1D6-755E1DF372B8}" srcOrd="16" destOrd="0" presId="urn:microsoft.com/office/officeart/2005/8/layout/default"/>
+    <dgm:cxn modelId="{5D010112-5FC8-4B7A-B071-F1E72A08DFCD}" type="presParOf" srcId="{1905D24B-D380-4979-986A-4CC763A3ABBA}" destId="{1C4681E6-90A5-43A5-AF1D-054F12F18D4F}" srcOrd="4" destOrd="0" presId="urn:microsoft.com/office/officeart/2005/8/layout/default"/>
+    <dgm:cxn modelId="{48AAEA3F-3147-4F00-AF6F-EB4A9E4FAF36}" type="presParOf" srcId="{1905D24B-D380-4979-986A-4CC763A3ABBA}" destId="{862E3471-0FE7-49B9-AA4E-55C70D4D5C34}" srcOrd="5" destOrd="0" presId="urn:microsoft.com/office/officeart/2005/8/layout/default"/>
+    <dgm:cxn modelId="{F039EF32-FEAD-482F-8111-9700C322E776}" type="presParOf" srcId="{1905D24B-D380-4979-986A-4CC763A3ABBA}" destId="{DEA41B82-6E90-4349-AD1B-B9B98F11E069}" srcOrd="6" destOrd="0" presId="urn:microsoft.com/office/officeart/2005/8/layout/default"/>
+    <dgm:cxn modelId="{8B4E7A00-9169-401E-9543-07B52186794B}" type="presParOf" srcId="{1905D24B-D380-4979-986A-4CC763A3ABBA}" destId="{55C78CCE-1119-4DCA-A332-4C69EFE995F6}" srcOrd="7" destOrd="0" presId="urn:microsoft.com/office/officeart/2005/8/layout/default"/>
+    <dgm:cxn modelId="{473BDC03-8464-4C93-B77C-402F756FC01D}" type="presParOf" srcId="{1905D24B-D380-4979-986A-4CC763A3ABBA}" destId="{04506B76-3E30-4CD8-8F67-F8597089510D}" srcOrd="8" destOrd="0" presId="urn:microsoft.com/office/officeart/2005/8/layout/default"/>
+    <dgm:cxn modelId="{0E122081-CD2C-4008-AD14-203E300F2C82}" type="presParOf" srcId="{1905D24B-D380-4979-986A-4CC763A3ABBA}" destId="{74AAAEF3-ECA8-42FF-B263-A626BFD517C0}" srcOrd="9" destOrd="0" presId="urn:microsoft.com/office/officeart/2005/8/layout/default"/>
+    <dgm:cxn modelId="{B32F7B8D-55C4-4FA8-B8B3-D6C7ABADEBBD}" type="presParOf" srcId="{1905D24B-D380-4979-986A-4CC763A3ABBA}" destId="{F2CA87C4-7BF9-425D-90B0-5D45FDABD5BF}" srcOrd="10" destOrd="0" presId="urn:microsoft.com/office/officeart/2005/8/layout/default"/>
+    <dgm:cxn modelId="{18F14EAB-1FA3-4FE4-9870-DE7076661181}" type="presParOf" srcId="{1905D24B-D380-4979-986A-4CC763A3ABBA}" destId="{4DA554F3-6B5F-42AD-8B24-0E04E3CA08F8}" srcOrd="11" destOrd="0" presId="urn:microsoft.com/office/officeart/2005/8/layout/default"/>
+    <dgm:cxn modelId="{26CEA7E7-5935-40AD-9D65-65AE9EC993BD}" type="presParOf" srcId="{1905D24B-D380-4979-986A-4CC763A3ABBA}" destId="{9097EFDA-6B41-4DB3-8DA3-85A51251F419}" srcOrd="12" destOrd="0" presId="urn:microsoft.com/office/officeart/2005/8/layout/default"/>
   </dgm:cxnLst>
   <dgm:bg/>
   <dgm:whole/>
@@ -1635,12 +1519,12 @@
         </a:fontRef>
       </dsp:style>
       <dsp:txBody>
-        <a:bodyPr spcFirstLastPara="0" vert="horz" wrap="square" lIns="125730" tIns="125730" rIns="125730" bIns="125730" numCol="1" spcCol="1270" anchor="ctr" anchorCtr="0">
+        <a:bodyPr spcFirstLastPara="0" vert="horz" wrap="square" lIns="91440" tIns="91440" rIns="91440" bIns="91440" numCol="1" spcCol="1270" anchor="ctr" anchorCtr="0">
           <a:noAutofit/>
         </a:bodyPr>
         <a:lstStyle/>
         <a:p>
-          <a:pPr lvl="0" algn="ctr" defTabSz="1466850">
+          <a:pPr lvl="0" algn="ctr" defTabSz="1066800">
             <a:lnSpc>
               <a:spcPct val="90000"/>
             </a:lnSpc>
@@ -1652,12 +1536,12 @@
             </a:spcAft>
           </a:pPr>
           <a:r>
-            <a:rPr lang="en-US" sz="3300" kern="1200" dirty="0" smtClean="0"/>
-            <a:t>Buy New</a:t>
+            <a:rPr lang="en-US" sz="2400" kern="1200" dirty="0" smtClean="0"/>
+            <a:t>Multi Role</a:t>
           </a:r>
         </a:p>
         <a:p>
-          <a:pPr lvl="0" algn="ctr" defTabSz="1466850">
+          <a:pPr lvl="0" algn="ctr" defTabSz="1066800">
             <a:lnSpc>
               <a:spcPct val="90000"/>
             </a:lnSpc>
@@ -1669,10 +1553,10 @@
             </a:spcAft>
           </a:pPr>
           <a:r>
-            <a:rPr lang="en-US" sz="3300" kern="1200" dirty="0" smtClean="0"/>
-            <a:t>Policy</a:t>
+            <a:rPr lang="en-US" sz="2400" kern="1200" dirty="0" smtClean="0"/>
+            <a:t>Authentication</a:t>
           </a:r>
-          <a:endParaRPr lang="en-US" sz="3300" kern="1200" dirty="0"/>
+          <a:endParaRPr lang="en-US" sz="2400" kern="1200" dirty="0"/>
         </a:p>
       </dsp:txBody>
       <dsp:txXfrm>
@@ -1696,9 +1580,9 @@
         <a:solidFill>
           <a:schemeClr val="accent1">
             <a:shade val="50000"/>
-            <a:hueOff val="173450"/>
-            <a:satOff val="-10019"/>
-            <a:lumOff val="11009"/>
+            <a:hueOff val="223007"/>
+            <a:satOff val="-12882"/>
+            <a:lumOff val="14154"/>
             <a:alphaOff val="0"/>
           </a:schemeClr>
         </a:solidFill>
@@ -1731,12 +1615,12 @@
         </a:fontRef>
       </dsp:style>
       <dsp:txBody>
-        <a:bodyPr spcFirstLastPara="0" vert="horz" wrap="square" lIns="125730" tIns="125730" rIns="125730" bIns="125730" numCol="1" spcCol="1270" anchor="ctr" anchorCtr="0">
+        <a:bodyPr spcFirstLastPara="0" vert="horz" wrap="square" lIns="91440" tIns="91440" rIns="91440" bIns="91440" numCol="1" spcCol="1270" anchor="ctr" anchorCtr="0">
           <a:noAutofit/>
         </a:bodyPr>
         <a:lstStyle/>
         <a:p>
-          <a:pPr lvl="0" algn="ctr" defTabSz="1466850">
+          <a:pPr lvl="0" algn="ctr" defTabSz="1066800">
             <a:lnSpc>
               <a:spcPct val="90000"/>
             </a:lnSpc>
@@ -1748,10 +1632,10 @@
             </a:spcAft>
           </a:pPr>
           <a:r>
-            <a:rPr lang="en-US" sz="3300" kern="1200" dirty="0" smtClean="0"/>
-            <a:t>View policy </a:t>
+            <a:rPr lang="en-US" sz="2400" kern="1200" dirty="0" smtClean="0"/>
+            <a:t>Real time User Name Validation	</a:t>
           </a:r>
-          <a:endParaRPr lang="en-US" sz="3300" kern="1200" dirty="0"/>
+          <a:endParaRPr lang="en-US" sz="2400" kern="1200" dirty="0"/>
         </a:p>
       </dsp:txBody>
       <dsp:txXfrm>
@@ -1759,7 +1643,7 @@
         <a:ext cx="2260996" cy="1356598"/>
       </dsp:txXfrm>
     </dsp:sp>
-    <dsp:sp modelId="{C2DAFC14-2F54-4DF2-ADD9-B89D5EFF836B}">
+    <dsp:sp modelId="{1C4681E6-90A5-43A5-AF1D-054F12F18D4F}">
       <dsp:nvSpPr>
         <dsp:cNvPr id="0" name=""/>
         <dsp:cNvSpPr/>
@@ -1775,9 +1659,9 @@
         <a:solidFill>
           <a:schemeClr val="accent1">
             <a:shade val="50000"/>
-            <a:hueOff val="346900"/>
-            <a:satOff val="-20038"/>
-            <a:lumOff val="22017"/>
+            <a:hueOff val="446015"/>
+            <a:satOff val="-25763"/>
+            <a:lumOff val="28308"/>
             <a:alphaOff val="0"/>
           </a:schemeClr>
         </a:solidFill>
@@ -1810,12 +1694,12 @@
         </a:fontRef>
       </dsp:style>
       <dsp:txBody>
-        <a:bodyPr spcFirstLastPara="0" vert="horz" wrap="square" lIns="125730" tIns="125730" rIns="125730" bIns="125730" numCol="1" spcCol="1270" anchor="ctr" anchorCtr="0">
+        <a:bodyPr spcFirstLastPara="0" vert="horz" wrap="square" lIns="91440" tIns="91440" rIns="91440" bIns="91440" numCol="1" spcCol="1270" anchor="ctr" anchorCtr="0">
           <a:noAutofit/>
         </a:bodyPr>
         <a:lstStyle/>
         <a:p>
-          <a:pPr lvl="0" algn="ctr" defTabSz="1466850">
+          <a:pPr lvl="0" algn="ctr" defTabSz="1066800">
             <a:lnSpc>
               <a:spcPct val="90000"/>
             </a:lnSpc>
@@ -1827,10 +1711,10 @@
             </a:spcAft>
           </a:pPr>
           <a:r>
-            <a:rPr lang="en-US" sz="3300" kern="1200" dirty="0" smtClean="0"/>
-            <a:t>Renew Policy</a:t>
+            <a:rPr lang="en-US" sz="2400" kern="1200" dirty="0" smtClean="0"/>
+            <a:t>Multi-Page form Submission</a:t>
           </a:r>
-          <a:endParaRPr lang="en-US" sz="3300" kern="1200" dirty="0"/>
+          <a:endParaRPr lang="en-US" sz="2400" kern="1200" dirty="0"/>
         </a:p>
       </dsp:txBody>
       <dsp:txXfrm>
@@ -1838,7 +1722,7 @@
         <a:ext cx="2260996" cy="1356598"/>
       </dsp:txXfrm>
     </dsp:sp>
-    <dsp:sp modelId="{520DD30E-9F5B-4C4A-A5DC-0DF78E4FBA26}">
+    <dsp:sp modelId="{DEA41B82-6E90-4349-AD1B-B9B98F11E069}">
       <dsp:nvSpPr>
         <dsp:cNvPr id="0" name=""/>
         <dsp:cNvSpPr/>
@@ -1854,9 +1738,9 @@
         <a:solidFill>
           <a:schemeClr val="accent1">
             <a:shade val="50000"/>
-            <a:hueOff val="520350"/>
-            <a:satOff val="-30057"/>
-            <a:lumOff val="33026"/>
+            <a:hueOff val="669022"/>
+            <a:satOff val="-38645"/>
+            <a:lumOff val="42462"/>
             <a:alphaOff val="0"/>
           </a:schemeClr>
         </a:solidFill>
@@ -1889,12 +1773,12 @@
         </a:fontRef>
       </dsp:style>
       <dsp:txBody>
-        <a:bodyPr spcFirstLastPara="0" vert="horz" wrap="square" lIns="125730" tIns="125730" rIns="125730" bIns="125730" numCol="1" spcCol="1270" anchor="ctr" anchorCtr="0">
+        <a:bodyPr spcFirstLastPara="0" vert="horz" wrap="square" lIns="91440" tIns="91440" rIns="91440" bIns="91440" numCol="1" spcCol="1270" anchor="ctr" anchorCtr="0">
           <a:noAutofit/>
         </a:bodyPr>
         <a:lstStyle/>
         <a:p>
-          <a:pPr lvl="0" algn="ctr" defTabSz="1466850">
+          <a:pPr lvl="0" algn="ctr" defTabSz="1066800">
             <a:lnSpc>
               <a:spcPct val="90000"/>
             </a:lnSpc>
@@ -1906,10 +1790,10 @@
             </a:spcAft>
           </a:pPr>
           <a:r>
-            <a:rPr lang="en-US" sz="3300" kern="1200" dirty="0" smtClean="0"/>
-            <a:t>Raise Query</a:t>
+            <a:rPr lang="en-US" sz="2400" kern="1200" dirty="0" smtClean="0"/>
+            <a:t>Multiple Menu Display</a:t>
           </a:r>
-          <a:endParaRPr lang="en-US" sz="3300" kern="1200" dirty="0"/>
+          <a:endParaRPr lang="en-US" sz="2400" kern="1200" dirty="0"/>
         </a:p>
       </dsp:txBody>
       <dsp:txXfrm>
@@ -1917,7 +1801,7 @@
         <a:ext cx="2260996" cy="1356598"/>
       </dsp:txXfrm>
     </dsp:sp>
-    <dsp:sp modelId="{1C4681E6-90A5-43A5-AF1D-054F12F18D4F}">
+    <dsp:sp modelId="{04506B76-3E30-4CD8-8F67-F8597089510D}">
       <dsp:nvSpPr>
         <dsp:cNvPr id="0" name=""/>
         <dsp:cNvSpPr/>
@@ -1933,9 +1817,9 @@
         <a:solidFill>
           <a:schemeClr val="accent1">
             <a:shade val="50000"/>
-            <a:hueOff val="693800"/>
-            <a:satOff val="-40076"/>
-            <a:lumOff val="44035"/>
+            <a:hueOff val="669022"/>
+            <a:satOff val="-38645"/>
+            <a:lumOff val="42462"/>
             <a:alphaOff val="0"/>
           </a:schemeClr>
         </a:solidFill>
@@ -1968,12 +1852,12 @@
         </a:fontRef>
       </dsp:style>
       <dsp:txBody>
-        <a:bodyPr spcFirstLastPara="0" vert="horz" wrap="square" lIns="125730" tIns="125730" rIns="125730" bIns="125730" numCol="1" spcCol="1270" anchor="ctr" anchorCtr="0">
+        <a:bodyPr spcFirstLastPara="0" vert="horz" wrap="square" lIns="91440" tIns="91440" rIns="91440" bIns="91440" numCol="1" spcCol="1270" anchor="ctr" anchorCtr="0">
           <a:noAutofit/>
         </a:bodyPr>
         <a:lstStyle/>
         <a:p>
-          <a:pPr lvl="0" algn="ctr" defTabSz="1466850">
+          <a:pPr lvl="0" algn="ctr" defTabSz="1066800">
             <a:lnSpc>
               <a:spcPct val="90000"/>
             </a:lnSpc>
@@ -1985,10 +1869,10 @@
             </a:spcAft>
           </a:pPr>
           <a:r>
-            <a:rPr lang="en-US" sz="3300" kern="1200" dirty="0" smtClean="0"/>
-            <a:t>View Query</a:t>
+            <a:rPr lang="en-US" sz="2400" kern="1200" dirty="0" smtClean="0"/>
+            <a:t>Client –Side Validation</a:t>
           </a:r>
-          <a:endParaRPr lang="en-US" sz="3300" kern="1200" dirty="0"/>
+          <a:endParaRPr lang="en-US" sz="2400" kern="1200" dirty="0"/>
         </a:p>
       </dsp:txBody>
       <dsp:txXfrm>
@@ -1996,7 +1880,7 @@
         <a:ext cx="2260996" cy="1356598"/>
       </dsp:txXfrm>
     </dsp:sp>
-    <dsp:sp modelId="{DEA41B82-6E90-4349-AD1B-B9B98F11E069}">
+    <dsp:sp modelId="{F2CA87C4-7BF9-425D-90B0-5D45FDABD5BF}">
       <dsp:nvSpPr>
         <dsp:cNvPr id="0" name=""/>
         <dsp:cNvSpPr/>
@@ -2012,9 +1896,9 @@
         <a:solidFill>
           <a:schemeClr val="accent1">
             <a:shade val="50000"/>
-            <a:hueOff val="693800"/>
-            <a:satOff val="-40076"/>
-            <a:lumOff val="44035"/>
+            <a:hueOff val="446015"/>
+            <a:satOff val="-25763"/>
+            <a:lumOff val="28308"/>
             <a:alphaOff val="0"/>
           </a:schemeClr>
         </a:solidFill>
@@ -2047,12 +1931,12 @@
         </a:fontRef>
       </dsp:style>
       <dsp:txBody>
-        <a:bodyPr spcFirstLastPara="0" vert="horz" wrap="square" lIns="125730" tIns="125730" rIns="125730" bIns="125730" numCol="1" spcCol="1270" anchor="ctr" anchorCtr="0">
+        <a:bodyPr spcFirstLastPara="0" vert="horz" wrap="square" lIns="91440" tIns="91440" rIns="91440" bIns="91440" numCol="1" spcCol="1270" anchor="ctr" anchorCtr="0">
           <a:noAutofit/>
         </a:bodyPr>
         <a:lstStyle/>
         <a:p>
-          <a:pPr lvl="0" algn="ctr" defTabSz="1466850">
+          <a:pPr lvl="0" algn="ctr" defTabSz="1066800">
             <a:lnSpc>
               <a:spcPct val="90000"/>
             </a:lnSpc>
@@ -2064,10 +1948,14 @@
             </a:spcAft>
           </a:pPr>
           <a:r>
-            <a:rPr lang="en-US" sz="3300" kern="1200" dirty="0" smtClean="0"/>
-            <a:t>Respond to Query</a:t>
+            <a:rPr lang="en-US" sz="2400" kern="1200" dirty="0" smtClean="0"/>
+            <a:t>Role based </a:t>
           </a:r>
-          <a:endParaRPr lang="en-US" sz="3300" kern="1200" dirty="0"/>
+          <a:r>
+            <a:rPr lang="en-US" sz="2400" kern="1200" dirty="0" smtClean="0"/>
+            <a:t>feature</a:t>
+          </a:r>
+          <a:endParaRPr lang="en-US" sz="2400" kern="1200" dirty="0"/>
         </a:p>
       </dsp:txBody>
       <dsp:txXfrm>
@@ -2075,14 +1963,14 @@
         <a:ext cx="2260996" cy="1356598"/>
       </dsp:txXfrm>
     </dsp:sp>
-    <dsp:sp modelId="{04506B76-3E30-4CD8-8F67-F8597089510D}">
+    <dsp:sp modelId="{9097EFDA-6B41-4DB3-8DA3-85A51251F419}">
       <dsp:nvSpPr>
         <dsp:cNvPr id="0" name=""/>
         <dsp:cNvSpPr/>
       </dsp:nvSpPr>
       <dsp:spPr>
         <a:xfrm>
-          <a:off x="40005" y="3166751"/>
+          <a:off x="2527101" y="3166751"/>
           <a:ext cx="2260996" cy="1356598"/>
         </a:xfrm>
         <a:prstGeom prst="rect">
@@ -2091,9 +1979,9 @@
         <a:solidFill>
           <a:schemeClr val="accent1">
             <a:shade val="50000"/>
-            <a:hueOff val="520350"/>
-            <a:satOff val="-30057"/>
-            <a:lumOff val="33026"/>
+            <a:hueOff val="223007"/>
+            <a:satOff val="-12882"/>
+            <a:lumOff val="14154"/>
             <a:alphaOff val="0"/>
           </a:schemeClr>
         </a:solidFill>
@@ -2126,12 +2014,12 @@
         </a:fontRef>
       </dsp:style>
       <dsp:txBody>
-        <a:bodyPr spcFirstLastPara="0" vert="horz" wrap="square" lIns="125730" tIns="125730" rIns="125730" bIns="125730" numCol="1" spcCol="1270" anchor="ctr" anchorCtr="0">
+        <a:bodyPr spcFirstLastPara="0" vert="horz" wrap="square" lIns="91440" tIns="91440" rIns="91440" bIns="91440" numCol="1" spcCol="1270" anchor="ctr" anchorCtr="0">
           <a:noAutofit/>
         </a:bodyPr>
         <a:lstStyle/>
         <a:p>
-          <a:pPr lvl="0" algn="ctr" defTabSz="1466850">
+          <a:pPr lvl="0" algn="ctr" defTabSz="1066800">
             <a:lnSpc>
               <a:spcPct val="90000"/>
             </a:lnSpc>
@@ -2143,172 +2031,14 @@
             </a:spcAft>
           </a:pPr>
           <a:r>
-            <a:rPr lang="en-US" sz="3300" kern="1200" dirty="0" smtClean="0"/>
-            <a:t>View Quote	</a:t>
+            <a:rPr lang="en-US" sz="2400" kern="1200" smtClean="0"/>
+            <a:t>Web Storage</a:t>
           </a:r>
-          <a:endParaRPr lang="en-US" sz="3300" kern="1200" dirty="0"/>
-        </a:p>
-      </dsp:txBody>
-      <dsp:txXfrm>
-        <a:off x="40005" y="3166751"/>
-        <a:ext cx="2260996" cy="1356598"/>
-      </dsp:txXfrm>
-    </dsp:sp>
-    <dsp:sp modelId="{F2CA87C4-7BF9-425D-90B0-5D45FDABD5BF}">
-      <dsp:nvSpPr>
-        <dsp:cNvPr id="0" name=""/>
-        <dsp:cNvSpPr/>
-      </dsp:nvSpPr>
-      <dsp:spPr>
-        <a:xfrm>
-          <a:off x="2527101" y="3166751"/>
-          <a:ext cx="2260996" cy="1356598"/>
-        </a:xfrm>
-        <a:prstGeom prst="rect">
-          <a:avLst/>
-        </a:prstGeom>
-        <a:solidFill>
-          <a:schemeClr val="accent1">
-            <a:shade val="50000"/>
-            <a:hueOff val="346900"/>
-            <a:satOff val="-20038"/>
-            <a:lumOff val="22017"/>
-            <a:alphaOff val="0"/>
-          </a:schemeClr>
-        </a:solidFill>
-        <a:ln w="19050" cap="flat" cmpd="sng" algn="ctr">
-          <a:solidFill>
-            <a:schemeClr val="lt1">
-              <a:hueOff val="0"/>
-              <a:satOff val="0"/>
-              <a:lumOff val="0"/>
-              <a:alphaOff val="0"/>
-            </a:schemeClr>
-          </a:solidFill>
-          <a:prstDash val="solid"/>
-          <a:miter lim="800000"/>
-        </a:ln>
-        <a:effectLst/>
-      </dsp:spPr>
-      <dsp:style>
-        <a:lnRef idx="3">
-          <a:scrgbClr r="0" g="0" b="0"/>
-        </a:lnRef>
-        <a:fillRef idx="1">
-          <a:scrgbClr r="0" g="0" b="0"/>
-        </a:fillRef>
-        <a:effectRef idx="1">
-          <a:scrgbClr r="0" g="0" b="0"/>
-        </a:effectRef>
-        <a:fontRef idx="minor">
-          <a:schemeClr val="lt1"/>
-        </a:fontRef>
-      </dsp:style>
-      <dsp:txBody>
-        <a:bodyPr spcFirstLastPara="0" vert="horz" wrap="square" lIns="125730" tIns="125730" rIns="125730" bIns="125730" numCol="1" spcCol="1270" anchor="ctr" anchorCtr="0">
-          <a:noAutofit/>
-        </a:bodyPr>
-        <a:lstStyle/>
-        <a:p>
-          <a:pPr lvl="0" algn="ctr" defTabSz="1466850">
-            <a:lnSpc>
-              <a:spcPct val="90000"/>
-            </a:lnSpc>
-            <a:spcBef>
-              <a:spcPct val="0"/>
-            </a:spcBef>
-            <a:spcAft>
-              <a:spcPct val="35000"/>
-            </a:spcAft>
-          </a:pPr>
-          <a:r>
-            <a:rPr lang="en-US" sz="3300" kern="1200" dirty="0" smtClean="0"/>
-            <a:t>Role based feature</a:t>
-          </a:r>
-          <a:endParaRPr lang="en-US" sz="3300" kern="1200" dirty="0"/>
+          <a:endParaRPr lang="en-US" sz="2400" kern="1200" dirty="0"/>
         </a:p>
       </dsp:txBody>
       <dsp:txXfrm>
         <a:off x="2527101" y="3166751"/>
-        <a:ext cx="2260996" cy="1356598"/>
-      </dsp:txXfrm>
-    </dsp:sp>
-    <dsp:sp modelId="{07FBD5E6-530E-4CB0-A1D6-755E1DF372B8}">
-      <dsp:nvSpPr>
-        <dsp:cNvPr id="0" name=""/>
-        <dsp:cNvSpPr/>
-      </dsp:nvSpPr>
-      <dsp:spPr>
-        <a:xfrm>
-          <a:off x="5014198" y="3166751"/>
-          <a:ext cx="2260996" cy="1356598"/>
-        </a:xfrm>
-        <a:prstGeom prst="rect">
-          <a:avLst/>
-        </a:prstGeom>
-        <a:solidFill>
-          <a:schemeClr val="accent1">
-            <a:shade val="50000"/>
-            <a:hueOff val="173450"/>
-            <a:satOff val="-10019"/>
-            <a:lumOff val="11009"/>
-            <a:alphaOff val="0"/>
-          </a:schemeClr>
-        </a:solidFill>
-        <a:ln w="19050" cap="flat" cmpd="sng" algn="ctr">
-          <a:solidFill>
-            <a:schemeClr val="lt1">
-              <a:hueOff val="0"/>
-              <a:satOff val="0"/>
-              <a:lumOff val="0"/>
-              <a:alphaOff val="0"/>
-            </a:schemeClr>
-          </a:solidFill>
-          <a:prstDash val="solid"/>
-          <a:miter lim="800000"/>
-        </a:ln>
-        <a:effectLst/>
-      </dsp:spPr>
-      <dsp:style>
-        <a:lnRef idx="3">
-          <a:scrgbClr r="0" g="0" b="0"/>
-        </a:lnRef>
-        <a:fillRef idx="1">
-          <a:scrgbClr r="0" g="0" b="0"/>
-        </a:fillRef>
-        <a:effectRef idx="1">
-          <a:scrgbClr r="0" g="0" b="0"/>
-        </a:effectRef>
-        <a:fontRef idx="minor">
-          <a:schemeClr val="lt1"/>
-        </a:fontRef>
-      </dsp:style>
-      <dsp:txBody>
-        <a:bodyPr spcFirstLastPara="0" vert="horz" wrap="square" lIns="125730" tIns="125730" rIns="125730" bIns="125730" numCol="1" spcCol="1270" anchor="ctr" anchorCtr="0">
-          <a:noAutofit/>
-        </a:bodyPr>
-        <a:lstStyle/>
-        <a:p>
-          <a:pPr lvl="0" algn="ctr" defTabSz="1466850">
-            <a:lnSpc>
-              <a:spcPct val="90000"/>
-            </a:lnSpc>
-            <a:spcBef>
-              <a:spcPct val="0"/>
-            </a:spcBef>
-            <a:spcAft>
-              <a:spcPct val="35000"/>
-            </a:spcAft>
-          </a:pPr>
-          <a:r>
-            <a:rPr lang="en-US" sz="3300" kern="1200" dirty="0" smtClean="0"/>
-            <a:t>Claim</a:t>
-          </a:r>
-          <a:endParaRPr lang="en-US" sz="3300" kern="1200" dirty="0"/>
-        </a:p>
-      </dsp:txBody>
-      <dsp:txXfrm>
-        <a:off x="5014198" y="3166751"/>
         <a:ext cx="2260996" cy="1356598"/>
       </dsp:txXfrm>
     </dsp:sp>
@@ -3519,7 +3249,7 @@
           <p:cNvPr id="2" name="Title 1">
             <a:extLst>
               <a:ext uri="{FF2B5EF4-FFF2-40B4-BE49-F238E27FC236}">
-                <a16:creationId xmlns:a16="http://schemas.microsoft.com/office/drawing/2014/main" xmlns="" id="{8644F563-5448-4EAF-8B6F-F9B570758BE0}"/>
+                <a16:creationId xmlns="" xmlns:a16="http://schemas.microsoft.com/office/drawing/2014/main" id="{8644F563-5448-4EAF-8B6F-F9B570758BE0}"/>
               </a:ext>
             </a:extLst>
           </p:cNvPr>
@@ -3556,7 +3286,7 @@
           <p:cNvPr id="3" name="Subtitle 2">
             <a:extLst>
               <a:ext uri="{FF2B5EF4-FFF2-40B4-BE49-F238E27FC236}">
-                <a16:creationId xmlns:a16="http://schemas.microsoft.com/office/drawing/2014/main" xmlns="" id="{17E12E8B-7789-400F-9794-7CF27A2AA136}"/>
+                <a16:creationId xmlns="" xmlns:a16="http://schemas.microsoft.com/office/drawing/2014/main" id="{17E12E8B-7789-400F-9794-7CF27A2AA136}"/>
               </a:ext>
             </a:extLst>
           </p:cNvPr>
@@ -3626,7 +3356,7 @@
           <p:cNvPr id="4" name="Date Placeholder 3">
             <a:extLst>
               <a:ext uri="{FF2B5EF4-FFF2-40B4-BE49-F238E27FC236}">
-                <a16:creationId xmlns:a16="http://schemas.microsoft.com/office/drawing/2014/main" xmlns="" id="{F7D26E30-F0AE-47FF-A275-42A978481391}"/>
+                <a16:creationId xmlns="" xmlns:a16="http://schemas.microsoft.com/office/drawing/2014/main" id="{F7D26E30-F0AE-47FF-A275-42A978481391}"/>
               </a:ext>
             </a:extLst>
           </p:cNvPr>
@@ -3655,7 +3385,7 @@
           <p:cNvPr id="5" name="Footer Placeholder 4">
             <a:extLst>
               <a:ext uri="{FF2B5EF4-FFF2-40B4-BE49-F238E27FC236}">
-                <a16:creationId xmlns:a16="http://schemas.microsoft.com/office/drawing/2014/main" xmlns="" id="{14509DCC-A43C-473D-BD5D-7406B17AB708}"/>
+                <a16:creationId xmlns="" xmlns:a16="http://schemas.microsoft.com/office/drawing/2014/main" id="{14509DCC-A43C-473D-BD5D-7406B17AB708}"/>
               </a:ext>
             </a:extLst>
           </p:cNvPr>
@@ -3680,7 +3410,7 @@
           <p:cNvPr id="6" name="Slide Number Placeholder 5">
             <a:extLst>
               <a:ext uri="{FF2B5EF4-FFF2-40B4-BE49-F238E27FC236}">
-                <a16:creationId xmlns:a16="http://schemas.microsoft.com/office/drawing/2014/main" xmlns="" id="{F40797F9-B52C-4F40-9C91-51A5DFF05935}"/>
+                <a16:creationId xmlns="" xmlns:a16="http://schemas.microsoft.com/office/drawing/2014/main" id="{F40797F9-B52C-4F40-9C91-51A5DFF05935}"/>
               </a:ext>
             </a:extLst>
           </p:cNvPr>
@@ -3739,7 +3469,7 @@
           <p:cNvPr id="2" name="Title 1">
             <a:extLst>
               <a:ext uri="{FF2B5EF4-FFF2-40B4-BE49-F238E27FC236}">
-                <a16:creationId xmlns:a16="http://schemas.microsoft.com/office/drawing/2014/main" xmlns="" id="{53857DE8-1BD3-42CF-81A9-0711B9CBBE13}"/>
+                <a16:creationId xmlns="" xmlns:a16="http://schemas.microsoft.com/office/drawing/2014/main" id="{53857DE8-1BD3-42CF-81A9-0711B9CBBE13}"/>
               </a:ext>
             </a:extLst>
           </p:cNvPr>
@@ -3767,7 +3497,7 @@
           <p:cNvPr id="3" name="Vertical Text Placeholder 2">
             <a:extLst>
               <a:ext uri="{FF2B5EF4-FFF2-40B4-BE49-F238E27FC236}">
-                <a16:creationId xmlns:a16="http://schemas.microsoft.com/office/drawing/2014/main" xmlns="" id="{A42E2F5B-28A3-495B-94AE-843A6D8A30D0}"/>
+                <a16:creationId xmlns="" xmlns:a16="http://schemas.microsoft.com/office/drawing/2014/main" id="{A42E2F5B-28A3-495B-94AE-843A6D8A30D0}"/>
               </a:ext>
             </a:extLst>
           </p:cNvPr>
@@ -3824,7 +3554,7 @@
           <p:cNvPr id="4" name="Date Placeholder 3">
             <a:extLst>
               <a:ext uri="{FF2B5EF4-FFF2-40B4-BE49-F238E27FC236}">
-                <a16:creationId xmlns:a16="http://schemas.microsoft.com/office/drawing/2014/main" xmlns="" id="{7511E3DC-1DD5-4713-8E4B-27B491A13B72}"/>
+                <a16:creationId xmlns="" xmlns:a16="http://schemas.microsoft.com/office/drawing/2014/main" id="{7511E3DC-1DD5-4713-8E4B-27B491A13B72}"/>
               </a:ext>
             </a:extLst>
           </p:cNvPr>
@@ -3853,7 +3583,7 @@
           <p:cNvPr id="5" name="Footer Placeholder 4">
             <a:extLst>
               <a:ext uri="{FF2B5EF4-FFF2-40B4-BE49-F238E27FC236}">
-                <a16:creationId xmlns:a16="http://schemas.microsoft.com/office/drawing/2014/main" xmlns="" id="{048B2C3D-596A-4FCE-ADA1-345245362531}"/>
+                <a16:creationId xmlns="" xmlns:a16="http://schemas.microsoft.com/office/drawing/2014/main" id="{048B2C3D-596A-4FCE-ADA1-345245362531}"/>
               </a:ext>
             </a:extLst>
           </p:cNvPr>
@@ -3878,7 +3608,7 @@
           <p:cNvPr id="6" name="Slide Number Placeholder 5">
             <a:extLst>
               <a:ext uri="{FF2B5EF4-FFF2-40B4-BE49-F238E27FC236}">
-                <a16:creationId xmlns:a16="http://schemas.microsoft.com/office/drawing/2014/main" xmlns="" id="{AA6D4FB6-FFC5-42C0-9736-CFDE228E3E6D}"/>
+                <a16:creationId xmlns="" xmlns:a16="http://schemas.microsoft.com/office/drawing/2014/main" id="{AA6D4FB6-FFC5-42C0-9736-CFDE228E3E6D}"/>
               </a:ext>
             </a:extLst>
           </p:cNvPr>
@@ -3937,7 +3667,7 @@
           <p:cNvPr id="2" name="Vertical Title 1">
             <a:extLst>
               <a:ext uri="{FF2B5EF4-FFF2-40B4-BE49-F238E27FC236}">
-                <a16:creationId xmlns:a16="http://schemas.microsoft.com/office/drawing/2014/main" xmlns="" id="{0218D389-DEF8-4742-81AD-66F291EE2608}"/>
+                <a16:creationId xmlns="" xmlns:a16="http://schemas.microsoft.com/office/drawing/2014/main" id="{0218D389-DEF8-4742-81AD-66F291EE2608}"/>
               </a:ext>
             </a:extLst>
           </p:cNvPr>
@@ -3970,7 +3700,7 @@
           <p:cNvPr id="3" name="Vertical Text Placeholder 2">
             <a:extLst>
               <a:ext uri="{FF2B5EF4-FFF2-40B4-BE49-F238E27FC236}">
-                <a16:creationId xmlns:a16="http://schemas.microsoft.com/office/drawing/2014/main" xmlns="" id="{0C6AB7D0-AA87-4D80-85B5-0E9D2CE64AB0}"/>
+                <a16:creationId xmlns="" xmlns:a16="http://schemas.microsoft.com/office/drawing/2014/main" id="{0C6AB7D0-AA87-4D80-85B5-0E9D2CE64AB0}"/>
               </a:ext>
             </a:extLst>
           </p:cNvPr>
@@ -4032,7 +3762,7 @@
           <p:cNvPr id="4" name="Date Placeholder 3">
             <a:extLst>
               <a:ext uri="{FF2B5EF4-FFF2-40B4-BE49-F238E27FC236}">
-                <a16:creationId xmlns:a16="http://schemas.microsoft.com/office/drawing/2014/main" xmlns="" id="{02742176-7B18-45DA-A582-2E0B93A27FC6}"/>
+                <a16:creationId xmlns="" xmlns:a16="http://schemas.microsoft.com/office/drawing/2014/main" id="{02742176-7B18-45DA-A582-2E0B93A27FC6}"/>
               </a:ext>
             </a:extLst>
           </p:cNvPr>
@@ -4061,7 +3791,7 @@
           <p:cNvPr id="5" name="Footer Placeholder 4">
             <a:extLst>
               <a:ext uri="{FF2B5EF4-FFF2-40B4-BE49-F238E27FC236}">
-                <a16:creationId xmlns:a16="http://schemas.microsoft.com/office/drawing/2014/main" xmlns="" id="{88A9A0D3-490A-4A9C-899F-FA34BE21C1F3}"/>
+                <a16:creationId xmlns="" xmlns:a16="http://schemas.microsoft.com/office/drawing/2014/main" id="{88A9A0D3-490A-4A9C-899F-FA34BE21C1F3}"/>
               </a:ext>
             </a:extLst>
           </p:cNvPr>
@@ -4086,7 +3816,7 @@
           <p:cNvPr id="6" name="Slide Number Placeholder 5">
             <a:extLst>
               <a:ext uri="{FF2B5EF4-FFF2-40B4-BE49-F238E27FC236}">
-                <a16:creationId xmlns:a16="http://schemas.microsoft.com/office/drawing/2014/main" xmlns="" id="{385123BB-9E7F-4D41-AE39-61C5436F4268}"/>
+                <a16:creationId xmlns="" xmlns:a16="http://schemas.microsoft.com/office/drawing/2014/main" id="{385123BB-9E7F-4D41-AE39-61C5436F4268}"/>
               </a:ext>
             </a:extLst>
           </p:cNvPr>
@@ -4145,7 +3875,7 @@
           <p:cNvPr id="2" name="Title 1">
             <a:extLst>
               <a:ext uri="{FF2B5EF4-FFF2-40B4-BE49-F238E27FC236}">
-                <a16:creationId xmlns:a16="http://schemas.microsoft.com/office/drawing/2014/main" xmlns="" id="{615BEA8E-C18A-4B51-B954-2506E80A5A5B}"/>
+                <a16:creationId xmlns="" xmlns:a16="http://schemas.microsoft.com/office/drawing/2014/main" id="{615BEA8E-C18A-4B51-B954-2506E80A5A5B}"/>
               </a:ext>
             </a:extLst>
           </p:cNvPr>
@@ -4173,7 +3903,7 @@
           <p:cNvPr id="3" name="Content Placeholder 2">
             <a:extLst>
               <a:ext uri="{FF2B5EF4-FFF2-40B4-BE49-F238E27FC236}">
-                <a16:creationId xmlns:a16="http://schemas.microsoft.com/office/drawing/2014/main" xmlns="" id="{2B0CD9A7-0600-424F-9140-9DE80DD38006}"/>
+                <a16:creationId xmlns="" xmlns:a16="http://schemas.microsoft.com/office/drawing/2014/main" id="{2B0CD9A7-0600-424F-9140-9DE80DD38006}"/>
               </a:ext>
             </a:extLst>
           </p:cNvPr>
@@ -4230,7 +3960,7 @@
           <p:cNvPr id="4" name="Date Placeholder 3">
             <a:extLst>
               <a:ext uri="{FF2B5EF4-FFF2-40B4-BE49-F238E27FC236}">
-                <a16:creationId xmlns:a16="http://schemas.microsoft.com/office/drawing/2014/main" xmlns="" id="{594B4FD3-55C6-4233-82EC-643EE7C4D423}"/>
+                <a16:creationId xmlns="" xmlns:a16="http://schemas.microsoft.com/office/drawing/2014/main" id="{594B4FD3-55C6-4233-82EC-643EE7C4D423}"/>
               </a:ext>
             </a:extLst>
           </p:cNvPr>
@@ -4259,7 +3989,7 @@
           <p:cNvPr id="5" name="Footer Placeholder 4">
             <a:extLst>
               <a:ext uri="{FF2B5EF4-FFF2-40B4-BE49-F238E27FC236}">
-                <a16:creationId xmlns:a16="http://schemas.microsoft.com/office/drawing/2014/main" xmlns="" id="{3FAE2A83-6391-48EF-8111-14D78515A689}"/>
+                <a16:creationId xmlns="" xmlns:a16="http://schemas.microsoft.com/office/drawing/2014/main" id="{3FAE2A83-6391-48EF-8111-14D78515A689}"/>
               </a:ext>
             </a:extLst>
           </p:cNvPr>
@@ -4284,7 +4014,7 @@
           <p:cNvPr id="6" name="Slide Number Placeholder 5">
             <a:extLst>
               <a:ext uri="{FF2B5EF4-FFF2-40B4-BE49-F238E27FC236}">
-                <a16:creationId xmlns:a16="http://schemas.microsoft.com/office/drawing/2014/main" xmlns="" id="{D115D32F-22EB-4E1E-8EA4-024C392233FF}"/>
+                <a16:creationId xmlns="" xmlns:a16="http://schemas.microsoft.com/office/drawing/2014/main" id="{D115D32F-22EB-4E1E-8EA4-024C392233FF}"/>
               </a:ext>
             </a:extLst>
           </p:cNvPr>
@@ -4343,7 +4073,7 @@
           <p:cNvPr id="2" name="Title 1">
             <a:extLst>
               <a:ext uri="{FF2B5EF4-FFF2-40B4-BE49-F238E27FC236}">
-                <a16:creationId xmlns:a16="http://schemas.microsoft.com/office/drawing/2014/main" xmlns="" id="{7E46BAA7-B7B1-4D2C-AEFA-7115C75BFDE7}"/>
+                <a16:creationId xmlns="" xmlns:a16="http://schemas.microsoft.com/office/drawing/2014/main" id="{7E46BAA7-B7B1-4D2C-AEFA-7115C75BFDE7}"/>
               </a:ext>
             </a:extLst>
           </p:cNvPr>
@@ -4380,7 +4110,7 @@
           <p:cNvPr id="3" name="Text Placeholder 2">
             <a:extLst>
               <a:ext uri="{FF2B5EF4-FFF2-40B4-BE49-F238E27FC236}">
-                <a16:creationId xmlns:a16="http://schemas.microsoft.com/office/drawing/2014/main" xmlns="" id="{FA974AF7-0457-44D4-8F48-1A145B5B29D3}"/>
+                <a16:creationId xmlns="" xmlns:a16="http://schemas.microsoft.com/office/drawing/2014/main" id="{FA974AF7-0457-44D4-8F48-1A145B5B29D3}"/>
               </a:ext>
             </a:extLst>
           </p:cNvPr>
@@ -4505,7 +4235,7 @@
           <p:cNvPr id="4" name="Date Placeholder 3">
             <a:extLst>
               <a:ext uri="{FF2B5EF4-FFF2-40B4-BE49-F238E27FC236}">
-                <a16:creationId xmlns:a16="http://schemas.microsoft.com/office/drawing/2014/main" xmlns="" id="{5776E5E1-2EE8-4A7F-BD1C-1E4A830CD5A3}"/>
+                <a16:creationId xmlns="" xmlns:a16="http://schemas.microsoft.com/office/drawing/2014/main" id="{5776E5E1-2EE8-4A7F-BD1C-1E4A830CD5A3}"/>
               </a:ext>
             </a:extLst>
           </p:cNvPr>
@@ -4534,7 +4264,7 @@
           <p:cNvPr id="5" name="Footer Placeholder 4">
             <a:extLst>
               <a:ext uri="{FF2B5EF4-FFF2-40B4-BE49-F238E27FC236}">
-                <a16:creationId xmlns:a16="http://schemas.microsoft.com/office/drawing/2014/main" xmlns="" id="{8633053A-5A49-4A71-99DF-7A934D3EB44F}"/>
+                <a16:creationId xmlns="" xmlns:a16="http://schemas.microsoft.com/office/drawing/2014/main" id="{8633053A-5A49-4A71-99DF-7A934D3EB44F}"/>
               </a:ext>
             </a:extLst>
           </p:cNvPr>
@@ -4559,7 +4289,7 @@
           <p:cNvPr id="6" name="Slide Number Placeholder 5">
             <a:extLst>
               <a:ext uri="{FF2B5EF4-FFF2-40B4-BE49-F238E27FC236}">
-                <a16:creationId xmlns:a16="http://schemas.microsoft.com/office/drawing/2014/main" xmlns="" id="{1722784E-203B-438F-B2E7-8C78F749F88A}"/>
+                <a16:creationId xmlns="" xmlns:a16="http://schemas.microsoft.com/office/drawing/2014/main" id="{1722784E-203B-438F-B2E7-8C78F749F88A}"/>
               </a:ext>
             </a:extLst>
           </p:cNvPr>
@@ -4618,7 +4348,7 @@
           <p:cNvPr id="2" name="Title 1">
             <a:extLst>
               <a:ext uri="{FF2B5EF4-FFF2-40B4-BE49-F238E27FC236}">
-                <a16:creationId xmlns:a16="http://schemas.microsoft.com/office/drawing/2014/main" xmlns="" id="{ACFF0B98-C86F-4E33-BD52-7D2746ADBF8A}"/>
+                <a16:creationId xmlns="" xmlns:a16="http://schemas.microsoft.com/office/drawing/2014/main" id="{ACFF0B98-C86F-4E33-BD52-7D2746ADBF8A}"/>
               </a:ext>
             </a:extLst>
           </p:cNvPr>
@@ -4646,7 +4376,7 @@
           <p:cNvPr id="3" name="Content Placeholder 2">
             <a:extLst>
               <a:ext uri="{FF2B5EF4-FFF2-40B4-BE49-F238E27FC236}">
-                <a16:creationId xmlns:a16="http://schemas.microsoft.com/office/drawing/2014/main" xmlns="" id="{767BB0FC-7A6C-41A0-B600-E03D6F840CD2}"/>
+                <a16:creationId xmlns="" xmlns:a16="http://schemas.microsoft.com/office/drawing/2014/main" id="{767BB0FC-7A6C-41A0-B600-E03D6F840CD2}"/>
               </a:ext>
             </a:extLst>
           </p:cNvPr>
@@ -4708,7 +4438,7 @@
           <p:cNvPr id="4" name="Content Placeholder 3">
             <a:extLst>
               <a:ext uri="{FF2B5EF4-FFF2-40B4-BE49-F238E27FC236}">
-                <a16:creationId xmlns:a16="http://schemas.microsoft.com/office/drawing/2014/main" xmlns="" id="{4522A99C-31D2-4612-9303-7A584F0E6838}"/>
+                <a16:creationId xmlns="" xmlns:a16="http://schemas.microsoft.com/office/drawing/2014/main" id="{4522A99C-31D2-4612-9303-7A584F0E6838}"/>
               </a:ext>
             </a:extLst>
           </p:cNvPr>
@@ -4770,7 +4500,7 @@
           <p:cNvPr id="5" name="Date Placeholder 4">
             <a:extLst>
               <a:ext uri="{FF2B5EF4-FFF2-40B4-BE49-F238E27FC236}">
-                <a16:creationId xmlns:a16="http://schemas.microsoft.com/office/drawing/2014/main" xmlns="" id="{0D894365-66B7-4D17-BEA7-76B435D8A89C}"/>
+                <a16:creationId xmlns="" xmlns:a16="http://schemas.microsoft.com/office/drawing/2014/main" id="{0D894365-66B7-4D17-BEA7-76B435D8A89C}"/>
               </a:ext>
             </a:extLst>
           </p:cNvPr>
@@ -4799,7 +4529,7 @@
           <p:cNvPr id="6" name="Footer Placeholder 5">
             <a:extLst>
               <a:ext uri="{FF2B5EF4-FFF2-40B4-BE49-F238E27FC236}">
-                <a16:creationId xmlns:a16="http://schemas.microsoft.com/office/drawing/2014/main" xmlns="" id="{1C859067-E34A-4A43-A50F-0128A4EC970D}"/>
+                <a16:creationId xmlns="" xmlns:a16="http://schemas.microsoft.com/office/drawing/2014/main" id="{1C859067-E34A-4A43-A50F-0128A4EC970D}"/>
               </a:ext>
             </a:extLst>
           </p:cNvPr>
@@ -4824,7 +4554,7 @@
           <p:cNvPr id="7" name="Slide Number Placeholder 6">
             <a:extLst>
               <a:ext uri="{FF2B5EF4-FFF2-40B4-BE49-F238E27FC236}">
-                <a16:creationId xmlns:a16="http://schemas.microsoft.com/office/drawing/2014/main" xmlns="" id="{D6007750-081C-48B8-ACC6-8AA860610D27}"/>
+                <a16:creationId xmlns="" xmlns:a16="http://schemas.microsoft.com/office/drawing/2014/main" id="{D6007750-081C-48B8-ACC6-8AA860610D27}"/>
               </a:ext>
             </a:extLst>
           </p:cNvPr>
@@ -4883,7 +4613,7 @@
           <p:cNvPr id="2" name="Title 1">
             <a:extLst>
               <a:ext uri="{FF2B5EF4-FFF2-40B4-BE49-F238E27FC236}">
-                <a16:creationId xmlns:a16="http://schemas.microsoft.com/office/drawing/2014/main" xmlns="" id="{26818377-3B8B-4E05-93B2-8201883756A0}"/>
+                <a16:creationId xmlns="" xmlns:a16="http://schemas.microsoft.com/office/drawing/2014/main" id="{26818377-3B8B-4E05-93B2-8201883756A0}"/>
               </a:ext>
             </a:extLst>
           </p:cNvPr>
@@ -4916,7 +4646,7 @@
           <p:cNvPr id="3" name="Text Placeholder 2">
             <a:extLst>
               <a:ext uri="{FF2B5EF4-FFF2-40B4-BE49-F238E27FC236}">
-                <a16:creationId xmlns:a16="http://schemas.microsoft.com/office/drawing/2014/main" xmlns="" id="{FB240A1D-26F3-406B-84B4-9A54EC9DFB9A}"/>
+                <a16:creationId xmlns="" xmlns:a16="http://schemas.microsoft.com/office/drawing/2014/main" id="{FB240A1D-26F3-406B-84B4-9A54EC9DFB9A}"/>
               </a:ext>
             </a:extLst>
           </p:cNvPr>
@@ -4987,7 +4717,7 @@
           <p:cNvPr id="4" name="Content Placeholder 3">
             <a:extLst>
               <a:ext uri="{FF2B5EF4-FFF2-40B4-BE49-F238E27FC236}">
-                <a16:creationId xmlns:a16="http://schemas.microsoft.com/office/drawing/2014/main" xmlns="" id="{B25849A7-DB99-4271-9E5E-21EC4B196BF5}"/>
+                <a16:creationId xmlns="" xmlns:a16="http://schemas.microsoft.com/office/drawing/2014/main" id="{B25849A7-DB99-4271-9E5E-21EC4B196BF5}"/>
               </a:ext>
             </a:extLst>
           </p:cNvPr>
@@ -5049,7 +4779,7 @@
           <p:cNvPr id="5" name="Text Placeholder 4">
             <a:extLst>
               <a:ext uri="{FF2B5EF4-FFF2-40B4-BE49-F238E27FC236}">
-                <a16:creationId xmlns:a16="http://schemas.microsoft.com/office/drawing/2014/main" xmlns="" id="{84E364E0-0981-4174-AC8C-7B8AFC62E477}"/>
+                <a16:creationId xmlns="" xmlns:a16="http://schemas.microsoft.com/office/drawing/2014/main" id="{84E364E0-0981-4174-AC8C-7B8AFC62E477}"/>
               </a:ext>
             </a:extLst>
           </p:cNvPr>
@@ -5120,7 +4850,7 @@
           <p:cNvPr id="6" name="Content Placeholder 5">
             <a:extLst>
               <a:ext uri="{FF2B5EF4-FFF2-40B4-BE49-F238E27FC236}">
-                <a16:creationId xmlns:a16="http://schemas.microsoft.com/office/drawing/2014/main" xmlns="" id="{58EA8E32-50E2-46E5-A16A-22A64FDAAE71}"/>
+                <a16:creationId xmlns="" xmlns:a16="http://schemas.microsoft.com/office/drawing/2014/main" id="{58EA8E32-50E2-46E5-A16A-22A64FDAAE71}"/>
               </a:ext>
             </a:extLst>
           </p:cNvPr>
@@ -5182,7 +4912,7 @@
           <p:cNvPr id="7" name="Date Placeholder 6">
             <a:extLst>
               <a:ext uri="{FF2B5EF4-FFF2-40B4-BE49-F238E27FC236}">
-                <a16:creationId xmlns:a16="http://schemas.microsoft.com/office/drawing/2014/main" xmlns="" id="{D0E340B1-FB27-46EB-AA7B-3BC20D9BB7B4}"/>
+                <a16:creationId xmlns="" xmlns:a16="http://schemas.microsoft.com/office/drawing/2014/main" id="{D0E340B1-FB27-46EB-AA7B-3BC20D9BB7B4}"/>
               </a:ext>
             </a:extLst>
           </p:cNvPr>
@@ -5211,7 +4941,7 @@
           <p:cNvPr id="8" name="Footer Placeholder 7">
             <a:extLst>
               <a:ext uri="{FF2B5EF4-FFF2-40B4-BE49-F238E27FC236}">
-                <a16:creationId xmlns:a16="http://schemas.microsoft.com/office/drawing/2014/main" xmlns="" id="{46F24CC1-C65F-438B-989F-5A5C772A0A2C}"/>
+                <a16:creationId xmlns="" xmlns:a16="http://schemas.microsoft.com/office/drawing/2014/main" id="{46F24CC1-C65F-438B-989F-5A5C772A0A2C}"/>
               </a:ext>
             </a:extLst>
           </p:cNvPr>
@@ -5236,7 +4966,7 @@
           <p:cNvPr id="9" name="Slide Number Placeholder 8">
             <a:extLst>
               <a:ext uri="{FF2B5EF4-FFF2-40B4-BE49-F238E27FC236}">
-                <a16:creationId xmlns:a16="http://schemas.microsoft.com/office/drawing/2014/main" xmlns="" id="{35A43C97-0878-443E-8A4A-8784569E98CA}"/>
+                <a16:creationId xmlns="" xmlns:a16="http://schemas.microsoft.com/office/drawing/2014/main" id="{35A43C97-0878-443E-8A4A-8784569E98CA}"/>
               </a:ext>
             </a:extLst>
           </p:cNvPr>
@@ -5295,7 +5025,7 @@
           <p:cNvPr id="2" name="Title 1">
             <a:extLst>
               <a:ext uri="{FF2B5EF4-FFF2-40B4-BE49-F238E27FC236}">
-                <a16:creationId xmlns:a16="http://schemas.microsoft.com/office/drawing/2014/main" xmlns="" id="{EB2168A2-739C-4634-AB65-CA0330512692}"/>
+                <a16:creationId xmlns="" xmlns:a16="http://schemas.microsoft.com/office/drawing/2014/main" id="{EB2168A2-739C-4634-AB65-CA0330512692}"/>
               </a:ext>
             </a:extLst>
           </p:cNvPr>
@@ -5323,7 +5053,7 @@
           <p:cNvPr id="3" name="Date Placeholder 2">
             <a:extLst>
               <a:ext uri="{FF2B5EF4-FFF2-40B4-BE49-F238E27FC236}">
-                <a16:creationId xmlns:a16="http://schemas.microsoft.com/office/drawing/2014/main" xmlns="" id="{539BE235-0A77-4007-8E51-B7533A470979}"/>
+                <a16:creationId xmlns="" xmlns:a16="http://schemas.microsoft.com/office/drawing/2014/main" id="{539BE235-0A77-4007-8E51-B7533A470979}"/>
               </a:ext>
             </a:extLst>
           </p:cNvPr>
@@ -5352,7 +5082,7 @@
           <p:cNvPr id="4" name="Footer Placeholder 3">
             <a:extLst>
               <a:ext uri="{FF2B5EF4-FFF2-40B4-BE49-F238E27FC236}">
-                <a16:creationId xmlns:a16="http://schemas.microsoft.com/office/drawing/2014/main" xmlns="" id="{9EDB3B65-5A4F-485C-AD6F-22F538895B97}"/>
+                <a16:creationId xmlns="" xmlns:a16="http://schemas.microsoft.com/office/drawing/2014/main" id="{9EDB3B65-5A4F-485C-AD6F-22F538895B97}"/>
               </a:ext>
             </a:extLst>
           </p:cNvPr>
@@ -5377,7 +5107,7 @@
           <p:cNvPr id="5" name="Slide Number Placeholder 4">
             <a:extLst>
               <a:ext uri="{FF2B5EF4-FFF2-40B4-BE49-F238E27FC236}">
-                <a16:creationId xmlns:a16="http://schemas.microsoft.com/office/drawing/2014/main" xmlns="" id="{A3CB8EDC-7C1E-4067-A419-C5E74435A391}"/>
+                <a16:creationId xmlns="" xmlns:a16="http://schemas.microsoft.com/office/drawing/2014/main" id="{A3CB8EDC-7C1E-4067-A419-C5E74435A391}"/>
               </a:ext>
             </a:extLst>
           </p:cNvPr>
@@ -5436,7 +5166,7 @@
           <p:cNvPr id="2" name="Date Placeholder 1">
             <a:extLst>
               <a:ext uri="{FF2B5EF4-FFF2-40B4-BE49-F238E27FC236}">
-                <a16:creationId xmlns:a16="http://schemas.microsoft.com/office/drawing/2014/main" xmlns="" id="{480415F0-37C0-4850-AEDE-601A7B0E07F3}"/>
+                <a16:creationId xmlns="" xmlns:a16="http://schemas.microsoft.com/office/drawing/2014/main" id="{480415F0-37C0-4850-AEDE-601A7B0E07F3}"/>
               </a:ext>
             </a:extLst>
           </p:cNvPr>
@@ -5465,7 +5195,7 @@
           <p:cNvPr id="3" name="Footer Placeholder 2">
             <a:extLst>
               <a:ext uri="{FF2B5EF4-FFF2-40B4-BE49-F238E27FC236}">
-                <a16:creationId xmlns:a16="http://schemas.microsoft.com/office/drawing/2014/main" xmlns="" id="{5104897F-BA1F-48DA-80F2-5045C65EA82D}"/>
+                <a16:creationId xmlns="" xmlns:a16="http://schemas.microsoft.com/office/drawing/2014/main" id="{5104897F-BA1F-48DA-80F2-5045C65EA82D}"/>
               </a:ext>
             </a:extLst>
           </p:cNvPr>
@@ -5490,7 +5220,7 @@
           <p:cNvPr id="4" name="Slide Number Placeholder 3">
             <a:extLst>
               <a:ext uri="{FF2B5EF4-FFF2-40B4-BE49-F238E27FC236}">
-                <a16:creationId xmlns:a16="http://schemas.microsoft.com/office/drawing/2014/main" xmlns="" id="{7175411A-CF7F-4589-A565-3C176BC2FCFB}"/>
+                <a16:creationId xmlns="" xmlns:a16="http://schemas.microsoft.com/office/drawing/2014/main" id="{7175411A-CF7F-4589-A565-3C176BC2FCFB}"/>
               </a:ext>
             </a:extLst>
           </p:cNvPr>
@@ -5549,7 +5279,7 @@
           <p:cNvPr id="2" name="Title 1">
             <a:extLst>
               <a:ext uri="{FF2B5EF4-FFF2-40B4-BE49-F238E27FC236}">
-                <a16:creationId xmlns:a16="http://schemas.microsoft.com/office/drawing/2014/main" xmlns="" id="{F8235511-3DF4-4020-95C4-18FB4783973C}"/>
+                <a16:creationId xmlns="" xmlns:a16="http://schemas.microsoft.com/office/drawing/2014/main" id="{F8235511-3DF4-4020-95C4-18FB4783973C}"/>
               </a:ext>
             </a:extLst>
           </p:cNvPr>
@@ -5586,7 +5316,7 @@
           <p:cNvPr id="3" name="Content Placeholder 2">
             <a:extLst>
               <a:ext uri="{FF2B5EF4-FFF2-40B4-BE49-F238E27FC236}">
-                <a16:creationId xmlns:a16="http://schemas.microsoft.com/office/drawing/2014/main" xmlns="" id="{2A4D04AB-B5D8-4B82-9D73-3EF126AF8C7F}"/>
+                <a16:creationId xmlns="" xmlns:a16="http://schemas.microsoft.com/office/drawing/2014/main" id="{2A4D04AB-B5D8-4B82-9D73-3EF126AF8C7F}"/>
               </a:ext>
             </a:extLst>
           </p:cNvPr>
@@ -5676,7 +5406,7 @@
           <p:cNvPr id="4" name="Text Placeholder 3">
             <a:extLst>
               <a:ext uri="{FF2B5EF4-FFF2-40B4-BE49-F238E27FC236}">
-                <a16:creationId xmlns:a16="http://schemas.microsoft.com/office/drawing/2014/main" xmlns="" id="{2FEE2382-862A-4E2C-9FE8-F0E71D0FFDC9}"/>
+                <a16:creationId xmlns="" xmlns:a16="http://schemas.microsoft.com/office/drawing/2014/main" id="{2FEE2382-862A-4E2C-9FE8-F0E71D0FFDC9}"/>
               </a:ext>
             </a:extLst>
           </p:cNvPr>
@@ -5747,7 +5477,7 @@
           <p:cNvPr id="5" name="Date Placeholder 4">
             <a:extLst>
               <a:ext uri="{FF2B5EF4-FFF2-40B4-BE49-F238E27FC236}">
-                <a16:creationId xmlns:a16="http://schemas.microsoft.com/office/drawing/2014/main" xmlns="" id="{B46910F6-A697-4C21-A616-704346753F9C}"/>
+                <a16:creationId xmlns="" xmlns:a16="http://schemas.microsoft.com/office/drawing/2014/main" id="{B46910F6-A697-4C21-A616-704346753F9C}"/>
               </a:ext>
             </a:extLst>
           </p:cNvPr>
@@ -5776,7 +5506,7 @@
           <p:cNvPr id="6" name="Footer Placeholder 5">
             <a:extLst>
               <a:ext uri="{FF2B5EF4-FFF2-40B4-BE49-F238E27FC236}">
-                <a16:creationId xmlns:a16="http://schemas.microsoft.com/office/drawing/2014/main" xmlns="" id="{B4B8ADB9-7AD5-48F9-9120-21624D66E19F}"/>
+                <a16:creationId xmlns="" xmlns:a16="http://schemas.microsoft.com/office/drawing/2014/main" id="{B4B8ADB9-7AD5-48F9-9120-21624D66E19F}"/>
               </a:ext>
             </a:extLst>
           </p:cNvPr>
@@ -5801,7 +5531,7 @@
           <p:cNvPr id="7" name="Slide Number Placeholder 6">
             <a:extLst>
               <a:ext uri="{FF2B5EF4-FFF2-40B4-BE49-F238E27FC236}">
-                <a16:creationId xmlns:a16="http://schemas.microsoft.com/office/drawing/2014/main" xmlns="" id="{090C602F-DECC-4B30-A311-A15B0C46EF88}"/>
+                <a16:creationId xmlns="" xmlns:a16="http://schemas.microsoft.com/office/drawing/2014/main" id="{090C602F-DECC-4B30-A311-A15B0C46EF88}"/>
               </a:ext>
             </a:extLst>
           </p:cNvPr>
@@ -5860,7 +5590,7 @@
           <p:cNvPr id="2" name="Title 1">
             <a:extLst>
               <a:ext uri="{FF2B5EF4-FFF2-40B4-BE49-F238E27FC236}">
-                <a16:creationId xmlns:a16="http://schemas.microsoft.com/office/drawing/2014/main" xmlns="" id="{2A81427F-7317-4BE5-8DFC-10DFBFA5E30C}"/>
+                <a16:creationId xmlns="" xmlns:a16="http://schemas.microsoft.com/office/drawing/2014/main" id="{2A81427F-7317-4BE5-8DFC-10DFBFA5E30C}"/>
               </a:ext>
             </a:extLst>
           </p:cNvPr>
@@ -5897,7 +5627,7 @@
           <p:cNvPr id="3" name="Picture Placeholder 2">
             <a:extLst>
               <a:ext uri="{FF2B5EF4-FFF2-40B4-BE49-F238E27FC236}">
-                <a16:creationId xmlns:a16="http://schemas.microsoft.com/office/drawing/2014/main" xmlns="" id="{6892DDD3-12E2-4156-B6FB-0BA20E00A49E}"/>
+                <a16:creationId xmlns="" xmlns:a16="http://schemas.microsoft.com/office/drawing/2014/main" id="{6892DDD3-12E2-4156-B6FB-0BA20E00A49E}"/>
               </a:ext>
             </a:extLst>
           </p:cNvPr>
@@ -5964,7 +5694,7 @@
           <p:cNvPr id="4" name="Text Placeholder 3">
             <a:extLst>
               <a:ext uri="{FF2B5EF4-FFF2-40B4-BE49-F238E27FC236}">
-                <a16:creationId xmlns:a16="http://schemas.microsoft.com/office/drawing/2014/main" xmlns="" id="{22D4344B-1395-45DF-8273-DCFA24501AFE}"/>
+                <a16:creationId xmlns="" xmlns:a16="http://schemas.microsoft.com/office/drawing/2014/main" id="{22D4344B-1395-45DF-8273-DCFA24501AFE}"/>
               </a:ext>
             </a:extLst>
           </p:cNvPr>
@@ -6035,7 +5765,7 @@
           <p:cNvPr id="5" name="Date Placeholder 4">
             <a:extLst>
               <a:ext uri="{FF2B5EF4-FFF2-40B4-BE49-F238E27FC236}">
-                <a16:creationId xmlns:a16="http://schemas.microsoft.com/office/drawing/2014/main" xmlns="" id="{81A8F40F-77BA-4BE7-A1CA-531F21DBB954}"/>
+                <a16:creationId xmlns="" xmlns:a16="http://schemas.microsoft.com/office/drawing/2014/main" id="{81A8F40F-77BA-4BE7-A1CA-531F21DBB954}"/>
               </a:ext>
             </a:extLst>
           </p:cNvPr>
@@ -6064,7 +5794,7 @@
           <p:cNvPr id="6" name="Footer Placeholder 5">
             <a:extLst>
               <a:ext uri="{FF2B5EF4-FFF2-40B4-BE49-F238E27FC236}">
-                <a16:creationId xmlns:a16="http://schemas.microsoft.com/office/drawing/2014/main" xmlns="" id="{FC0474DE-98DF-43B9-9D71-67662A2B95CC}"/>
+                <a16:creationId xmlns="" xmlns:a16="http://schemas.microsoft.com/office/drawing/2014/main" id="{FC0474DE-98DF-43B9-9D71-67662A2B95CC}"/>
               </a:ext>
             </a:extLst>
           </p:cNvPr>
@@ -6089,7 +5819,7 @@
           <p:cNvPr id="7" name="Slide Number Placeholder 6">
             <a:extLst>
               <a:ext uri="{FF2B5EF4-FFF2-40B4-BE49-F238E27FC236}">
-                <a16:creationId xmlns:a16="http://schemas.microsoft.com/office/drawing/2014/main" xmlns="" id="{9DD7CBB2-B021-4387-B661-E944EBB2EA21}"/>
+                <a16:creationId xmlns="" xmlns:a16="http://schemas.microsoft.com/office/drawing/2014/main" id="{9DD7CBB2-B021-4387-B661-E944EBB2EA21}"/>
               </a:ext>
             </a:extLst>
           </p:cNvPr>
@@ -6153,7 +5883,7 @@
           <p:cNvPr id="2" name="Title Placeholder 1">
             <a:extLst>
               <a:ext uri="{FF2B5EF4-FFF2-40B4-BE49-F238E27FC236}">
-                <a16:creationId xmlns:a16="http://schemas.microsoft.com/office/drawing/2014/main" xmlns="" id="{5C33EF8F-4111-44EE-B1B1-51EDB7D49D01}"/>
+                <a16:creationId xmlns="" xmlns:a16="http://schemas.microsoft.com/office/drawing/2014/main" id="{5C33EF8F-4111-44EE-B1B1-51EDB7D49D01}"/>
               </a:ext>
             </a:extLst>
           </p:cNvPr>
@@ -6191,7 +5921,7 @@
           <p:cNvPr id="3" name="Text Placeholder 2">
             <a:extLst>
               <a:ext uri="{FF2B5EF4-FFF2-40B4-BE49-F238E27FC236}">
-                <a16:creationId xmlns:a16="http://schemas.microsoft.com/office/drawing/2014/main" xmlns="" id="{B022F8FA-F705-444C-B437-AEE644D54C39}"/>
+                <a16:creationId xmlns="" xmlns:a16="http://schemas.microsoft.com/office/drawing/2014/main" id="{B022F8FA-F705-444C-B437-AEE644D54C39}"/>
               </a:ext>
             </a:extLst>
           </p:cNvPr>
@@ -6258,7 +5988,7 @@
           <p:cNvPr id="4" name="Date Placeholder 3">
             <a:extLst>
               <a:ext uri="{FF2B5EF4-FFF2-40B4-BE49-F238E27FC236}">
-                <a16:creationId xmlns:a16="http://schemas.microsoft.com/office/drawing/2014/main" xmlns="" id="{23AEC2B4-1320-4034-BE3C-1E2D3E5C9C28}"/>
+                <a16:creationId xmlns="" xmlns:a16="http://schemas.microsoft.com/office/drawing/2014/main" id="{23AEC2B4-1320-4034-BE3C-1E2D3E5C9C28}"/>
               </a:ext>
             </a:extLst>
           </p:cNvPr>
@@ -6305,7 +6035,7 @@
           <p:cNvPr id="5" name="Footer Placeholder 4">
             <a:extLst>
               <a:ext uri="{FF2B5EF4-FFF2-40B4-BE49-F238E27FC236}">
-                <a16:creationId xmlns:a16="http://schemas.microsoft.com/office/drawing/2014/main" xmlns="" id="{0423CE32-0466-494D-9A5B-22ED39119093}"/>
+                <a16:creationId xmlns="" xmlns:a16="http://schemas.microsoft.com/office/drawing/2014/main" id="{0423CE32-0466-494D-9A5B-22ED39119093}"/>
               </a:ext>
             </a:extLst>
           </p:cNvPr>
@@ -6348,7 +6078,7 @@
           <p:cNvPr id="6" name="Slide Number Placeholder 5">
             <a:extLst>
               <a:ext uri="{FF2B5EF4-FFF2-40B4-BE49-F238E27FC236}">
-                <a16:creationId xmlns:a16="http://schemas.microsoft.com/office/drawing/2014/main" xmlns="" id="{703A22C7-1BE4-4CB3-BA50-A599414354FE}"/>
+                <a16:creationId xmlns="" xmlns:a16="http://schemas.microsoft.com/office/drawing/2014/main" id="{703A22C7-1BE4-4CB3-BA50-A599414354FE}"/>
               </a:ext>
             </a:extLst>
           </p:cNvPr>
@@ -6724,10 +6454,10 @@
           <p:cNvPr id="14" name="Rectangle 9">
             <a:extLst>
               <a:ext uri="{FF2B5EF4-FFF2-40B4-BE49-F238E27FC236}">
-                <a16:creationId xmlns:a16="http://schemas.microsoft.com/office/drawing/2014/main" xmlns="" id="{86197D16-FE75-4A0E-A0C9-28C0F04A43DF}"/>
+                <a16:creationId xmlns="" xmlns:a16="http://schemas.microsoft.com/office/drawing/2014/main" id="{86197D16-FE75-4A0E-A0C9-28C0F04A43DF}"/>
               </a:ext>
               <a:ext uri="{C183D7F6-B498-43B3-948B-1728B52AA6E4}">
-                <adec:decorative xmlns:adec="http://schemas.microsoft.com/office/drawing/2017/decorative" xmlns="" val="1"/>
+                <adec:decorative xmlns="" xmlns:adec="http://schemas.microsoft.com/office/drawing/2017/decorative" val="1"/>
               </a:ext>
             </a:extLst>
           </p:cNvPr>
@@ -6737,7 +6467,7 @@
           <p:nvPr>
             <p:extLst>
               <p:ext uri="{386F3935-93C4-4BCD-93E2-E3B085C9AB24}">
-                <p16:designElem xmlns:p16="http://schemas.microsoft.com/office/powerpoint/2015/main" xmlns="" val="1"/>
+                <p16:designElem xmlns="" xmlns:p16="http://schemas.microsoft.com/office/powerpoint/2015/main" val="1"/>
               </p:ext>
             </p:extLst>
           </p:nvPr>
@@ -6809,10 +6539,10 @@
           <p:cNvPr id="15" name="Picture 11">
             <a:extLst>
               <a:ext uri="{FF2B5EF4-FFF2-40B4-BE49-F238E27FC236}">
-                <a16:creationId xmlns:a16="http://schemas.microsoft.com/office/drawing/2014/main" xmlns="" id="{FA8FCEC6-4B30-4FF2-8B32-504BEAEA3A16}"/>
+                <a16:creationId xmlns="" xmlns:a16="http://schemas.microsoft.com/office/drawing/2014/main" id="{FA8FCEC6-4B30-4FF2-8B32-504BEAEA3A16}"/>
               </a:ext>
               <a:ext uri="{C183D7F6-B498-43B3-948B-1728B52AA6E4}">
-                <adec:decorative xmlns:adec="http://schemas.microsoft.com/office/drawing/2017/decorative" xmlns="" val="1"/>
+                <adec:decorative xmlns="" xmlns:adec="http://schemas.microsoft.com/office/drawing/2017/decorative" val="1"/>
               </a:ext>
             </a:extLst>
           </p:cNvPr>
@@ -6822,7 +6552,7 @@
           <p:nvPr>
             <p:extLst>
               <p:ext uri="{386F3935-93C4-4BCD-93E2-E3B085C9AB24}">
-                <p16:designElem xmlns:p16="http://schemas.microsoft.com/office/powerpoint/2015/main" xmlns="" val="1"/>
+                <p16:designElem xmlns="" xmlns:p16="http://schemas.microsoft.com/office/powerpoint/2015/main" val="1"/>
               </p:ext>
             </p:extLst>
           </p:nvPr>
@@ -6898,7 +6628,7 @@
           <p:cNvPr id="4" name="Title 3">
             <a:extLst>
               <a:ext uri="{FF2B5EF4-FFF2-40B4-BE49-F238E27FC236}">
-                <a16:creationId xmlns:a16="http://schemas.microsoft.com/office/drawing/2014/main" xmlns="" id="{122EE555-3ACA-4199-99BB-87FE54C092EB}"/>
+                <a16:creationId xmlns="" xmlns:a16="http://schemas.microsoft.com/office/drawing/2014/main" id="{122EE555-3ACA-4199-99BB-87FE54C092EB}"/>
               </a:ext>
             </a:extLst>
           </p:cNvPr>
@@ -6922,7 +6652,38 @@
           <a:lstStyle/>
           <a:p>
             <a:pPr algn="l"/>
-            <a:endParaRPr lang="en-US" sz="6600" dirty="0">
+            <a:r>
+              <a:rPr lang="en-US" sz="6600" dirty="0" err="1" smtClean="0">
+                <a:solidFill>
+                  <a:srgbClr val="FFFFFF"/>
+                </a:solidFill>
+              </a:rPr>
+              <a:t>InsureMotion</a:t>
+            </a:r>
+            <a:r>
+              <a:rPr lang="en-US" sz="6600" dirty="0">
+                <a:solidFill>
+                  <a:srgbClr val="FFFFFF"/>
+                </a:solidFill>
+              </a:rPr>
+              <a:t/>
+            </a:r>
+            <a:br>
+              <a:rPr lang="en-US" sz="6600" dirty="0">
+                <a:solidFill>
+                  <a:srgbClr val="FFFFFF"/>
+                </a:solidFill>
+              </a:rPr>
+            </a:br>
+            <a:r>
+              <a:rPr lang="en-US" sz="2800" dirty="0" smtClean="0">
+                <a:solidFill>
+                  <a:srgbClr val="FFFFFF"/>
+                </a:solidFill>
+              </a:rPr>
+              <a:t>Motor Insurance Portal</a:t>
+            </a:r>
+            <a:endParaRPr lang="en-US" sz="2800" dirty="0">
               <a:solidFill>
                 <a:srgbClr val="FFFFFF"/>
               </a:solidFill>
@@ -6935,7 +6696,7 @@
           <p:cNvPr id="5" name="Subtitle 4">
             <a:extLst>
               <a:ext uri="{FF2B5EF4-FFF2-40B4-BE49-F238E27FC236}">
-                <a16:creationId xmlns:a16="http://schemas.microsoft.com/office/drawing/2014/main" xmlns="" id="{54BFB4BF-83E9-459B-AA66-C3CE98F003D7}"/>
+                <a16:creationId xmlns="" xmlns:a16="http://schemas.microsoft.com/office/drawing/2014/main" id="{54BFB4BF-83E9-459B-AA66-C3CE98F003D7}"/>
               </a:ext>
             </a:extLst>
           </p:cNvPr>
@@ -6971,7 +6732,7 @@
           <p:cNvPr id="7" name="Rectangle 6">
             <a:extLst>
               <a:ext uri="{FF2B5EF4-FFF2-40B4-BE49-F238E27FC236}">
-                <a16:creationId xmlns:a16="http://schemas.microsoft.com/office/drawing/2014/main" xmlns="" id="{3960A389-03AB-4B30-9F27-F0DF0A70DE8A}"/>
+                <a16:creationId xmlns="" xmlns:a16="http://schemas.microsoft.com/office/drawing/2014/main" id="{3960A389-03AB-4B30-9F27-F0DF0A70DE8A}"/>
               </a:ext>
             </a:extLst>
           </p:cNvPr>
@@ -7025,7 +6786,7 @@
           <p:cNvPr id="17" name="Rectangle 16">
             <a:extLst>
               <a:ext uri="{FF2B5EF4-FFF2-40B4-BE49-F238E27FC236}">
-                <a16:creationId xmlns:a16="http://schemas.microsoft.com/office/drawing/2014/main" xmlns="" id="{2451D676-3FC8-4DBC-9CB5-7C2EFDC790F6}"/>
+                <a16:creationId xmlns="" xmlns:a16="http://schemas.microsoft.com/office/drawing/2014/main" id="{2451D676-3FC8-4DBC-9CB5-7C2EFDC790F6}"/>
               </a:ext>
             </a:extLst>
           </p:cNvPr>
@@ -7079,7 +6840,7 @@
           <p:cNvPr id="18" name="Rectangle 17">
             <a:extLst>
               <a:ext uri="{FF2B5EF4-FFF2-40B4-BE49-F238E27FC236}">
-                <a16:creationId xmlns:a16="http://schemas.microsoft.com/office/drawing/2014/main" xmlns="" id="{2AEF7A21-610F-487A-A600-078E317B26CF}"/>
+                <a16:creationId xmlns="" xmlns:a16="http://schemas.microsoft.com/office/drawing/2014/main" id="{2AEF7A21-610F-487A-A600-078E317B26CF}"/>
               </a:ext>
             </a:extLst>
           </p:cNvPr>
@@ -7133,7 +6894,7 @@
           <p:cNvPr id="3076" name="Picture 4" descr="Image result for java transparent">
             <a:extLst>
               <a:ext uri="{FF2B5EF4-FFF2-40B4-BE49-F238E27FC236}">
-                <a16:creationId xmlns:a16="http://schemas.microsoft.com/office/drawing/2014/main" xmlns="" id="{5302CC2A-27EB-4AA2-BF40-8CA2324F61A3}"/>
+                <a16:creationId xmlns="" xmlns:a16="http://schemas.microsoft.com/office/drawing/2014/main" id="{5302CC2A-27EB-4AA2-BF40-8CA2324F61A3}"/>
               </a:ext>
             </a:extLst>
           </p:cNvPr>
@@ -7196,7 +6957,7 @@
           <p:cNvPr id="3078" name="Picture 6" descr="Image result for jp morgan logo">
             <a:extLst>
               <a:ext uri="{FF2B5EF4-FFF2-40B4-BE49-F238E27FC236}">
-                <a16:creationId xmlns:a16="http://schemas.microsoft.com/office/drawing/2014/main" xmlns="" id="{5B537254-EC8D-4A8E-A8AF-00A12521CFA0}"/>
+                <a16:creationId xmlns="" xmlns:a16="http://schemas.microsoft.com/office/drawing/2014/main" id="{5B537254-EC8D-4A8E-A8AF-00A12521CFA0}"/>
               </a:ext>
             </a:extLst>
           </p:cNvPr>
@@ -7243,7 +7004,7 @@
           <p:cNvPr id="9" name="Picture 8">
             <a:extLst>
               <a:ext uri="{FF2B5EF4-FFF2-40B4-BE49-F238E27FC236}">
-                <a16:creationId xmlns:a16="http://schemas.microsoft.com/office/drawing/2014/main" xmlns="" id="{E01CCD4B-C97E-4B2D-88DA-C2B9DC50D1CB}"/>
+                <a16:creationId xmlns="" xmlns:a16="http://schemas.microsoft.com/office/drawing/2014/main" id="{E01CCD4B-C97E-4B2D-88DA-C2B9DC50D1CB}"/>
               </a:ext>
             </a:extLst>
           </p:cNvPr>
@@ -7279,7 +7040,7 @@
           <p:cNvPr id="22" name="Straight Connector 21">
             <a:extLst>
               <a:ext uri="{FF2B5EF4-FFF2-40B4-BE49-F238E27FC236}">
-                <a16:creationId xmlns:a16="http://schemas.microsoft.com/office/drawing/2014/main" xmlns="" id="{0987F9F2-E377-41DE-86F1-743D1271034C}"/>
+                <a16:creationId xmlns="" xmlns:a16="http://schemas.microsoft.com/office/drawing/2014/main" id="{0987F9F2-E377-41DE-86F1-743D1271034C}"/>
               </a:ext>
             </a:extLst>
           </p:cNvPr>
@@ -7320,7 +7081,7 @@
           <p:cNvPr id="16" name="Rectangle 15">
             <a:extLst>
               <a:ext uri="{FF2B5EF4-FFF2-40B4-BE49-F238E27FC236}">
-                <a16:creationId xmlns:a16="http://schemas.microsoft.com/office/drawing/2014/main" xmlns="" id="{15CC405D-9E93-479A-A34D-E0840ED42DAC}"/>
+                <a16:creationId xmlns="" xmlns:a16="http://schemas.microsoft.com/office/drawing/2014/main" id="{15CC405D-9E93-479A-A34D-E0840ED42DAC}"/>
               </a:ext>
             </a:extLst>
           </p:cNvPr>
@@ -7384,7 +7145,7 @@
           <p:cNvPr id="19" name="Rectangle 18">
             <a:extLst>
               <a:ext uri="{FF2B5EF4-FFF2-40B4-BE49-F238E27FC236}">
-                <a16:creationId xmlns:a16="http://schemas.microsoft.com/office/drawing/2014/main" xmlns="" id="{3DAA1F23-D93E-4FD5-BA41-4F3886F66506}"/>
+                <a16:creationId xmlns="" xmlns:a16="http://schemas.microsoft.com/office/drawing/2014/main" id="{3DAA1F23-D93E-4FD5-BA41-4F3886F66506}"/>
               </a:ext>
             </a:extLst>
           </p:cNvPr>
@@ -7453,6 +7214,13 @@
   <p:clrMapOvr>
     <a:masterClrMapping/>
   </p:clrMapOvr>
+  <p:timing>
+    <p:tnLst>
+      <p:par>
+        <p:cTn id="1" dur="indefinite" restart="never" nodeType="tmRoot"/>
+      </p:par>
+    </p:tnLst>
+  </p:timing>
 </p:sld>
 </file>
 
@@ -7486,10 +7254,10 @@
           <p:cNvPr id="73" name="Rectangle 72">
             <a:extLst>
               <a:ext uri="{FF2B5EF4-FFF2-40B4-BE49-F238E27FC236}">
-                <a16:creationId xmlns:a16="http://schemas.microsoft.com/office/drawing/2014/main" xmlns="" id="{F56F5174-31D9-4DBB-AAB7-A1FD7BDB1352}"/>
+                <a16:creationId xmlns="" xmlns:a16="http://schemas.microsoft.com/office/drawing/2014/main" id="{F56F5174-31D9-4DBB-AAB7-A1FD7BDB1352}"/>
               </a:ext>
               <a:ext uri="{C183D7F6-B498-43B3-948B-1728B52AA6E4}">
-                <adec:decorative xmlns:adec="http://schemas.microsoft.com/office/drawing/2017/decorative" xmlns="" val="1"/>
+                <adec:decorative xmlns="" xmlns:adec="http://schemas.microsoft.com/office/drawing/2017/decorative" val="1"/>
               </a:ext>
             </a:extLst>
           </p:cNvPr>
@@ -7499,7 +7267,7 @@
           <p:nvPr>
             <p:extLst>
               <p:ext uri="{386F3935-93C4-4BCD-93E2-E3B085C9AB24}">
-                <p16:designElem xmlns:p16="http://schemas.microsoft.com/office/powerpoint/2015/main" xmlns="" val="1"/>
+                <p16:designElem xmlns="" xmlns:p16="http://schemas.microsoft.com/office/powerpoint/2015/main" val="1"/>
               </p:ext>
             </p:extLst>
           </p:nvPr>
@@ -7572,10 +7340,10 @@
           <p:cNvPr id="75" name="Picture 74">
             <a:extLst>
               <a:ext uri="{FF2B5EF4-FFF2-40B4-BE49-F238E27FC236}">
-                <a16:creationId xmlns:a16="http://schemas.microsoft.com/office/drawing/2014/main" xmlns="" id="{AE113210-7872-481A-ADE6-3A05CCAF5EB2}"/>
+                <a16:creationId xmlns="" xmlns:a16="http://schemas.microsoft.com/office/drawing/2014/main" id="{AE113210-7872-481A-ADE6-3A05CCAF5EB2}"/>
               </a:ext>
               <a:ext uri="{C183D7F6-B498-43B3-948B-1728B52AA6E4}">
-                <adec:decorative xmlns:adec="http://schemas.microsoft.com/office/drawing/2017/decorative" xmlns="" val="1"/>
+                <adec:decorative xmlns="" xmlns:adec="http://schemas.microsoft.com/office/drawing/2017/decorative" val="1"/>
               </a:ext>
             </a:extLst>
           </p:cNvPr>
@@ -7585,7 +7353,7 @@
           <p:nvPr>
             <p:extLst>
               <p:ext uri="{386F3935-93C4-4BCD-93E2-E3B085C9AB24}">
-                <p16:designElem xmlns:p16="http://schemas.microsoft.com/office/powerpoint/2015/main" xmlns="" val="1"/>
+                <p16:designElem xmlns="" xmlns:p16="http://schemas.microsoft.com/office/powerpoint/2015/main" val="1"/>
               </p:ext>
             </p:extLst>
           </p:nvPr>
@@ -7617,7 +7385,7 @@
           <p:cNvPr id="2" name="Title 1">
             <a:extLst>
               <a:ext uri="{FF2B5EF4-FFF2-40B4-BE49-F238E27FC236}">
-                <a16:creationId xmlns:a16="http://schemas.microsoft.com/office/drawing/2014/main" xmlns="" id="{00FE4BDB-FA27-4988-842A-013233981027}"/>
+                <a16:creationId xmlns="" xmlns:a16="http://schemas.microsoft.com/office/drawing/2014/main" id="{00FE4BDB-FA27-4988-842A-013233981027}"/>
               </a:ext>
             </a:extLst>
           </p:cNvPr>
@@ -7656,10 +7424,10 @@
           <p:cNvPr id="77" name="Freeform 62">
             <a:extLst>
               <a:ext uri="{FF2B5EF4-FFF2-40B4-BE49-F238E27FC236}">
-                <a16:creationId xmlns:a16="http://schemas.microsoft.com/office/drawing/2014/main" xmlns="" id="{F9A95BEE-6BB1-4A28-A8E6-A34B2E42EF87}"/>
+                <a16:creationId xmlns="" xmlns:a16="http://schemas.microsoft.com/office/drawing/2014/main" id="{F9A95BEE-6BB1-4A28-A8E6-A34B2E42EF87}"/>
               </a:ext>
               <a:ext uri="{C183D7F6-B498-43B3-948B-1728B52AA6E4}">
-                <adec:decorative xmlns:adec="http://schemas.microsoft.com/office/drawing/2017/decorative" xmlns="" val="1"/>
+                <adec:decorative xmlns="" xmlns:adec="http://schemas.microsoft.com/office/drawing/2017/decorative" val="1"/>
               </a:ext>
             </a:extLst>
           </p:cNvPr>
@@ -7669,7 +7437,7 @@
           <p:nvPr>
             <p:extLst>
               <p:ext uri="{386F3935-93C4-4BCD-93E2-E3B085C9AB24}">
-                <p16:designElem xmlns:p16="http://schemas.microsoft.com/office/powerpoint/2015/main" xmlns="" val="1"/>
+                <p16:designElem xmlns="" xmlns:p16="http://schemas.microsoft.com/office/powerpoint/2015/main" val="1"/>
               </p:ext>
             </p:extLst>
           </p:nvPr>
@@ -7804,7 +7572,7 @@
           <p:cNvPr id="1028" name="Picture 4" descr="Related image">
             <a:extLst>
               <a:ext uri="{FF2B5EF4-FFF2-40B4-BE49-F238E27FC236}">
-                <a16:creationId xmlns:a16="http://schemas.microsoft.com/office/drawing/2014/main" xmlns="" id="{345FD299-6018-48DC-881A-D6C7DBFD512B}"/>
+                <a16:creationId xmlns="" xmlns:a16="http://schemas.microsoft.com/office/drawing/2014/main" id="{345FD299-6018-48DC-881A-D6C7DBFD512B}"/>
               </a:ext>
             </a:extLst>
           </p:cNvPr>
@@ -7936,7 +7704,7 @@
           <p:cNvPr id="3" name="Content Placeholder 2">
             <a:extLst>
               <a:ext uri="{FF2B5EF4-FFF2-40B4-BE49-F238E27FC236}">
-                <a16:creationId xmlns:a16="http://schemas.microsoft.com/office/drawing/2014/main" xmlns="" id="{B6499A7D-CDC7-43C6-8B31-0179BC810139}"/>
+                <a16:creationId xmlns="" xmlns:a16="http://schemas.microsoft.com/office/drawing/2014/main" id="{B6499A7D-CDC7-43C6-8B31-0179BC810139}"/>
               </a:ext>
             </a:extLst>
           </p:cNvPr>
@@ -7960,12 +7728,12 @@
           <a:lstStyle/>
           <a:p>
             <a:r>
-              <a:rPr lang="en-US" sz="2000" dirty="0">
+              <a:rPr lang="en-US" sz="2000" dirty="0" smtClean="0">
                 <a:solidFill>
                   <a:srgbClr val="000000"/>
                 </a:solidFill>
               </a:rPr>
-              <a:t>Plan </a:t>
+              <a:t> </a:t>
             </a:r>
             <a:r>
               <a:rPr lang="en-US" sz="2000" dirty="0" smtClean="0">
@@ -7973,7 +7741,7 @@
                   <a:srgbClr val="000000"/>
                 </a:solidFill>
               </a:rPr>
-              <a:t>1 – Save Quote	</a:t>
+              <a:t>Save Quote	</a:t>
             </a:r>
             <a:endParaRPr lang="en-US" sz="2000" dirty="0">
               <a:solidFill>
@@ -7983,12 +7751,12 @@
           </a:p>
           <a:p>
             <a:r>
-              <a:rPr lang="en-US" sz="2000" dirty="0">
+              <a:rPr lang="en-US" sz="2000" dirty="0" smtClean="0">
                 <a:solidFill>
                   <a:srgbClr val="000000"/>
                 </a:solidFill>
               </a:rPr>
-              <a:t>Plan </a:t>
+              <a:t> </a:t>
             </a:r>
             <a:r>
               <a:rPr lang="en-US" sz="2000" dirty="0" smtClean="0">
@@ -7996,13 +7764,61 @@
                   <a:srgbClr val="000000"/>
                 </a:solidFill>
               </a:rPr>
-              <a:t>2 – Claim functionality</a:t>
+              <a:t>Claim </a:t>
             </a:r>
-            <a:endParaRPr lang="en-US" sz="2000" dirty="0">
+            <a:r>
+              <a:rPr lang="en-US" sz="2000" dirty="0" smtClean="0">
+                <a:solidFill>
+                  <a:srgbClr val="000000"/>
+                </a:solidFill>
+              </a:rPr>
+              <a:t>functionality</a:t>
+            </a:r>
+          </a:p>
+          <a:p>
+            <a:r>
+              <a:rPr lang="en-US" sz="2000" dirty="0" smtClean="0">
+                <a:solidFill>
+                  <a:srgbClr val="000000"/>
+                </a:solidFill>
+              </a:rPr>
+              <a:t>Forgot password</a:t>
+            </a:r>
+          </a:p>
+          <a:p>
+            <a:r>
+              <a:rPr lang="en-US" sz="2000" dirty="0">
+                <a:solidFill>
+                  <a:srgbClr val="000000"/>
+                </a:solidFill>
+              </a:rPr>
+              <a:t>Staff registration by Admin</a:t>
+            </a:r>
+            <a:endParaRPr lang="en-US" sz="2000" dirty="0" smtClean="0">
               <a:solidFill>
                 <a:srgbClr val="000000"/>
               </a:solidFill>
             </a:endParaRPr>
+          </a:p>
+          <a:p>
+            <a:r>
+              <a:rPr lang="en-US" sz="2000" dirty="0" smtClean="0">
+                <a:solidFill>
+                  <a:srgbClr val="000000"/>
+                </a:solidFill>
+              </a:rPr>
+              <a:t>Report generations</a:t>
+            </a:r>
+          </a:p>
+          <a:p>
+            <a:r>
+              <a:rPr lang="en-US" sz="2000" dirty="0" smtClean="0">
+                <a:solidFill>
+                  <a:srgbClr val="000000"/>
+                </a:solidFill>
+              </a:rPr>
+              <a:t>Logging</a:t>
+            </a:r>
           </a:p>
         </p:txBody>
       </p:sp>
@@ -8016,6 +7832,13 @@
   <p:clrMapOvr>
     <a:masterClrMapping/>
   </p:clrMapOvr>
+  <p:timing>
+    <p:tnLst>
+      <p:par>
+        <p:cTn id="1" dur="indefinite" restart="never" nodeType="tmRoot"/>
+      </p:par>
+    </p:tnLst>
+  </p:timing>
 </p:sld>
 </file>
 
@@ -8049,7 +7872,7 @@
           <p:cNvPr id="4" name="Title 3">
             <a:extLst>
               <a:ext uri="{FF2B5EF4-FFF2-40B4-BE49-F238E27FC236}">
-                <a16:creationId xmlns:a16="http://schemas.microsoft.com/office/drawing/2014/main" xmlns="" id="{8DE5C918-E452-41B9-A5F2-EFA4F9294C74}"/>
+                <a16:creationId xmlns="" xmlns:a16="http://schemas.microsoft.com/office/drawing/2014/main" id="{8DE5C918-E452-41B9-A5F2-EFA4F9294C74}"/>
               </a:ext>
             </a:extLst>
           </p:cNvPr>
@@ -8089,7 +7912,7 @@
           <p:cNvPr id="5" name="Text Placeholder 4">
             <a:extLst>
               <a:ext uri="{FF2B5EF4-FFF2-40B4-BE49-F238E27FC236}">
-                <a16:creationId xmlns:a16="http://schemas.microsoft.com/office/drawing/2014/main" xmlns="" id="{7910FB3A-C533-4698-B23B-C4973933FC66}"/>
+                <a16:creationId xmlns="" xmlns:a16="http://schemas.microsoft.com/office/drawing/2014/main" id="{7910FB3A-C533-4698-B23B-C4973933FC66}"/>
               </a:ext>
             </a:extLst>
           </p:cNvPr>
@@ -8126,10 +7949,10 @@
           <p:cNvPr id="135" name="Oval 134">
             <a:extLst>
               <a:ext uri="{FF2B5EF4-FFF2-40B4-BE49-F238E27FC236}">
-                <a16:creationId xmlns:a16="http://schemas.microsoft.com/office/drawing/2014/main" xmlns="" id="{FBC3EAFD-A275-4F9B-8F62-72B6678F35A8}"/>
+                <a16:creationId xmlns="" xmlns:a16="http://schemas.microsoft.com/office/drawing/2014/main" id="{FBC3EAFD-A275-4F9B-8F62-72B6678F35A8}"/>
               </a:ext>
               <a:ext uri="{C183D7F6-B498-43B3-948B-1728B52AA6E4}">
-                <adec:decorative xmlns:adec="http://schemas.microsoft.com/office/drawing/2017/decorative" xmlns="" val="1"/>
+                <adec:decorative xmlns="" xmlns:adec="http://schemas.microsoft.com/office/drawing/2017/decorative" val="1"/>
               </a:ext>
             </a:extLst>
           </p:cNvPr>
@@ -8139,7 +7962,7 @@
           <p:nvPr>
             <p:extLst>
               <p:ext uri="{386F3935-93C4-4BCD-93E2-E3B085C9AB24}">
-                <p16:designElem xmlns:p16="http://schemas.microsoft.com/office/powerpoint/2015/main" xmlns="" val="1"/>
+                <p16:designElem xmlns="" xmlns:p16="http://schemas.microsoft.com/office/powerpoint/2015/main" val="1"/>
               </p:ext>
             </p:extLst>
           </p:nvPr>
@@ -8189,10 +8012,10 @@
           <p:cNvPr id="137" name="Oval 136">
             <a:extLst>
               <a:ext uri="{FF2B5EF4-FFF2-40B4-BE49-F238E27FC236}">
-                <a16:creationId xmlns:a16="http://schemas.microsoft.com/office/drawing/2014/main" xmlns="" id="{06E64A6D-2B9F-4AAD-AB42-A61BAF01AC12}"/>
+                <a16:creationId xmlns="" xmlns:a16="http://schemas.microsoft.com/office/drawing/2014/main" id="{06E64A6D-2B9F-4AAD-AB42-A61BAF01AC12}"/>
               </a:ext>
               <a:ext uri="{C183D7F6-B498-43B3-948B-1728B52AA6E4}">
-                <adec:decorative xmlns:adec="http://schemas.microsoft.com/office/drawing/2017/decorative" xmlns="" val="1"/>
+                <adec:decorative xmlns="" xmlns:adec="http://schemas.microsoft.com/office/drawing/2017/decorative" val="1"/>
               </a:ext>
             </a:extLst>
           </p:cNvPr>
@@ -8202,7 +8025,7 @@
           <p:nvPr>
             <p:extLst>
               <p:ext uri="{386F3935-93C4-4BCD-93E2-E3B085C9AB24}">
-                <p16:designElem xmlns:p16="http://schemas.microsoft.com/office/powerpoint/2015/main" xmlns="" val="1"/>
+                <p16:designElem xmlns="" xmlns:p16="http://schemas.microsoft.com/office/powerpoint/2015/main" val="1"/>
               </p:ext>
             </p:extLst>
           </p:nvPr>
@@ -8254,7 +8077,7 @@
           <p:cNvPr id="2050" name="Picture 2" descr="Image result for Vote of thanks">
             <a:extLst>
               <a:ext uri="{FF2B5EF4-FFF2-40B4-BE49-F238E27FC236}">
-                <a16:creationId xmlns:a16="http://schemas.microsoft.com/office/drawing/2014/main" xmlns="" id="{C34D6FB8-9F9B-4CE6-8C11-FD184C218FBD}"/>
+                <a16:creationId xmlns="" xmlns:a16="http://schemas.microsoft.com/office/drawing/2014/main" id="{C34D6FB8-9F9B-4CE6-8C11-FD184C218FBD}"/>
               </a:ext>
             </a:extLst>
           </p:cNvPr>
@@ -8362,10 +8185,10 @@
           <p:cNvPr id="139" name="Picture 138">
             <a:extLst>
               <a:ext uri="{FF2B5EF4-FFF2-40B4-BE49-F238E27FC236}">
-                <a16:creationId xmlns:a16="http://schemas.microsoft.com/office/drawing/2014/main" xmlns="" id="{C51881DD-AD85-41BE-8A49-C2FB45800E10}"/>
+                <a16:creationId xmlns="" xmlns:a16="http://schemas.microsoft.com/office/drawing/2014/main" id="{C51881DD-AD85-41BE-8A49-C2FB45800E10}"/>
               </a:ext>
               <a:ext uri="{C183D7F6-B498-43B3-948B-1728B52AA6E4}">
-                <adec:decorative xmlns:adec="http://schemas.microsoft.com/office/drawing/2017/decorative" xmlns="" val="1"/>
+                <adec:decorative xmlns="" xmlns:adec="http://schemas.microsoft.com/office/drawing/2017/decorative" val="1"/>
               </a:ext>
             </a:extLst>
           </p:cNvPr>
@@ -8375,7 +8198,7 @@
           <p:nvPr>
             <p:extLst>
               <p:ext uri="{386F3935-93C4-4BCD-93E2-E3B085C9AB24}">
-                <p16:designElem xmlns:p16="http://schemas.microsoft.com/office/powerpoint/2015/main" xmlns="" val="1"/>
+                <p16:designElem xmlns="" xmlns:p16="http://schemas.microsoft.com/office/powerpoint/2015/main" val="1"/>
               </p:ext>
             </p:extLst>
           </p:nvPr>
@@ -8467,10 +8290,10 @@
           <p:cNvPr id="141" name="Straight Connector 140">
             <a:extLst>
               <a:ext uri="{FF2B5EF4-FFF2-40B4-BE49-F238E27FC236}">
-                <a16:creationId xmlns:a16="http://schemas.microsoft.com/office/drawing/2014/main" xmlns="" id="{9AD20FE8-ED02-4CDE-83B1-A1436305C3DC}"/>
+                <a16:creationId xmlns="" xmlns:a16="http://schemas.microsoft.com/office/drawing/2014/main" id="{9AD20FE8-ED02-4CDE-83B1-A1436305C3DC}"/>
               </a:ext>
               <a:ext uri="{C183D7F6-B498-43B3-948B-1728B52AA6E4}">
-                <adec:decorative xmlns:adec="http://schemas.microsoft.com/office/drawing/2017/decorative" xmlns="" val="1"/>
+                <adec:decorative xmlns="" xmlns:adec="http://schemas.microsoft.com/office/drawing/2017/decorative" val="1"/>
               </a:ext>
             </a:extLst>
           </p:cNvPr>
@@ -8480,7 +8303,7 @@
           <p:nvPr>
             <p:extLst>
               <p:ext uri="{386F3935-93C4-4BCD-93E2-E3B085C9AB24}">
-                <p16:designElem xmlns:p16="http://schemas.microsoft.com/office/powerpoint/2015/main" xmlns="" val="1"/>
+                <p16:designElem xmlns="" xmlns:p16="http://schemas.microsoft.com/office/powerpoint/2015/main" val="1"/>
               </p:ext>
             </p:extLst>
           </p:nvPr>
@@ -8519,7 +8342,7 @@
           <p:cNvPr id="17" name="Picture 6" descr="Image result for jp morgan logo">
             <a:extLst>
               <a:ext uri="{FF2B5EF4-FFF2-40B4-BE49-F238E27FC236}">
-                <a16:creationId xmlns:a16="http://schemas.microsoft.com/office/drawing/2014/main" xmlns="" id="{C98A6394-6E49-41D6-B142-3B6C32F3492C}"/>
+                <a16:creationId xmlns="" xmlns:a16="http://schemas.microsoft.com/office/drawing/2014/main" id="{C98A6394-6E49-41D6-B142-3B6C32F3492C}"/>
               </a:ext>
             </a:extLst>
           </p:cNvPr>
@@ -8566,7 +8389,7 @@
           <p:cNvPr id="18" name="Picture 17">
             <a:extLst>
               <a:ext uri="{FF2B5EF4-FFF2-40B4-BE49-F238E27FC236}">
-                <a16:creationId xmlns:a16="http://schemas.microsoft.com/office/drawing/2014/main" xmlns="" id="{7E771955-898D-4E7A-8F45-8EA79F1647DC}"/>
+                <a16:creationId xmlns="" xmlns:a16="http://schemas.microsoft.com/office/drawing/2014/main" id="{7E771955-898D-4E7A-8F45-8EA79F1647DC}"/>
               </a:ext>
             </a:extLst>
           </p:cNvPr>
@@ -8602,7 +8425,7 @@
           <p:cNvPr id="19" name="Straight Connector 18">
             <a:extLst>
               <a:ext uri="{FF2B5EF4-FFF2-40B4-BE49-F238E27FC236}">
-                <a16:creationId xmlns:a16="http://schemas.microsoft.com/office/drawing/2014/main" xmlns="" id="{70B1E49D-0FB5-4423-893A-767B43E3FD54}"/>
+                <a16:creationId xmlns="" xmlns:a16="http://schemas.microsoft.com/office/drawing/2014/main" id="{70B1E49D-0FB5-4423-893A-767B43E3FD54}"/>
               </a:ext>
             </a:extLst>
           </p:cNvPr>
@@ -8681,10 +8504,10 @@
           <p:cNvPr id="8" name="Rectangle 7">
             <a:extLst>
               <a:ext uri="{FF2B5EF4-FFF2-40B4-BE49-F238E27FC236}">
-                <a16:creationId xmlns:a16="http://schemas.microsoft.com/office/drawing/2014/main" xmlns="" id="{3B854194-185D-494D-905C-7C7CB2E30F6E}"/>
+                <a16:creationId xmlns="" xmlns:a16="http://schemas.microsoft.com/office/drawing/2014/main" id="{3B854194-185D-494D-905C-7C7CB2E30F6E}"/>
               </a:ext>
               <a:ext uri="{C183D7F6-B498-43B3-948B-1728B52AA6E4}">
-                <adec:decorative xmlns:adec="http://schemas.microsoft.com/office/drawing/2017/decorative" xmlns="" val="1"/>
+                <adec:decorative xmlns="" xmlns:adec="http://schemas.microsoft.com/office/drawing/2017/decorative" val="1"/>
               </a:ext>
             </a:extLst>
           </p:cNvPr>
@@ -8694,7 +8517,7 @@
           <p:nvPr>
             <p:extLst>
               <p:ext uri="{386F3935-93C4-4BCD-93E2-E3B085C9AB24}">
-                <p16:designElem xmlns:p16="http://schemas.microsoft.com/office/powerpoint/2015/main" xmlns="" val="1"/>
+                <p16:designElem xmlns="" xmlns:p16="http://schemas.microsoft.com/office/powerpoint/2015/main" val="1"/>
               </p:ext>
             </p:extLst>
           </p:nvPr>
@@ -8741,10 +8564,10 @@
           <p:cNvPr id="10" name="Rectangle 9">
             <a:extLst>
               <a:ext uri="{FF2B5EF4-FFF2-40B4-BE49-F238E27FC236}">
-                <a16:creationId xmlns:a16="http://schemas.microsoft.com/office/drawing/2014/main" xmlns="" id="{B4F5FA0D-0104-4987-8241-EFF7C85B88DE}"/>
+                <a16:creationId xmlns="" xmlns:a16="http://schemas.microsoft.com/office/drawing/2014/main" id="{B4F5FA0D-0104-4987-8241-EFF7C85B88DE}"/>
               </a:ext>
               <a:ext uri="{C183D7F6-B498-43B3-948B-1728B52AA6E4}">
-                <adec:decorative xmlns:adec="http://schemas.microsoft.com/office/drawing/2017/decorative" xmlns="" val="1"/>
+                <adec:decorative xmlns="" xmlns:adec="http://schemas.microsoft.com/office/drawing/2017/decorative" val="1"/>
               </a:ext>
             </a:extLst>
           </p:cNvPr>
@@ -8754,7 +8577,7 @@
           <p:nvPr>
             <p:extLst>
               <p:ext uri="{386F3935-93C4-4BCD-93E2-E3B085C9AB24}">
-                <p16:designElem xmlns:p16="http://schemas.microsoft.com/office/powerpoint/2015/main" xmlns="" val="1"/>
+                <p16:designElem xmlns="" xmlns:p16="http://schemas.microsoft.com/office/powerpoint/2015/main" val="1"/>
               </p:ext>
             </p:extLst>
           </p:nvPr>
@@ -8826,10 +8649,10 @@
           <p:cNvPr id="12" name="Picture 11">
             <a:extLst>
               <a:ext uri="{FF2B5EF4-FFF2-40B4-BE49-F238E27FC236}">
-                <a16:creationId xmlns:a16="http://schemas.microsoft.com/office/drawing/2014/main" xmlns="" id="{2897127E-6CEF-446C-BE87-93B7C46E49D1}"/>
+                <a16:creationId xmlns="" xmlns:a16="http://schemas.microsoft.com/office/drawing/2014/main" id="{2897127E-6CEF-446C-BE87-93B7C46E49D1}"/>
               </a:ext>
               <a:ext uri="{C183D7F6-B498-43B3-948B-1728B52AA6E4}">
-                <adec:decorative xmlns:adec="http://schemas.microsoft.com/office/drawing/2017/decorative" xmlns="" val="1"/>
+                <adec:decorative xmlns="" xmlns:adec="http://schemas.microsoft.com/office/drawing/2017/decorative" val="1"/>
               </a:ext>
             </a:extLst>
           </p:cNvPr>
@@ -8839,7 +8662,7 @@
           <p:nvPr>
             <p:extLst>
               <p:ext uri="{386F3935-93C4-4BCD-93E2-E3B085C9AB24}">
-                <p16:designElem xmlns:p16="http://schemas.microsoft.com/office/powerpoint/2015/main" xmlns="" val="1"/>
+                <p16:designElem xmlns="" xmlns:p16="http://schemas.microsoft.com/office/powerpoint/2015/main" val="1"/>
               </p:ext>
             </p:extLst>
           </p:nvPr>
@@ -8871,7 +8694,7 @@
           <p:cNvPr id="2" name="Title 1">
             <a:extLst>
               <a:ext uri="{FF2B5EF4-FFF2-40B4-BE49-F238E27FC236}">
-                <a16:creationId xmlns:a16="http://schemas.microsoft.com/office/drawing/2014/main" xmlns="" id="{11571D7C-99F9-4A30-B5A2-A2988F091A34}"/>
+                <a16:creationId xmlns="" xmlns:a16="http://schemas.microsoft.com/office/drawing/2014/main" id="{11571D7C-99F9-4A30-B5A2-A2988F091A34}"/>
               </a:ext>
             </a:extLst>
           </p:cNvPr>
@@ -8910,7 +8733,7 @@
           <p:cNvPr id="3" name="Content Placeholder 2">
             <a:extLst>
               <a:ext uri="{FF2B5EF4-FFF2-40B4-BE49-F238E27FC236}">
-                <a16:creationId xmlns:a16="http://schemas.microsoft.com/office/drawing/2014/main" xmlns="" id="{114BDB89-D0C0-4AD8-941E-BFC9D031585F}"/>
+                <a16:creationId xmlns="" xmlns:a16="http://schemas.microsoft.com/office/drawing/2014/main" id="{114BDB89-D0C0-4AD8-941E-BFC9D031585F}"/>
               </a:ext>
             </a:extLst>
           </p:cNvPr>
@@ -8934,60 +8757,56 @@
           <a:lstStyle/>
           <a:p>
             <a:r>
-              <a:rPr lang="en-IN" sz="1100" dirty="0"/>
+              <a:rPr lang="en-IN" sz="1250" dirty="0"/>
               <a:t>The Vehicle Insurance Management System has been developed to override the problems prevailing in the existing manual system. So, the idea is to automate the existing manual system by developing full-fledged, error free, secure, reliable online solution that can store non-redundant and valuable data for a longer period and provide good performance and better services to the customer.</a:t>
             </a:r>
-            <a:endParaRPr lang="en-US" sz="1100" dirty="0"/>
+            <a:endParaRPr lang="en-US" sz="1250" dirty="0"/>
           </a:p>
           <a:p>
             <a:r>
-              <a:rPr lang="en-IN" sz="1100" dirty="0"/>
-              <a:t>According to existing system, the agent would act as a mediator between the insurer (service provider) and the insured(Customer). It leads to excess charges of payment in terms of brokerage and token money to the Customer. Also, there are no means for tracking status of the insurance application issued for the Customer. </a:t>
+              <a:rPr lang="en-IN" sz="1250" dirty="0"/>
+              <a:t>According to existing system, the agent would act as a mediator between the insurer (service provider) and the insured(Customer). It leads to excess charges of payment in terms of brokerage and token money to the Customer. Also, there are no means for tracking status of the insurance application issued for the Customer. The Customer validation is done only via staff of the service provider. </a:t>
             </a:r>
+            <a:endParaRPr lang="en-IN" sz="1250" dirty="0" smtClean="0"/>
+          </a:p>
+          <a:p>
             <a:r>
-              <a:rPr lang="en-IN" sz="1100" dirty="0"/>
-              <a:t>The Customer validation is done only via staff of the service provider. </a:t>
-            </a:r>
-            <a:endParaRPr lang="en-IN" sz="1100" dirty="0" smtClean="0"/>
-          </a:p>
-          <a:p>
-            <a:r>
-              <a:rPr lang="en-IN" sz="1100" dirty="0"/>
+              <a:rPr lang="en-IN" sz="1250" dirty="0"/>
               <a:t>The proposed vehicle insurance policy system is a web-based application that aims to develop a complete and fully functional independent system to manage records of vehicle insurance companies. It is developed with the intent of providing such insurance companies and online platform for accurate processing, organized data handling and efficient retrieval and storage of </a:t>
             </a:r>
             <a:r>
-              <a:rPr lang="en-IN" sz="1100" dirty="0" smtClean="0"/>
+              <a:rPr lang="en-IN" sz="1250" dirty="0" smtClean="0"/>
               <a:t>records</a:t>
             </a:r>
           </a:p>
           <a:p>
             <a:r>
-              <a:rPr lang="en-IN" sz="1100" dirty="0"/>
+              <a:rPr lang="en-IN" sz="1250" dirty="0"/>
               <a:t>The Key Features of the Proposed System are:</a:t>
             </a:r>
-            <a:endParaRPr lang="en-US" sz="1100" dirty="0"/>
+            <a:endParaRPr lang="en-US" sz="1250" dirty="0"/>
           </a:p>
           <a:p>
             <a:pPr lvl="1"/>
             <a:r>
-              <a:rPr lang="en-IN" sz="800" dirty="0"/>
+              <a:rPr lang="en-IN" sz="1250" dirty="0"/>
               <a:t>Proper management of vehicle insurance details like add new vehicle details, modify existing records, delete existing records etc</a:t>
             </a:r>
             <a:r>
-              <a:rPr lang="en-IN" sz="800" dirty="0" smtClean="0"/>
+              <a:rPr lang="en-IN" sz="1250" dirty="0" smtClean="0"/>
               <a:t>.</a:t>
             </a:r>
           </a:p>
           <a:p>
             <a:pPr lvl="1"/>
             <a:r>
-              <a:rPr lang="en-IN" sz="800" dirty="0" smtClean="0"/>
+              <a:rPr lang="en-IN" sz="1250" dirty="0" smtClean="0"/>
               <a:t>The system provide facilities such as Buy a policy, renew policy, view policy, raise a Query, view Query.</a:t>
             </a:r>
-            <a:endParaRPr lang="en-US" sz="700" dirty="0"/>
-          </a:p>
-          <a:p>
-            <a:endParaRPr lang="en-US" sz="2400" dirty="0">
+            <a:endParaRPr lang="en-US" sz="1250" dirty="0"/>
+          </a:p>
+          <a:p>
+            <a:endParaRPr lang="en-US" sz="1250" dirty="0">
               <a:solidFill>
                 <a:srgbClr val="000000"/>
               </a:solidFill>
@@ -9005,6 +8824,13 @@
   <p:clrMapOvr>
     <a:masterClrMapping/>
   </p:clrMapOvr>
+  <p:timing>
+    <p:tnLst>
+      <p:par>
+        <p:cTn id="1" dur="indefinite" restart="never" nodeType="tmRoot"/>
+      </p:par>
+    </p:tnLst>
+  </p:timing>
 </p:sld>
 </file>
 
@@ -9038,10 +8864,10 @@
           <p:cNvPr id="18" name="Rectangle 14">
             <a:extLst>
               <a:ext uri="{FF2B5EF4-FFF2-40B4-BE49-F238E27FC236}">
-                <a16:creationId xmlns:a16="http://schemas.microsoft.com/office/drawing/2014/main" xmlns="" id="{30992ED3-FA99-4FAD-A3CA-2B9B3BB8B48E}"/>
+                <a16:creationId xmlns="" xmlns:a16="http://schemas.microsoft.com/office/drawing/2014/main" id="{30992ED3-FA99-4FAD-A3CA-2B9B3BB8B48E}"/>
               </a:ext>
               <a:ext uri="{C183D7F6-B498-43B3-948B-1728B52AA6E4}">
-                <adec:decorative xmlns:adec="http://schemas.microsoft.com/office/drawing/2017/decorative" xmlns="" val="1"/>
+                <adec:decorative xmlns="" xmlns:adec="http://schemas.microsoft.com/office/drawing/2017/decorative" val="1"/>
               </a:ext>
             </a:extLst>
           </p:cNvPr>
@@ -9051,7 +8877,7 @@
           <p:nvPr>
             <p:extLst>
               <p:ext uri="{386F3935-93C4-4BCD-93E2-E3B085C9AB24}">
-                <p16:designElem xmlns:p16="http://schemas.microsoft.com/office/powerpoint/2015/main" xmlns="" val="1"/>
+                <p16:designElem xmlns="" xmlns:p16="http://schemas.microsoft.com/office/powerpoint/2015/main" val="1"/>
               </p:ext>
             </p:extLst>
           </p:nvPr>
@@ -9092,7 +8918,7 @@
           <p:cNvPr id="2" name="Title 1">
             <a:extLst>
               <a:ext uri="{FF2B5EF4-FFF2-40B4-BE49-F238E27FC236}">
-                <a16:creationId xmlns:a16="http://schemas.microsoft.com/office/drawing/2014/main" xmlns="" id="{30951DFF-88F9-40A2-A6C3-5114BA10C6B3}"/>
+                <a16:creationId xmlns="" xmlns:a16="http://schemas.microsoft.com/office/drawing/2014/main" id="{30951DFF-88F9-40A2-A6C3-5114BA10C6B3}"/>
               </a:ext>
             </a:extLst>
           </p:cNvPr>
@@ -9131,7 +8957,7 @@
           <p:cNvPr id="12" name="Content Placeholder 11">
             <a:extLst>
               <a:ext uri="{FF2B5EF4-FFF2-40B4-BE49-F238E27FC236}">
-                <a16:creationId xmlns:a16="http://schemas.microsoft.com/office/drawing/2014/main" xmlns="" id="{7EBD4ECD-2EE9-420E-9D44-D45149D5A314}"/>
+                <a16:creationId xmlns="" xmlns:a16="http://schemas.microsoft.com/office/drawing/2014/main" id="{7EBD4ECD-2EE9-420E-9D44-D45149D5A314}"/>
               </a:ext>
             </a:extLst>
           </p:cNvPr>
@@ -9144,36 +8970,51 @@
         </p:nvSpPr>
         <p:spPr>
           <a:xfrm>
-            <a:off x="814339" y="5200174"/>
+            <a:off x="762823" y="136288"/>
             <a:ext cx="6930352" cy="1014358"/>
           </a:xfrm>
         </p:spPr>
         <p:txBody>
           <a:bodyPr>
-            <a:normAutofit fontScale="85000" lnSpcReduction="20000"/>
+            <a:normAutofit/>
           </a:bodyPr>
           <a:lstStyle/>
           <a:p>
+            <a:pPr marL="2743200" lvl="6" indent="0">
+              <a:buNone/>
+            </a:pPr>
             <a:r>
-              <a:rPr lang="en-US" sz="2400" dirty="0" smtClean="0"/>
-              <a:t>Query</a:t>
-            </a:r>
-          </a:p>
-          <a:p>
-            <a:r>
-              <a:rPr lang="en-US" sz="2400" dirty="0" smtClean="0"/>
+              <a:rPr lang="en-US" sz="1400" dirty="0" smtClean="0"/>
               <a:t>Policy</a:t>
             </a:r>
-          </a:p>
-          <a:p>
-            <a:r>
-              <a:rPr lang="en-US" sz="2400" dirty="0" smtClean="0"/>
-              <a:t>Claim</a:t>
-            </a:r>
-            <a:endParaRPr lang="en-US" sz="2400" dirty="0"/>
+            <a:endParaRPr lang="en-US" sz="1400" dirty="0" smtClean="0"/>
           </a:p>
         </p:txBody>
       </p:sp>
+      <p:pic>
+        <p:nvPicPr>
+          <p:cNvPr id="3" name="Picture 2"/>
+          <p:cNvPicPr>
+            <a:picLocks noChangeAspect="1"/>
+          </p:cNvPicPr>
+          <p:nvPr/>
+        </p:nvPicPr>
+        <p:blipFill>
+          <a:blip r:embed="rId2"/>
+          <a:stretch>
+            <a:fillRect/>
+          </a:stretch>
+        </p:blipFill>
+        <p:spPr>
+          <a:xfrm>
+            <a:off x="-29562" y="643467"/>
+            <a:ext cx="7958932" cy="5543733"/>
+          </a:xfrm>
+          <a:prstGeom prst="rect">
+            <a:avLst/>
+          </a:prstGeom>
+        </p:spPr>
+      </p:pic>
     </p:spTree>
     <p:extLst>
       <p:ext uri="{BB962C8B-B14F-4D97-AF65-F5344CB8AC3E}">
@@ -9184,20 +9025,19 @@
   <p:clrMapOvr>
     <a:masterClrMapping/>
   </p:clrMapOvr>
+  <p:timing>
+    <p:tnLst>
+      <p:par>
+        <p:cTn id="1" dur="indefinite" restart="never" nodeType="tmRoot"/>
+      </p:par>
+    </p:tnLst>
+  </p:timing>
 </p:sld>
 </file>
 
 <file path=ppt/slides/slide4.xml><?xml version="1.0" encoding="utf-8"?>
 <p:sld xmlns:a="http://schemas.openxmlformats.org/drawingml/2006/main" xmlns:r="http://schemas.openxmlformats.org/officeDocument/2006/relationships" xmlns:p="http://schemas.openxmlformats.org/presentationml/2006/main">
   <p:cSld>
-    <p:bg>
-      <p:bgPr>
-        <a:solidFill>
-          <a:schemeClr val="bg1"/>
-        </a:solidFill>
-        <a:effectLst/>
-      </p:bgPr>
-    </p:bg>
     <p:spTree>
       <p:nvGrpSpPr>
         <p:cNvPr id="1" name=""/>
@@ -9217,10 +9057,10 @@
           <p:cNvPr id="18" name="Rectangle 14">
             <a:extLst>
               <a:ext uri="{FF2B5EF4-FFF2-40B4-BE49-F238E27FC236}">
-                <a16:creationId xmlns:a16="http://schemas.microsoft.com/office/drawing/2014/main" xmlns="" id="{30992ED3-FA99-4FAD-A3CA-2B9B3BB8B48E}"/>
+                <a16:creationId xmlns="" xmlns:a16="http://schemas.microsoft.com/office/drawing/2014/main" id="{30992ED3-FA99-4FAD-A3CA-2B9B3BB8B48E}"/>
               </a:ext>
               <a:ext uri="{C183D7F6-B498-43B3-948B-1728B52AA6E4}">
-                <adec:decorative xmlns:adec="http://schemas.microsoft.com/office/drawing/2017/decorative" xmlns="" val="1"/>
+                <adec:decorative xmlns="" xmlns:adec="http://schemas.microsoft.com/office/drawing/2017/decorative" val="1"/>
               </a:ext>
             </a:extLst>
           </p:cNvPr>
@@ -9230,7 +9070,7 @@
           <p:nvPr>
             <p:extLst>
               <p:ext uri="{386F3935-93C4-4BCD-93E2-E3B085C9AB24}">
-                <p16:designElem xmlns:p16="http://schemas.microsoft.com/office/powerpoint/2015/main" xmlns="" val="1"/>
+                <p16:designElem xmlns="" xmlns:p16="http://schemas.microsoft.com/office/powerpoint/2015/main" val="1"/>
               </p:ext>
             </p:extLst>
           </p:nvPr>
@@ -9271,7 +9111,7 @@
           <p:cNvPr id="2" name="Title 1">
             <a:extLst>
               <a:ext uri="{FF2B5EF4-FFF2-40B4-BE49-F238E27FC236}">
-                <a16:creationId xmlns:a16="http://schemas.microsoft.com/office/drawing/2014/main" xmlns="" id="{30951DFF-88F9-40A2-A6C3-5114BA10C6B3}"/>
+                <a16:creationId xmlns="" xmlns:a16="http://schemas.microsoft.com/office/drawing/2014/main" id="{30951DFF-88F9-40A2-A6C3-5114BA10C6B3}"/>
               </a:ext>
             </a:extLst>
           </p:cNvPr>
@@ -9300,7 +9140,7 @@
                   <a:srgbClr val="FFFFFF"/>
                 </a:solidFill>
               </a:rPr>
-              <a:t>Swim lane activity diagram</a:t>
+              <a:t>Use case diagrams</a:t>
             </a:r>
           </a:p>
         </p:txBody>
@@ -9310,7 +9150,7 @@
           <p:cNvPr id="12" name="Content Placeholder 11">
             <a:extLst>
               <a:ext uri="{FF2B5EF4-FFF2-40B4-BE49-F238E27FC236}">
-                <a16:creationId xmlns:a16="http://schemas.microsoft.com/office/drawing/2014/main" xmlns="" id="{7EBD4ECD-2EE9-420E-9D44-D45149D5A314}"/>
+                <a16:creationId xmlns="" xmlns:a16="http://schemas.microsoft.com/office/drawing/2014/main" id="{7EBD4ECD-2EE9-420E-9D44-D45149D5A314}"/>
               </a:ext>
             </a:extLst>
           </p:cNvPr>
@@ -9323,7 +9163,7 @@
         </p:nvSpPr>
         <p:spPr>
           <a:xfrm>
-            <a:off x="814339" y="5200174"/>
+            <a:off x="852975" y="136288"/>
             <a:ext cx="6930352" cy="1014358"/>
           </a:xfrm>
         </p:spPr>
@@ -9333,20 +9173,58 @@
           </a:bodyPr>
           <a:lstStyle/>
           <a:p>
-            <a:endParaRPr lang="en-US" sz="2400" dirty="0"/>
+            <a:pPr marL="2743200" lvl="6" indent="0">
+              <a:buNone/>
+            </a:pPr>
+            <a:r>
+              <a:rPr lang="en-US" sz="1600" dirty="0" smtClean="0"/>
+              <a:t>Query</a:t>
+            </a:r>
+            <a:endParaRPr lang="en-US" sz="1600" dirty="0"/>
           </a:p>
         </p:txBody>
       </p:sp>
+      <p:pic>
+        <p:nvPicPr>
+          <p:cNvPr id="3" name="Picture 2"/>
+          <p:cNvPicPr>
+            <a:picLocks noChangeAspect="1"/>
+          </p:cNvPicPr>
+          <p:nvPr/>
+        </p:nvPicPr>
+        <p:blipFill>
+          <a:blip r:embed="rId2"/>
+          <a:stretch>
+            <a:fillRect/>
+          </a:stretch>
+        </p:blipFill>
+        <p:spPr>
+          <a:xfrm>
+            <a:off x="234132" y="643467"/>
+            <a:ext cx="7695238" cy="4666667"/>
+          </a:xfrm>
+          <a:prstGeom prst="rect">
+            <a:avLst/>
+          </a:prstGeom>
+        </p:spPr>
+      </p:pic>
     </p:spTree>
     <p:extLst>
       <p:ext uri="{BB962C8B-B14F-4D97-AF65-F5344CB8AC3E}">
-        <p14:creationId xmlns:p14="http://schemas.microsoft.com/office/powerpoint/2010/main" val="955860337"/>
+        <p14:creationId xmlns:p14="http://schemas.microsoft.com/office/powerpoint/2010/main" val="3639712029"/>
       </p:ext>
     </p:extLst>
   </p:cSld>
   <p:clrMapOvr>
     <a:masterClrMapping/>
   </p:clrMapOvr>
+  <p:timing>
+    <p:tnLst>
+      <p:par>
+        <p:cTn id="1" dur="indefinite" restart="never" nodeType="tmRoot"/>
+      </p:par>
+    </p:tnLst>
+  </p:timing>
 </p:sld>
 </file>
 
@@ -9380,10 +9258,10 @@
           <p:cNvPr id="8" name="Rectangle 7">
             <a:extLst>
               <a:ext uri="{FF2B5EF4-FFF2-40B4-BE49-F238E27FC236}">
-                <a16:creationId xmlns:a16="http://schemas.microsoft.com/office/drawing/2014/main" xmlns="" id="{15911E3A-C35B-4EF7-A355-B84E9A14AF4D}"/>
+                <a16:creationId xmlns="" xmlns:a16="http://schemas.microsoft.com/office/drawing/2014/main" id="{15911E3A-C35B-4EF7-A355-B84E9A14AF4D}"/>
               </a:ext>
               <a:ext uri="{C183D7F6-B498-43B3-948B-1728B52AA6E4}">
-                <adec:decorative xmlns:adec="http://schemas.microsoft.com/office/drawing/2017/decorative" xmlns="" val="1"/>
+                <adec:decorative xmlns="" xmlns:adec="http://schemas.microsoft.com/office/drawing/2017/decorative" val="1"/>
               </a:ext>
             </a:extLst>
           </p:cNvPr>
@@ -9393,7 +9271,7 @@
           <p:nvPr>
             <p:extLst>
               <p:ext uri="{386F3935-93C4-4BCD-93E2-E3B085C9AB24}">
-                <p16:designElem xmlns:p16="http://schemas.microsoft.com/office/powerpoint/2015/main" xmlns="" val="1"/>
+                <p16:designElem xmlns="" xmlns:p16="http://schemas.microsoft.com/office/powerpoint/2015/main" val="1"/>
               </p:ext>
             </p:extLst>
           </p:nvPr>
@@ -9469,10 +9347,10 @@
           <p:cNvPr id="10" name="Group 9">
             <a:extLst>
               <a:ext uri="{FF2B5EF4-FFF2-40B4-BE49-F238E27FC236}">
-                <a16:creationId xmlns:a16="http://schemas.microsoft.com/office/drawing/2014/main" xmlns="" id="{E21ADB3D-AD65-44B4-847D-5E90E90A5D16}"/>
+                <a16:creationId xmlns="" xmlns:a16="http://schemas.microsoft.com/office/drawing/2014/main" id="{E21ADB3D-AD65-44B4-847D-5E90E90A5D16}"/>
               </a:ext>
               <a:ext uri="{C183D7F6-B498-43B3-948B-1728B52AA6E4}">
-                <adec:decorative xmlns:adec="http://schemas.microsoft.com/office/drawing/2017/decorative" xmlns="" val="1"/>
+                <adec:decorative xmlns="" xmlns:adec="http://schemas.microsoft.com/office/drawing/2017/decorative" val="1"/>
               </a:ext>
             </a:extLst>
           </p:cNvPr>
@@ -9482,7 +9360,7 @@
           <p:nvPr>
             <p:extLst>
               <p:ext uri="{386F3935-93C4-4BCD-93E2-E3B085C9AB24}">
-                <p16:designElem xmlns:p16="http://schemas.microsoft.com/office/powerpoint/2015/main" xmlns="" val="1"/>
+                <p16:designElem xmlns="" xmlns:p16="http://schemas.microsoft.com/office/powerpoint/2015/main" val="1"/>
               </p:ext>
             </p:extLst>
           </p:nvPr>
@@ -9500,10 +9378,10 @@
             <p:cNvPr id="11" name="Freeform 5">
               <a:extLst>
                 <a:ext uri="{FF2B5EF4-FFF2-40B4-BE49-F238E27FC236}">
-                  <a16:creationId xmlns:a16="http://schemas.microsoft.com/office/drawing/2014/main" xmlns="" id="{CF580C70-814C-4845-B645-919BFFBD16BA}"/>
+                  <a16:creationId xmlns="" xmlns:a16="http://schemas.microsoft.com/office/drawing/2014/main" id="{CF580C70-814C-4845-B645-919BFFBD16BA}"/>
                 </a:ext>
                 <a:ext uri="{C183D7F6-B498-43B3-948B-1728B52AA6E4}">
-                  <adec:decorative xmlns:adec="http://schemas.microsoft.com/office/drawing/2017/decorative" xmlns="" val="1"/>
+                  <adec:decorative xmlns="" xmlns:adec="http://schemas.microsoft.com/office/drawing/2017/decorative" val="1"/>
                 </a:ext>
               </a:extLst>
             </p:cNvPr>
@@ -9511,7 +9389,7 @@
             <p:nvPr>
               <p:extLst>
                 <p:ext uri="{386F3935-93C4-4BCD-93E2-E3B085C9AB24}">
-                  <p16:designElem xmlns:p16="http://schemas.microsoft.com/office/powerpoint/2015/main" xmlns="" val="1"/>
+                  <p16:designElem xmlns="" xmlns:p16="http://schemas.microsoft.com/office/powerpoint/2015/main" val="1"/>
                 </p:ext>
               </p:extLst>
             </p:nvPr>
@@ -9568,10 +9446,10 @@
             <p:cNvPr id="12" name="Freeform 6">
               <a:extLst>
                 <a:ext uri="{FF2B5EF4-FFF2-40B4-BE49-F238E27FC236}">
-                  <a16:creationId xmlns:a16="http://schemas.microsoft.com/office/drawing/2014/main" xmlns="" id="{34D7BF57-4CAA-45B2-9EF0-0AA1FCF70B16}"/>
+                  <a16:creationId xmlns="" xmlns:a16="http://schemas.microsoft.com/office/drawing/2014/main" id="{34D7BF57-4CAA-45B2-9EF0-0AA1FCF70B16}"/>
                 </a:ext>
                 <a:ext uri="{C183D7F6-B498-43B3-948B-1728B52AA6E4}">
-                  <adec:decorative xmlns:adec="http://schemas.microsoft.com/office/drawing/2017/decorative" xmlns="" val="1"/>
+                  <adec:decorative xmlns="" xmlns:adec="http://schemas.microsoft.com/office/drawing/2017/decorative" val="1"/>
                 </a:ext>
               </a:extLst>
             </p:cNvPr>
@@ -9579,7 +9457,7 @@
             <p:nvPr>
               <p:extLst>
                 <p:ext uri="{386F3935-93C4-4BCD-93E2-E3B085C9AB24}">
-                  <p16:designElem xmlns:p16="http://schemas.microsoft.com/office/powerpoint/2015/main" xmlns="" val="1"/>
+                  <p16:designElem xmlns="" xmlns:p16="http://schemas.microsoft.com/office/powerpoint/2015/main" val="1"/>
                 </p:ext>
               </p:extLst>
             </p:nvPr>
@@ -9636,10 +9514,10 @@
             <p:cNvPr id="13" name="Freeform 7">
               <a:extLst>
                 <a:ext uri="{FF2B5EF4-FFF2-40B4-BE49-F238E27FC236}">
-                  <a16:creationId xmlns:a16="http://schemas.microsoft.com/office/drawing/2014/main" xmlns="" id="{7886F306-C03A-40C6-8FD5-DCE3D4595D6D}"/>
+                  <a16:creationId xmlns="" xmlns:a16="http://schemas.microsoft.com/office/drawing/2014/main" id="{7886F306-C03A-40C6-8FD5-DCE3D4595D6D}"/>
                 </a:ext>
                 <a:ext uri="{C183D7F6-B498-43B3-948B-1728B52AA6E4}">
-                  <adec:decorative xmlns:adec="http://schemas.microsoft.com/office/drawing/2017/decorative" xmlns="" val="1"/>
+                  <adec:decorative xmlns="" xmlns:adec="http://schemas.microsoft.com/office/drawing/2017/decorative" val="1"/>
                 </a:ext>
               </a:extLst>
             </p:cNvPr>
@@ -9647,7 +9525,7 @@
             <p:nvPr>
               <p:extLst>
                 <p:ext uri="{386F3935-93C4-4BCD-93E2-E3B085C9AB24}">
-                  <p16:designElem xmlns:p16="http://schemas.microsoft.com/office/powerpoint/2015/main" xmlns="" val="1"/>
+                  <p16:designElem xmlns="" xmlns:p16="http://schemas.microsoft.com/office/powerpoint/2015/main" val="1"/>
                 </p:ext>
               </p:extLst>
             </p:nvPr>
@@ -9704,10 +9582,10 @@
             <p:cNvPr id="14" name="Freeform 8">
               <a:extLst>
                 <a:ext uri="{FF2B5EF4-FFF2-40B4-BE49-F238E27FC236}">
-                  <a16:creationId xmlns:a16="http://schemas.microsoft.com/office/drawing/2014/main" xmlns="" id="{2FDC9A36-C7C3-47D7-A64E-ED25C47EC704}"/>
+                  <a16:creationId xmlns="" xmlns:a16="http://schemas.microsoft.com/office/drawing/2014/main" id="{2FDC9A36-C7C3-47D7-A64E-ED25C47EC704}"/>
                 </a:ext>
                 <a:ext uri="{C183D7F6-B498-43B3-948B-1728B52AA6E4}">
-                  <adec:decorative xmlns:adec="http://schemas.microsoft.com/office/drawing/2017/decorative" xmlns="" val="1"/>
+                  <adec:decorative xmlns="" xmlns:adec="http://schemas.microsoft.com/office/drawing/2017/decorative" val="1"/>
                 </a:ext>
               </a:extLst>
             </p:cNvPr>
@@ -9715,7 +9593,7 @@
             <p:nvPr>
               <p:extLst>
                 <p:ext uri="{386F3935-93C4-4BCD-93E2-E3B085C9AB24}">
-                  <p16:designElem xmlns:p16="http://schemas.microsoft.com/office/powerpoint/2015/main" xmlns="" val="1"/>
+                  <p16:designElem xmlns="" xmlns:p16="http://schemas.microsoft.com/office/powerpoint/2015/main" val="1"/>
                 </p:ext>
               </p:extLst>
             </p:nvPr>
@@ -9772,10 +9650,10 @@
             <p:cNvPr id="15" name="Freeform 9">
               <a:extLst>
                 <a:ext uri="{FF2B5EF4-FFF2-40B4-BE49-F238E27FC236}">
-                  <a16:creationId xmlns:a16="http://schemas.microsoft.com/office/drawing/2014/main" xmlns="" id="{BB19BC37-158A-43DC-9A9E-E45CC71954DC}"/>
+                  <a16:creationId xmlns="" xmlns:a16="http://schemas.microsoft.com/office/drawing/2014/main" id="{BB19BC37-158A-43DC-9A9E-E45CC71954DC}"/>
                 </a:ext>
                 <a:ext uri="{C183D7F6-B498-43B3-948B-1728B52AA6E4}">
-                  <adec:decorative xmlns:adec="http://schemas.microsoft.com/office/drawing/2017/decorative" xmlns="" val="1"/>
+                  <adec:decorative xmlns="" xmlns:adec="http://schemas.microsoft.com/office/drawing/2017/decorative" val="1"/>
                 </a:ext>
               </a:extLst>
             </p:cNvPr>
@@ -9783,7 +9661,7 @@
             <p:nvPr>
               <p:extLst>
                 <p:ext uri="{386F3935-93C4-4BCD-93E2-E3B085C9AB24}">
-                  <p16:designElem xmlns:p16="http://schemas.microsoft.com/office/powerpoint/2015/main" xmlns="" val="1"/>
+                  <p16:designElem xmlns="" xmlns:p16="http://schemas.microsoft.com/office/powerpoint/2015/main" val="1"/>
                 </p:ext>
               </p:extLst>
             </p:nvPr>
@@ -9840,10 +9718,10 @@
             <p:cNvPr id="16" name="Freeform 10">
               <a:extLst>
                 <a:ext uri="{FF2B5EF4-FFF2-40B4-BE49-F238E27FC236}">
-                  <a16:creationId xmlns:a16="http://schemas.microsoft.com/office/drawing/2014/main" xmlns="" id="{077654CC-108F-48D5-B5E9-437F164F52A5}"/>
+                  <a16:creationId xmlns="" xmlns:a16="http://schemas.microsoft.com/office/drawing/2014/main" id="{077654CC-108F-48D5-B5E9-437F164F52A5}"/>
                 </a:ext>
                 <a:ext uri="{C183D7F6-B498-43B3-948B-1728B52AA6E4}">
-                  <adec:decorative xmlns:adec="http://schemas.microsoft.com/office/drawing/2017/decorative" xmlns="" val="1"/>
+                  <adec:decorative xmlns="" xmlns:adec="http://schemas.microsoft.com/office/drawing/2017/decorative" val="1"/>
                 </a:ext>
               </a:extLst>
             </p:cNvPr>
@@ -9851,7 +9729,7 @@
             <p:nvPr>
               <p:extLst>
                 <p:ext uri="{386F3935-93C4-4BCD-93E2-E3B085C9AB24}">
-                  <p16:designElem xmlns:p16="http://schemas.microsoft.com/office/powerpoint/2015/main" xmlns="" val="1"/>
+                  <p16:designElem xmlns="" xmlns:p16="http://schemas.microsoft.com/office/powerpoint/2015/main" val="1"/>
                 </p:ext>
               </p:extLst>
             </p:nvPr>
@@ -9908,10 +9786,10 @@
             <p:cNvPr id="17" name="Freeform 11">
               <a:extLst>
                 <a:ext uri="{FF2B5EF4-FFF2-40B4-BE49-F238E27FC236}">
-                  <a16:creationId xmlns:a16="http://schemas.microsoft.com/office/drawing/2014/main" xmlns="" id="{A3CF3A63-1C1E-4E85-A78A-FDC16431E3A0}"/>
+                  <a16:creationId xmlns="" xmlns:a16="http://schemas.microsoft.com/office/drawing/2014/main" id="{A3CF3A63-1C1E-4E85-A78A-FDC16431E3A0}"/>
                 </a:ext>
                 <a:ext uri="{C183D7F6-B498-43B3-948B-1728B52AA6E4}">
-                  <adec:decorative xmlns:adec="http://schemas.microsoft.com/office/drawing/2017/decorative" xmlns="" val="1"/>
+                  <adec:decorative xmlns="" xmlns:adec="http://schemas.microsoft.com/office/drawing/2017/decorative" val="1"/>
                 </a:ext>
               </a:extLst>
             </p:cNvPr>
@@ -9919,7 +9797,7 @@
             <p:nvPr>
               <p:extLst>
                 <p:ext uri="{386F3935-93C4-4BCD-93E2-E3B085C9AB24}">
-                  <p16:designElem xmlns:p16="http://schemas.microsoft.com/office/powerpoint/2015/main" xmlns="" val="1"/>
+                  <p16:designElem xmlns="" xmlns:p16="http://schemas.microsoft.com/office/powerpoint/2015/main" val="1"/>
                 </p:ext>
               </p:extLst>
             </p:nvPr>
@@ -9976,10 +9854,10 @@
             <p:cNvPr id="18" name="Freeform 12">
               <a:extLst>
                 <a:ext uri="{FF2B5EF4-FFF2-40B4-BE49-F238E27FC236}">
-                  <a16:creationId xmlns:a16="http://schemas.microsoft.com/office/drawing/2014/main" xmlns="" id="{8740FC9A-72DD-4D9B-BA25-1CCED1352408}"/>
+                  <a16:creationId xmlns="" xmlns:a16="http://schemas.microsoft.com/office/drawing/2014/main" id="{8740FC9A-72DD-4D9B-BA25-1CCED1352408}"/>
                 </a:ext>
                 <a:ext uri="{C183D7F6-B498-43B3-948B-1728B52AA6E4}">
-                  <adec:decorative xmlns:adec="http://schemas.microsoft.com/office/drawing/2017/decorative" xmlns="" val="1"/>
+                  <adec:decorative xmlns="" xmlns:adec="http://schemas.microsoft.com/office/drawing/2017/decorative" val="1"/>
                 </a:ext>
               </a:extLst>
             </p:cNvPr>
@@ -9987,7 +9865,7 @@
             <p:nvPr>
               <p:extLst>
                 <p:ext uri="{386F3935-93C4-4BCD-93E2-E3B085C9AB24}">
-                  <p16:designElem xmlns:p16="http://schemas.microsoft.com/office/powerpoint/2015/main" xmlns="" val="1"/>
+                  <p16:designElem xmlns="" xmlns:p16="http://schemas.microsoft.com/office/powerpoint/2015/main" val="1"/>
                 </p:ext>
               </p:extLst>
             </p:nvPr>
@@ -10044,10 +9922,10 @@
             <p:cNvPr id="19" name="Freeform 13">
               <a:extLst>
                 <a:ext uri="{FF2B5EF4-FFF2-40B4-BE49-F238E27FC236}">
-                  <a16:creationId xmlns:a16="http://schemas.microsoft.com/office/drawing/2014/main" xmlns="" id="{7FBF5743-F2AE-4D0D-BCD1-01F7686D012A}"/>
+                  <a16:creationId xmlns="" xmlns:a16="http://schemas.microsoft.com/office/drawing/2014/main" id="{7FBF5743-F2AE-4D0D-BCD1-01F7686D012A}"/>
                 </a:ext>
                 <a:ext uri="{C183D7F6-B498-43B3-948B-1728B52AA6E4}">
-                  <adec:decorative xmlns:adec="http://schemas.microsoft.com/office/drawing/2017/decorative" xmlns="" val="1"/>
+                  <adec:decorative xmlns="" xmlns:adec="http://schemas.microsoft.com/office/drawing/2017/decorative" val="1"/>
                 </a:ext>
               </a:extLst>
             </p:cNvPr>
@@ -10055,7 +9933,7 @@
             <p:nvPr>
               <p:extLst>
                 <p:ext uri="{386F3935-93C4-4BCD-93E2-E3B085C9AB24}">
-                  <p16:designElem xmlns:p16="http://schemas.microsoft.com/office/powerpoint/2015/main" xmlns="" val="1"/>
+                  <p16:designElem xmlns="" xmlns:p16="http://schemas.microsoft.com/office/powerpoint/2015/main" val="1"/>
                 </p:ext>
               </p:extLst>
             </p:nvPr>
@@ -10112,10 +9990,10 @@
             <p:cNvPr id="20" name="Freeform 14">
               <a:extLst>
                 <a:ext uri="{FF2B5EF4-FFF2-40B4-BE49-F238E27FC236}">
-                  <a16:creationId xmlns:a16="http://schemas.microsoft.com/office/drawing/2014/main" xmlns="" id="{CED32316-D4F7-4795-BBE0-DEBB60E27CE3}"/>
+                  <a16:creationId xmlns="" xmlns:a16="http://schemas.microsoft.com/office/drawing/2014/main" id="{CED32316-D4F7-4795-BBE0-DEBB60E27CE3}"/>
                 </a:ext>
                 <a:ext uri="{C183D7F6-B498-43B3-948B-1728B52AA6E4}">
-                  <adec:decorative xmlns:adec="http://schemas.microsoft.com/office/drawing/2017/decorative" xmlns="" val="1"/>
+                  <adec:decorative xmlns="" xmlns:adec="http://schemas.microsoft.com/office/drawing/2017/decorative" val="1"/>
                 </a:ext>
               </a:extLst>
             </p:cNvPr>
@@ -10123,7 +10001,7 @@
             <p:nvPr>
               <p:extLst>
                 <p:ext uri="{386F3935-93C4-4BCD-93E2-E3B085C9AB24}">
-                  <p16:designElem xmlns:p16="http://schemas.microsoft.com/office/powerpoint/2015/main" xmlns="" val="1"/>
+                  <p16:designElem xmlns="" xmlns:p16="http://schemas.microsoft.com/office/powerpoint/2015/main" val="1"/>
                 </p:ext>
               </p:extLst>
             </p:nvPr>
@@ -10180,10 +10058,10 @@
             <p:cNvPr id="21" name="Freeform 15">
               <a:extLst>
                 <a:ext uri="{FF2B5EF4-FFF2-40B4-BE49-F238E27FC236}">
-                  <a16:creationId xmlns:a16="http://schemas.microsoft.com/office/drawing/2014/main" xmlns="" id="{583B23C9-B9B7-4E93-9538-CBE316F83FDD}"/>
+                  <a16:creationId xmlns="" xmlns:a16="http://schemas.microsoft.com/office/drawing/2014/main" id="{583B23C9-B9B7-4E93-9538-CBE316F83FDD}"/>
                 </a:ext>
                 <a:ext uri="{C183D7F6-B498-43B3-948B-1728B52AA6E4}">
-                  <adec:decorative xmlns:adec="http://schemas.microsoft.com/office/drawing/2017/decorative" xmlns="" val="1"/>
+                  <adec:decorative xmlns="" xmlns:adec="http://schemas.microsoft.com/office/drawing/2017/decorative" val="1"/>
                 </a:ext>
               </a:extLst>
             </p:cNvPr>
@@ -10191,7 +10069,7 @@
             <p:nvPr>
               <p:extLst>
                 <p:ext uri="{386F3935-93C4-4BCD-93E2-E3B085C9AB24}">
-                  <p16:designElem xmlns:p16="http://schemas.microsoft.com/office/powerpoint/2015/main" xmlns="" val="1"/>
+                  <p16:designElem xmlns="" xmlns:p16="http://schemas.microsoft.com/office/powerpoint/2015/main" val="1"/>
                 </p:ext>
               </p:extLst>
             </p:nvPr>
@@ -10248,10 +10126,10 @@
             <p:cNvPr id="22" name="Freeform 16">
               <a:extLst>
                 <a:ext uri="{FF2B5EF4-FFF2-40B4-BE49-F238E27FC236}">
-                  <a16:creationId xmlns:a16="http://schemas.microsoft.com/office/drawing/2014/main" xmlns="" id="{5B144260-9F2C-4ADB-A37C-1CFB4B428B1B}"/>
+                  <a16:creationId xmlns="" xmlns:a16="http://schemas.microsoft.com/office/drawing/2014/main" id="{5B144260-9F2C-4ADB-A37C-1CFB4B428B1B}"/>
                 </a:ext>
                 <a:ext uri="{C183D7F6-B498-43B3-948B-1728B52AA6E4}">
-                  <adec:decorative xmlns:adec="http://schemas.microsoft.com/office/drawing/2017/decorative" xmlns="" val="1"/>
+                  <adec:decorative xmlns="" xmlns:adec="http://schemas.microsoft.com/office/drawing/2017/decorative" val="1"/>
                 </a:ext>
               </a:extLst>
             </p:cNvPr>
@@ -10259,7 +10137,7 @@
             <p:nvPr>
               <p:extLst>
                 <p:ext uri="{386F3935-93C4-4BCD-93E2-E3B085C9AB24}">
-                  <p16:designElem xmlns:p16="http://schemas.microsoft.com/office/powerpoint/2015/main" xmlns="" val="1"/>
+                  <p16:designElem xmlns="" xmlns:p16="http://schemas.microsoft.com/office/powerpoint/2015/main" val="1"/>
                 </p:ext>
               </p:extLst>
             </p:nvPr>
@@ -10316,10 +10194,10 @@
             <p:cNvPr id="23" name="Freeform 17">
               <a:extLst>
                 <a:ext uri="{FF2B5EF4-FFF2-40B4-BE49-F238E27FC236}">
-                  <a16:creationId xmlns:a16="http://schemas.microsoft.com/office/drawing/2014/main" xmlns="" id="{53FF918D-79D3-4F55-A68C-0DD5880DABDF}"/>
+                  <a16:creationId xmlns="" xmlns:a16="http://schemas.microsoft.com/office/drawing/2014/main" id="{53FF918D-79D3-4F55-A68C-0DD5880DABDF}"/>
                 </a:ext>
                 <a:ext uri="{C183D7F6-B498-43B3-948B-1728B52AA6E4}">
-                  <adec:decorative xmlns:adec="http://schemas.microsoft.com/office/drawing/2017/decorative" xmlns="" val="1"/>
+                  <adec:decorative xmlns="" xmlns:adec="http://schemas.microsoft.com/office/drawing/2017/decorative" val="1"/>
                 </a:ext>
               </a:extLst>
             </p:cNvPr>
@@ -10327,7 +10205,7 @@
             <p:nvPr>
               <p:extLst>
                 <p:ext uri="{386F3935-93C4-4BCD-93E2-E3B085C9AB24}">
-                  <p16:designElem xmlns:p16="http://schemas.microsoft.com/office/powerpoint/2015/main" xmlns="" val="1"/>
+                  <p16:designElem xmlns="" xmlns:p16="http://schemas.microsoft.com/office/powerpoint/2015/main" val="1"/>
                 </p:ext>
               </p:extLst>
             </p:nvPr>
@@ -10384,10 +10262,10 @@
             <p:cNvPr id="24" name="Freeform 18">
               <a:extLst>
                 <a:ext uri="{FF2B5EF4-FFF2-40B4-BE49-F238E27FC236}">
-                  <a16:creationId xmlns:a16="http://schemas.microsoft.com/office/drawing/2014/main" xmlns="" id="{B9FC1440-933F-44FE-8D77-4827DD0F99A5}"/>
+                  <a16:creationId xmlns="" xmlns:a16="http://schemas.microsoft.com/office/drawing/2014/main" id="{B9FC1440-933F-44FE-8D77-4827DD0F99A5}"/>
                 </a:ext>
                 <a:ext uri="{C183D7F6-B498-43B3-948B-1728B52AA6E4}">
-                  <adec:decorative xmlns:adec="http://schemas.microsoft.com/office/drawing/2017/decorative" xmlns="" val="1"/>
+                  <adec:decorative xmlns="" xmlns:adec="http://schemas.microsoft.com/office/drawing/2017/decorative" val="1"/>
                 </a:ext>
               </a:extLst>
             </p:cNvPr>
@@ -10395,7 +10273,7 @@
             <p:nvPr>
               <p:extLst>
                 <p:ext uri="{386F3935-93C4-4BCD-93E2-E3B085C9AB24}">
-                  <p16:designElem xmlns:p16="http://schemas.microsoft.com/office/powerpoint/2015/main" xmlns="" val="1"/>
+                  <p16:designElem xmlns="" xmlns:p16="http://schemas.microsoft.com/office/powerpoint/2015/main" val="1"/>
                 </p:ext>
               </p:extLst>
             </p:nvPr>
@@ -10452,10 +10330,10 @@
             <p:cNvPr id="25" name="Freeform 19">
               <a:extLst>
                 <a:ext uri="{FF2B5EF4-FFF2-40B4-BE49-F238E27FC236}">
-                  <a16:creationId xmlns:a16="http://schemas.microsoft.com/office/drawing/2014/main" xmlns="" id="{0F67F308-A67C-4D2E-B081-59BB31D8EC50}"/>
+                  <a16:creationId xmlns="" xmlns:a16="http://schemas.microsoft.com/office/drawing/2014/main" id="{0F67F308-A67C-4D2E-B081-59BB31D8EC50}"/>
                 </a:ext>
                 <a:ext uri="{C183D7F6-B498-43B3-948B-1728B52AA6E4}">
-                  <adec:decorative xmlns:adec="http://schemas.microsoft.com/office/drawing/2017/decorative" xmlns="" val="1"/>
+                  <adec:decorative xmlns="" xmlns:adec="http://schemas.microsoft.com/office/drawing/2017/decorative" val="1"/>
                 </a:ext>
               </a:extLst>
             </p:cNvPr>
@@ -10463,7 +10341,7 @@
             <p:nvPr>
               <p:extLst>
                 <p:ext uri="{386F3935-93C4-4BCD-93E2-E3B085C9AB24}">
-                  <p16:designElem xmlns:p16="http://schemas.microsoft.com/office/powerpoint/2015/main" xmlns="" val="1"/>
+                  <p16:designElem xmlns="" xmlns:p16="http://schemas.microsoft.com/office/powerpoint/2015/main" val="1"/>
                 </p:ext>
               </p:extLst>
             </p:nvPr>
@@ -10520,10 +10398,10 @@
             <p:cNvPr id="26" name="Freeform 20">
               <a:extLst>
                 <a:ext uri="{FF2B5EF4-FFF2-40B4-BE49-F238E27FC236}">
-                  <a16:creationId xmlns:a16="http://schemas.microsoft.com/office/drawing/2014/main" xmlns="" id="{80112F01-90EB-4AEC-A39C-5C6875FFB99B}"/>
+                  <a16:creationId xmlns="" xmlns:a16="http://schemas.microsoft.com/office/drawing/2014/main" id="{80112F01-90EB-4AEC-A39C-5C6875FFB99B}"/>
                 </a:ext>
                 <a:ext uri="{C183D7F6-B498-43B3-948B-1728B52AA6E4}">
-                  <adec:decorative xmlns:adec="http://schemas.microsoft.com/office/drawing/2017/decorative" xmlns="" val="1"/>
+                  <adec:decorative xmlns="" xmlns:adec="http://schemas.microsoft.com/office/drawing/2017/decorative" val="1"/>
                 </a:ext>
               </a:extLst>
             </p:cNvPr>
@@ -10531,7 +10409,7 @@
             <p:nvPr>
               <p:extLst>
                 <p:ext uri="{386F3935-93C4-4BCD-93E2-E3B085C9AB24}">
-                  <p16:designElem xmlns:p16="http://schemas.microsoft.com/office/powerpoint/2015/main" xmlns="" val="1"/>
+                  <p16:designElem xmlns="" xmlns:p16="http://schemas.microsoft.com/office/powerpoint/2015/main" val="1"/>
                 </p:ext>
               </p:extLst>
             </p:nvPr>
@@ -10588,10 +10466,10 @@
             <p:cNvPr id="27" name="Freeform 21">
               <a:extLst>
                 <a:ext uri="{FF2B5EF4-FFF2-40B4-BE49-F238E27FC236}">
-                  <a16:creationId xmlns:a16="http://schemas.microsoft.com/office/drawing/2014/main" xmlns="" id="{893F6B05-90EB-4C75-A0F0-C7247553BD81}"/>
+                  <a16:creationId xmlns="" xmlns:a16="http://schemas.microsoft.com/office/drawing/2014/main" id="{893F6B05-90EB-4C75-A0F0-C7247553BD81}"/>
                 </a:ext>
                 <a:ext uri="{C183D7F6-B498-43B3-948B-1728B52AA6E4}">
-                  <adec:decorative xmlns:adec="http://schemas.microsoft.com/office/drawing/2017/decorative" xmlns="" val="1"/>
+                  <adec:decorative xmlns="" xmlns:adec="http://schemas.microsoft.com/office/drawing/2017/decorative" val="1"/>
                 </a:ext>
               </a:extLst>
             </p:cNvPr>
@@ -10599,7 +10477,7 @@
             <p:nvPr>
               <p:extLst>
                 <p:ext uri="{386F3935-93C4-4BCD-93E2-E3B085C9AB24}">
-                  <p16:designElem xmlns:p16="http://schemas.microsoft.com/office/powerpoint/2015/main" xmlns="" val="1"/>
+                  <p16:designElem xmlns="" xmlns:p16="http://schemas.microsoft.com/office/powerpoint/2015/main" val="1"/>
                 </p:ext>
               </p:extLst>
             </p:nvPr>
@@ -10656,10 +10534,10 @@
             <p:cNvPr id="28" name="Freeform 22">
               <a:extLst>
                 <a:ext uri="{FF2B5EF4-FFF2-40B4-BE49-F238E27FC236}">
-                  <a16:creationId xmlns:a16="http://schemas.microsoft.com/office/drawing/2014/main" xmlns="" id="{227B563B-E0C0-4D81-966D-B5E2DBAAE8B5}"/>
+                  <a16:creationId xmlns="" xmlns:a16="http://schemas.microsoft.com/office/drawing/2014/main" id="{227B563B-E0C0-4D81-966D-B5E2DBAAE8B5}"/>
                 </a:ext>
                 <a:ext uri="{C183D7F6-B498-43B3-948B-1728B52AA6E4}">
-                  <adec:decorative xmlns:adec="http://schemas.microsoft.com/office/drawing/2017/decorative" xmlns="" val="1"/>
+                  <adec:decorative xmlns="" xmlns:adec="http://schemas.microsoft.com/office/drawing/2017/decorative" val="1"/>
                 </a:ext>
               </a:extLst>
             </p:cNvPr>
@@ -10667,7 +10545,7 @@
             <p:nvPr>
               <p:extLst>
                 <p:ext uri="{386F3935-93C4-4BCD-93E2-E3B085C9AB24}">
-                  <p16:designElem xmlns:p16="http://schemas.microsoft.com/office/powerpoint/2015/main" xmlns="" val="1"/>
+                  <p16:designElem xmlns="" xmlns:p16="http://schemas.microsoft.com/office/powerpoint/2015/main" val="1"/>
                 </p:ext>
               </p:extLst>
             </p:nvPr>
@@ -10724,10 +10602,10 @@
             <p:cNvPr id="29" name="Freeform 23">
               <a:extLst>
                 <a:ext uri="{FF2B5EF4-FFF2-40B4-BE49-F238E27FC236}">
-                  <a16:creationId xmlns:a16="http://schemas.microsoft.com/office/drawing/2014/main" xmlns="" id="{130DF93D-D1FF-477A-BDCE-C8B01C3B476C}"/>
+                  <a16:creationId xmlns="" xmlns:a16="http://schemas.microsoft.com/office/drawing/2014/main" id="{130DF93D-D1FF-477A-BDCE-C8B01C3B476C}"/>
                 </a:ext>
                 <a:ext uri="{C183D7F6-B498-43B3-948B-1728B52AA6E4}">
-                  <adec:decorative xmlns:adec="http://schemas.microsoft.com/office/drawing/2017/decorative" xmlns="" val="1"/>
+                  <adec:decorative xmlns="" xmlns:adec="http://schemas.microsoft.com/office/drawing/2017/decorative" val="1"/>
                 </a:ext>
               </a:extLst>
             </p:cNvPr>
@@ -10735,7 +10613,7 @@
             <p:nvPr>
               <p:extLst>
                 <p:ext uri="{386F3935-93C4-4BCD-93E2-E3B085C9AB24}">
-                  <p16:designElem xmlns:p16="http://schemas.microsoft.com/office/powerpoint/2015/main" xmlns="" val="1"/>
+                  <p16:designElem xmlns="" xmlns:p16="http://schemas.microsoft.com/office/powerpoint/2015/main" val="1"/>
                 </p:ext>
               </p:extLst>
             </p:nvPr>
@@ -10792,10 +10670,10 @@
             <p:cNvPr id="30" name="Freeform 24">
               <a:extLst>
                 <a:ext uri="{FF2B5EF4-FFF2-40B4-BE49-F238E27FC236}">
-                  <a16:creationId xmlns:a16="http://schemas.microsoft.com/office/drawing/2014/main" xmlns="" id="{44ED67A1-C6FE-4AC8-8473-11DAC03DCD33}"/>
+                  <a16:creationId xmlns="" xmlns:a16="http://schemas.microsoft.com/office/drawing/2014/main" id="{44ED67A1-C6FE-4AC8-8473-11DAC03DCD33}"/>
                 </a:ext>
                 <a:ext uri="{C183D7F6-B498-43B3-948B-1728B52AA6E4}">
-                  <adec:decorative xmlns:adec="http://schemas.microsoft.com/office/drawing/2017/decorative" xmlns="" val="1"/>
+                  <adec:decorative xmlns="" xmlns:adec="http://schemas.microsoft.com/office/drawing/2017/decorative" val="1"/>
                 </a:ext>
               </a:extLst>
             </p:cNvPr>
@@ -10803,7 +10681,7 @@
             <p:nvPr>
               <p:extLst>
                 <p:ext uri="{386F3935-93C4-4BCD-93E2-E3B085C9AB24}">
-                  <p16:designElem xmlns:p16="http://schemas.microsoft.com/office/powerpoint/2015/main" xmlns="" val="1"/>
+                  <p16:designElem xmlns="" xmlns:p16="http://schemas.microsoft.com/office/powerpoint/2015/main" val="1"/>
                 </p:ext>
               </p:extLst>
             </p:nvPr>
@@ -10860,10 +10738,10 @@
             <p:cNvPr id="31" name="Freeform 25">
               <a:extLst>
                 <a:ext uri="{FF2B5EF4-FFF2-40B4-BE49-F238E27FC236}">
-                  <a16:creationId xmlns:a16="http://schemas.microsoft.com/office/drawing/2014/main" xmlns="" id="{213A54F3-15FA-4C8F-8ABF-CE77E7219658}"/>
+                  <a16:creationId xmlns="" xmlns:a16="http://schemas.microsoft.com/office/drawing/2014/main" id="{213A54F3-15FA-4C8F-8ABF-CE77E7219658}"/>
                 </a:ext>
                 <a:ext uri="{C183D7F6-B498-43B3-948B-1728B52AA6E4}">
-                  <adec:decorative xmlns:adec="http://schemas.microsoft.com/office/drawing/2017/decorative" xmlns="" val="1"/>
+                  <adec:decorative xmlns="" xmlns:adec="http://schemas.microsoft.com/office/drawing/2017/decorative" val="1"/>
                 </a:ext>
               </a:extLst>
             </p:cNvPr>
@@ -10871,7 +10749,7 @@
             <p:nvPr>
               <p:extLst>
                 <p:ext uri="{386F3935-93C4-4BCD-93E2-E3B085C9AB24}">
-                  <p16:designElem xmlns:p16="http://schemas.microsoft.com/office/powerpoint/2015/main" xmlns="" val="1"/>
+                  <p16:designElem xmlns="" xmlns:p16="http://schemas.microsoft.com/office/powerpoint/2015/main" val="1"/>
                 </p:ext>
               </p:extLst>
             </p:nvPr>
@@ -10929,10 +10807,10 @@
           <p:cNvPr id="33" name="Group 32">
             <a:extLst>
               <a:ext uri="{FF2B5EF4-FFF2-40B4-BE49-F238E27FC236}">
-                <a16:creationId xmlns:a16="http://schemas.microsoft.com/office/drawing/2014/main" xmlns="" id="{5F8A7F7F-DD1A-4F41-98AC-B9CE2A620CDC}"/>
+                <a16:creationId xmlns="" xmlns:a16="http://schemas.microsoft.com/office/drawing/2014/main" id="{5F8A7F7F-DD1A-4F41-98AC-B9CE2A620CDC}"/>
               </a:ext>
               <a:ext uri="{C183D7F6-B498-43B3-948B-1728B52AA6E4}">
-                <adec:decorative xmlns:adec="http://schemas.microsoft.com/office/drawing/2017/decorative" xmlns="" val="1"/>
+                <adec:decorative xmlns="" xmlns:adec="http://schemas.microsoft.com/office/drawing/2017/decorative" val="1"/>
               </a:ext>
             </a:extLst>
           </p:cNvPr>
@@ -10942,7 +10820,7 @@
           <p:nvPr>
             <p:extLst>
               <p:ext uri="{386F3935-93C4-4BCD-93E2-E3B085C9AB24}">
-                <p16:designElem xmlns:p16="http://schemas.microsoft.com/office/powerpoint/2015/main" xmlns="" val="1"/>
+                <p16:designElem xmlns="" xmlns:p16="http://schemas.microsoft.com/office/powerpoint/2015/main" val="1"/>
               </p:ext>
             </p:extLst>
           </p:nvPr>
@@ -10960,10 +10838,10 @@
             <p:cNvPr id="34" name="Rectangle 33">
               <a:extLst>
                 <a:ext uri="{FF2B5EF4-FFF2-40B4-BE49-F238E27FC236}">
-                  <a16:creationId xmlns:a16="http://schemas.microsoft.com/office/drawing/2014/main" xmlns="" id="{CEF47228-EB7C-4EBA-BE01-DA6CB2410289}"/>
+                  <a16:creationId xmlns="" xmlns:a16="http://schemas.microsoft.com/office/drawing/2014/main" id="{CEF47228-EB7C-4EBA-BE01-DA6CB2410289}"/>
                 </a:ext>
                 <a:ext uri="{C183D7F6-B498-43B3-948B-1728B52AA6E4}">
-                  <adec:decorative xmlns:adec="http://schemas.microsoft.com/office/drawing/2017/decorative" xmlns="" val="1"/>
+                  <adec:decorative xmlns="" xmlns:adec="http://schemas.microsoft.com/office/drawing/2017/decorative" val="1"/>
                 </a:ext>
               </a:extLst>
             </p:cNvPr>
@@ -10971,7 +10849,7 @@
             <p:nvPr>
               <p:extLst>
                 <p:ext uri="{386F3935-93C4-4BCD-93E2-E3B085C9AB24}">
-                  <p16:designElem xmlns:p16="http://schemas.microsoft.com/office/powerpoint/2015/main" xmlns="" val="1"/>
+                  <p16:designElem xmlns="" xmlns:p16="http://schemas.microsoft.com/office/powerpoint/2015/main" val="1"/>
                 </p:ext>
               </p:extLst>
             </p:nvPr>
@@ -11013,10 +10891,10 @@
             <p:cNvPr id="35" name="Isosceles Triangle 22">
               <a:extLst>
                 <a:ext uri="{FF2B5EF4-FFF2-40B4-BE49-F238E27FC236}">
-                  <a16:creationId xmlns:a16="http://schemas.microsoft.com/office/drawing/2014/main" xmlns="" id="{3D2FD25A-EFFD-4F5C-9258-981F5907DE21}"/>
+                  <a16:creationId xmlns="" xmlns:a16="http://schemas.microsoft.com/office/drawing/2014/main" id="{3D2FD25A-EFFD-4F5C-9258-981F5907DE21}"/>
                 </a:ext>
                 <a:ext uri="{C183D7F6-B498-43B3-948B-1728B52AA6E4}">
-                  <adec:decorative xmlns:adec="http://schemas.microsoft.com/office/drawing/2017/decorative" xmlns="" val="1"/>
+                  <adec:decorative xmlns="" xmlns:adec="http://schemas.microsoft.com/office/drawing/2017/decorative" val="1"/>
                 </a:ext>
               </a:extLst>
             </p:cNvPr>
@@ -11024,7 +10902,7 @@
             <p:nvPr>
               <p:extLst>
                 <p:ext uri="{386F3935-93C4-4BCD-93E2-E3B085C9AB24}">
-                  <p16:designElem xmlns:p16="http://schemas.microsoft.com/office/powerpoint/2015/main" xmlns="" val="1"/>
+                  <p16:designElem xmlns="" xmlns:p16="http://schemas.microsoft.com/office/powerpoint/2015/main" val="1"/>
                 </p:ext>
               </p:extLst>
             </p:nvPr>
@@ -11066,10 +10944,10 @@
             <p:cNvPr id="36" name="Rectangle 35">
               <a:extLst>
                 <a:ext uri="{FF2B5EF4-FFF2-40B4-BE49-F238E27FC236}">
-                  <a16:creationId xmlns:a16="http://schemas.microsoft.com/office/drawing/2014/main" xmlns="" id="{DCF573BC-A06F-4036-A3A8-9D07DDE62253}"/>
+                  <a16:creationId xmlns="" xmlns:a16="http://schemas.microsoft.com/office/drawing/2014/main" id="{DCF573BC-A06F-4036-A3A8-9D07DDE62253}"/>
                 </a:ext>
                 <a:ext uri="{C183D7F6-B498-43B3-948B-1728B52AA6E4}">
-                  <adec:decorative xmlns:adec="http://schemas.microsoft.com/office/drawing/2017/decorative" xmlns="" val="1"/>
+                  <adec:decorative xmlns="" xmlns:adec="http://schemas.microsoft.com/office/drawing/2017/decorative" val="1"/>
                 </a:ext>
               </a:extLst>
             </p:cNvPr>
@@ -11077,7 +10955,7 @@
             <p:nvPr>
               <p:extLst>
                 <p:ext uri="{386F3935-93C4-4BCD-93E2-E3B085C9AB24}">
-                  <p16:designElem xmlns:p16="http://schemas.microsoft.com/office/powerpoint/2015/main" xmlns="" val="1"/>
+                  <p16:designElem xmlns="" xmlns:p16="http://schemas.microsoft.com/office/powerpoint/2015/main" val="1"/>
                 </p:ext>
               </p:extLst>
             </p:nvPr>
@@ -11120,7 +10998,7 @@
           <p:cNvPr id="2" name="Title 1">
             <a:extLst>
               <a:ext uri="{FF2B5EF4-FFF2-40B4-BE49-F238E27FC236}">
-                <a16:creationId xmlns:a16="http://schemas.microsoft.com/office/drawing/2014/main" xmlns="" id="{E86C33C2-EC09-4F45-A2C8-AC9A692B69C0}"/>
+                <a16:creationId xmlns="" xmlns:a16="http://schemas.microsoft.com/office/drawing/2014/main" id="{E86C33C2-EC09-4F45-A2C8-AC9A692B69C0}"/>
               </a:ext>
             </a:extLst>
           </p:cNvPr>
@@ -11160,7 +11038,7 @@
           <p:cNvPr id="3" name="Content Placeholder 2">
             <a:extLst>
               <a:ext uri="{FF2B5EF4-FFF2-40B4-BE49-F238E27FC236}">
-                <a16:creationId xmlns:a16="http://schemas.microsoft.com/office/drawing/2014/main" xmlns="" id="{27553A2F-B4A9-4593-AC58-5C5AD66E898A}"/>
+                <a16:creationId xmlns="" xmlns:a16="http://schemas.microsoft.com/office/drawing/2014/main" id="{27553A2F-B4A9-4593-AC58-5C5AD66E898A}"/>
               </a:ext>
             </a:extLst>
           </p:cNvPr>
@@ -11197,6 +11075,13 @@
   <p:clrMapOvr>
     <a:masterClrMapping/>
   </p:clrMapOvr>
+  <p:timing>
+    <p:tnLst>
+      <p:par>
+        <p:cTn id="1" dur="indefinite" restart="never" nodeType="tmRoot"/>
+      </p:par>
+    </p:tnLst>
+  </p:timing>
 </p:sld>
 </file>
 
@@ -11230,10 +11115,10 @@
           <p:cNvPr id="17" name="Rectangle 16">
             <a:extLst>
               <a:ext uri="{FF2B5EF4-FFF2-40B4-BE49-F238E27FC236}">
-                <a16:creationId xmlns:a16="http://schemas.microsoft.com/office/drawing/2014/main" xmlns="" id="{AFA67CD3-AB4E-4A7A-BEB8-53C445D8C44E}"/>
+                <a16:creationId xmlns="" xmlns:a16="http://schemas.microsoft.com/office/drawing/2014/main" id="{AFA67CD3-AB4E-4A7A-BEB8-53C445D8C44E}"/>
               </a:ext>
               <a:ext uri="{C183D7F6-B498-43B3-948B-1728B52AA6E4}">
-                <adec:decorative xmlns:adec="http://schemas.microsoft.com/office/drawing/2017/decorative" xmlns="" val="1"/>
+                <adec:decorative xmlns="" xmlns:adec="http://schemas.microsoft.com/office/drawing/2017/decorative" val="1"/>
               </a:ext>
             </a:extLst>
           </p:cNvPr>
@@ -11243,7 +11128,7 @@
           <p:nvPr>
             <p:extLst>
               <p:ext uri="{386F3935-93C4-4BCD-93E2-E3B085C9AB24}">
-                <p16:designElem xmlns:p16="http://schemas.microsoft.com/office/powerpoint/2015/main" xmlns="" val="1"/>
+                <p16:designElem xmlns="" xmlns:p16="http://schemas.microsoft.com/office/powerpoint/2015/main" val="1"/>
               </p:ext>
             </p:extLst>
           </p:nvPr>
@@ -11316,10 +11201,10 @@
           <p:cNvPr id="19" name="Picture 18" descr="A close up of a logo&#10;&#10;Description generated with very high confidence">
             <a:extLst>
               <a:ext uri="{FF2B5EF4-FFF2-40B4-BE49-F238E27FC236}">
-                <a16:creationId xmlns:a16="http://schemas.microsoft.com/office/drawing/2014/main" xmlns="" id="{07CF545F-9C2E-4446-97CD-AD92990C2B68}"/>
+                <a16:creationId xmlns="" xmlns:a16="http://schemas.microsoft.com/office/drawing/2014/main" id="{07CF545F-9C2E-4446-97CD-AD92990C2B68}"/>
               </a:ext>
               <a:ext uri="{C183D7F6-B498-43B3-948B-1728B52AA6E4}">
-                <adec:decorative xmlns:adec="http://schemas.microsoft.com/office/drawing/2017/decorative" xmlns="" val="1"/>
+                <adec:decorative xmlns="" xmlns:adec="http://schemas.microsoft.com/office/drawing/2017/decorative" val="1"/>
               </a:ext>
             </a:extLst>
           </p:cNvPr>
@@ -11329,7 +11214,7 @@
           <p:nvPr>
             <p:extLst>
               <p:ext uri="{386F3935-93C4-4BCD-93E2-E3B085C9AB24}">
-                <p16:designElem xmlns:p16="http://schemas.microsoft.com/office/powerpoint/2015/main" xmlns="" val="1"/>
+                <p16:designElem xmlns="" xmlns:p16="http://schemas.microsoft.com/office/powerpoint/2015/main" val="1"/>
               </p:ext>
             </p:extLst>
           </p:nvPr>
@@ -11361,7 +11246,7 @@
           <p:cNvPr id="2" name="Title 1">
             <a:extLst>
               <a:ext uri="{FF2B5EF4-FFF2-40B4-BE49-F238E27FC236}">
-                <a16:creationId xmlns:a16="http://schemas.microsoft.com/office/drawing/2014/main" xmlns="" id="{8EEBA7D0-9BCC-43DA-AA1B-7B887E464C26}"/>
+                <a16:creationId xmlns="" xmlns:a16="http://schemas.microsoft.com/office/drawing/2014/main" id="{8EEBA7D0-9BCC-43DA-AA1B-7B887E464C26}"/>
               </a:ext>
             </a:extLst>
           </p:cNvPr>
@@ -11400,10 +11285,10 @@
           <p:cNvPr id="21" name="Freeform 62">
             <a:extLst>
               <a:ext uri="{FF2B5EF4-FFF2-40B4-BE49-F238E27FC236}">
-                <a16:creationId xmlns:a16="http://schemas.microsoft.com/office/drawing/2014/main" xmlns="" id="{339C8D78-A644-462F-B674-F440635E5353}"/>
+                <a16:creationId xmlns="" xmlns:a16="http://schemas.microsoft.com/office/drawing/2014/main" id="{339C8D78-A644-462F-B674-F440635E5353}"/>
               </a:ext>
               <a:ext uri="{C183D7F6-B498-43B3-948B-1728B52AA6E4}">
-                <adec:decorative xmlns:adec="http://schemas.microsoft.com/office/drawing/2017/decorative" xmlns="" val="1"/>
+                <adec:decorative xmlns="" xmlns:adec="http://schemas.microsoft.com/office/drawing/2017/decorative" val="1"/>
               </a:ext>
             </a:extLst>
           </p:cNvPr>
@@ -11413,7 +11298,7 @@
           <p:nvPr>
             <p:extLst>
               <p:ext uri="{386F3935-93C4-4BCD-93E2-E3B085C9AB24}">
-                <p16:designElem xmlns:p16="http://schemas.microsoft.com/office/powerpoint/2015/main" xmlns="" val="1"/>
+                <p16:designElem xmlns="" xmlns:p16="http://schemas.microsoft.com/office/powerpoint/2015/main" val="1"/>
               </p:ext>
             </p:extLst>
           </p:nvPr>
@@ -11574,7 +11459,7 @@
           <p:cNvPr id="14" name="Graphic 13" descr="Gears">
             <a:extLst>
               <a:ext uri="{FF2B5EF4-FFF2-40B4-BE49-F238E27FC236}">
-                <a16:creationId xmlns:a16="http://schemas.microsoft.com/office/drawing/2014/main" xmlns="" id="{AB50267D-C728-4E8B-B0D3-A745AA06291F}"/>
+                <a16:creationId xmlns="" xmlns:a16="http://schemas.microsoft.com/office/drawing/2014/main" id="{AB50267D-C728-4E8B-B0D3-A745AA06291F}"/>
               </a:ext>
             </a:extLst>
           </p:cNvPr>
@@ -11590,7 +11475,7 @@
                 <a14:useLocalDpi xmlns:a14="http://schemas.microsoft.com/office/drawing/2010/main" val="0"/>
               </a:ext>
               <a:ext uri="{96DAC541-7B7A-43D3-8B79-37D633B846F1}">
-                <asvg:svgBlip xmlns:asvg="http://schemas.microsoft.com/office/drawing/2016/SVG/main" xmlns="" r:embed="rId4"/>
+                <asvg:svgBlip xmlns="" xmlns:asvg="http://schemas.microsoft.com/office/drawing/2016/SVG/main" r:embed="rId4"/>
               </a:ext>
             </a:extLst>
           </a:blip>
@@ -11613,7 +11498,7 @@
           <p:cNvPr id="3" name="Content Placeholder 2">
             <a:extLst>
               <a:ext uri="{FF2B5EF4-FFF2-40B4-BE49-F238E27FC236}">
-                <a16:creationId xmlns:a16="http://schemas.microsoft.com/office/drawing/2014/main" xmlns="" id="{F2EAA055-ED20-46A5-B19C-8C9ABE0D7A53}"/>
+                <a16:creationId xmlns="" xmlns:a16="http://schemas.microsoft.com/office/drawing/2014/main" id="{F2EAA055-ED20-46A5-B19C-8C9ABE0D7A53}"/>
               </a:ext>
             </a:extLst>
           </p:cNvPr>
@@ -11697,7 +11582,41 @@
                   <a:srgbClr val="000000"/>
                 </a:solidFill>
               </a:rPr>
-              <a:t>Bootstrap - v3.4.0</a:t>
+              <a:t>Bootstrap - </a:t>
+            </a:r>
+            <a:r>
+              <a:rPr lang="en-US" sz="1600" dirty="0" smtClean="0">
+                <a:solidFill>
+                  <a:srgbClr val="000000"/>
+                </a:solidFill>
+              </a:rPr>
+              <a:t>v3.4.0</a:t>
+            </a:r>
+          </a:p>
+          <a:p>
+            <a:pPr marL="457200" lvl="1" indent="0">
+              <a:buNone/>
+            </a:pPr>
+            <a:r>
+              <a:rPr lang="en-US" sz="1600" dirty="0" smtClean="0">
+                <a:solidFill>
+                  <a:srgbClr val="000000"/>
+                </a:solidFill>
+              </a:rPr>
+              <a:t>JPA</a:t>
+            </a:r>
+          </a:p>
+          <a:p>
+            <a:pPr marL="457200" lvl="1" indent="0">
+              <a:buNone/>
+            </a:pPr>
+            <a:r>
+              <a:rPr lang="en-US" sz="1600" dirty="0" smtClean="0">
+                <a:solidFill>
+                  <a:srgbClr val="000000"/>
+                </a:solidFill>
+              </a:rPr>
+              <a:t>Rest Service</a:t>
             </a:r>
             <a:endParaRPr lang="en-US" sz="1600" dirty="0" smtClean="0">
               <a:solidFill>
@@ -11756,11 +11675,6 @@
               </a:rPr>
               <a:t>	</a:t>
             </a:r>
-            <a:endParaRPr lang="en-US" sz="2000" dirty="0">
-              <a:solidFill>
-                <a:srgbClr val="000000"/>
-              </a:solidFill>
-            </a:endParaRPr>
           </a:p>
         </p:txBody>
       </p:sp>
@@ -11774,6 +11688,13 @@
   <p:clrMapOvr>
     <a:masterClrMapping/>
   </p:clrMapOvr>
+  <p:timing>
+    <p:tnLst>
+      <p:par>
+        <p:cTn id="1" dur="indefinite" restart="never" nodeType="tmRoot"/>
+      </p:par>
+    </p:tnLst>
+  </p:timing>
 </p:sld>
 </file>
 
@@ -11807,10 +11728,10 @@
           <p:cNvPr id="19" name="Rectangle 16">
             <a:extLst>
               <a:ext uri="{FF2B5EF4-FFF2-40B4-BE49-F238E27FC236}">
-                <a16:creationId xmlns:a16="http://schemas.microsoft.com/office/drawing/2014/main" xmlns="" id="{42A5316D-ED2F-4F89-B4B4-8D9240B1A348}"/>
+                <a16:creationId xmlns="" xmlns:a16="http://schemas.microsoft.com/office/drawing/2014/main" id="{42A5316D-ED2F-4F89-B4B4-8D9240B1A348}"/>
               </a:ext>
               <a:ext uri="{C183D7F6-B498-43B3-948B-1728B52AA6E4}">
-                <adec:decorative xmlns:adec="http://schemas.microsoft.com/office/drawing/2017/decorative" xmlns="" val="1"/>
+                <adec:decorative xmlns="" xmlns:adec="http://schemas.microsoft.com/office/drawing/2017/decorative" val="1"/>
               </a:ext>
             </a:extLst>
           </p:cNvPr>
@@ -11820,7 +11741,7 @@
           <p:nvPr>
             <p:extLst>
               <p:ext uri="{386F3935-93C4-4BCD-93E2-E3B085C9AB24}">
-                <p16:designElem xmlns:p16="http://schemas.microsoft.com/office/powerpoint/2015/main" xmlns="" val="1"/>
+                <p16:designElem xmlns="" xmlns:p16="http://schemas.microsoft.com/office/powerpoint/2015/main" val="1"/>
               </p:ext>
             </p:extLst>
           </p:nvPr>
@@ -11899,7 +11820,7 @@
           <p:cNvPr id="2" name="Title 1">
             <a:extLst>
               <a:ext uri="{FF2B5EF4-FFF2-40B4-BE49-F238E27FC236}">
-                <a16:creationId xmlns:a16="http://schemas.microsoft.com/office/drawing/2014/main" xmlns="" id="{B10E8C48-75FF-4B7B-8956-0B000A5C0363}"/>
+                <a16:creationId xmlns="" xmlns:a16="http://schemas.microsoft.com/office/drawing/2014/main" id="{B10E8C48-75FF-4B7B-8956-0B000A5C0363}"/>
               </a:ext>
             </a:extLst>
           </p:cNvPr>
@@ -11950,7 +11871,7 @@
           <p:cNvPr id="20" name="Content Placeholder 2">
             <a:extLst>
               <a:ext uri="{FF2B5EF4-FFF2-40B4-BE49-F238E27FC236}">
-                <a16:creationId xmlns:a16="http://schemas.microsoft.com/office/drawing/2014/main" xmlns="" id="{C7FA9842-EEDC-4B43-ABE3-A18B3F95207D}"/>
+                <a16:creationId xmlns="" xmlns:a16="http://schemas.microsoft.com/office/drawing/2014/main" id="{C7FA9842-EEDC-4B43-ABE3-A18B3F95207D}"/>
               </a:ext>
             </a:extLst>
           </p:cNvPr>
@@ -11961,7 +11882,7 @@
             <p:ph idx="1"/>
             <p:extLst>
               <p:ext uri="{D42A27DB-BD31-4B8C-83A1-F6EECF244321}">
-                <p14:modId xmlns:p14="http://schemas.microsoft.com/office/powerpoint/2010/main" val="3644753189"/>
+                <p14:modId xmlns:p14="http://schemas.microsoft.com/office/powerpoint/2010/main" val="2726896887"/>
               </p:ext>
             </p:extLst>
           </p:nvPr>
@@ -11986,6 +11907,13 @@
   <p:clrMapOvr>
     <a:masterClrMapping/>
   </p:clrMapOvr>
+  <p:timing>
+    <p:tnLst>
+      <p:par>
+        <p:cTn id="1" dur="indefinite" restart="never" nodeType="tmRoot"/>
+      </p:par>
+    </p:tnLst>
+  </p:timing>
 </p:sld>
 </file>
 
@@ -12019,10 +11947,10 @@
           <p:cNvPr id="10" name="Rectangle 9">
             <a:extLst>
               <a:ext uri="{FF2B5EF4-FFF2-40B4-BE49-F238E27FC236}">
-                <a16:creationId xmlns:a16="http://schemas.microsoft.com/office/drawing/2014/main" xmlns="" id="{81AEB8A9-B768-4E30-BA55-D919E6687343}"/>
+                <a16:creationId xmlns="" xmlns:a16="http://schemas.microsoft.com/office/drawing/2014/main" id="{81AEB8A9-B768-4E30-BA55-D919E6687343}"/>
               </a:ext>
               <a:ext uri="{C183D7F6-B498-43B3-948B-1728B52AA6E4}">
-                <adec:decorative xmlns:adec="http://schemas.microsoft.com/office/drawing/2017/decorative" xmlns="" val="1"/>
+                <adec:decorative xmlns="" xmlns:adec="http://schemas.microsoft.com/office/drawing/2017/decorative" val="1"/>
               </a:ext>
             </a:extLst>
           </p:cNvPr>
@@ -12032,7 +11960,7 @@
           <p:nvPr>
             <p:extLst>
               <p:ext uri="{386F3935-93C4-4BCD-93E2-E3B085C9AB24}">
-                <p16:designElem xmlns:p16="http://schemas.microsoft.com/office/powerpoint/2015/main" xmlns="" val="1"/>
+                <p16:designElem xmlns="" xmlns:p16="http://schemas.microsoft.com/office/powerpoint/2015/main" val="1"/>
               </p:ext>
             </p:extLst>
           </p:nvPr>
@@ -12111,7 +12039,7 @@
           <p:cNvPr id="2" name="Title 1">
             <a:extLst>
               <a:ext uri="{FF2B5EF4-FFF2-40B4-BE49-F238E27FC236}">
-                <a16:creationId xmlns:a16="http://schemas.microsoft.com/office/drawing/2014/main" xmlns="" id="{EB4AA099-DFCF-40F0-9DF9-51DCDD3D2329}"/>
+                <a16:creationId xmlns="" xmlns:a16="http://schemas.microsoft.com/office/drawing/2014/main" id="{EB4AA099-DFCF-40F0-9DF9-51DCDD3D2329}"/>
               </a:ext>
             </a:extLst>
           </p:cNvPr>
@@ -12150,36 +12078,22 @@
       </p:sp>
       <p:pic>
         <p:nvPicPr>
-          <p:cNvPr id="5" name="Content Placeholder 4" descr="A close up of an object&#10;&#10;Description generated with high confidence">
-            <a:extLst>
-              <a:ext uri="{FF2B5EF4-FFF2-40B4-BE49-F238E27FC236}">
-                <a16:creationId xmlns:a16="http://schemas.microsoft.com/office/drawing/2014/main" xmlns="" id="{0B43767B-3861-4880-9DCE-DB2297AAE746}"/>
-              </a:ext>
-            </a:extLst>
-          </p:cNvPr>
+          <p:cNvPr id="4" name="Picture 3"/>
           <p:cNvPicPr>
-            <a:picLocks noGrp="1" noChangeAspect="1"/>
+            <a:picLocks noChangeAspect="1"/>
           </p:cNvPicPr>
-          <p:nvPr>
-            <p:ph idx="4294967295"/>
-          </p:nvPr>
+          <p:nvPr/>
         </p:nvPicPr>
         <p:blipFill>
-          <a:blip r:embed="rId2" cstate="print">
-            <a:extLst>
-              <a:ext uri="{28A0092B-C50C-407E-A947-70E740481C1C}">
-                <a14:useLocalDpi xmlns:a14="http://schemas.microsoft.com/office/drawing/2010/main" val="0"/>
-              </a:ext>
-            </a:extLst>
-          </a:blip>
+          <a:blip r:embed="rId2"/>
           <a:stretch>
             <a:fillRect/>
           </a:stretch>
         </p:blipFill>
         <p:spPr>
           <a:xfrm>
-            <a:off x="4583695" y="1393371"/>
-            <a:ext cx="6760498" cy="4512633"/>
+            <a:off x="4829577" y="573387"/>
+            <a:ext cx="7199292" cy="5882222"/>
           </a:xfrm>
           <a:prstGeom prst="rect">
             <a:avLst/>
@@ -12196,6 +12110,13 @@
   <p:clrMapOvr>
     <a:masterClrMapping/>
   </p:clrMapOvr>
+  <p:timing>
+    <p:tnLst>
+      <p:par>
+        <p:cTn id="1" dur="indefinite" restart="never" nodeType="tmRoot"/>
+      </p:par>
+    </p:tnLst>
+  </p:timing>
 </p:sld>
 </file>
 
@@ -12229,10 +12150,10 @@
           <p:cNvPr id="10" name="Rectangle 9">
             <a:extLst>
               <a:ext uri="{FF2B5EF4-FFF2-40B4-BE49-F238E27FC236}">
-                <a16:creationId xmlns:a16="http://schemas.microsoft.com/office/drawing/2014/main" xmlns="" id="{81AEB8A9-B768-4E30-BA55-D919E6687343}"/>
+                <a16:creationId xmlns="" xmlns:a16="http://schemas.microsoft.com/office/drawing/2014/main" id="{81AEB8A9-B768-4E30-BA55-D919E6687343}"/>
               </a:ext>
               <a:ext uri="{C183D7F6-B498-43B3-948B-1728B52AA6E4}">
-                <adec:decorative xmlns:adec="http://schemas.microsoft.com/office/drawing/2017/decorative" xmlns="" val="1"/>
+                <adec:decorative xmlns="" xmlns:adec="http://schemas.microsoft.com/office/drawing/2017/decorative" val="1"/>
               </a:ext>
             </a:extLst>
           </p:cNvPr>
@@ -12242,7 +12163,7 @@
           <p:nvPr>
             <p:extLst>
               <p:ext uri="{386F3935-93C4-4BCD-93E2-E3B085C9AB24}">
-                <p16:designElem xmlns:p16="http://schemas.microsoft.com/office/powerpoint/2015/main" xmlns="" val="1"/>
+                <p16:designElem xmlns="" xmlns:p16="http://schemas.microsoft.com/office/powerpoint/2015/main" val="1"/>
               </p:ext>
             </p:extLst>
           </p:nvPr>
@@ -12321,7 +12242,7 @@
           <p:cNvPr id="2" name="Title 1">
             <a:extLst>
               <a:ext uri="{FF2B5EF4-FFF2-40B4-BE49-F238E27FC236}">
-                <a16:creationId xmlns:a16="http://schemas.microsoft.com/office/drawing/2014/main" xmlns="" id="{EB4AA099-DFCF-40F0-9DF9-51DCDD3D2329}"/>
+                <a16:creationId xmlns="" xmlns:a16="http://schemas.microsoft.com/office/drawing/2014/main" id="{EB4AA099-DFCF-40F0-9DF9-51DCDD3D2329}"/>
               </a:ext>
             </a:extLst>
           </p:cNvPr>
@@ -12360,36 +12281,22 @@
       </p:sp>
       <p:pic>
         <p:nvPicPr>
-          <p:cNvPr id="5" name="Content Placeholder 4" descr="A close up of an object&#10;&#10;Description generated with high confidence">
-            <a:extLst>
-              <a:ext uri="{FF2B5EF4-FFF2-40B4-BE49-F238E27FC236}">
-                <a16:creationId xmlns:a16="http://schemas.microsoft.com/office/drawing/2014/main" xmlns="" id="{0B43767B-3861-4880-9DCE-DB2297AAE746}"/>
-              </a:ext>
-            </a:extLst>
-          </p:cNvPr>
+          <p:cNvPr id="4" name="Picture 3"/>
           <p:cNvPicPr>
-            <a:picLocks noGrp="1" noChangeAspect="1"/>
+            <a:picLocks noChangeAspect="1"/>
           </p:cNvPicPr>
-          <p:nvPr>
-            <p:ph idx="4294967295"/>
-          </p:nvPr>
+          <p:nvPr/>
         </p:nvPicPr>
         <p:blipFill>
-          <a:blip r:embed="rId2" cstate="print">
-            <a:extLst>
-              <a:ext uri="{28A0092B-C50C-407E-A947-70E740481C1C}">
-                <a14:useLocalDpi xmlns:a14="http://schemas.microsoft.com/office/drawing/2010/main" val="0"/>
-              </a:ext>
-            </a:extLst>
-          </a:blip>
+          <a:blip r:embed="rId2"/>
           <a:stretch>
             <a:fillRect/>
           </a:stretch>
         </p:blipFill>
         <p:spPr>
           <a:xfrm>
-            <a:off x="4583695" y="1393371"/>
-            <a:ext cx="6760498" cy="4512633"/>
+            <a:off x="-842095" y="-90048"/>
+            <a:ext cx="13876190" cy="7038095"/>
           </a:xfrm>
           <a:prstGeom prst="rect">
             <a:avLst/>
@@ -12406,6 +12313,13 @@
   <p:clrMapOvr>
     <a:masterClrMapping/>
   </p:clrMapOvr>
+  <p:timing>
+    <p:tnLst>
+      <p:par>
+        <p:cTn id="1" dur="indefinite" restart="never" nodeType="tmRoot"/>
+      </p:par>
+    </p:tnLst>
+  </p:timing>
 </p:sld>
 </file>
 

--- a/Material/JP-Project-Presentation-Template.pptx
+++ b/Material/JP-Project-Presentation-Template.pptx
@@ -1245,7 +1245,7 @@
         <a:lstStyle/>
         <a:p>
           <a:r>
-            <a:rPr lang="en-US" smtClean="0"/>
+            <a:rPr lang="en-US" dirty="0" smtClean="0"/>
             <a:t>Web Storage</a:t>
           </a:r>
           <a:endParaRPr lang="en-US" dirty="0"/>
@@ -2031,7 +2031,7 @@
             </a:spcAft>
           </a:pPr>
           <a:r>
-            <a:rPr lang="en-US" sz="2400" kern="1200" smtClean="0"/>
+            <a:rPr lang="en-US" sz="2400" kern="1200" dirty="0" smtClean="0"/>
             <a:t>Web Storage</a:t>
           </a:r>
           <a:endParaRPr lang="en-US" sz="2400" kern="1200" dirty="0"/>
@@ -8757,55 +8757,21 @@
           <a:lstStyle/>
           <a:p>
             <a:r>
-              <a:rPr lang="en-IN" sz="1250" dirty="0"/>
-              <a:t>The Vehicle Insurance Management System has been developed to override the problems prevailing in the existing manual system. So, the idea is to automate the existing manual system by developing full-fledged, error free, secure, reliable online solution that can store non-redundant and valuable data for a longer period and provide good performance and better services to the customer.</a:t>
-            </a:r>
-            <a:endParaRPr lang="en-US" sz="1250" dirty="0"/>
-          </a:p>
-          <a:p>
-            <a:r>
-              <a:rPr lang="en-IN" sz="1250" dirty="0"/>
-              <a:t>According to existing system, the agent would act as a mediator between the insurer (service provider) and the insured(Customer). It leads to excess charges of payment in terms of brokerage and token money to the Customer. Also, there are no means for tracking status of the insurance application issued for the Customer. The Customer validation is done only via staff of the service provider. </a:t>
-            </a:r>
-            <a:endParaRPr lang="en-IN" sz="1250" dirty="0" smtClean="0"/>
-          </a:p>
-          <a:p>
-            <a:r>
-              <a:rPr lang="en-IN" sz="1250" dirty="0"/>
-              <a:t>The proposed vehicle insurance policy system is a web-based application that aims to develop a complete and fully functional independent system to manage records of vehicle insurance companies. It is developed with the intent of providing such insurance companies and online platform for accurate processing, organized data handling and efficient retrieval and storage of </a:t>
+              <a:rPr lang="en-US" sz="1250" dirty="0" smtClean="0">
+                <a:solidFill>
+                  <a:srgbClr val="000000"/>
+                </a:solidFill>
+              </a:rPr>
+              <a:t>We offere</a:t>
             </a:r>
             <a:r>
-              <a:rPr lang="en-IN" sz="1250" dirty="0" smtClean="0"/>
-              <a:t>records</a:t>
+              <a:rPr lang="en-US" sz="1250" dirty="0" smtClean="0">
+                <a:solidFill>
+                  <a:srgbClr val="000000"/>
+                </a:solidFill>
+              </a:rPr>
+              <a:t>d Online Vehicle Insurance services such as Buy a Policy and having multiple functionality like queries and policies.	</a:t>
             </a:r>
-          </a:p>
-          <a:p>
-            <a:r>
-              <a:rPr lang="en-IN" sz="1250" dirty="0"/>
-              <a:t>The Key Features of the Proposed System are:</a:t>
-            </a:r>
-            <a:endParaRPr lang="en-US" sz="1250" dirty="0"/>
-          </a:p>
-          <a:p>
-            <a:pPr lvl="1"/>
-            <a:r>
-              <a:rPr lang="en-IN" sz="1250" dirty="0"/>
-              <a:t>Proper management of vehicle insurance details like add new vehicle details, modify existing records, delete existing records etc</a:t>
-            </a:r>
-            <a:r>
-              <a:rPr lang="en-IN" sz="1250" dirty="0" smtClean="0"/>
-              <a:t>.</a:t>
-            </a:r>
-          </a:p>
-          <a:p>
-            <a:pPr lvl="1"/>
-            <a:r>
-              <a:rPr lang="en-IN" sz="1250" dirty="0" smtClean="0"/>
-              <a:t>The system provide facilities such as Buy a policy, renew policy, view policy, raise a Query, view Query.</a:t>
-            </a:r>
-            <a:endParaRPr lang="en-US" sz="1250" dirty="0"/>
-          </a:p>
-          <a:p>
             <a:endParaRPr lang="en-US" sz="1250" dirty="0">
               <a:solidFill>
                 <a:srgbClr val="000000"/>
@@ -12078,7 +12044,7 @@
       </p:sp>
       <p:pic>
         <p:nvPicPr>
-          <p:cNvPr id="4" name="Picture 3"/>
+          <p:cNvPr id="19" name="Picture 18"/>
           <p:cNvPicPr>
             <a:picLocks noChangeAspect="1"/>
           </p:cNvPicPr>
@@ -12092,8 +12058,8 @@
         </p:blipFill>
         <p:spPr>
           <a:xfrm>
-            <a:off x="4829577" y="573387"/>
-            <a:ext cx="7199292" cy="5882222"/>
+            <a:off x="-589805" y="-2"/>
+            <a:ext cx="11956306" cy="6858002"/>
           </a:xfrm>
           <a:prstGeom prst="rect">
             <a:avLst/>
